--- a/PPT/G01小组项目介绍(1.2）PPT.pptx
+++ b/PPT/G01小组项目介绍(1.2）PPT.pptx
@@ -3,31 +3,31 @@
 <p:presentation xmlns:a="http://schemas.openxmlformats.org/drawingml/2006/main" xmlns:r="http://schemas.openxmlformats.org/officeDocument/2006/relationships" xmlns:p="http://schemas.openxmlformats.org/presentationml/2006/main">
   <p:sldMasterIdLst>
     <p:sldMasterId id="2147483648" r:id="rId1"/>
-    <p:sldMasterId id="2147483660" r:id="rId2"/>
-    <p:sldMasterId id="2147483672" r:id="rId3"/>
+    <p:sldMasterId id="2147483660" r:id="rId3"/>
+    <p:sldMasterId id="2147483672" r:id="rId4"/>
   </p:sldMasterIdLst>
   <p:notesMasterIdLst>
-    <p:notesMasterId r:id="rId17"/>
+    <p:notesMasterId r:id="rId6"/>
   </p:notesMasterIdLst>
   <p:sldIdLst>
-    <p:sldId id="257" r:id="rId4"/>
-    <p:sldId id="348" r:id="rId5"/>
-    <p:sldId id="347" r:id="rId6"/>
-    <p:sldId id="305" r:id="rId7"/>
-    <p:sldId id="307" r:id="rId8"/>
-    <p:sldId id="349" r:id="rId9"/>
-    <p:sldId id="360" r:id="rId10"/>
-    <p:sldId id="358" r:id="rId11"/>
-    <p:sldId id="359" r:id="rId12"/>
-    <p:sldId id="304" r:id="rId13"/>
-    <p:sldId id="301" r:id="rId14"/>
-    <p:sldId id="303" r:id="rId15"/>
-    <p:sldId id="298" r:id="rId16"/>
+    <p:sldId id="257" r:id="rId5"/>
+    <p:sldId id="348" r:id="rId7"/>
+    <p:sldId id="347" r:id="rId8"/>
+    <p:sldId id="305" r:id="rId9"/>
+    <p:sldId id="307" r:id="rId10"/>
+    <p:sldId id="349" r:id="rId11"/>
+    <p:sldId id="360" r:id="rId12"/>
+    <p:sldId id="358" r:id="rId13"/>
+    <p:sldId id="359" r:id="rId14"/>
+    <p:sldId id="304" r:id="rId15"/>
+    <p:sldId id="301" r:id="rId16"/>
+    <p:sldId id="303" r:id="rId17"/>
+    <p:sldId id="298" r:id="rId18"/>
   </p:sldIdLst>
   <p:sldSz cx="9144000" cy="6858000" type="screen4x3"/>
   <p:notesSz cx="6858000" cy="9144000"/>
   <p:custDataLst>
-    <p:tags r:id="rId18"/>
+    <p:tags r:id="rId23"/>
   </p:custDataLst>
   <p:defaultTextStyle>
     <a:defPPr>
@@ -214,22 +214,6 @@
       </a:defRPr>
     </a:lvl9pPr>
   </p:defaultTextStyle>
-  <p:extLst>
-    <p:ext uri="{EFAFB233-063F-42B5-8137-9DF3F51BA10A}">
-      <p15:sldGuideLst xmlns:p15="http://schemas.microsoft.com/office/powerpoint/2012/main">
-        <p15:guide id="1" orient="horz" pos="2224">
-          <p15:clr>
-            <a:srgbClr val="A4A3A4"/>
-          </p15:clr>
-        </p15:guide>
-        <p15:guide id="2" pos="2880">
-          <p15:clr>
-            <a:srgbClr val="A4A3A4"/>
-          </p15:clr>
-        </p15:guide>
-      </p15:sldGuideLst>
-    </p:ext>
-  </p:extLst>
 </p:presentation>
 </file>
 
@@ -321,7 +305,6 @@
           <a:p>
             <a:fld id="{D2A48B96-639E-45A3-A0BA-2464DFDB1FAA}" type="datetimeFigureOut">
               <a:rPr lang="zh-CN" altLang="en-US" smtClean="0"/>
-              <a:t>2020/10/14</a:t>
             </a:fld>
             <a:endParaRPr lang="zh-CN" altLang="en-US"/>
           </a:p>
@@ -388,6 +371,7 @@
               <a:rPr lang="zh-CN" altLang="en-US"/>
               <a:t>单击此处编辑母版文本样式</a:t>
             </a:r>
+            <a:endParaRPr lang="zh-CN" altLang="en-US"/>
           </a:p>
           <a:p>
             <a:pPr lvl="1"/>
@@ -395,6 +379,7 @@
               <a:rPr lang="zh-CN" altLang="en-US"/>
               <a:t>第二级</a:t>
             </a:r>
+            <a:endParaRPr lang="zh-CN" altLang="en-US"/>
           </a:p>
           <a:p>
             <a:pPr lvl="2"/>
@@ -402,6 +387,7 @@
               <a:rPr lang="zh-CN" altLang="en-US"/>
               <a:t>第三级</a:t>
             </a:r>
+            <a:endParaRPr lang="zh-CN" altLang="en-US"/>
           </a:p>
           <a:p>
             <a:pPr lvl="3"/>
@@ -409,6 +395,7 @@
               <a:rPr lang="zh-CN" altLang="en-US"/>
               <a:t>第四级</a:t>
             </a:r>
+            <a:endParaRPr lang="zh-CN" altLang="en-US"/>
           </a:p>
           <a:p>
             <a:pPr lvl="4"/>
@@ -416,6 +403,7 @@
               <a:rPr lang="zh-CN" altLang="en-US"/>
               <a:t>第五级</a:t>
             </a:r>
+            <a:endParaRPr lang="zh-CN" altLang="en-US"/>
           </a:p>
         </p:txBody>
       </p:sp>
@@ -479,18 +467,12 @@
           <a:p>
             <a:fld id="{A6837353-30EB-4A48-80EB-173D804AEFBD}" type="slidenum">
               <a:rPr lang="zh-CN" altLang="en-US" smtClean="0"/>
-              <a:t>‹#›</a:t>
             </a:fld>
             <a:endParaRPr lang="zh-CN" altLang="en-US"/>
           </a:p>
         </p:txBody>
       </p:sp>
     </p:spTree>
-    <p:extLst>
-      <p:ext uri="{BB962C8B-B14F-4D97-AF65-F5344CB8AC3E}">
-        <p14:creationId xmlns:p14="http://schemas.microsoft.com/office/powerpoint/2010/main" val="1186602459"/>
-      </p:ext>
-    </p:extLst>
   </p:cSld>
   <p:clrMap bg1="lt1" tx1="dk1" bg2="lt2" tx2="dk2" accent1="accent1" accent2="accent2" accent3="accent3" accent4="accent4" accent5="accent5" accent6="accent6" hlink="hlink" folHlink="folHlink"/>
   <p:notesStyle>
@@ -653,18 +635,12 @@
           <a:p>
             <a:fld id="{430C8E17-6E6C-421A-9820-B576FE7D3070}" type="slidenum">
               <a:rPr lang="zh-CN" altLang="en-US" smtClean="0"/>
-              <a:t>1</a:t>
             </a:fld>
             <a:endParaRPr lang="zh-CN" altLang="en-US"/>
           </a:p>
         </p:txBody>
       </p:sp>
     </p:spTree>
-    <p:extLst>
-      <p:ext uri="{BB962C8B-B14F-4D97-AF65-F5344CB8AC3E}">
-        <p14:creationId xmlns:p14="http://schemas.microsoft.com/office/powerpoint/2010/main" val="2055521308"/>
-      </p:ext>
-    </p:extLst>
   </p:cSld>
   <p:clrMapOvr>
     <a:masterClrMapping/>
@@ -737,18 +713,12 @@
           <a:p>
             <a:fld id="{28085199-D7E7-416F-9D71-3AF4885C2DF5}" type="slidenum">
               <a:rPr lang="zh-CN" altLang="en-US" smtClean="0"/>
-              <a:t>2</a:t>
             </a:fld>
             <a:endParaRPr lang="zh-CN" altLang="en-US"/>
           </a:p>
         </p:txBody>
       </p:sp>
     </p:spTree>
-    <p:extLst>
-      <p:ext uri="{BB962C8B-B14F-4D97-AF65-F5344CB8AC3E}">
-        <p14:creationId xmlns:p14="http://schemas.microsoft.com/office/powerpoint/2010/main" val="1843190405"/>
-      </p:ext>
-    </p:extLst>
   </p:cSld>
   <p:clrMapOvr>
     <a:masterClrMapping/>
@@ -821,18 +791,12 @@
           <a:p>
             <a:fld id="{28085199-D7E7-416F-9D71-3AF4885C2DF5}" type="slidenum">
               <a:rPr lang="zh-CN" altLang="en-US" smtClean="0"/>
-              <a:t>11</a:t>
             </a:fld>
             <a:endParaRPr lang="zh-CN" altLang="en-US"/>
           </a:p>
         </p:txBody>
       </p:sp>
     </p:spTree>
-    <p:extLst>
-      <p:ext uri="{BB962C8B-B14F-4D97-AF65-F5344CB8AC3E}">
-        <p14:creationId xmlns:p14="http://schemas.microsoft.com/office/powerpoint/2010/main" val="840312021"/>
-      </p:ext>
-    </p:extLst>
   </p:cSld>
   <p:clrMapOvr>
     <a:masterClrMapping/>
@@ -905,18 +869,12 @@
           <a:p>
             <a:fld id="{28085199-D7E7-416F-9D71-3AF4885C2DF5}" type="slidenum">
               <a:rPr lang="zh-CN" altLang="en-US" smtClean="0"/>
-              <a:t>13</a:t>
             </a:fld>
             <a:endParaRPr lang="zh-CN" altLang="en-US"/>
           </a:p>
         </p:txBody>
       </p:sp>
     </p:spTree>
-    <p:extLst>
-      <p:ext uri="{BB962C8B-B14F-4D97-AF65-F5344CB8AC3E}">
-        <p14:creationId xmlns:p14="http://schemas.microsoft.com/office/powerpoint/2010/main" val="2163353741"/>
-      </p:ext>
-    </p:extLst>
   </p:cSld>
   <p:clrMapOvr>
     <a:masterClrMapping/>
@@ -930,7 +888,7 @@
     <p:bg>
       <p:bgPr>
         <a:blipFill dpi="0" rotWithShape="1">
-          <a:blip r:embed="rId14">
+          <a:blip r:embed="rId2">
             <a:lum/>
           </a:blip>
           <a:srcRect/>
@@ -961,7 +919,7 @@
           <p:cNvSpPr/>
           <p:nvPr>
             <p:custDataLst>
-              <p:tags r:id="rId1"/>
+              <p:tags r:id="rId3"/>
             </p:custDataLst>
           </p:nvPr>
         </p:nvSpPr>
@@ -1055,7 +1013,7 @@
           <p:cNvSpPr/>
           <p:nvPr>
             <p:custDataLst>
-              <p:tags r:id="rId2"/>
+              <p:tags r:id="rId4"/>
             </p:custDataLst>
           </p:nvPr>
         </p:nvSpPr>
@@ -1111,7 +1069,7 @@
           <p:cNvGrpSpPr/>
           <p:nvPr>
             <p:custDataLst>
-              <p:tags r:id="rId3"/>
+              <p:tags r:id="rId5"/>
             </p:custDataLst>
           </p:nvPr>
         </p:nvGrpSpPr>
@@ -1129,7 +1087,7 @@
             <p:cNvCxnSpPr/>
             <p:nvPr>
               <p:custDataLst>
-                <p:tags r:id="rId11"/>
+                <p:tags r:id="rId6"/>
               </p:custDataLst>
             </p:nvPr>
           </p:nvCxnSpPr>
@@ -1168,7 +1126,7 @@
             <p:cNvCxnSpPr/>
             <p:nvPr>
               <p:custDataLst>
-                <p:tags r:id="rId12"/>
+                <p:tags r:id="rId7"/>
               </p:custDataLst>
             </p:nvPr>
           </p:nvCxnSpPr>
@@ -1211,7 +1169,7 @@
           <p:nvPr>
             <p:ph type="ctrTitle" hasCustomPrompt="1"/>
             <p:custDataLst>
-              <p:tags r:id="rId4"/>
+              <p:tags r:id="rId8"/>
             </p:custDataLst>
           </p:nvPr>
         </p:nvSpPr>
@@ -1236,6 +1194,7 @@
               <a:rPr lang="zh-CN" altLang="en-US" dirty="0"/>
               <a:t>编版标题</a:t>
             </a:r>
+            <a:endParaRPr lang="zh-CN" altLang="en-US" dirty="0"/>
           </a:p>
         </p:txBody>
       </p:sp>
@@ -1248,7 +1207,7 @@
           <p:nvPr>
             <p:ph type="subTitle" idx="1" hasCustomPrompt="1"/>
             <p:custDataLst>
-              <p:tags r:id="rId5"/>
+              <p:tags r:id="rId9"/>
             </p:custDataLst>
           </p:nvPr>
         </p:nvSpPr>
@@ -1307,6 +1266,7 @@
               <a:rPr lang="zh-CN" altLang="en-US" dirty="0"/>
               <a:t>编辑副标题</a:t>
             </a:r>
+            <a:endParaRPr lang="zh-CN" altLang="en-US" dirty="0"/>
           </a:p>
         </p:txBody>
       </p:sp>
@@ -1319,7 +1279,7 @@
           <p:nvPr>
             <p:ph type="dt" sz="half" idx="10"/>
             <p:custDataLst>
-              <p:tags r:id="rId6"/>
+              <p:tags r:id="rId10"/>
             </p:custDataLst>
           </p:nvPr>
         </p:nvSpPr>
@@ -1330,7 +1290,6 @@
           <a:p>
             <a:fld id="{760FBDFE-C587-4B4C-A407-44438C67B59E}" type="datetimeFigureOut">
               <a:rPr lang="zh-CN" altLang="en-US" smtClean="0"/>
-              <a:t>2020/10/14</a:t>
             </a:fld>
             <a:endParaRPr lang="zh-CN" altLang="en-US"/>
           </a:p>
@@ -1345,7 +1304,7 @@
           <p:nvPr>
             <p:ph type="ftr" sz="quarter" idx="11"/>
             <p:custDataLst>
-              <p:tags r:id="rId7"/>
+              <p:tags r:id="rId11"/>
             </p:custDataLst>
           </p:nvPr>
         </p:nvSpPr>
@@ -1367,7 +1326,7 @@
           <p:nvPr>
             <p:ph type="sldNum" sz="quarter" idx="12"/>
             <p:custDataLst>
-              <p:tags r:id="rId8"/>
+              <p:tags r:id="rId12"/>
             </p:custDataLst>
           </p:nvPr>
         </p:nvSpPr>
@@ -1378,7 +1337,6 @@
           <a:p>
             <a:fld id="{49AE70B2-8BF9-45C0-BB95-33D1B9D3A854}" type="slidenum">
               <a:rPr lang="zh-CN" altLang="en-US" smtClean="0"/>
-              <a:t>‹#›</a:t>
             </a:fld>
             <a:endParaRPr lang="zh-CN" altLang="en-US" dirty="0"/>
           </a:p>
@@ -1393,7 +1351,7 @@
           <p:nvPr>
             <p:ph type="body" sz="quarter" idx="13" hasCustomPrompt="1"/>
             <p:custDataLst>
-              <p:tags r:id="rId9"/>
+              <p:tags r:id="rId13"/>
             </p:custDataLst>
           </p:nvPr>
         </p:nvSpPr>
@@ -1425,6 +1383,7 @@
               <a:rPr lang="zh-CN" altLang="en-US" dirty="0"/>
               <a:t>编辑文本</a:t>
             </a:r>
+            <a:endParaRPr lang="zh-CN" altLang="en-US" dirty="0"/>
           </a:p>
         </p:txBody>
       </p:sp>
@@ -1436,7 +1395,7 @@
           </p:cNvPicPr>
           <p:nvPr>
             <p:custDataLst>
-              <p:tags r:id="rId10"/>
+              <p:tags r:id="rId14"/>
             </p:custDataLst>
           </p:nvPr>
         </p:nvPicPr>
@@ -1511,13 +1470,13 @@
   <p:clrMapOvr>
     <a:masterClrMapping/>
   </p:clrMapOvr>
-  <mc:AlternateContent xmlns:mc="http://schemas.openxmlformats.org/markup-compatibility/2006" xmlns:p15="http://schemas.microsoft.com/office/powerpoint/2012/main">
-    <mc:Choice Requires="p15">
-      <p:transition xmlns:p14="http://schemas.microsoft.com/office/powerpoint/2010/main" spd="slow" p14:dur="1250">
+  <mc:AlternateContent xmlns:mc="http://schemas.openxmlformats.org/markup-compatibility/2006">
+    <mc:Choice xmlns:p15="http://schemas.microsoft.com/office/powerpoint/2012/main" Requires="p15">
+      <p:transition xmlns:p14="http://schemas.microsoft.com/office/powerpoint/2010/main" spd="slow" Requires="p14" p14:dur="1250">
         <p15:prstTrans prst="pageCurlDouble"/>
       </p:transition>
     </mc:Choice>
-    <mc:Fallback xmlns="">
+    <mc:Fallback>
       <p:transition spd="slow">
         <p:fade/>
       </p:transition>
@@ -1552,7 +1511,7 @@
           <p:nvPr>
             <p:ph type="dt" sz="half" idx="10"/>
             <p:custDataLst>
-              <p:tags r:id="rId1"/>
+              <p:tags r:id="rId2"/>
             </p:custDataLst>
           </p:nvPr>
         </p:nvSpPr>
@@ -1563,7 +1522,6 @@
           <a:p>
             <a:fld id="{760FBDFE-C587-4B4C-A407-44438C67B59E}" type="datetimeFigureOut">
               <a:rPr lang="zh-CN" altLang="en-US" smtClean="0"/>
-              <a:t>2020/10/14</a:t>
             </a:fld>
             <a:endParaRPr lang="zh-CN" altLang="en-US"/>
           </a:p>
@@ -1578,7 +1536,7 @@
           <p:nvPr>
             <p:ph type="ftr" sz="quarter" idx="11"/>
             <p:custDataLst>
-              <p:tags r:id="rId2"/>
+              <p:tags r:id="rId3"/>
             </p:custDataLst>
           </p:nvPr>
         </p:nvSpPr>
@@ -1600,7 +1558,7 @@
           <p:nvPr>
             <p:ph type="sldNum" sz="quarter" idx="12"/>
             <p:custDataLst>
-              <p:tags r:id="rId3"/>
+              <p:tags r:id="rId4"/>
             </p:custDataLst>
           </p:nvPr>
         </p:nvSpPr>
@@ -1611,7 +1569,6 @@
           <a:p>
             <a:fld id="{49AE70B2-8BF9-45C0-BB95-33D1B9D3A854}" type="slidenum">
               <a:rPr lang="zh-CN" altLang="en-US" smtClean="0"/>
-              <a:t>‹#›</a:t>
             </a:fld>
             <a:endParaRPr lang="zh-CN" altLang="en-US"/>
           </a:p>
@@ -1626,7 +1583,7 @@
           <p:nvPr>
             <p:ph sz="quarter" idx="13"/>
             <p:custDataLst>
-              <p:tags r:id="rId4"/>
+              <p:tags r:id="rId5"/>
             </p:custDataLst>
           </p:nvPr>
         </p:nvSpPr>
@@ -1676,6 +1633,7 @@
               <a:rPr lang="zh-CN" altLang="en-US" dirty="0"/>
               <a:t>单击此处编辑母版文本样式</a:t>
             </a:r>
+            <a:endParaRPr lang="zh-CN" altLang="en-US" dirty="0"/>
           </a:p>
           <a:p>
             <a:pPr lvl="1"/>
@@ -1683,6 +1641,7 @@
               <a:rPr lang="zh-CN" altLang="en-US" dirty="0"/>
               <a:t>第二级</a:t>
             </a:r>
+            <a:endParaRPr lang="zh-CN" altLang="en-US" dirty="0"/>
           </a:p>
           <a:p>
             <a:pPr lvl="2"/>
@@ -1690,6 +1649,7 @@
               <a:rPr lang="zh-CN" altLang="en-US" dirty="0"/>
               <a:t>第三级</a:t>
             </a:r>
+            <a:endParaRPr lang="zh-CN" altLang="en-US" dirty="0"/>
           </a:p>
           <a:p>
             <a:pPr lvl="3"/>
@@ -1697,6 +1657,7 @@
               <a:rPr lang="zh-CN" altLang="en-US" dirty="0"/>
               <a:t>第四级</a:t>
             </a:r>
+            <a:endParaRPr lang="zh-CN" altLang="en-US" dirty="0"/>
           </a:p>
           <a:p>
             <a:pPr lvl="4"/>
@@ -1704,6 +1665,7 @@
               <a:rPr lang="zh-CN" altLang="en-US" dirty="0"/>
               <a:t>第五级</a:t>
             </a:r>
+            <a:endParaRPr lang="zh-CN" altLang="en-US" dirty="0"/>
           </a:p>
         </p:txBody>
       </p:sp>
@@ -1712,13 +1674,13 @@
   <p:clrMapOvr>
     <a:masterClrMapping/>
   </p:clrMapOvr>
-  <mc:AlternateContent xmlns:mc="http://schemas.openxmlformats.org/markup-compatibility/2006" xmlns:p15="http://schemas.microsoft.com/office/powerpoint/2012/main">
-    <mc:Choice Requires="p15">
-      <p:transition xmlns:p14="http://schemas.microsoft.com/office/powerpoint/2010/main" spd="slow" p14:dur="1250">
+  <mc:AlternateContent xmlns:mc="http://schemas.openxmlformats.org/markup-compatibility/2006">
+    <mc:Choice xmlns:p15="http://schemas.microsoft.com/office/powerpoint/2012/main" Requires="p15">
+      <p:transition xmlns:p14="http://schemas.microsoft.com/office/powerpoint/2010/main" spd="slow" Requires="p14" p14:dur="1250">
         <p15:prstTrans prst="pageCurlDouble"/>
       </p:transition>
     </mc:Choice>
-    <mc:Fallback xmlns="">
+    <mc:Fallback>
       <p:transition spd="slow">
         <p:fade/>
       </p:transition>
@@ -1750,7 +1712,7 @@
           <p:cNvSpPr/>
           <p:nvPr>
             <p:custDataLst>
-              <p:tags r:id="rId1"/>
+              <p:tags r:id="rId2"/>
             </p:custDataLst>
           </p:nvPr>
         </p:nvSpPr>
@@ -1844,7 +1806,7 @@
           <p:cNvGrpSpPr/>
           <p:nvPr>
             <p:custDataLst>
-              <p:tags r:id="rId2"/>
+              <p:tags r:id="rId3"/>
             </p:custDataLst>
           </p:nvPr>
         </p:nvGrpSpPr>
@@ -1862,7 +1824,7 @@
             <p:cNvCxnSpPr/>
             <p:nvPr>
               <p:custDataLst>
-                <p:tags r:id="rId8"/>
+                <p:tags r:id="rId4"/>
               </p:custDataLst>
             </p:nvPr>
           </p:nvCxnSpPr>
@@ -1901,7 +1863,7 @@
             <p:cNvCxnSpPr/>
             <p:nvPr>
               <p:custDataLst>
-                <p:tags r:id="rId9"/>
+                <p:tags r:id="rId5"/>
               </p:custDataLst>
             </p:nvPr>
           </p:nvCxnSpPr>
@@ -1943,12 +1905,12 @@
           </p:cNvPicPr>
           <p:nvPr>
             <p:custDataLst>
-              <p:tags r:id="rId3"/>
+              <p:tags r:id="rId6"/>
             </p:custDataLst>
           </p:nvPr>
         </p:nvPicPr>
         <p:blipFill rotWithShape="1">
-          <a:blip r:embed="rId11" cstate="print">
+          <a:blip r:embed="rId7" cstate="print">
             <a:extLst>
               <a:ext uri="{28A0092B-C50C-407E-A947-70E740481C1C}">
                 <a14:useLocalDpi xmlns:a14="http://schemas.microsoft.com/office/drawing/2010/main" val="0"/>
@@ -2030,7 +1992,7 @@
           <p:nvPr>
             <p:ph type="title" hasCustomPrompt="1"/>
             <p:custDataLst>
-              <p:tags r:id="rId4"/>
+              <p:tags r:id="rId8"/>
             </p:custDataLst>
           </p:nvPr>
         </p:nvSpPr>
@@ -2054,6 +2016,7 @@
               <a:rPr lang="zh-CN" altLang="en-US" dirty="0"/>
               <a:t>编辑标题</a:t>
             </a:r>
+            <a:endParaRPr lang="zh-CN" altLang="en-US" dirty="0"/>
           </a:p>
         </p:txBody>
       </p:sp>
@@ -2066,7 +2029,7 @@
           <p:nvPr>
             <p:ph type="dt" sz="half" idx="10"/>
             <p:custDataLst>
-              <p:tags r:id="rId5"/>
+              <p:tags r:id="rId9"/>
             </p:custDataLst>
           </p:nvPr>
         </p:nvSpPr>
@@ -2077,7 +2040,6 @@
           <a:p>
             <a:fld id="{760FBDFE-C587-4B4C-A407-44438C67B59E}" type="datetimeFigureOut">
               <a:rPr lang="zh-CN" altLang="en-US" smtClean="0"/>
-              <a:t>2020/10/14</a:t>
             </a:fld>
             <a:endParaRPr lang="zh-CN" altLang="en-US"/>
           </a:p>
@@ -2092,7 +2054,7 @@
           <p:nvPr>
             <p:ph type="ftr" sz="quarter" idx="11"/>
             <p:custDataLst>
-              <p:tags r:id="rId6"/>
+              <p:tags r:id="rId10"/>
             </p:custDataLst>
           </p:nvPr>
         </p:nvSpPr>
@@ -2114,7 +2076,7 @@
           <p:nvPr>
             <p:ph type="sldNum" sz="quarter" idx="12"/>
             <p:custDataLst>
-              <p:tags r:id="rId7"/>
+              <p:tags r:id="rId11"/>
             </p:custDataLst>
           </p:nvPr>
         </p:nvSpPr>
@@ -2125,7 +2087,6 @@
           <a:p>
             <a:fld id="{49AE70B2-8BF9-45C0-BB95-33D1B9D3A854}" type="slidenum">
               <a:rPr lang="zh-CN" altLang="en-US" smtClean="0"/>
-              <a:t>‹#›</a:t>
             </a:fld>
             <a:endParaRPr lang="zh-CN" altLang="en-US"/>
           </a:p>
@@ -2136,13 +2097,13 @@
   <p:clrMapOvr>
     <a:masterClrMapping/>
   </p:clrMapOvr>
-  <mc:AlternateContent xmlns:mc="http://schemas.openxmlformats.org/markup-compatibility/2006" xmlns:p15="http://schemas.microsoft.com/office/powerpoint/2012/main">
-    <mc:Choice Requires="p15">
-      <p:transition xmlns:p14="http://schemas.microsoft.com/office/powerpoint/2010/main" spd="slow" p14:dur="1250">
+  <mc:AlternateContent xmlns:mc="http://schemas.openxmlformats.org/markup-compatibility/2006">
+    <mc:Choice xmlns:p15="http://schemas.microsoft.com/office/powerpoint/2012/main" Requires="p15">
+      <p:transition xmlns:p14="http://schemas.microsoft.com/office/powerpoint/2010/main" spd="slow" Requires="p14" p14:dur="1250">
         <p15:prstTrans prst="pageCurlDouble"/>
       </p:transition>
     </mc:Choice>
-    <mc:Fallback xmlns="">
+    <mc:Fallback>
       <p:transition spd="slow">
         <p:fade/>
       </p:transition>
@@ -2196,6 +2157,7 @@
               <a:rPr lang="zh-CN" altLang="en-US"/>
               <a:t>单击此处编辑母版标题样式</a:t>
             </a:r>
+            <a:endParaRPr lang="zh-CN" altLang="en-US"/>
           </a:p>
         </p:txBody>
       </p:sp>
@@ -2260,6 +2222,7 @@
               <a:rPr lang="zh-CN" altLang="en-US"/>
               <a:t>单击此处编辑母版副标题样式</a:t>
             </a:r>
+            <a:endParaRPr lang="zh-CN" altLang="en-US"/>
           </a:p>
         </p:txBody>
       </p:sp>
@@ -2327,7 +2290,6 @@
               <a:rPr lang="zh-CN" altLang="en-US">
                 <a:latin typeface="Arial" panose="020B0604020202020204" pitchFamily="34" charset="0"/>
               </a:rPr>
-              <a:t>‹#›</a:t>
             </a:fld>
             <a:endParaRPr lang="zh-CN" altLang="en-US">
               <a:latin typeface="Arial" panose="020B0604020202020204" pitchFamily="34" charset="0"/>
@@ -2340,13 +2302,13 @@
   <p:clrMapOvr>
     <a:masterClrMapping/>
   </p:clrMapOvr>
-  <mc:AlternateContent xmlns:mc="http://schemas.openxmlformats.org/markup-compatibility/2006" xmlns:p15="http://schemas.microsoft.com/office/powerpoint/2012/main">
-    <mc:Choice Requires="p15">
-      <p:transition xmlns:p14="http://schemas.microsoft.com/office/powerpoint/2010/main" spd="slow" p14:dur="1250">
+  <mc:AlternateContent xmlns:mc="http://schemas.openxmlformats.org/markup-compatibility/2006">
+    <mc:Choice xmlns:p15="http://schemas.microsoft.com/office/powerpoint/2012/main" Requires="p15">
+      <p:transition xmlns:p14="http://schemas.microsoft.com/office/powerpoint/2010/main" spd="slow" Requires="p14" p14:dur="1250">
         <p15:prstTrans prst="pageCurlDouble"/>
       </p:transition>
     </mc:Choice>
-    <mc:Fallback xmlns="">
+    <mc:Fallback>
       <p:transition spd="slow">
         <p:fade/>
       </p:transition>
@@ -2391,6 +2353,7 @@
               <a:rPr lang="zh-CN" altLang="en-US"/>
               <a:t>单击此处编辑母版标题样式</a:t>
             </a:r>
+            <a:endParaRPr lang="zh-CN" altLang="en-US"/>
           </a:p>
         </p:txBody>
       </p:sp>
@@ -2414,6 +2377,7 @@
               <a:rPr lang="zh-CN" altLang="en-US"/>
               <a:t>单击此处编辑母版文本样式</a:t>
             </a:r>
+            <a:endParaRPr lang="zh-CN" altLang="en-US"/>
           </a:p>
           <a:p>
             <a:pPr lvl="1"/>
@@ -2421,6 +2385,7 @@
               <a:rPr lang="zh-CN" altLang="en-US"/>
               <a:t>第二级</a:t>
             </a:r>
+            <a:endParaRPr lang="zh-CN" altLang="en-US"/>
           </a:p>
           <a:p>
             <a:pPr lvl="2"/>
@@ -2428,6 +2393,7 @@
               <a:rPr lang="zh-CN" altLang="en-US"/>
               <a:t>第三级</a:t>
             </a:r>
+            <a:endParaRPr lang="zh-CN" altLang="en-US"/>
           </a:p>
           <a:p>
             <a:pPr lvl="3"/>
@@ -2435,6 +2401,7 @@
               <a:rPr lang="zh-CN" altLang="en-US"/>
               <a:t>第四级</a:t>
             </a:r>
+            <a:endParaRPr lang="zh-CN" altLang="en-US"/>
           </a:p>
           <a:p>
             <a:pPr lvl="4"/>
@@ -2442,6 +2409,7 @@
               <a:rPr lang="zh-CN" altLang="en-US"/>
               <a:t>第五级</a:t>
             </a:r>
+            <a:endParaRPr lang="zh-CN" altLang="en-US"/>
           </a:p>
         </p:txBody>
       </p:sp>
@@ -2509,7 +2477,6 @@
               <a:rPr lang="zh-CN" altLang="en-US">
                 <a:latin typeface="Arial" panose="020B0604020202020204" pitchFamily="34" charset="0"/>
               </a:rPr>
-              <a:t>‹#›</a:t>
             </a:fld>
             <a:endParaRPr lang="zh-CN" altLang="en-US">
               <a:latin typeface="Arial" panose="020B0604020202020204" pitchFamily="34" charset="0"/>
@@ -2522,13 +2489,13 @@
   <p:clrMapOvr>
     <a:masterClrMapping/>
   </p:clrMapOvr>
-  <mc:AlternateContent xmlns:mc="http://schemas.openxmlformats.org/markup-compatibility/2006" xmlns:p15="http://schemas.microsoft.com/office/powerpoint/2012/main">
-    <mc:Choice Requires="p15">
-      <p:transition xmlns:p14="http://schemas.microsoft.com/office/powerpoint/2010/main" spd="slow" p14:dur="1250">
+  <mc:AlternateContent xmlns:mc="http://schemas.openxmlformats.org/markup-compatibility/2006">
+    <mc:Choice xmlns:p15="http://schemas.microsoft.com/office/powerpoint/2012/main" Requires="p15">
+      <p:transition xmlns:p14="http://schemas.microsoft.com/office/powerpoint/2010/main" spd="slow" Requires="p14" p14:dur="1250">
         <p15:prstTrans prst="pageCurlDouble"/>
       </p:transition>
     </mc:Choice>
-    <mc:Fallback xmlns="">
+    <mc:Fallback>
       <p:transition spd="slow">
         <p:fade/>
       </p:transition>
@@ -2582,6 +2549,7 @@
               <a:rPr lang="zh-CN" altLang="en-US"/>
               <a:t>单击此处编辑母版标题样式</a:t>
             </a:r>
+            <a:endParaRPr lang="zh-CN" altLang="en-US"/>
           </a:p>
         </p:txBody>
       </p:sp>
@@ -2701,6 +2669,7 @@
               <a:rPr lang="zh-CN" altLang="en-US"/>
               <a:t>单击此处编辑母版文本样式</a:t>
             </a:r>
+            <a:endParaRPr lang="zh-CN" altLang="en-US"/>
           </a:p>
         </p:txBody>
       </p:sp>
@@ -2768,7 +2737,6 @@
               <a:rPr lang="zh-CN" altLang="en-US">
                 <a:latin typeface="Arial" panose="020B0604020202020204" pitchFamily="34" charset="0"/>
               </a:rPr>
-              <a:t>‹#›</a:t>
             </a:fld>
             <a:endParaRPr lang="zh-CN" altLang="en-US">
               <a:latin typeface="Arial" panose="020B0604020202020204" pitchFamily="34" charset="0"/>
@@ -2781,13 +2749,13 @@
   <p:clrMapOvr>
     <a:masterClrMapping/>
   </p:clrMapOvr>
-  <mc:AlternateContent xmlns:mc="http://schemas.openxmlformats.org/markup-compatibility/2006" xmlns:p15="http://schemas.microsoft.com/office/powerpoint/2012/main">
-    <mc:Choice Requires="p15">
-      <p:transition xmlns:p14="http://schemas.microsoft.com/office/powerpoint/2010/main" spd="slow" p14:dur="1250">
+  <mc:AlternateContent xmlns:mc="http://schemas.openxmlformats.org/markup-compatibility/2006">
+    <mc:Choice xmlns:p15="http://schemas.microsoft.com/office/powerpoint/2012/main" Requires="p15">
+      <p:transition xmlns:p14="http://schemas.microsoft.com/office/powerpoint/2010/main" spd="slow" Requires="p14" p14:dur="1250">
         <p15:prstTrans prst="pageCurlDouble"/>
       </p:transition>
     </mc:Choice>
-    <mc:Fallback xmlns="">
+    <mc:Fallback>
       <p:transition spd="slow">
         <p:fade/>
       </p:transition>
@@ -2832,6 +2800,7 @@
               <a:rPr lang="zh-CN" altLang="en-US"/>
               <a:t>单击此处编辑母版标题样式</a:t>
             </a:r>
+            <a:endParaRPr lang="zh-CN" altLang="en-US"/>
           </a:p>
         </p:txBody>
       </p:sp>
@@ -2860,6 +2829,7 @@
               <a:rPr lang="zh-CN" altLang="en-US"/>
               <a:t>单击此处编辑母版文本样式</a:t>
             </a:r>
+            <a:endParaRPr lang="zh-CN" altLang="en-US"/>
           </a:p>
           <a:p>
             <a:pPr lvl="1"/>
@@ -2867,6 +2837,7 @@
               <a:rPr lang="zh-CN" altLang="en-US"/>
               <a:t>第二级</a:t>
             </a:r>
+            <a:endParaRPr lang="zh-CN" altLang="en-US"/>
           </a:p>
           <a:p>
             <a:pPr lvl="2"/>
@@ -2874,6 +2845,7 @@
               <a:rPr lang="zh-CN" altLang="en-US"/>
               <a:t>第三级</a:t>
             </a:r>
+            <a:endParaRPr lang="zh-CN" altLang="en-US"/>
           </a:p>
           <a:p>
             <a:pPr lvl="3"/>
@@ -2881,6 +2853,7 @@
               <a:rPr lang="zh-CN" altLang="en-US"/>
               <a:t>第四级</a:t>
             </a:r>
+            <a:endParaRPr lang="zh-CN" altLang="en-US"/>
           </a:p>
           <a:p>
             <a:pPr lvl="4"/>
@@ -2888,6 +2861,7 @@
               <a:rPr lang="zh-CN" altLang="en-US"/>
               <a:t>第五级</a:t>
             </a:r>
+            <a:endParaRPr lang="zh-CN" altLang="en-US"/>
           </a:p>
         </p:txBody>
       </p:sp>
@@ -2916,6 +2890,7 @@
               <a:rPr lang="zh-CN" altLang="en-US"/>
               <a:t>单击此处编辑母版文本样式</a:t>
             </a:r>
+            <a:endParaRPr lang="zh-CN" altLang="en-US"/>
           </a:p>
           <a:p>
             <a:pPr lvl="1"/>
@@ -2923,6 +2898,7 @@
               <a:rPr lang="zh-CN" altLang="en-US"/>
               <a:t>第二级</a:t>
             </a:r>
+            <a:endParaRPr lang="zh-CN" altLang="en-US"/>
           </a:p>
           <a:p>
             <a:pPr lvl="2"/>
@@ -2930,6 +2906,7 @@
               <a:rPr lang="zh-CN" altLang="en-US"/>
               <a:t>第三级</a:t>
             </a:r>
+            <a:endParaRPr lang="zh-CN" altLang="en-US"/>
           </a:p>
           <a:p>
             <a:pPr lvl="3"/>
@@ -2937,6 +2914,7 @@
               <a:rPr lang="zh-CN" altLang="en-US"/>
               <a:t>第四级</a:t>
             </a:r>
+            <a:endParaRPr lang="zh-CN" altLang="en-US"/>
           </a:p>
           <a:p>
             <a:pPr lvl="4"/>
@@ -2944,6 +2922,7 @@
               <a:rPr lang="zh-CN" altLang="en-US"/>
               <a:t>第五级</a:t>
             </a:r>
+            <a:endParaRPr lang="zh-CN" altLang="en-US"/>
           </a:p>
         </p:txBody>
       </p:sp>
@@ -3011,7 +2990,6 @@
               <a:rPr lang="zh-CN" altLang="en-US">
                 <a:latin typeface="Arial" panose="020B0604020202020204" pitchFamily="34" charset="0"/>
               </a:rPr>
-              <a:t>‹#›</a:t>
             </a:fld>
             <a:endParaRPr lang="zh-CN" altLang="en-US">
               <a:latin typeface="Arial" panose="020B0604020202020204" pitchFamily="34" charset="0"/>
@@ -3024,13 +3002,13 @@
   <p:clrMapOvr>
     <a:masterClrMapping/>
   </p:clrMapOvr>
-  <mc:AlternateContent xmlns:mc="http://schemas.openxmlformats.org/markup-compatibility/2006" xmlns:p15="http://schemas.microsoft.com/office/powerpoint/2012/main">
-    <mc:Choice Requires="p15">
-      <p:transition xmlns:p14="http://schemas.microsoft.com/office/powerpoint/2010/main" spd="slow" p14:dur="1250">
+  <mc:AlternateContent xmlns:mc="http://schemas.openxmlformats.org/markup-compatibility/2006">
+    <mc:Choice xmlns:p15="http://schemas.microsoft.com/office/powerpoint/2012/main" Requires="p15">
+      <p:transition xmlns:p14="http://schemas.microsoft.com/office/powerpoint/2010/main" spd="slow" Requires="p14" p14:dur="1250">
         <p15:prstTrans prst="pageCurlDouble"/>
       </p:transition>
     </mc:Choice>
-    <mc:Fallback xmlns="">
+    <mc:Fallback>
       <p:transition spd="slow">
         <p:fade/>
       </p:transition>
@@ -3080,6 +3058,7 @@
               <a:rPr lang="zh-CN" altLang="en-US"/>
               <a:t>单击此处编辑母版标题样式</a:t>
             </a:r>
+            <a:endParaRPr lang="zh-CN" altLang="en-US"/>
           </a:p>
         </p:txBody>
       </p:sp>
@@ -3145,6 +3124,7 @@
               <a:rPr lang="zh-CN" altLang="en-US"/>
               <a:t>单击此处编辑母版文本样式</a:t>
             </a:r>
+            <a:endParaRPr lang="zh-CN" altLang="en-US"/>
           </a:p>
         </p:txBody>
       </p:sp>
@@ -3173,6 +3153,7 @@
               <a:rPr lang="zh-CN" altLang="en-US"/>
               <a:t>单击此处编辑母版文本样式</a:t>
             </a:r>
+            <a:endParaRPr lang="zh-CN" altLang="en-US"/>
           </a:p>
           <a:p>
             <a:pPr lvl="1"/>
@@ -3180,6 +3161,7 @@
               <a:rPr lang="zh-CN" altLang="en-US"/>
               <a:t>第二级</a:t>
             </a:r>
+            <a:endParaRPr lang="zh-CN" altLang="en-US"/>
           </a:p>
           <a:p>
             <a:pPr lvl="2"/>
@@ -3187,6 +3169,7 @@
               <a:rPr lang="zh-CN" altLang="en-US"/>
               <a:t>第三级</a:t>
             </a:r>
+            <a:endParaRPr lang="zh-CN" altLang="en-US"/>
           </a:p>
           <a:p>
             <a:pPr lvl="3"/>
@@ -3194,6 +3177,7 @@
               <a:rPr lang="zh-CN" altLang="en-US"/>
               <a:t>第四级</a:t>
             </a:r>
+            <a:endParaRPr lang="zh-CN" altLang="en-US"/>
           </a:p>
           <a:p>
             <a:pPr lvl="4"/>
@@ -3201,6 +3185,7 @@
               <a:rPr lang="zh-CN" altLang="en-US"/>
               <a:t>第五级</a:t>
             </a:r>
+            <a:endParaRPr lang="zh-CN" altLang="en-US"/>
           </a:p>
         </p:txBody>
       </p:sp>
@@ -3266,6 +3251,7 @@
               <a:rPr lang="zh-CN" altLang="en-US"/>
               <a:t>单击此处编辑母版文本样式</a:t>
             </a:r>
+            <a:endParaRPr lang="zh-CN" altLang="en-US"/>
           </a:p>
         </p:txBody>
       </p:sp>
@@ -3294,6 +3280,7 @@
               <a:rPr lang="zh-CN" altLang="en-US"/>
               <a:t>单击此处编辑母版文本样式</a:t>
             </a:r>
+            <a:endParaRPr lang="zh-CN" altLang="en-US"/>
           </a:p>
           <a:p>
             <a:pPr lvl="1"/>
@@ -3301,6 +3288,7 @@
               <a:rPr lang="zh-CN" altLang="en-US"/>
               <a:t>第二级</a:t>
             </a:r>
+            <a:endParaRPr lang="zh-CN" altLang="en-US"/>
           </a:p>
           <a:p>
             <a:pPr lvl="2"/>
@@ -3308,6 +3296,7 @@
               <a:rPr lang="zh-CN" altLang="en-US"/>
               <a:t>第三级</a:t>
             </a:r>
+            <a:endParaRPr lang="zh-CN" altLang="en-US"/>
           </a:p>
           <a:p>
             <a:pPr lvl="3"/>
@@ -3315,6 +3304,7 @@
               <a:rPr lang="zh-CN" altLang="en-US"/>
               <a:t>第四级</a:t>
             </a:r>
+            <a:endParaRPr lang="zh-CN" altLang="en-US"/>
           </a:p>
           <a:p>
             <a:pPr lvl="4"/>
@@ -3322,6 +3312,7 @@
               <a:rPr lang="zh-CN" altLang="en-US"/>
               <a:t>第五级</a:t>
             </a:r>
+            <a:endParaRPr lang="zh-CN" altLang="en-US"/>
           </a:p>
         </p:txBody>
       </p:sp>
@@ -3389,7 +3380,6 @@
               <a:rPr lang="zh-CN" altLang="en-US">
                 <a:latin typeface="Arial" panose="020B0604020202020204" pitchFamily="34" charset="0"/>
               </a:rPr>
-              <a:t>‹#›</a:t>
             </a:fld>
             <a:endParaRPr lang="zh-CN" altLang="en-US">
               <a:latin typeface="Arial" panose="020B0604020202020204" pitchFamily="34" charset="0"/>
@@ -3402,13 +3392,13 @@
   <p:clrMapOvr>
     <a:masterClrMapping/>
   </p:clrMapOvr>
-  <mc:AlternateContent xmlns:mc="http://schemas.openxmlformats.org/markup-compatibility/2006" xmlns:p15="http://schemas.microsoft.com/office/powerpoint/2012/main">
-    <mc:Choice Requires="p15">
-      <p:transition xmlns:p14="http://schemas.microsoft.com/office/powerpoint/2010/main" spd="slow" p14:dur="1250">
+  <mc:AlternateContent xmlns:mc="http://schemas.openxmlformats.org/markup-compatibility/2006">
+    <mc:Choice xmlns:p15="http://schemas.microsoft.com/office/powerpoint/2012/main" Requires="p15">
+      <p:transition xmlns:p14="http://schemas.microsoft.com/office/powerpoint/2010/main" spd="slow" Requires="p14" p14:dur="1250">
         <p15:prstTrans prst="pageCurlDouble"/>
       </p:transition>
     </mc:Choice>
-    <mc:Fallback xmlns="">
+    <mc:Fallback>
       <p:transition spd="slow">
         <p:fade/>
       </p:transition>
@@ -3453,6 +3443,7 @@
               <a:rPr lang="zh-CN" altLang="en-US"/>
               <a:t>单击此处编辑母版标题样式</a:t>
             </a:r>
+            <a:endParaRPr lang="zh-CN" altLang="en-US"/>
           </a:p>
         </p:txBody>
       </p:sp>
@@ -3520,7 +3511,6 @@
               <a:rPr lang="zh-CN" altLang="en-US">
                 <a:latin typeface="Arial" panose="020B0604020202020204" pitchFamily="34" charset="0"/>
               </a:rPr>
-              <a:t>‹#›</a:t>
             </a:fld>
             <a:endParaRPr lang="zh-CN" altLang="en-US">
               <a:latin typeface="Arial" panose="020B0604020202020204" pitchFamily="34" charset="0"/>
@@ -3533,13 +3523,13 @@
   <p:clrMapOvr>
     <a:masterClrMapping/>
   </p:clrMapOvr>
-  <mc:AlternateContent xmlns:mc="http://schemas.openxmlformats.org/markup-compatibility/2006" xmlns:p15="http://schemas.microsoft.com/office/powerpoint/2012/main">
-    <mc:Choice Requires="p15">
-      <p:transition xmlns:p14="http://schemas.microsoft.com/office/powerpoint/2010/main" spd="slow" p14:dur="1250">
+  <mc:AlternateContent xmlns:mc="http://schemas.openxmlformats.org/markup-compatibility/2006">
+    <mc:Choice xmlns:p15="http://schemas.microsoft.com/office/powerpoint/2012/main" Requires="p15">
+      <p:transition xmlns:p14="http://schemas.microsoft.com/office/powerpoint/2010/main" spd="slow" Requires="p14" p14:dur="1250">
         <p15:prstTrans prst="pageCurlDouble"/>
       </p:transition>
     </mc:Choice>
-    <mc:Fallback xmlns="">
+    <mc:Fallback>
       <p:transition spd="slow">
         <p:fade/>
       </p:transition>
@@ -3629,7 +3619,6 @@
               <a:rPr lang="zh-CN" altLang="en-US">
                 <a:latin typeface="Arial" panose="020B0604020202020204" pitchFamily="34" charset="0"/>
               </a:rPr>
-              <a:t>‹#›</a:t>
             </a:fld>
             <a:endParaRPr lang="zh-CN" altLang="en-US">
               <a:latin typeface="Arial" panose="020B0604020202020204" pitchFamily="34" charset="0"/>
@@ -3642,13 +3631,13 @@
   <p:clrMapOvr>
     <a:masterClrMapping/>
   </p:clrMapOvr>
-  <mc:AlternateContent xmlns:mc="http://schemas.openxmlformats.org/markup-compatibility/2006" xmlns:p15="http://schemas.microsoft.com/office/powerpoint/2012/main">
-    <mc:Choice Requires="p15">
-      <p:transition xmlns:p14="http://schemas.microsoft.com/office/powerpoint/2010/main" spd="slow" p14:dur="1250">
+  <mc:AlternateContent xmlns:mc="http://schemas.openxmlformats.org/markup-compatibility/2006">
+    <mc:Choice xmlns:p15="http://schemas.microsoft.com/office/powerpoint/2012/main" Requires="p15">
+      <p:transition xmlns:p14="http://schemas.microsoft.com/office/powerpoint/2010/main" spd="slow" Requires="p14" p14:dur="1250">
         <p15:prstTrans prst="pageCurlDouble"/>
       </p:transition>
     </mc:Choice>
-    <mc:Fallback xmlns="">
+    <mc:Fallback>
       <p:transition spd="slow">
         <p:fade/>
       </p:transition>
@@ -3702,6 +3691,7 @@
               <a:rPr lang="zh-CN" altLang="en-US"/>
               <a:t>单击此处编辑母版标题样式</a:t>
             </a:r>
+            <a:endParaRPr lang="zh-CN" altLang="en-US"/>
           </a:p>
         </p:txBody>
       </p:sp>
@@ -3758,6 +3748,7 @@
               <a:rPr lang="zh-CN" altLang="en-US"/>
               <a:t>单击此处编辑母版文本样式</a:t>
             </a:r>
+            <a:endParaRPr lang="zh-CN" altLang="en-US"/>
           </a:p>
           <a:p>
             <a:pPr lvl="1"/>
@@ -3765,6 +3756,7 @@
               <a:rPr lang="zh-CN" altLang="en-US"/>
               <a:t>第二级</a:t>
             </a:r>
+            <a:endParaRPr lang="zh-CN" altLang="en-US"/>
           </a:p>
           <a:p>
             <a:pPr lvl="2"/>
@@ -3772,6 +3764,7 @@
               <a:rPr lang="zh-CN" altLang="en-US"/>
               <a:t>第三级</a:t>
             </a:r>
+            <a:endParaRPr lang="zh-CN" altLang="en-US"/>
           </a:p>
           <a:p>
             <a:pPr lvl="3"/>
@@ -3779,6 +3772,7 @@
               <a:rPr lang="zh-CN" altLang="en-US"/>
               <a:t>第四级</a:t>
             </a:r>
+            <a:endParaRPr lang="zh-CN" altLang="en-US"/>
           </a:p>
           <a:p>
             <a:pPr lvl="4"/>
@@ -3786,6 +3780,7 @@
               <a:rPr lang="zh-CN" altLang="en-US"/>
               <a:t>第五级</a:t>
             </a:r>
+            <a:endParaRPr lang="zh-CN" altLang="en-US"/>
           </a:p>
         </p:txBody>
       </p:sp>
@@ -3851,6 +3846,7 @@
               <a:rPr lang="zh-CN" altLang="en-US"/>
               <a:t>单击此处编辑母版文本样式</a:t>
             </a:r>
+            <a:endParaRPr lang="zh-CN" altLang="en-US"/>
           </a:p>
         </p:txBody>
       </p:sp>
@@ -3918,7 +3914,6 @@
               <a:rPr lang="zh-CN" altLang="en-US">
                 <a:latin typeface="Arial" panose="020B0604020202020204" pitchFamily="34" charset="0"/>
               </a:rPr>
-              <a:t>‹#›</a:t>
             </a:fld>
             <a:endParaRPr lang="zh-CN" altLang="en-US">
               <a:latin typeface="Arial" panose="020B0604020202020204" pitchFamily="34" charset="0"/>
@@ -3931,13 +3926,13 @@
   <p:clrMapOvr>
     <a:masterClrMapping/>
   </p:clrMapOvr>
-  <mc:AlternateContent xmlns:mc="http://schemas.openxmlformats.org/markup-compatibility/2006" xmlns:p15="http://schemas.microsoft.com/office/powerpoint/2012/main">
-    <mc:Choice Requires="p15">
-      <p:transition xmlns:p14="http://schemas.microsoft.com/office/powerpoint/2010/main" spd="slow" p14:dur="1250">
+  <mc:AlternateContent xmlns:mc="http://schemas.openxmlformats.org/markup-compatibility/2006">
+    <mc:Choice xmlns:p15="http://schemas.microsoft.com/office/powerpoint/2012/main" Requires="p15">
+      <p:transition xmlns:p14="http://schemas.microsoft.com/office/powerpoint/2010/main" spd="slow" Requires="p14" p14:dur="1250">
         <p15:prstTrans prst="pageCurlDouble"/>
       </p:transition>
     </mc:Choice>
-    <mc:Fallback xmlns="">
+    <mc:Fallback>
       <p:transition spd="slow">
         <p:fade/>
       </p:transition>
@@ -3969,7 +3964,7 @@
           <p:cNvSpPr/>
           <p:nvPr>
             <p:custDataLst>
-              <p:tags r:id="rId1"/>
+              <p:tags r:id="rId2"/>
             </p:custDataLst>
           </p:nvPr>
         </p:nvSpPr>
@@ -4021,7 +4016,7 @@
           <p:cNvSpPr/>
           <p:nvPr>
             <p:custDataLst>
-              <p:tags r:id="rId2"/>
+              <p:tags r:id="rId3"/>
             </p:custDataLst>
           </p:nvPr>
         </p:nvSpPr>
@@ -4074,7 +4069,7 @@
           <p:nvPr>
             <p:ph type="title"/>
             <p:custDataLst>
-              <p:tags r:id="rId3"/>
+              <p:tags r:id="rId4"/>
             </p:custDataLst>
           </p:nvPr>
         </p:nvSpPr>
@@ -4098,6 +4093,7 @@
               <a:rPr lang="zh-CN" altLang="en-US" dirty="0"/>
               <a:t>单击此处编辑母版标题样式</a:t>
             </a:r>
+            <a:endParaRPr lang="zh-CN" altLang="en-US" dirty="0"/>
           </a:p>
         </p:txBody>
       </p:sp>
@@ -4110,7 +4106,7 @@
           <p:nvPr>
             <p:ph idx="1"/>
             <p:custDataLst>
-              <p:tags r:id="rId4"/>
+              <p:tags r:id="rId5"/>
             </p:custDataLst>
           </p:nvPr>
         </p:nvSpPr>
@@ -4129,6 +4125,7 @@
               <a:rPr lang="zh-CN" altLang="en-US" dirty="0"/>
               <a:t>单击此处编辑母版文本样式</a:t>
             </a:r>
+            <a:endParaRPr lang="zh-CN" altLang="en-US" dirty="0"/>
           </a:p>
           <a:p>
             <a:pPr lvl="1"/>
@@ -4136,6 +4133,7 @@
               <a:rPr lang="zh-CN" altLang="en-US" dirty="0"/>
               <a:t>第二级</a:t>
             </a:r>
+            <a:endParaRPr lang="zh-CN" altLang="en-US" dirty="0"/>
           </a:p>
           <a:p>
             <a:pPr lvl="2"/>
@@ -4143,6 +4141,7 @@
               <a:rPr lang="zh-CN" altLang="en-US" dirty="0"/>
               <a:t>第三级</a:t>
             </a:r>
+            <a:endParaRPr lang="zh-CN" altLang="en-US" dirty="0"/>
           </a:p>
           <a:p>
             <a:pPr lvl="3"/>
@@ -4150,6 +4149,7 @@
               <a:rPr lang="zh-CN" altLang="en-US" dirty="0"/>
               <a:t>第四级</a:t>
             </a:r>
+            <a:endParaRPr lang="zh-CN" altLang="en-US" dirty="0"/>
           </a:p>
           <a:p>
             <a:pPr lvl="4"/>
@@ -4157,6 +4157,7 @@
               <a:rPr lang="zh-CN" altLang="en-US" dirty="0"/>
               <a:t>第五级</a:t>
             </a:r>
+            <a:endParaRPr lang="zh-CN" altLang="en-US" dirty="0"/>
           </a:p>
         </p:txBody>
       </p:sp>
@@ -4169,7 +4170,7 @@
           <p:nvPr>
             <p:ph type="dt" sz="half" idx="10"/>
             <p:custDataLst>
-              <p:tags r:id="rId5"/>
+              <p:tags r:id="rId6"/>
             </p:custDataLst>
           </p:nvPr>
         </p:nvSpPr>
@@ -4180,7 +4181,6 @@
           <a:p>
             <a:fld id="{760FBDFE-C587-4B4C-A407-44438C67B59E}" type="datetimeFigureOut">
               <a:rPr lang="zh-CN" altLang="en-US" smtClean="0"/>
-              <a:t>2020/10/14</a:t>
             </a:fld>
             <a:endParaRPr lang="zh-CN" altLang="en-US"/>
           </a:p>
@@ -4195,7 +4195,7 @@
           <p:nvPr>
             <p:ph type="ftr" sz="quarter" idx="11"/>
             <p:custDataLst>
-              <p:tags r:id="rId6"/>
+              <p:tags r:id="rId7"/>
             </p:custDataLst>
           </p:nvPr>
         </p:nvSpPr>
@@ -4217,7 +4217,7 @@
           <p:nvPr>
             <p:ph type="sldNum" sz="quarter" idx="12"/>
             <p:custDataLst>
-              <p:tags r:id="rId7"/>
+              <p:tags r:id="rId8"/>
             </p:custDataLst>
           </p:nvPr>
         </p:nvSpPr>
@@ -4228,7 +4228,6 @@
           <a:p>
             <a:fld id="{49AE70B2-8BF9-45C0-BB95-33D1B9D3A854}" type="slidenum">
               <a:rPr lang="zh-CN" altLang="en-US" smtClean="0"/>
-              <a:t>‹#›</a:t>
             </a:fld>
             <a:endParaRPr lang="zh-CN" altLang="en-US"/>
           </a:p>
@@ -4239,13 +4238,13 @@
   <p:clrMapOvr>
     <a:masterClrMapping/>
   </p:clrMapOvr>
-  <mc:AlternateContent xmlns:mc="http://schemas.openxmlformats.org/markup-compatibility/2006" xmlns:p15="http://schemas.microsoft.com/office/powerpoint/2012/main">
-    <mc:Choice Requires="p15">
-      <p:transition xmlns:p14="http://schemas.microsoft.com/office/powerpoint/2010/main" spd="slow" p14:dur="1250">
+  <mc:AlternateContent xmlns:mc="http://schemas.openxmlformats.org/markup-compatibility/2006">
+    <mc:Choice xmlns:p15="http://schemas.microsoft.com/office/powerpoint/2012/main" Requires="p15">
+      <p:transition xmlns:p14="http://schemas.microsoft.com/office/powerpoint/2010/main" spd="slow" Requires="p14" p14:dur="1250">
         <p15:prstTrans prst="pageCurlDouble"/>
       </p:transition>
     </mc:Choice>
-    <mc:Fallback xmlns="">
+    <mc:Fallback>
       <p:transition spd="slow">
         <p:fade/>
       </p:transition>
@@ -4299,6 +4298,7 @@
               <a:rPr lang="zh-CN" altLang="en-US"/>
               <a:t>单击此处编辑母版标题样式</a:t>
             </a:r>
+            <a:endParaRPr lang="zh-CN" altLang="en-US"/>
           </a:p>
         </p:txBody>
       </p:sp>
@@ -4425,6 +4425,7 @@
               <a:rPr lang="zh-CN" altLang="en-US"/>
               <a:t>单击此处编辑母版文本样式</a:t>
             </a:r>
+            <a:endParaRPr lang="zh-CN" altLang="en-US"/>
           </a:p>
         </p:txBody>
       </p:sp>
@@ -4492,7 +4493,6 @@
               <a:rPr lang="zh-CN" altLang="en-US">
                 <a:latin typeface="Arial" panose="020B0604020202020204" pitchFamily="34" charset="0"/>
               </a:rPr>
-              <a:t>‹#›</a:t>
             </a:fld>
             <a:endParaRPr lang="zh-CN" altLang="en-US">
               <a:latin typeface="Arial" panose="020B0604020202020204" pitchFamily="34" charset="0"/>
@@ -4505,13 +4505,13 @@
   <p:clrMapOvr>
     <a:masterClrMapping/>
   </p:clrMapOvr>
-  <mc:AlternateContent xmlns:mc="http://schemas.openxmlformats.org/markup-compatibility/2006" xmlns:p15="http://schemas.microsoft.com/office/powerpoint/2012/main">
-    <mc:Choice Requires="p15">
-      <p:transition xmlns:p14="http://schemas.microsoft.com/office/powerpoint/2010/main" spd="slow" p14:dur="1250">
+  <mc:AlternateContent xmlns:mc="http://schemas.openxmlformats.org/markup-compatibility/2006">
+    <mc:Choice xmlns:p15="http://schemas.microsoft.com/office/powerpoint/2012/main" Requires="p15">
+      <p:transition xmlns:p14="http://schemas.microsoft.com/office/powerpoint/2010/main" spd="slow" Requires="p14" p14:dur="1250">
         <p15:prstTrans prst="pageCurlDouble"/>
       </p:transition>
     </mc:Choice>
-    <mc:Fallback xmlns="">
+    <mc:Fallback>
       <p:transition spd="slow">
         <p:fade/>
       </p:transition>
@@ -4556,6 +4556,7 @@
               <a:rPr lang="zh-CN" altLang="en-US"/>
               <a:t>单击此处编辑母版标题样式</a:t>
             </a:r>
+            <a:endParaRPr lang="zh-CN" altLang="en-US"/>
           </a:p>
         </p:txBody>
       </p:sp>
@@ -4579,6 +4580,7 @@
               <a:rPr lang="zh-CN" altLang="en-US"/>
               <a:t>单击此处编辑母版文本样式</a:t>
             </a:r>
+            <a:endParaRPr lang="zh-CN" altLang="en-US"/>
           </a:p>
           <a:p>
             <a:pPr lvl="1"/>
@@ -4586,6 +4588,7 @@
               <a:rPr lang="zh-CN" altLang="en-US"/>
               <a:t>第二级</a:t>
             </a:r>
+            <a:endParaRPr lang="zh-CN" altLang="en-US"/>
           </a:p>
           <a:p>
             <a:pPr lvl="2"/>
@@ -4593,6 +4596,7 @@
               <a:rPr lang="zh-CN" altLang="en-US"/>
               <a:t>第三级</a:t>
             </a:r>
+            <a:endParaRPr lang="zh-CN" altLang="en-US"/>
           </a:p>
           <a:p>
             <a:pPr lvl="3"/>
@@ -4600,6 +4604,7 @@
               <a:rPr lang="zh-CN" altLang="en-US"/>
               <a:t>第四级</a:t>
             </a:r>
+            <a:endParaRPr lang="zh-CN" altLang="en-US"/>
           </a:p>
           <a:p>
             <a:pPr lvl="4"/>
@@ -4607,6 +4612,7 @@
               <a:rPr lang="zh-CN" altLang="en-US"/>
               <a:t>第五级</a:t>
             </a:r>
+            <a:endParaRPr lang="zh-CN" altLang="en-US"/>
           </a:p>
         </p:txBody>
       </p:sp>
@@ -4674,7 +4680,6 @@
               <a:rPr lang="zh-CN" altLang="en-US">
                 <a:latin typeface="Arial" panose="020B0604020202020204" pitchFamily="34" charset="0"/>
               </a:rPr>
-              <a:t>‹#›</a:t>
             </a:fld>
             <a:endParaRPr lang="zh-CN" altLang="en-US">
               <a:latin typeface="Arial" panose="020B0604020202020204" pitchFamily="34" charset="0"/>
@@ -4687,13 +4692,13 @@
   <p:clrMapOvr>
     <a:masterClrMapping/>
   </p:clrMapOvr>
-  <mc:AlternateContent xmlns:mc="http://schemas.openxmlformats.org/markup-compatibility/2006" xmlns:p15="http://schemas.microsoft.com/office/powerpoint/2012/main">
-    <mc:Choice Requires="p15">
-      <p:transition xmlns:p14="http://schemas.microsoft.com/office/powerpoint/2010/main" spd="slow" p14:dur="1250">
+  <mc:AlternateContent xmlns:mc="http://schemas.openxmlformats.org/markup-compatibility/2006">
+    <mc:Choice xmlns:p15="http://schemas.microsoft.com/office/powerpoint/2012/main" Requires="p15">
+      <p:transition xmlns:p14="http://schemas.microsoft.com/office/powerpoint/2010/main" spd="slow" Requires="p14" p14:dur="1250">
         <p15:prstTrans prst="pageCurlDouble"/>
       </p:transition>
     </mc:Choice>
-    <mc:Fallback xmlns="">
+    <mc:Fallback>
       <p:transition spd="slow">
         <p:fade/>
       </p:transition>
@@ -4743,6 +4748,7 @@
               <a:rPr lang="zh-CN" altLang="en-US"/>
               <a:t>单击此处编辑母版标题样式</a:t>
             </a:r>
+            <a:endParaRPr lang="zh-CN" altLang="en-US"/>
           </a:p>
         </p:txBody>
       </p:sp>
@@ -4771,6 +4777,7 @@
               <a:rPr lang="zh-CN" altLang="en-US"/>
               <a:t>单击此处编辑母版文本样式</a:t>
             </a:r>
+            <a:endParaRPr lang="zh-CN" altLang="en-US"/>
           </a:p>
           <a:p>
             <a:pPr lvl="1"/>
@@ -4778,6 +4785,7 @@
               <a:rPr lang="zh-CN" altLang="en-US"/>
               <a:t>第二级</a:t>
             </a:r>
+            <a:endParaRPr lang="zh-CN" altLang="en-US"/>
           </a:p>
           <a:p>
             <a:pPr lvl="2"/>
@@ -4785,6 +4793,7 @@
               <a:rPr lang="zh-CN" altLang="en-US"/>
               <a:t>第三级</a:t>
             </a:r>
+            <a:endParaRPr lang="zh-CN" altLang="en-US"/>
           </a:p>
           <a:p>
             <a:pPr lvl="3"/>
@@ -4792,6 +4801,7 @@
               <a:rPr lang="zh-CN" altLang="en-US"/>
               <a:t>第四级</a:t>
             </a:r>
+            <a:endParaRPr lang="zh-CN" altLang="en-US"/>
           </a:p>
           <a:p>
             <a:pPr lvl="4"/>
@@ -4799,6 +4809,7 @@
               <a:rPr lang="zh-CN" altLang="en-US"/>
               <a:t>第五级</a:t>
             </a:r>
+            <a:endParaRPr lang="zh-CN" altLang="en-US"/>
           </a:p>
         </p:txBody>
       </p:sp>
@@ -4866,7 +4877,6 @@
               <a:rPr lang="zh-CN" altLang="en-US">
                 <a:latin typeface="Arial" panose="020B0604020202020204" pitchFamily="34" charset="0"/>
               </a:rPr>
-              <a:t>‹#›</a:t>
             </a:fld>
             <a:endParaRPr lang="zh-CN" altLang="en-US">
               <a:latin typeface="Arial" panose="020B0604020202020204" pitchFamily="34" charset="0"/>
@@ -4879,13 +4889,13 @@
   <p:clrMapOvr>
     <a:masterClrMapping/>
   </p:clrMapOvr>
-  <mc:AlternateContent xmlns:mc="http://schemas.openxmlformats.org/markup-compatibility/2006" xmlns:p15="http://schemas.microsoft.com/office/powerpoint/2012/main">
-    <mc:Choice Requires="p15">
-      <p:transition xmlns:p14="http://schemas.microsoft.com/office/powerpoint/2010/main" spd="slow" p14:dur="1250">
+  <mc:AlternateContent xmlns:mc="http://schemas.openxmlformats.org/markup-compatibility/2006">
+    <mc:Choice xmlns:p15="http://schemas.microsoft.com/office/powerpoint/2012/main" Requires="p15">
+      <p:transition xmlns:p14="http://schemas.microsoft.com/office/powerpoint/2010/main" spd="slow" Requires="p14" p14:dur="1250">
         <p15:prstTrans prst="pageCurlDouble"/>
       </p:transition>
     </mc:Choice>
-    <mc:Fallback xmlns="">
+    <mc:Fallback>
       <p:transition spd="slow">
         <p:fade/>
       </p:transition>
@@ -4900,7 +4910,7 @@
     <p:bg>
       <p:bgPr>
         <a:blipFill dpi="0" rotWithShape="1">
-          <a:blip r:embed="rId8">
+          <a:blip r:embed="rId2">
             <a:lum/>
           </a:blip>
           <a:srcRect/>
@@ -4931,7 +4941,7 @@
           <p:cNvSpPr/>
           <p:nvPr>
             <p:custDataLst>
-              <p:tags r:id="rId1"/>
+              <p:tags r:id="rId3"/>
             </p:custDataLst>
           </p:nvPr>
         </p:nvSpPr>
@@ -4984,7 +4994,7 @@
           <p:nvPr>
             <p:ph type="ctrTitle" hasCustomPrompt="1"/>
             <p:custDataLst>
-              <p:tags r:id="rId2"/>
+              <p:tags r:id="rId4"/>
             </p:custDataLst>
           </p:nvPr>
         </p:nvSpPr>
@@ -5012,6 +5022,7 @@
               <a:rPr lang="zh-CN" altLang="en-US" dirty="0"/>
               <a:t>单击此处编辑标题</a:t>
             </a:r>
+            <a:endParaRPr lang="zh-CN" altLang="en-US" dirty="0"/>
           </a:p>
         </p:txBody>
       </p:sp>
@@ -5024,7 +5035,7 @@
           <p:nvPr>
             <p:ph type="subTitle" idx="1" hasCustomPrompt="1"/>
             <p:custDataLst>
-              <p:tags r:id="rId3"/>
+              <p:tags r:id="rId5"/>
             </p:custDataLst>
           </p:nvPr>
         </p:nvSpPr>
@@ -5085,6 +5096,7 @@
               <a:rPr lang="zh-CN" altLang="en-US" dirty="0"/>
               <a:t>副标题</a:t>
             </a:r>
+            <a:endParaRPr lang="zh-CN" altLang="en-US" dirty="0"/>
           </a:p>
         </p:txBody>
       </p:sp>
@@ -5097,7 +5109,7 @@
           <p:nvPr>
             <p:ph type="dt" sz="half" idx="10"/>
             <p:custDataLst>
-              <p:tags r:id="rId4"/>
+              <p:tags r:id="rId6"/>
             </p:custDataLst>
           </p:nvPr>
         </p:nvSpPr>
@@ -5110,7 +5122,6 @@
           <a:p>
             <a:fld id="{DDC86826-C030-4ABB-BAB8-ECCBC086F54C}" type="datetimeFigureOut">
               <a:rPr lang="zh-CN" altLang="en-US" smtClean="0"/>
-              <a:t>2020/10/14</a:t>
             </a:fld>
             <a:endParaRPr lang="zh-CN" altLang="en-US"/>
           </a:p>
@@ -5125,7 +5136,7 @@
           <p:nvPr>
             <p:ph type="ftr" sz="quarter" idx="11"/>
             <p:custDataLst>
-              <p:tags r:id="rId5"/>
+              <p:tags r:id="rId7"/>
             </p:custDataLst>
           </p:nvPr>
         </p:nvSpPr>
@@ -5149,7 +5160,7 @@
           <p:nvPr>
             <p:ph type="sldNum" sz="quarter" idx="12"/>
             <p:custDataLst>
-              <p:tags r:id="rId6"/>
+              <p:tags r:id="rId8"/>
             </p:custDataLst>
           </p:nvPr>
         </p:nvSpPr>
@@ -5162,7 +5173,6 @@
           <a:p>
             <a:fld id="{DD074F22-C169-4F08-BADB-1985F513ADBA}" type="slidenum">
               <a:rPr lang="zh-CN" altLang="en-US" smtClean="0"/>
-              <a:t>‹#›</a:t>
             </a:fld>
             <a:endParaRPr lang="zh-CN" altLang="en-US"/>
           </a:p>
@@ -5173,13 +5183,13 @@
   <p:clrMapOvr>
     <a:masterClrMapping/>
   </p:clrMapOvr>
-  <mc:AlternateContent xmlns:mc="http://schemas.openxmlformats.org/markup-compatibility/2006" xmlns:p15="http://schemas.microsoft.com/office/powerpoint/2012/main">
-    <mc:Choice Requires="p15">
-      <p:transition xmlns:p14="http://schemas.microsoft.com/office/powerpoint/2010/main" spd="slow" p14:dur="1250">
+  <mc:AlternateContent xmlns:mc="http://schemas.openxmlformats.org/markup-compatibility/2006">
+    <mc:Choice xmlns:p15="http://schemas.microsoft.com/office/powerpoint/2012/main" Requires="p15">
+      <p:transition xmlns:p14="http://schemas.microsoft.com/office/powerpoint/2010/main" spd="slow" Requires="p14" p14:dur="1250">
         <p15:prstTrans prst="pageCurlDouble"/>
       </p:transition>
     </mc:Choice>
-    <mc:Fallback xmlns="">
+    <mc:Fallback>
       <p:transition spd="slow">
         <p:fade/>
       </p:transition>
@@ -5214,7 +5224,7 @@
           <p:nvPr>
             <p:ph type="title"/>
             <p:custDataLst>
-              <p:tags r:id="rId1"/>
+              <p:tags r:id="rId2"/>
             </p:custDataLst>
           </p:nvPr>
         </p:nvSpPr>
@@ -5233,6 +5243,7 @@
               <a:rPr lang="zh-CN" altLang="en-US"/>
               <a:t>单击此处编辑母版标题样式</a:t>
             </a:r>
+            <a:endParaRPr lang="zh-CN" altLang="en-US"/>
           </a:p>
         </p:txBody>
       </p:sp>
@@ -5245,7 +5256,7 @@
           <p:nvPr>
             <p:ph idx="1"/>
             <p:custDataLst>
-              <p:tags r:id="rId2"/>
+              <p:tags r:id="rId3"/>
             </p:custDataLst>
           </p:nvPr>
         </p:nvSpPr>
@@ -5259,6 +5270,7 @@
               <a:rPr lang="zh-CN" altLang="en-US" dirty="0"/>
               <a:t>单击此处编辑母版文本样式</a:t>
             </a:r>
+            <a:endParaRPr lang="zh-CN" altLang="en-US" dirty="0"/>
           </a:p>
           <a:p>
             <a:pPr lvl="1"/>
@@ -5266,6 +5278,7 @@
               <a:rPr lang="zh-CN" altLang="en-US" dirty="0"/>
               <a:t>第二级</a:t>
             </a:r>
+            <a:endParaRPr lang="zh-CN" altLang="en-US" dirty="0"/>
           </a:p>
           <a:p>
             <a:pPr lvl="2"/>
@@ -5273,6 +5286,7 @@
               <a:rPr lang="zh-CN" altLang="en-US" dirty="0"/>
               <a:t>第三级</a:t>
             </a:r>
+            <a:endParaRPr lang="zh-CN" altLang="en-US" dirty="0"/>
           </a:p>
           <a:p>
             <a:pPr lvl="3"/>
@@ -5280,6 +5294,7 @@
               <a:rPr lang="zh-CN" altLang="en-US" dirty="0"/>
               <a:t>第四级</a:t>
             </a:r>
+            <a:endParaRPr lang="zh-CN" altLang="en-US" dirty="0"/>
           </a:p>
           <a:p>
             <a:pPr lvl="4"/>
@@ -5287,6 +5302,7 @@
               <a:rPr lang="zh-CN" altLang="en-US" dirty="0"/>
               <a:t>第五级</a:t>
             </a:r>
+            <a:endParaRPr lang="zh-CN" altLang="en-US" dirty="0"/>
           </a:p>
         </p:txBody>
       </p:sp>
@@ -5299,7 +5315,7 @@
           <p:nvPr>
             <p:ph type="dt" sz="half" idx="10"/>
             <p:custDataLst>
-              <p:tags r:id="rId3"/>
+              <p:tags r:id="rId4"/>
             </p:custDataLst>
           </p:nvPr>
         </p:nvSpPr>
@@ -5310,7 +5326,6 @@
           <a:p>
             <a:fld id="{DDC86826-C030-4ABB-BAB8-ECCBC086F54C}" type="datetimeFigureOut">
               <a:rPr lang="zh-CN" altLang="en-US" smtClean="0"/>
-              <a:t>2020/10/14</a:t>
             </a:fld>
             <a:endParaRPr lang="zh-CN" altLang="en-US"/>
           </a:p>
@@ -5325,7 +5340,7 @@
           <p:nvPr>
             <p:ph type="ftr" sz="quarter" idx="11"/>
             <p:custDataLst>
-              <p:tags r:id="rId4"/>
+              <p:tags r:id="rId5"/>
             </p:custDataLst>
           </p:nvPr>
         </p:nvSpPr>
@@ -5347,7 +5362,7 @@
           <p:nvPr>
             <p:ph type="sldNum" sz="quarter" idx="12"/>
             <p:custDataLst>
-              <p:tags r:id="rId5"/>
+              <p:tags r:id="rId6"/>
             </p:custDataLst>
           </p:nvPr>
         </p:nvSpPr>
@@ -5358,7 +5373,6 @@
           <a:p>
             <a:fld id="{DD074F22-C169-4F08-BADB-1985F513ADBA}" type="slidenum">
               <a:rPr lang="zh-CN" altLang="en-US" smtClean="0"/>
-              <a:t>‹#›</a:t>
             </a:fld>
             <a:endParaRPr lang="zh-CN" altLang="en-US"/>
           </a:p>
@@ -5369,13 +5383,13 @@
   <p:clrMapOvr>
     <a:masterClrMapping/>
   </p:clrMapOvr>
-  <mc:AlternateContent xmlns:mc="http://schemas.openxmlformats.org/markup-compatibility/2006" xmlns:p15="http://schemas.microsoft.com/office/powerpoint/2012/main">
-    <mc:Choice Requires="p15">
-      <p:transition xmlns:p14="http://schemas.microsoft.com/office/powerpoint/2010/main" spd="slow" p14:dur="1250">
+  <mc:AlternateContent xmlns:mc="http://schemas.openxmlformats.org/markup-compatibility/2006">
+    <mc:Choice xmlns:p15="http://schemas.microsoft.com/office/powerpoint/2012/main" Requires="p15">
+      <p:transition xmlns:p14="http://schemas.microsoft.com/office/powerpoint/2010/main" spd="slow" Requires="p14" p14:dur="1250">
         <p15:prstTrans prst="pageCurlDouble"/>
       </p:transition>
     </mc:Choice>
-    <mc:Fallback xmlns="">
+    <mc:Fallback>
       <p:transition spd="slow">
         <p:fade/>
       </p:transition>
@@ -5409,12 +5423,12 @@
           </p:cNvPicPr>
           <p:nvPr>
             <p:custDataLst>
-              <p:tags r:id="rId1"/>
+              <p:tags r:id="rId2"/>
             </p:custDataLst>
           </p:nvPr>
         </p:nvPicPr>
         <p:blipFill rotWithShape="1">
-          <a:blip r:embed="rId9" cstate="print"/>
+          <a:blip r:embed="rId3" cstate="print"/>
           <a:srcRect/>
           <a:stretch>
             <a:fillRect/>
@@ -5436,7 +5450,7 @@
           <p:cNvSpPr/>
           <p:nvPr>
             <p:custDataLst>
-              <p:tags r:id="rId2"/>
+              <p:tags r:id="rId4"/>
             </p:custDataLst>
           </p:nvPr>
         </p:nvSpPr>
@@ -5489,7 +5503,7 @@
           <p:nvPr>
             <p:ph type="title" hasCustomPrompt="1"/>
             <p:custDataLst>
-              <p:tags r:id="rId3"/>
+              <p:tags r:id="rId5"/>
             </p:custDataLst>
           </p:nvPr>
         </p:nvSpPr>
@@ -5513,6 +5527,7 @@
               <a:rPr lang="zh-CN" altLang="en-US" dirty="0"/>
               <a:t>单击此处编辑标题</a:t>
             </a:r>
+            <a:endParaRPr lang="zh-CN" altLang="en-US" dirty="0"/>
           </a:p>
         </p:txBody>
       </p:sp>
@@ -5525,7 +5540,7 @@
           <p:nvPr>
             <p:ph type="body" idx="1"/>
             <p:custDataLst>
-              <p:tags r:id="rId4"/>
+              <p:tags r:id="rId6"/>
             </p:custDataLst>
           </p:nvPr>
         </p:nvSpPr>
@@ -5638,6 +5653,7 @@
               <a:rPr lang="zh-CN" altLang="en-US" dirty="0"/>
               <a:t>单击此处编辑母版文本样式</a:t>
             </a:r>
+            <a:endParaRPr lang="zh-CN" altLang="en-US" dirty="0"/>
           </a:p>
         </p:txBody>
       </p:sp>
@@ -5650,7 +5666,7 @@
           <p:nvPr>
             <p:ph type="dt" sz="half" idx="10"/>
             <p:custDataLst>
-              <p:tags r:id="rId5"/>
+              <p:tags r:id="rId7"/>
             </p:custDataLst>
           </p:nvPr>
         </p:nvSpPr>
@@ -5661,7 +5677,6 @@
           <a:p>
             <a:fld id="{DDC86826-C030-4ABB-BAB8-ECCBC086F54C}" type="datetimeFigureOut">
               <a:rPr lang="zh-CN" altLang="en-US" smtClean="0"/>
-              <a:t>2020/10/14</a:t>
             </a:fld>
             <a:endParaRPr lang="zh-CN" altLang="en-US"/>
           </a:p>
@@ -5676,7 +5691,7 @@
           <p:nvPr>
             <p:ph type="ftr" sz="quarter" idx="11"/>
             <p:custDataLst>
-              <p:tags r:id="rId6"/>
+              <p:tags r:id="rId8"/>
             </p:custDataLst>
           </p:nvPr>
         </p:nvSpPr>
@@ -5698,7 +5713,7 @@
           <p:nvPr>
             <p:ph type="sldNum" sz="quarter" idx="12"/>
             <p:custDataLst>
-              <p:tags r:id="rId7"/>
+              <p:tags r:id="rId9"/>
             </p:custDataLst>
           </p:nvPr>
         </p:nvSpPr>
@@ -5709,7 +5724,6 @@
           <a:p>
             <a:fld id="{DD074F22-C169-4F08-BADB-1985F513ADBA}" type="slidenum">
               <a:rPr lang="zh-CN" altLang="en-US" smtClean="0"/>
-              <a:t>‹#›</a:t>
             </a:fld>
             <a:endParaRPr lang="zh-CN" altLang="en-US"/>
           </a:p>
@@ -5720,13 +5734,13 @@
   <p:clrMapOvr>
     <a:masterClrMapping/>
   </p:clrMapOvr>
-  <mc:AlternateContent xmlns:mc="http://schemas.openxmlformats.org/markup-compatibility/2006" xmlns:p15="http://schemas.microsoft.com/office/powerpoint/2012/main">
-    <mc:Choice Requires="p15">
-      <p:transition xmlns:p14="http://schemas.microsoft.com/office/powerpoint/2010/main" spd="slow" p14:dur="1250">
+  <mc:AlternateContent xmlns:mc="http://schemas.openxmlformats.org/markup-compatibility/2006">
+    <mc:Choice xmlns:p15="http://schemas.microsoft.com/office/powerpoint/2012/main" Requires="p15">
+      <p:transition xmlns:p14="http://schemas.microsoft.com/office/powerpoint/2010/main" spd="slow" Requires="p14" p14:dur="1250">
         <p15:prstTrans prst="pageCurlDouble"/>
       </p:transition>
     </mc:Choice>
-    <mc:Fallback xmlns="">
+    <mc:Fallback>
       <p:transition spd="slow">
         <p:fade/>
       </p:transition>
@@ -5761,7 +5775,7 @@
           <p:nvPr>
             <p:ph type="title"/>
             <p:custDataLst>
-              <p:tags r:id="rId1"/>
+              <p:tags r:id="rId2"/>
             </p:custDataLst>
           </p:nvPr>
         </p:nvSpPr>
@@ -5781,6 +5795,7 @@
               <a:rPr lang="zh-CN" altLang="en-US"/>
               <a:t>单击此处编辑母版标题样式</a:t>
             </a:r>
+            <a:endParaRPr lang="zh-CN" altLang="en-US"/>
           </a:p>
         </p:txBody>
       </p:sp>
@@ -5793,7 +5808,7 @@
           <p:nvPr>
             <p:ph sz="half" idx="1"/>
             <p:custDataLst>
-              <p:tags r:id="rId2"/>
+              <p:tags r:id="rId3"/>
             </p:custDataLst>
           </p:nvPr>
         </p:nvSpPr>
@@ -5812,6 +5827,7 @@
               <a:rPr lang="zh-CN" altLang="en-US" dirty="0"/>
               <a:t>单击此处编辑母版文本样式</a:t>
             </a:r>
+            <a:endParaRPr lang="zh-CN" altLang="en-US" dirty="0"/>
           </a:p>
           <a:p>
             <a:pPr lvl="1"/>
@@ -5819,6 +5835,7 @@
               <a:rPr lang="zh-CN" altLang="en-US" dirty="0"/>
               <a:t>第二级</a:t>
             </a:r>
+            <a:endParaRPr lang="zh-CN" altLang="en-US" dirty="0"/>
           </a:p>
           <a:p>
             <a:pPr lvl="2"/>
@@ -5826,6 +5843,7 @@
               <a:rPr lang="zh-CN" altLang="en-US" dirty="0"/>
               <a:t>第三级</a:t>
             </a:r>
+            <a:endParaRPr lang="zh-CN" altLang="en-US" dirty="0"/>
           </a:p>
           <a:p>
             <a:pPr lvl="3"/>
@@ -5833,6 +5851,7 @@
               <a:rPr lang="zh-CN" altLang="en-US" dirty="0"/>
               <a:t>第四级</a:t>
             </a:r>
+            <a:endParaRPr lang="zh-CN" altLang="en-US" dirty="0"/>
           </a:p>
           <a:p>
             <a:pPr lvl="4"/>
@@ -5840,6 +5859,7 @@
               <a:rPr lang="zh-CN" altLang="en-US" dirty="0"/>
               <a:t>第五级</a:t>
             </a:r>
+            <a:endParaRPr lang="zh-CN" altLang="en-US" dirty="0"/>
           </a:p>
         </p:txBody>
       </p:sp>
@@ -5852,7 +5872,7 @@
           <p:nvPr>
             <p:ph sz="half" idx="2"/>
             <p:custDataLst>
-              <p:tags r:id="rId3"/>
+              <p:tags r:id="rId4"/>
             </p:custDataLst>
           </p:nvPr>
         </p:nvSpPr>
@@ -5871,6 +5891,7 @@
               <a:rPr lang="zh-CN" altLang="en-US" dirty="0"/>
               <a:t>单击此处编辑母版文本样式</a:t>
             </a:r>
+            <a:endParaRPr lang="zh-CN" altLang="en-US" dirty="0"/>
           </a:p>
           <a:p>
             <a:pPr lvl="1"/>
@@ -5878,6 +5899,7 @@
               <a:rPr lang="zh-CN" altLang="en-US" dirty="0"/>
               <a:t>第二级</a:t>
             </a:r>
+            <a:endParaRPr lang="zh-CN" altLang="en-US" dirty="0"/>
           </a:p>
           <a:p>
             <a:pPr lvl="2"/>
@@ -5885,6 +5907,7 @@
               <a:rPr lang="zh-CN" altLang="en-US" dirty="0"/>
               <a:t>第三级</a:t>
             </a:r>
+            <a:endParaRPr lang="zh-CN" altLang="en-US" dirty="0"/>
           </a:p>
           <a:p>
             <a:pPr lvl="3"/>
@@ -5892,6 +5915,7 @@
               <a:rPr lang="zh-CN" altLang="en-US" dirty="0"/>
               <a:t>第四级</a:t>
             </a:r>
+            <a:endParaRPr lang="zh-CN" altLang="en-US" dirty="0"/>
           </a:p>
           <a:p>
             <a:pPr lvl="4"/>
@@ -5899,6 +5923,7 @@
               <a:rPr lang="zh-CN" altLang="en-US" dirty="0"/>
               <a:t>第五级</a:t>
             </a:r>
+            <a:endParaRPr lang="zh-CN" altLang="en-US" dirty="0"/>
           </a:p>
         </p:txBody>
       </p:sp>
@@ -5911,7 +5936,7 @@
           <p:nvPr>
             <p:ph type="dt" sz="half" idx="10"/>
             <p:custDataLst>
-              <p:tags r:id="rId4"/>
+              <p:tags r:id="rId5"/>
             </p:custDataLst>
           </p:nvPr>
         </p:nvSpPr>
@@ -5922,7 +5947,6 @@
           <a:p>
             <a:fld id="{DDC86826-C030-4ABB-BAB8-ECCBC086F54C}" type="datetimeFigureOut">
               <a:rPr lang="zh-CN" altLang="en-US" smtClean="0"/>
-              <a:t>2020/10/14</a:t>
             </a:fld>
             <a:endParaRPr lang="zh-CN" altLang="en-US"/>
           </a:p>
@@ -5937,7 +5961,7 @@
           <p:nvPr>
             <p:ph type="ftr" sz="quarter" idx="11"/>
             <p:custDataLst>
-              <p:tags r:id="rId5"/>
+              <p:tags r:id="rId6"/>
             </p:custDataLst>
           </p:nvPr>
         </p:nvSpPr>
@@ -5959,7 +5983,7 @@
           <p:nvPr>
             <p:ph type="sldNum" sz="quarter" idx="12"/>
             <p:custDataLst>
-              <p:tags r:id="rId6"/>
+              <p:tags r:id="rId7"/>
             </p:custDataLst>
           </p:nvPr>
         </p:nvSpPr>
@@ -5970,7 +5994,6 @@
           <a:p>
             <a:fld id="{DD074F22-C169-4F08-BADB-1985F513ADBA}" type="slidenum">
               <a:rPr lang="zh-CN" altLang="en-US" smtClean="0"/>
-              <a:t>‹#›</a:t>
             </a:fld>
             <a:endParaRPr lang="zh-CN" altLang="en-US"/>
           </a:p>
@@ -5981,13 +6004,13 @@
   <p:clrMapOvr>
     <a:masterClrMapping/>
   </p:clrMapOvr>
-  <mc:AlternateContent xmlns:mc="http://schemas.openxmlformats.org/markup-compatibility/2006" xmlns:p15="http://schemas.microsoft.com/office/powerpoint/2012/main">
-    <mc:Choice Requires="p15">
-      <p:transition xmlns:p14="http://schemas.microsoft.com/office/powerpoint/2010/main" spd="slow" p14:dur="1250">
+  <mc:AlternateContent xmlns:mc="http://schemas.openxmlformats.org/markup-compatibility/2006">
+    <mc:Choice xmlns:p15="http://schemas.microsoft.com/office/powerpoint/2012/main" Requires="p15">
+      <p:transition xmlns:p14="http://schemas.microsoft.com/office/powerpoint/2010/main" spd="slow" Requires="p14" p14:dur="1250">
         <p15:prstTrans prst="pageCurlDouble"/>
       </p:transition>
     </mc:Choice>
-    <mc:Fallback xmlns="">
+    <mc:Fallback>
       <p:transition spd="slow">
         <p:fade/>
       </p:transition>
@@ -6022,7 +6045,7 @@
           <p:nvPr>
             <p:ph type="title"/>
             <p:custDataLst>
-              <p:tags r:id="rId1"/>
+              <p:tags r:id="rId2"/>
             </p:custDataLst>
           </p:nvPr>
         </p:nvSpPr>
@@ -6047,6 +6070,7 @@
               <a:rPr lang="zh-CN" altLang="en-US"/>
               <a:t>单击此处编辑母版标题样式</a:t>
             </a:r>
+            <a:endParaRPr lang="zh-CN" altLang="en-US"/>
           </a:p>
         </p:txBody>
       </p:sp>
@@ -6059,7 +6083,7 @@
           <p:nvPr>
             <p:ph type="body" idx="1"/>
             <p:custDataLst>
-              <p:tags r:id="rId2"/>
+              <p:tags r:id="rId3"/>
             </p:custDataLst>
           </p:nvPr>
         </p:nvSpPr>
@@ -6117,6 +6141,7 @@
               <a:rPr lang="zh-CN" altLang="en-US" dirty="0"/>
               <a:t>单击此处编辑母版文本样式</a:t>
             </a:r>
+            <a:endParaRPr lang="zh-CN" altLang="en-US" dirty="0"/>
           </a:p>
         </p:txBody>
       </p:sp>
@@ -6129,7 +6154,7 @@
           <p:nvPr>
             <p:ph sz="half" idx="2"/>
             <p:custDataLst>
-              <p:tags r:id="rId3"/>
+              <p:tags r:id="rId4"/>
             </p:custDataLst>
           </p:nvPr>
         </p:nvSpPr>
@@ -6148,6 +6173,7 @@
               <a:rPr lang="zh-CN" altLang="en-US" dirty="0"/>
               <a:t>单击此处编辑母版文本样式</a:t>
             </a:r>
+            <a:endParaRPr lang="zh-CN" altLang="en-US" dirty="0"/>
           </a:p>
           <a:p>
             <a:pPr lvl="1"/>
@@ -6155,6 +6181,7 @@
               <a:rPr lang="zh-CN" altLang="en-US" dirty="0"/>
               <a:t>第二级</a:t>
             </a:r>
+            <a:endParaRPr lang="zh-CN" altLang="en-US" dirty="0"/>
           </a:p>
           <a:p>
             <a:pPr lvl="2"/>
@@ -6162,6 +6189,7 @@
               <a:rPr lang="zh-CN" altLang="en-US" dirty="0"/>
               <a:t>第三级</a:t>
             </a:r>
+            <a:endParaRPr lang="zh-CN" altLang="en-US" dirty="0"/>
           </a:p>
           <a:p>
             <a:pPr lvl="3"/>
@@ -6169,6 +6197,7 @@
               <a:rPr lang="zh-CN" altLang="en-US" dirty="0"/>
               <a:t>第四级</a:t>
             </a:r>
+            <a:endParaRPr lang="zh-CN" altLang="en-US" dirty="0"/>
           </a:p>
           <a:p>
             <a:pPr lvl="4"/>
@@ -6176,6 +6205,7 @@
               <a:rPr lang="zh-CN" altLang="en-US" dirty="0"/>
               <a:t>第五级</a:t>
             </a:r>
+            <a:endParaRPr lang="zh-CN" altLang="en-US" dirty="0"/>
           </a:p>
         </p:txBody>
       </p:sp>
@@ -6188,7 +6218,7 @@
           <p:nvPr>
             <p:ph type="body" sz="quarter" idx="3"/>
             <p:custDataLst>
-              <p:tags r:id="rId4"/>
+              <p:tags r:id="rId5"/>
             </p:custDataLst>
           </p:nvPr>
         </p:nvSpPr>
@@ -6246,6 +6276,7 @@
               <a:rPr lang="zh-CN" altLang="en-US" dirty="0"/>
               <a:t>单击此处编辑母版文本样式</a:t>
             </a:r>
+            <a:endParaRPr lang="zh-CN" altLang="en-US" dirty="0"/>
           </a:p>
         </p:txBody>
       </p:sp>
@@ -6258,7 +6289,7 @@
           <p:nvPr>
             <p:ph sz="quarter" idx="4"/>
             <p:custDataLst>
-              <p:tags r:id="rId5"/>
+              <p:tags r:id="rId6"/>
             </p:custDataLst>
           </p:nvPr>
         </p:nvSpPr>
@@ -6277,6 +6308,7 @@
               <a:rPr lang="zh-CN" altLang="en-US" dirty="0"/>
               <a:t>单击此处编辑母版文本样式</a:t>
             </a:r>
+            <a:endParaRPr lang="zh-CN" altLang="en-US" dirty="0"/>
           </a:p>
           <a:p>
             <a:pPr lvl="1"/>
@@ -6284,6 +6316,7 @@
               <a:rPr lang="zh-CN" altLang="en-US" dirty="0"/>
               <a:t>第二级</a:t>
             </a:r>
+            <a:endParaRPr lang="zh-CN" altLang="en-US" dirty="0"/>
           </a:p>
           <a:p>
             <a:pPr lvl="2"/>
@@ -6291,6 +6324,7 @@
               <a:rPr lang="zh-CN" altLang="en-US" dirty="0"/>
               <a:t>第三级</a:t>
             </a:r>
+            <a:endParaRPr lang="zh-CN" altLang="en-US" dirty="0"/>
           </a:p>
           <a:p>
             <a:pPr lvl="3"/>
@@ -6298,6 +6332,7 @@
               <a:rPr lang="zh-CN" altLang="en-US" dirty="0"/>
               <a:t>第四级</a:t>
             </a:r>
+            <a:endParaRPr lang="zh-CN" altLang="en-US" dirty="0"/>
           </a:p>
           <a:p>
             <a:pPr lvl="4"/>
@@ -6305,6 +6340,7 @@
               <a:rPr lang="zh-CN" altLang="en-US" dirty="0"/>
               <a:t>第五级</a:t>
             </a:r>
+            <a:endParaRPr lang="zh-CN" altLang="en-US" dirty="0"/>
           </a:p>
         </p:txBody>
       </p:sp>
@@ -6317,7 +6353,7 @@
           <p:nvPr>
             <p:ph type="dt" sz="half" idx="10"/>
             <p:custDataLst>
-              <p:tags r:id="rId6"/>
+              <p:tags r:id="rId7"/>
             </p:custDataLst>
           </p:nvPr>
         </p:nvSpPr>
@@ -6328,7 +6364,6 @@
           <a:p>
             <a:fld id="{DDC86826-C030-4ABB-BAB8-ECCBC086F54C}" type="datetimeFigureOut">
               <a:rPr lang="zh-CN" altLang="en-US" smtClean="0"/>
-              <a:t>2020/10/14</a:t>
             </a:fld>
             <a:endParaRPr lang="zh-CN" altLang="en-US"/>
           </a:p>
@@ -6343,7 +6378,7 @@
           <p:nvPr>
             <p:ph type="ftr" sz="quarter" idx="11"/>
             <p:custDataLst>
-              <p:tags r:id="rId7"/>
+              <p:tags r:id="rId8"/>
             </p:custDataLst>
           </p:nvPr>
         </p:nvSpPr>
@@ -6365,7 +6400,7 @@
           <p:nvPr>
             <p:ph type="sldNum" sz="quarter" idx="12"/>
             <p:custDataLst>
-              <p:tags r:id="rId8"/>
+              <p:tags r:id="rId9"/>
             </p:custDataLst>
           </p:nvPr>
         </p:nvSpPr>
@@ -6376,7 +6411,6 @@
           <a:p>
             <a:fld id="{DD074F22-C169-4F08-BADB-1985F513ADBA}" type="slidenum">
               <a:rPr lang="zh-CN" altLang="en-US" smtClean="0"/>
-              <a:t>‹#›</a:t>
             </a:fld>
             <a:endParaRPr lang="zh-CN" altLang="en-US"/>
           </a:p>
@@ -6387,13 +6421,13 @@
   <p:clrMapOvr>
     <a:masterClrMapping/>
   </p:clrMapOvr>
-  <mc:AlternateContent xmlns:mc="http://schemas.openxmlformats.org/markup-compatibility/2006" xmlns:p15="http://schemas.microsoft.com/office/powerpoint/2012/main">
-    <mc:Choice Requires="p15">
-      <p:transition xmlns:p14="http://schemas.microsoft.com/office/powerpoint/2010/main" spd="slow" p14:dur="1250">
+  <mc:AlternateContent xmlns:mc="http://schemas.openxmlformats.org/markup-compatibility/2006">
+    <mc:Choice xmlns:p15="http://schemas.microsoft.com/office/powerpoint/2012/main" Requires="p15">
+      <p:transition xmlns:p14="http://schemas.microsoft.com/office/powerpoint/2010/main" spd="slow" Requires="p14" p14:dur="1250">
         <p15:prstTrans prst="pageCurlDouble"/>
       </p:transition>
     </mc:Choice>
-    <mc:Fallback xmlns="">
+    <mc:Fallback>
       <p:transition spd="slow">
         <p:fade/>
       </p:transition>
@@ -6428,7 +6462,7 @@
           <p:nvPr>
             <p:ph type="dt" sz="half" idx="10"/>
             <p:custDataLst>
-              <p:tags r:id="rId1"/>
+              <p:tags r:id="rId2"/>
             </p:custDataLst>
           </p:nvPr>
         </p:nvSpPr>
@@ -6439,7 +6473,6 @@
           <a:p>
             <a:fld id="{DDC86826-C030-4ABB-BAB8-ECCBC086F54C}" type="datetimeFigureOut">
               <a:rPr lang="zh-CN" altLang="en-US" smtClean="0"/>
-              <a:t>2020/10/14</a:t>
             </a:fld>
             <a:endParaRPr lang="zh-CN" altLang="en-US"/>
           </a:p>
@@ -6454,7 +6487,7 @@
           <p:nvPr>
             <p:ph type="ftr" sz="quarter" idx="11"/>
             <p:custDataLst>
-              <p:tags r:id="rId2"/>
+              <p:tags r:id="rId3"/>
             </p:custDataLst>
           </p:nvPr>
         </p:nvSpPr>
@@ -6476,7 +6509,7 @@
           <p:nvPr>
             <p:ph type="sldNum" sz="quarter" idx="12"/>
             <p:custDataLst>
-              <p:tags r:id="rId3"/>
+              <p:tags r:id="rId4"/>
             </p:custDataLst>
           </p:nvPr>
         </p:nvSpPr>
@@ -6487,7 +6520,6 @@
           <a:p>
             <a:fld id="{DD074F22-C169-4F08-BADB-1985F513ADBA}" type="slidenum">
               <a:rPr lang="zh-CN" altLang="en-US" smtClean="0"/>
-              <a:t>‹#›</a:t>
             </a:fld>
             <a:endParaRPr lang="zh-CN" altLang="en-US"/>
           </a:p>
@@ -6502,7 +6534,7 @@
           <p:nvPr>
             <p:ph type="title"/>
             <p:custDataLst>
-              <p:tags r:id="rId4"/>
+              <p:tags r:id="rId5"/>
             </p:custDataLst>
           </p:nvPr>
         </p:nvSpPr>
@@ -6515,6 +6547,7 @@
               <a:rPr lang="zh-CN" altLang="en-US"/>
               <a:t>单击此处编辑母版标题样式</a:t>
             </a:r>
+            <a:endParaRPr lang="zh-CN" altLang="en-US"/>
           </a:p>
         </p:txBody>
       </p:sp>
@@ -6523,13 +6556,13 @@
   <p:clrMapOvr>
     <a:masterClrMapping/>
   </p:clrMapOvr>
-  <mc:AlternateContent xmlns:mc="http://schemas.openxmlformats.org/markup-compatibility/2006" xmlns:p15="http://schemas.microsoft.com/office/powerpoint/2012/main">
-    <mc:Choice Requires="p15">
-      <p:transition xmlns:p14="http://schemas.microsoft.com/office/powerpoint/2010/main" spd="slow" p14:dur="1250">
+  <mc:AlternateContent xmlns:mc="http://schemas.openxmlformats.org/markup-compatibility/2006">
+    <mc:Choice xmlns:p15="http://schemas.microsoft.com/office/powerpoint/2012/main" Requires="p15">
+      <p:transition xmlns:p14="http://schemas.microsoft.com/office/powerpoint/2010/main" spd="slow" Requires="p14" p14:dur="1250">
         <p15:prstTrans prst="pageCurlDouble"/>
       </p:transition>
     </mc:Choice>
-    <mc:Fallback xmlns="">
+    <mc:Fallback>
       <p:transition spd="slow">
         <p:fade/>
       </p:transition>
@@ -6564,7 +6597,7 @@
           <p:nvPr>
             <p:ph type="dt" sz="half" idx="10"/>
             <p:custDataLst>
-              <p:tags r:id="rId1"/>
+              <p:tags r:id="rId2"/>
             </p:custDataLst>
           </p:nvPr>
         </p:nvSpPr>
@@ -6575,7 +6608,6 @@
           <a:p>
             <a:fld id="{DDC86826-C030-4ABB-BAB8-ECCBC086F54C}" type="datetimeFigureOut">
               <a:rPr lang="zh-CN" altLang="en-US" smtClean="0"/>
-              <a:t>2020/10/14</a:t>
             </a:fld>
             <a:endParaRPr lang="zh-CN" altLang="en-US"/>
           </a:p>
@@ -6590,7 +6622,7 @@
           <p:nvPr>
             <p:ph type="ftr" sz="quarter" idx="11"/>
             <p:custDataLst>
-              <p:tags r:id="rId2"/>
+              <p:tags r:id="rId3"/>
             </p:custDataLst>
           </p:nvPr>
         </p:nvSpPr>
@@ -6612,7 +6644,7 @@
           <p:nvPr>
             <p:ph type="sldNum" sz="quarter" idx="12"/>
             <p:custDataLst>
-              <p:tags r:id="rId3"/>
+              <p:tags r:id="rId4"/>
             </p:custDataLst>
           </p:nvPr>
         </p:nvSpPr>
@@ -6623,7 +6655,6 @@
           <a:p>
             <a:fld id="{DD074F22-C169-4F08-BADB-1985F513ADBA}" type="slidenum">
               <a:rPr lang="zh-CN" altLang="en-US" smtClean="0"/>
-              <a:t>‹#›</a:t>
             </a:fld>
             <a:endParaRPr lang="zh-CN" altLang="en-US"/>
           </a:p>
@@ -6634,13 +6665,13 @@
   <p:clrMapOvr>
     <a:masterClrMapping/>
   </p:clrMapOvr>
-  <mc:AlternateContent xmlns:mc="http://schemas.openxmlformats.org/markup-compatibility/2006" xmlns:p15="http://schemas.microsoft.com/office/powerpoint/2012/main">
-    <mc:Choice Requires="p15">
-      <p:transition xmlns:p14="http://schemas.microsoft.com/office/powerpoint/2010/main" spd="slow" p14:dur="1250">
+  <mc:AlternateContent xmlns:mc="http://schemas.openxmlformats.org/markup-compatibility/2006">
+    <mc:Choice xmlns:p15="http://schemas.microsoft.com/office/powerpoint/2012/main" Requires="p15">
+      <p:transition xmlns:p14="http://schemas.microsoft.com/office/powerpoint/2010/main" spd="slow" Requires="p14" p14:dur="1250">
         <p15:prstTrans prst="pageCurlDouble"/>
       </p:transition>
     </mc:Choice>
-    <mc:Fallback xmlns="">
+    <mc:Fallback>
       <p:transition spd="slow">
         <p:fade/>
       </p:transition>
@@ -6672,7 +6703,7 @@
           <p:cNvSpPr/>
           <p:nvPr>
             <p:custDataLst>
-              <p:tags r:id="rId1"/>
+              <p:tags r:id="rId2"/>
             </p:custDataLst>
           </p:nvPr>
         </p:nvSpPr>
@@ -6724,7 +6755,7 @@
           <p:cNvSpPr/>
           <p:nvPr>
             <p:custDataLst>
-              <p:tags r:id="rId2"/>
+              <p:tags r:id="rId3"/>
             </p:custDataLst>
           </p:nvPr>
         </p:nvSpPr>
@@ -6774,7 +6805,7 @@
           <p:cNvSpPr/>
           <p:nvPr>
             <p:custDataLst>
-              <p:tags r:id="rId3"/>
+              <p:tags r:id="rId4"/>
             </p:custDataLst>
           </p:nvPr>
         </p:nvSpPr>
@@ -6829,7 +6860,7 @@
           <p:nvPr>
             <p:ph type="title" hasCustomPrompt="1"/>
             <p:custDataLst>
-              <p:tags r:id="rId4"/>
+              <p:tags r:id="rId5"/>
             </p:custDataLst>
           </p:nvPr>
         </p:nvSpPr>
@@ -6853,6 +6884,7 @@
               <a:rPr lang="zh-CN" altLang="en-US" dirty="0"/>
               <a:t>单击此处编辑标题</a:t>
             </a:r>
+            <a:endParaRPr lang="zh-CN" altLang="en-US" dirty="0"/>
           </a:p>
         </p:txBody>
       </p:sp>
@@ -6865,7 +6897,7 @@
           <p:nvPr>
             <p:ph type="body" idx="1"/>
             <p:custDataLst>
-              <p:tags r:id="rId5"/>
+              <p:tags r:id="rId6"/>
             </p:custDataLst>
           </p:nvPr>
         </p:nvSpPr>
@@ -6975,6 +7007,7 @@
               <a:rPr lang="zh-CN" altLang="en-US" dirty="0"/>
               <a:t>单击此处编辑母版文本样式</a:t>
             </a:r>
+            <a:endParaRPr lang="zh-CN" altLang="en-US" dirty="0"/>
           </a:p>
         </p:txBody>
       </p:sp>
@@ -6987,7 +7020,7 @@
           <p:nvPr>
             <p:ph type="dt" sz="half" idx="10"/>
             <p:custDataLst>
-              <p:tags r:id="rId6"/>
+              <p:tags r:id="rId7"/>
             </p:custDataLst>
           </p:nvPr>
         </p:nvSpPr>
@@ -6998,7 +7031,6 @@
           <a:p>
             <a:fld id="{760FBDFE-C587-4B4C-A407-44438C67B59E}" type="datetimeFigureOut">
               <a:rPr lang="zh-CN" altLang="en-US" smtClean="0"/>
-              <a:t>2020/10/14</a:t>
             </a:fld>
             <a:endParaRPr lang="zh-CN" altLang="en-US"/>
           </a:p>
@@ -7013,7 +7045,7 @@
           <p:nvPr>
             <p:ph type="ftr" sz="quarter" idx="11"/>
             <p:custDataLst>
-              <p:tags r:id="rId7"/>
+              <p:tags r:id="rId8"/>
             </p:custDataLst>
           </p:nvPr>
         </p:nvSpPr>
@@ -7035,7 +7067,7 @@
           <p:nvPr>
             <p:ph type="sldNum" sz="quarter" idx="12"/>
             <p:custDataLst>
-              <p:tags r:id="rId8"/>
+              <p:tags r:id="rId9"/>
             </p:custDataLst>
           </p:nvPr>
         </p:nvSpPr>
@@ -7046,7 +7078,6 @@
           <a:p>
             <a:fld id="{49AE70B2-8BF9-45C0-BB95-33D1B9D3A854}" type="slidenum">
               <a:rPr lang="zh-CN" altLang="en-US" smtClean="0"/>
-              <a:t>‹#›</a:t>
             </a:fld>
             <a:endParaRPr lang="zh-CN" altLang="en-US"/>
           </a:p>
@@ -7057,13 +7088,13 @@
   <p:clrMapOvr>
     <a:masterClrMapping/>
   </p:clrMapOvr>
-  <mc:AlternateContent xmlns:mc="http://schemas.openxmlformats.org/markup-compatibility/2006" xmlns:p15="http://schemas.microsoft.com/office/powerpoint/2012/main">
-    <mc:Choice Requires="p15">
-      <p:transition xmlns:p14="http://schemas.microsoft.com/office/powerpoint/2010/main" spd="slow" p14:dur="1250">
+  <mc:AlternateContent xmlns:mc="http://schemas.openxmlformats.org/markup-compatibility/2006">
+    <mc:Choice xmlns:p15="http://schemas.microsoft.com/office/powerpoint/2012/main" Requires="p15">
+      <p:transition xmlns:p14="http://schemas.microsoft.com/office/powerpoint/2010/main" spd="slow" Requires="p14" p14:dur="1250">
         <p15:prstTrans prst="pageCurlDouble"/>
       </p:transition>
     </mc:Choice>
-    <mc:Fallback xmlns="">
+    <mc:Fallback>
       <p:transition spd="slow">
         <p:fade/>
       </p:transition>
@@ -7098,7 +7129,7 @@
           <p:nvPr>
             <p:ph type="title"/>
             <p:custDataLst>
-              <p:tags r:id="rId1"/>
+              <p:tags r:id="rId2"/>
             </p:custDataLst>
           </p:nvPr>
         </p:nvSpPr>
@@ -7122,6 +7153,7 @@
               <a:rPr lang="zh-CN" altLang="en-US" dirty="0"/>
               <a:t>单击此处编辑母版标题样式</a:t>
             </a:r>
+            <a:endParaRPr lang="zh-CN" altLang="en-US" dirty="0"/>
           </a:p>
         </p:txBody>
       </p:sp>
@@ -7134,7 +7166,7 @@
           <p:nvPr>
             <p:ph type="pic" idx="1"/>
             <p:custDataLst>
-              <p:tags r:id="rId2"/>
+              <p:tags r:id="rId3"/>
             </p:custDataLst>
           </p:nvPr>
         </p:nvSpPr>
@@ -7198,7 +7230,7 @@
           <p:nvPr>
             <p:ph type="body" sz="half" idx="2"/>
             <p:custDataLst>
-              <p:tags r:id="rId3"/>
+              <p:tags r:id="rId4"/>
             </p:custDataLst>
           </p:nvPr>
         </p:nvSpPr>
@@ -7256,6 +7288,7 @@
               <a:rPr lang="zh-CN" altLang="en-US" dirty="0"/>
               <a:t>单击此处编辑母版文本样式</a:t>
             </a:r>
+            <a:endParaRPr lang="zh-CN" altLang="en-US" dirty="0"/>
           </a:p>
         </p:txBody>
       </p:sp>
@@ -7268,7 +7301,7 @@
           <p:nvPr>
             <p:ph type="dt" sz="half" idx="10"/>
             <p:custDataLst>
-              <p:tags r:id="rId4"/>
+              <p:tags r:id="rId5"/>
             </p:custDataLst>
           </p:nvPr>
         </p:nvSpPr>
@@ -7279,7 +7312,6 @@
           <a:p>
             <a:fld id="{9EFD9D74-47D9-4702-A33C-335B63B48DBF}" type="datetimeFigureOut">
               <a:rPr lang="zh-CN" altLang="en-US" smtClean="0"/>
-              <a:t>2020/10/14</a:t>
             </a:fld>
             <a:endParaRPr lang="zh-CN" altLang="en-US" dirty="0"/>
           </a:p>
@@ -7294,7 +7326,7 @@
           <p:nvPr>
             <p:ph type="ftr" sz="quarter" idx="11"/>
             <p:custDataLst>
-              <p:tags r:id="rId5"/>
+              <p:tags r:id="rId6"/>
             </p:custDataLst>
           </p:nvPr>
         </p:nvSpPr>
@@ -7316,7 +7348,7 @@
           <p:nvPr>
             <p:ph type="sldNum" sz="quarter" idx="12"/>
             <p:custDataLst>
-              <p:tags r:id="rId6"/>
+              <p:tags r:id="rId7"/>
             </p:custDataLst>
           </p:nvPr>
         </p:nvSpPr>
@@ -7327,7 +7359,6 @@
           <a:p>
             <a:fld id="{FABC47A4-756D-490B-A52F-7D9E2C9FC05F}" type="slidenum">
               <a:rPr lang="zh-CN" altLang="en-US" smtClean="0"/>
-              <a:t>‹#›</a:t>
             </a:fld>
             <a:endParaRPr lang="zh-CN" altLang="en-US"/>
           </a:p>
@@ -7338,13 +7369,13 @@
   <p:clrMapOvr>
     <a:masterClrMapping/>
   </p:clrMapOvr>
-  <mc:AlternateContent xmlns:mc="http://schemas.openxmlformats.org/markup-compatibility/2006" xmlns:p15="http://schemas.microsoft.com/office/powerpoint/2012/main">
-    <mc:Choice Requires="p15">
-      <p:transition xmlns:p14="http://schemas.microsoft.com/office/powerpoint/2010/main" spd="slow" p14:dur="1250">
+  <mc:AlternateContent xmlns:mc="http://schemas.openxmlformats.org/markup-compatibility/2006">
+    <mc:Choice xmlns:p15="http://schemas.microsoft.com/office/powerpoint/2012/main" Requires="p15">
+      <p:transition xmlns:p14="http://schemas.microsoft.com/office/powerpoint/2010/main" spd="slow" Requires="p14" p14:dur="1250">
         <p15:prstTrans prst="pageCurlDouble"/>
       </p:transition>
     </mc:Choice>
-    <mc:Fallback xmlns="">
+    <mc:Fallback>
       <p:transition spd="slow">
         <p:fade/>
       </p:transition>
@@ -7379,7 +7410,7 @@
           <p:nvPr>
             <p:ph type="title" orient="vert"/>
             <p:custDataLst>
-              <p:tags r:id="rId1"/>
+              <p:tags r:id="rId2"/>
             </p:custDataLst>
           </p:nvPr>
         </p:nvSpPr>
@@ -7403,6 +7434,7 @@
               <a:rPr lang="zh-CN" altLang="en-US"/>
               <a:t>单击此处编辑母版标题样式</a:t>
             </a:r>
+            <a:endParaRPr lang="zh-CN" altLang="en-US"/>
           </a:p>
         </p:txBody>
       </p:sp>
@@ -7415,7 +7447,7 @@
           <p:nvPr>
             <p:ph type="body" orient="vert" idx="1"/>
             <p:custDataLst>
-              <p:tags r:id="rId2"/>
+              <p:tags r:id="rId3"/>
             </p:custDataLst>
           </p:nvPr>
         </p:nvSpPr>
@@ -7434,6 +7466,7 @@
               <a:rPr lang="zh-CN" altLang="en-US" dirty="0"/>
               <a:t>单击此处编辑母版文本样式</a:t>
             </a:r>
+            <a:endParaRPr lang="zh-CN" altLang="en-US" dirty="0"/>
           </a:p>
           <a:p>
             <a:pPr lvl="1"/>
@@ -7441,6 +7474,7 @@
               <a:rPr lang="zh-CN" altLang="en-US" dirty="0"/>
               <a:t>第二级</a:t>
             </a:r>
+            <a:endParaRPr lang="zh-CN" altLang="en-US" dirty="0"/>
           </a:p>
           <a:p>
             <a:pPr lvl="2"/>
@@ -7448,6 +7482,7 @@
               <a:rPr lang="zh-CN" altLang="en-US" dirty="0"/>
               <a:t>第三级</a:t>
             </a:r>
+            <a:endParaRPr lang="zh-CN" altLang="en-US" dirty="0"/>
           </a:p>
           <a:p>
             <a:pPr lvl="3"/>
@@ -7455,6 +7490,7 @@
               <a:rPr lang="zh-CN" altLang="en-US" dirty="0"/>
               <a:t>第四级</a:t>
             </a:r>
+            <a:endParaRPr lang="zh-CN" altLang="en-US" dirty="0"/>
           </a:p>
           <a:p>
             <a:pPr lvl="4"/>
@@ -7462,6 +7498,7 @@
               <a:rPr lang="zh-CN" altLang="en-US" dirty="0"/>
               <a:t>第五级</a:t>
             </a:r>
+            <a:endParaRPr lang="zh-CN" altLang="en-US" dirty="0"/>
           </a:p>
         </p:txBody>
       </p:sp>
@@ -7474,7 +7511,7 @@
           <p:nvPr>
             <p:ph type="dt" sz="half" idx="10"/>
             <p:custDataLst>
-              <p:tags r:id="rId3"/>
+              <p:tags r:id="rId4"/>
             </p:custDataLst>
           </p:nvPr>
         </p:nvSpPr>
@@ -7485,7 +7522,6 @@
           <a:p>
             <a:fld id="{DDC86826-C030-4ABB-BAB8-ECCBC086F54C}" type="datetimeFigureOut">
               <a:rPr lang="zh-CN" altLang="en-US" smtClean="0"/>
-              <a:t>2020/10/14</a:t>
             </a:fld>
             <a:endParaRPr lang="zh-CN" altLang="en-US"/>
           </a:p>
@@ -7500,7 +7536,7 @@
           <p:nvPr>
             <p:ph type="ftr" sz="quarter" idx="11"/>
             <p:custDataLst>
-              <p:tags r:id="rId4"/>
+              <p:tags r:id="rId5"/>
             </p:custDataLst>
           </p:nvPr>
         </p:nvSpPr>
@@ -7522,7 +7558,7 @@
           <p:nvPr>
             <p:ph type="sldNum" sz="quarter" idx="12"/>
             <p:custDataLst>
-              <p:tags r:id="rId5"/>
+              <p:tags r:id="rId6"/>
             </p:custDataLst>
           </p:nvPr>
         </p:nvSpPr>
@@ -7533,7 +7569,6 @@
           <a:p>
             <a:fld id="{DD074F22-C169-4F08-BADB-1985F513ADBA}" type="slidenum">
               <a:rPr lang="zh-CN" altLang="en-US" smtClean="0"/>
-              <a:t>‹#›</a:t>
             </a:fld>
             <a:endParaRPr lang="zh-CN" altLang="en-US"/>
           </a:p>
@@ -7544,13 +7579,13 @@
   <p:clrMapOvr>
     <a:masterClrMapping/>
   </p:clrMapOvr>
-  <mc:AlternateContent xmlns:mc="http://schemas.openxmlformats.org/markup-compatibility/2006" xmlns:p15="http://schemas.microsoft.com/office/powerpoint/2012/main">
-    <mc:Choice Requires="p15">
-      <p:transition xmlns:p14="http://schemas.microsoft.com/office/powerpoint/2010/main" spd="slow" p14:dur="1250">
+  <mc:AlternateContent xmlns:mc="http://schemas.openxmlformats.org/markup-compatibility/2006">
+    <mc:Choice xmlns:p15="http://schemas.microsoft.com/office/powerpoint/2012/main" Requires="p15">
+      <p:transition xmlns:p14="http://schemas.microsoft.com/office/powerpoint/2010/main" spd="slow" Requires="p14" p14:dur="1250">
         <p15:prstTrans prst="pageCurlDouble"/>
       </p:transition>
     </mc:Choice>
-    <mc:Fallback xmlns="">
+    <mc:Fallback>
       <p:transition spd="slow">
         <p:fade/>
       </p:transition>
@@ -7585,7 +7620,7 @@
           <p:nvPr>
             <p:ph type="dt" sz="half" idx="10"/>
             <p:custDataLst>
-              <p:tags r:id="rId1"/>
+              <p:tags r:id="rId2"/>
             </p:custDataLst>
           </p:nvPr>
         </p:nvSpPr>
@@ -7596,7 +7631,6 @@
           <a:p>
             <a:fld id="{760FBDFE-C587-4B4C-A407-44438C67B59E}" type="datetimeFigureOut">
               <a:rPr lang="zh-CN" altLang="en-US" smtClean="0"/>
-              <a:t>2020/10/14</a:t>
             </a:fld>
             <a:endParaRPr lang="zh-CN" altLang="en-US"/>
           </a:p>
@@ -7611,7 +7645,7 @@
           <p:nvPr>
             <p:ph type="ftr" sz="quarter" idx="11"/>
             <p:custDataLst>
-              <p:tags r:id="rId2"/>
+              <p:tags r:id="rId3"/>
             </p:custDataLst>
           </p:nvPr>
         </p:nvSpPr>
@@ -7633,7 +7667,7 @@
           <p:nvPr>
             <p:ph type="sldNum" sz="quarter" idx="12"/>
             <p:custDataLst>
-              <p:tags r:id="rId3"/>
+              <p:tags r:id="rId4"/>
             </p:custDataLst>
           </p:nvPr>
         </p:nvSpPr>
@@ -7644,7 +7678,6 @@
           <a:p>
             <a:fld id="{49AE70B2-8BF9-45C0-BB95-33D1B9D3A854}" type="slidenum">
               <a:rPr lang="zh-CN" altLang="en-US" smtClean="0"/>
-              <a:t>‹#›</a:t>
             </a:fld>
             <a:endParaRPr lang="zh-CN" altLang="en-US"/>
           </a:p>
@@ -7659,7 +7692,7 @@
           <p:nvPr>
             <p:ph sz="quarter" idx="13"/>
             <p:custDataLst>
-              <p:tags r:id="rId4"/>
+              <p:tags r:id="rId5"/>
             </p:custDataLst>
           </p:nvPr>
         </p:nvSpPr>
@@ -7678,6 +7711,7 @@
               <a:rPr lang="zh-CN" altLang="en-US" dirty="0"/>
               <a:t>单击此处编辑母版文本样式</a:t>
             </a:r>
+            <a:endParaRPr lang="zh-CN" altLang="en-US" dirty="0"/>
           </a:p>
           <a:p>
             <a:pPr lvl="1"/>
@@ -7685,6 +7719,7 @@
               <a:rPr lang="zh-CN" altLang="en-US" dirty="0"/>
               <a:t>第二级</a:t>
             </a:r>
+            <a:endParaRPr lang="zh-CN" altLang="en-US" dirty="0"/>
           </a:p>
           <a:p>
             <a:pPr lvl="2"/>
@@ -7692,6 +7727,7 @@
               <a:rPr lang="zh-CN" altLang="en-US" dirty="0"/>
               <a:t>第三级</a:t>
             </a:r>
+            <a:endParaRPr lang="zh-CN" altLang="en-US" dirty="0"/>
           </a:p>
           <a:p>
             <a:pPr lvl="3"/>
@@ -7699,6 +7735,7 @@
               <a:rPr lang="zh-CN" altLang="en-US" dirty="0"/>
               <a:t>第四级</a:t>
             </a:r>
+            <a:endParaRPr lang="zh-CN" altLang="en-US" dirty="0"/>
           </a:p>
           <a:p>
             <a:pPr lvl="4"/>
@@ -7706,6 +7743,7 @@
               <a:rPr lang="zh-CN" altLang="en-US" dirty="0"/>
               <a:t>第五级</a:t>
             </a:r>
+            <a:endParaRPr lang="zh-CN" altLang="en-US" dirty="0"/>
           </a:p>
         </p:txBody>
       </p:sp>
@@ -7714,13 +7752,13 @@
   <p:clrMapOvr>
     <a:masterClrMapping/>
   </p:clrMapOvr>
-  <mc:AlternateContent xmlns:mc="http://schemas.openxmlformats.org/markup-compatibility/2006" xmlns:p15="http://schemas.microsoft.com/office/powerpoint/2012/main">
-    <mc:Choice Requires="p15">
-      <p:transition xmlns:p14="http://schemas.microsoft.com/office/powerpoint/2010/main" spd="slow" p14:dur="1250">
+  <mc:AlternateContent xmlns:mc="http://schemas.openxmlformats.org/markup-compatibility/2006">
+    <mc:Choice xmlns:p15="http://schemas.microsoft.com/office/powerpoint/2012/main" Requires="p15">
+      <p:transition xmlns:p14="http://schemas.microsoft.com/office/powerpoint/2010/main" spd="slow" Requires="p14" p14:dur="1250">
         <p15:prstTrans prst="pageCurlDouble"/>
       </p:transition>
     </mc:Choice>
-    <mc:Fallback xmlns="">
+    <mc:Fallback>
       <p:transition spd="slow">
         <p:fade/>
       </p:transition>
@@ -7735,7 +7773,7 @@
     <p:bg>
       <p:bgPr>
         <a:blipFill dpi="0" rotWithShape="1">
-          <a:blip r:embed="rId9">
+          <a:blip r:embed="rId2">
             <a:lum/>
           </a:blip>
           <a:srcRect/>
@@ -7766,7 +7804,7 @@
           <p:cNvSpPr/>
           <p:nvPr>
             <p:custDataLst>
-              <p:tags r:id="rId1"/>
+              <p:tags r:id="rId3"/>
             </p:custDataLst>
           </p:nvPr>
         </p:nvSpPr>
@@ -7816,7 +7854,7 @@
           <p:cNvCxnSpPr/>
           <p:nvPr>
             <p:custDataLst>
-              <p:tags r:id="rId2"/>
+              <p:tags r:id="rId4"/>
             </p:custDataLst>
           </p:nvPr>
         </p:nvCxnSpPr>
@@ -7858,7 +7896,7 @@
           <p:nvPr>
             <p:ph type="title" hasCustomPrompt="1"/>
             <p:custDataLst>
-              <p:tags r:id="rId3"/>
+              <p:tags r:id="rId5"/>
             </p:custDataLst>
           </p:nvPr>
         </p:nvSpPr>
@@ -7886,6 +7924,7 @@
               <a:rPr lang="zh-CN" altLang="en-US" dirty="0"/>
               <a:t>编辑标题</a:t>
             </a:r>
+            <a:endParaRPr lang="zh-CN" altLang="en-US" dirty="0"/>
           </a:p>
         </p:txBody>
       </p:sp>
@@ -7898,7 +7937,7 @@
           <p:nvPr>
             <p:ph type="dt" sz="half" idx="10"/>
             <p:custDataLst>
-              <p:tags r:id="rId4"/>
+              <p:tags r:id="rId6"/>
             </p:custDataLst>
           </p:nvPr>
         </p:nvSpPr>
@@ -7909,7 +7948,6 @@
           <a:p>
             <a:fld id="{DDC86826-C030-4ABB-BAB8-ECCBC086F54C}" type="datetimeFigureOut">
               <a:rPr lang="zh-CN" altLang="en-US" smtClean="0"/>
-              <a:t>2020/10/14</a:t>
             </a:fld>
             <a:endParaRPr lang="zh-CN" altLang="en-US"/>
           </a:p>
@@ -7924,7 +7962,7 @@
           <p:nvPr>
             <p:ph type="ftr" sz="quarter" idx="11"/>
             <p:custDataLst>
-              <p:tags r:id="rId5"/>
+              <p:tags r:id="rId7"/>
             </p:custDataLst>
           </p:nvPr>
         </p:nvSpPr>
@@ -7946,7 +7984,7 @@
           <p:nvPr>
             <p:ph type="sldNum" sz="quarter" idx="12"/>
             <p:custDataLst>
-              <p:tags r:id="rId6"/>
+              <p:tags r:id="rId8"/>
             </p:custDataLst>
           </p:nvPr>
         </p:nvSpPr>
@@ -7957,7 +7995,6 @@
           <a:p>
             <a:fld id="{DD074F22-C169-4F08-BADB-1985F513ADBA}" type="slidenum">
               <a:rPr lang="zh-CN" altLang="en-US" smtClean="0"/>
-              <a:t>‹#›</a:t>
             </a:fld>
             <a:endParaRPr lang="zh-CN" altLang="en-US"/>
           </a:p>
@@ -7972,7 +8009,7 @@
           <p:nvPr>
             <p:ph type="body" sz="quarter" idx="13" hasCustomPrompt="1"/>
             <p:custDataLst>
-              <p:tags r:id="rId7"/>
+              <p:tags r:id="rId9"/>
             </p:custDataLst>
           </p:nvPr>
         </p:nvSpPr>
@@ -8002,6 +8039,7 @@
               <a:rPr lang="zh-CN" altLang="en-US" dirty="0"/>
               <a:t>编辑文本</a:t>
             </a:r>
+            <a:endParaRPr lang="zh-CN" altLang="en-US" dirty="0"/>
           </a:p>
         </p:txBody>
       </p:sp>
@@ -8010,13 +8048,13 @@
   <p:clrMapOvr>
     <a:masterClrMapping/>
   </p:clrMapOvr>
-  <mc:AlternateContent xmlns:mc="http://schemas.openxmlformats.org/markup-compatibility/2006" xmlns:p15="http://schemas.microsoft.com/office/powerpoint/2012/main">
-    <mc:Choice Requires="p15">
-      <p:transition xmlns:p14="http://schemas.microsoft.com/office/powerpoint/2010/main" spd="slow" p14:dur="1250">
+  <mc:AlternateContent xmlns:mc="http://schemas.openxmlformats.org/markup-compatibility/2006">
+    <mc:Choice xmlns:p15="http://schemas.microsoft.com/office/powerpoint/2012/main" Requires="p15">
+      <p:transition xmlns:p14="http://schemas.microsoft.com/office/powerpoint/2010/main" spd="slow" Requires="p14" p14:dur="1250">
         <p15:prstTrans prst="pageCurlDouble"/>
       </p:transition>
     </mc:Choice>
-    <mc:Fallback xmlns="">
+    <mc:Fallback>
       <p:transition spd="slow">
         <p:fade/>
       </p:transition>
@@ -8051,7 +8089,7 @@
           <p:nvPr>
             <p:ph type="title"/>
             <p:custDataLst>
-              <p:tags r:id="rId1"/>
+              <p:tags r:id="rId2"/>
             </p:custDataLst>
           </p:nvPr>
         </p:nvSpPr>
@@ -8091,6 +8129,9 @@
               </a:rPr>
               <a:t>单击此处编辑母版标题样式</a:t>
             </a:r>
+            <a:endParaRPr>
+              <a:sym typeface="+mn-ea"/>
+            </a:endParaRPr>
           </a:p>
         </p:txBody>
       </p:sp>
@@ -8103,7 +8144,7 @@
           <p:nvPr>
             <p:ph sz="half" idx="1"/>
             <p:custDataLst>
-              <p:tags r:id="rId2"/>
+              <p:tags r:id="rId3"/>
             </p:custDataLst>
           </p:nvPr>
         </p:nvSpPr>
@@ -8245,6 +8286,9 @@
               </a:rPr>
               <a:t>单击此处编辑母版文本样式</a:t>
             </a:r>
+            <a:endParaRPr>
+              <a:sym typeface="+mn-ea"/>
+            </a:endParaRPr>
           </a:p>
           <a:p>
             <a:pPr lvl="1"/>
@@ -8254,6 +8298,9 @@
               </a:rPr>
               <a:t>第二级</a:t>
             </a:r>
+            <a:endParaRPr>
+              <a:sym typeface="+mn-ea"/>
+            </a:endParaRPr>
           </a:p>
           <a:p>
             <a:pPr lvl="2"/>
@@ -8263,6 +8310,9 @@
               </a:rPr>
               <a:t>第三级</a:t>
             </a:r>
+            <a:endParaRPr>
+              <a:sym typeface="+mn-ea"/>
+            </a:endParaRPr>
           </a:p>
           <a:p>
             <a:pPr lvl="3"/>
@@ -8272,6 +8322,9 @@
               </a:rPr>
               <a:t>第四级</a:t>
             </a:r>
+            <a:endParaRPr>
+              <a:sym typeface="+mn-ea"/>
+            </a:endParaRPr>
           </a:p>
           <a:p>
             <a:pPr lvl="4"/>
@@ -8281,6 +8334,9 @@
               </a:rPr>
               <a:t>第五级</a:t>
             </a:r>
+            <a:endParaRPr>
+              <a:sym typeface="+mn-ea"/>
+            </a:endParaRPr>
           </a:p>
         </p:txBody>
       </p:sp>
@@ -8293,7 +8349,7 @@
           <p:nvPr>
             <p:ph sz="half" idx="2"/>
             <p:custDataLst>
-              <p:tags r:id="rId3"/>
+              <p:tags r:id="rId4"/>
             </p:custDataLst>
           </p:nvPr>
         </p:nvSpPr>
@@ -8345,6 +8401,7 @@
               <a:rPr lang="zh-CN" altLang="en-US" dirty="0"/>
               <a:t>单击此处编辑母版文本样式</a:t>
             </a:r>
+            <a:endParaRPr lang="zh-CN" altLang="en-US" dirty="0"/>
           </a:p>
           <a:p>
             <a:pPr lvl="1"/>
@@ -8352,6 +8409,7 @@
               <a:rPr lang="zh-CN" altLang="en-US" dirty="0"/>
               <a:t>第二级</a:t>
             </a:r>
+            <a:endParaRPr lang="zh-CN" altLang="en-US" dirty="0"/>
           </a:p>
           <a:p>
             <a:pPr lvl="2"/>
@@ -8359,6 +8417,7 @@
               <a:rPr lang="zh-CN" altLang="en-US" dirty="0"/>
               <a:t>第三级</a:t>
             </a:r>
+            <a:endParaRPr lang="zh-CN" altLang="en-US" dirty="0"/>
           </a:p>
           <a:p>
             <a:pPr lvl="3"/>
@@ -8366,6 +8425,7 @@
               <a:rPr lang="zh-CN" altLang="en-US" dirty="0"/>
               <a:t>第四级</a:t>
             </a:r>
+            <a:endParaRPr lang="zh-CN" altLang="en-US" dirty="0"/>
           </a:p>
           <a:p>
             <a:pPr lvl="4"/>
@@ -8373,6 +8433,7 @@
               <a:rPr lang="zh-CN" altLang="en-US" dirty="0"/>
               <a:t>第五级</a:t>
             </a:r>
+            <a:endParaRPr lang="zh-CN" altLang="en-US" dirty="0"/>
           </a:p>
         </p:txBody>
       </p:sp>
@@ -8385,7 +8446,7 @@
           <p:nvPr>
             <p:ph type="dt" sz="half" idx="10"/>
             <p:custDataLst>
-              <p:tags r:id="rId4"/>
+              <p:tags r:id="rId5"/>
             </p:custDataLst>
           </p:nvPr>
         </p:nvSpPr>
@@ -8396,7 +8457,6 @@
           <a:p>
             <a:fld id="{760FBDFE-C587-4B4C-A407-44438C67B59E}" type="datetimeFigureOut">
               <a:rPr lang="zh-CN" altLang="en-US" smtClean="0"/>
-              <a:t>2020/10/14</a:t>
             </a:fld>
             <a:endParaRPr lang="zh-CN" altLang="en-US"/>
           </a:p>
@@ -8411,7 +8471,7 @@
           <p:nvPr>
             <p:ph type="ftr" sz="quarter" idx="11"/>
             <p:custDataLst>
-              <p:tags r:id="rId5"/>
+              <p:tags r:id="rId6"/>
             </p:custDataLst>
           </p:nvPr>
         </p:nvSpPr>
@@ -8433,7 +8493,7 @@
           <p:nvPr>
             <p:ph type="sldNum" sz="quarter" idx="12"/>
             <p:custDataLst>
-              <p:tags r:id="rId6"/>
+              <p:tags r:id="rId7"/>
             </p:custDataLst>
           </p:nvPr>
         </p:nvSpPr>
@@ -8444,7 +8504,6 @@
           <a:p>
             <a:fld id="{49AE70B2-8BF9-45C0-BB95-33D1B9D3A854}" type="slidenum">
               <a:rPr lang="zh-CN" altLang="en-US" smtClean="0"/>
-              <a:t>‹#›</a:t>
             </a:fld>
             <a:endParaRPr lang="zh-CN" altLang="en-US"/>
           </a:p>
@@ -8455,13 +8514,13 @@
   <p:clrMapOvr>
     <a:masterClrMapping/>
   </p:clrMapOvr>
-  <mc:AlternateContent xmlns:mc="http://schemas.openxmlformats.org/markup-compatibility/2006" xmlns:p15="http://schemas.microsoft.com/office/powerpoint/2012/main">
-    <mc:Choice Requires="p15">
-      <p:transition xmlns:p14="http://schemas.microsoft.com/office/powerpoint/2010/main" spd="slow" p14:dur="1250">
+  <mc:AlternateContent xmlns:mc="http://schemas.openxmlformats.org/markup-compatibility/2006">
+    <mc:Choice xmlns:p15="http://schemas.microsoft.com/office/powerpoint/2012/main" Requires="p15">
+      <p:transition xmlns:p14="http://schemas.microsoft.com/office/powerpoint/2010/main" spd="slow" Requires="p14" p14:dur="1250">
         <p15:prstTrans prst="pageCurlDouble"/>
       </p:transition>
     </mc:Choice>
-    <mc:Fallback xmlns="">
+    <mc:Fallback>
       <p:transition spd="slow">
         <p:fade/>
       </p:transition>
@@ -8496,7 +8555,7 @@
           <p:nvPr>
             <p:ph type="title"/>
             <p:custDataLst>
-              <p:tags r:id="rId1"/>
+              <p:tags r:id="rId2"/>
             </p:custDataLst>
           </p:nvPr>
         </p:nvSpPr>
@@ -8536,6 +8595,9 @@
               </a:rPr>
               <a:t>单击此处编辑母版标题样式</a:t>
             </a:r>
+            <a:endParaRPr>
+              <a:sym typeface="+mn-ea"/>
+            </a:endParaRPr>
           </a:p>
         </p:txBody>
       </p:sp>
@@ -8548,7 +8610,7 @@
           <p:nvPr>
             <p:ph type="body" idx="1" hasCustomPrompt="1"/>
             <p:custDataLst>
-              <p:tags r:id="rId2"/>
+              <p:tags r:id="rId3"/>
             </p:custDataLst>
           </p:nvPr>
         </p:nvSpPr>
@@ -8619,6 +8681,7 @@
               <a:rPr lang="zh-CN" altLang="en-US" dirty="0"/>
               <a:t>单击此处编辑文本</a:t>
             </a:r>
+            <a:endParaRPr lang="zh-CN" altLang="en-US" dirty="0"/>
           </a:p>
         </p:txBody>
       </p:sp>
@@ -8631,7 +8694,7 @@
           <p:nvPr>
             <p:ph sz="half" idx="2"/>
             <p:custDataLst>
-              <p:tags r:id="rId3"/>
+              <p:tags r:id="rId4"/>
             </p:custDataLst>
           </p:nvPr>
         </p:nvSpPr>
@@ -8773,6 +8836,9 @@
               </a:rPr>
               <a:t>单击此处编辑母版文本样式</a:t>
             </a:r>
+            <a:endParaRPr dirty="0">
+              <a:sym typeface="+mn-ea"/>
+            </a:endParaRPr>
           </a:p>
           <a:p>
             <a:pPr lvl="1"/>
@@ -8782,6 +8848,9 @@
               </a:rPr>
               <a:t>第二级</a:t>
             </a:r>
+            <a:endParaRPr dirty="0">
+              <a:sym typeface="+mn-ea"/>
+            </a:endParaRPr>
           </a:p>
           <a:p>
             <a:pPr lvl="2"/>
@@ -8791,6 +8860,9 @@
               </a:rPr>
               <a:t>第三级</a:t>
             </a:r>
+            <a:endParaRPr dirty="0">
+              <a:sym typeface="+mn-ea"/>
+            </a:endParaRPr>
           </a:p>
           <a:p>
             <a:pPr lvl="3"/>
@@ -8800,6 +8872,9 @@
               </a:rPr>
               <a:t>第四级</a:t>
             </a:r>
+            <a:endParaRPr dirty="0">
+              <a:sym typeface="+mn-ea"/>
+            </a:endParaRPr>
           </a:p>
           <a:p>
             <a:pPr lvl="4"/>
@@ -8809,6 +8884,9 @@
               </a:rPr>
               <a:t>第五级</a:t>
             </a:r>
+            <a:endParaRPr dirty="0">
+              <a:sym typeface="+mn-ea"/>
+            </a:endParaRPr>
           </a:p>
         </p:txBody>
       </p:sp>
@@ -8821,7 +8899,7 @@
           <p:nvPr>
             <p:ph type="body" sz="quarter" idx="3" hasCustomPrompt="1"/>
             <p:custDataLst>
-              <p:tags r:id="rId4"/>
+              <p:tags r:id="rId5"/>
             </p:custDataLst>
           </p:nvPr>
         </p:nvSpPr>
@@ -8900,6 +8978,9 @@
               </a:rPr>
               <a:t>单击此处编辑文本</a:t>
             </a:r>
+            <a:endParaRPr>
+              <a:sym typeface="+mn-ea"/>
+            </a:endParaRPr>
           </a:p>
         </p:txBody>
       </p:sp>
@@ -8912,7 +8993,7 @@
           <p:nvPr>
             <p:ph sz="quarter" idx="4"/>
             <p:custDataLst>
-              <p:tags r:id="rId5"/>
+              <p:tags r:id="rId6"/>
             </p:custDataLst>
           </p:nvPr>
         </p:nvSpPr>
@@ -9054,6 +9135,9 @@
               </a:rPr>
               <a:t>单击此处编辑母版文本样式</a:t>
             </a:r>
+            <a:endParaRPr dirty="0">
+              <a:sym typeface="+mn-ea"/>
+            </a:endParaRPr>
           </a:p>
           <a:p>
             <a:pPr lvl="1"/>
@@ -9063,6 +9147,9 @@
               </a:rPr>
               <a:t>第二级</a:t>
             </a:r>
+            <a:endParaRPr dirty="0">
+              <a:sym typeface="+mn-ea"/>
+            </a:endParaRPr>
           </a:p>
           <a:p>
             <a:pPr lvl="2"/>
@@ -9072,6 +9159,9 @@
               </a:rPr>
               <a:t>第三级</a:t>
             </a:r>
+            <a:endParaRPr dirty="0">
+              <a:sym typeface="+mn-ea"/>
+            </a:endParaRPr>
           </a:p>
           <a:p>
             <a:pPr lvl="3"/>
@@ -9081,6 +9171,9 @@
               </a:rPr>
               <a:t>第四级</a:t>
             </a:r>
+            <a:endParaRPr dirty="0">
+              <a:sym typeface="+mn-ea"/>
+            </a:endParaRPr>
           </a:p>
           <a:p>
             <a:pPr lvl="4"/>
@@ -9090,6 +9183,9 @@
               </a:rPr>
               <a:t>第五级</a:t>
             </a:r>
+            <a:endParaRPr dirty="0">
+              <a:sym typeface="+mn-ea"/>
+            </a:endParaRPr>
           </a:p>
         </p:txBody>
       </p:sp>
@@ -9102,7 +9198,7 @@
           <p:nvPr>
             <p:ph type="dt" sz="half" idx="10"/>
             <p:custDataLst>
-              <p:tags r:id="rId6"/>
+              <p:tags r:id="rId7"/>
             </p:custDataLst>
           </p:nvPr>
         </p:nvSpPr>
@@ -9113,7 +9209,6 @@
           <a:p>
             <a:fld id="{760FBDFE-C587-4B4C-A407-44438C67B59E}" type="datetimeFigureOut">
               <a:rPr lang="zh-CN" altLang="en-US" smtClean="0"/>
-              <a:t>2020/10/14</a:t>
             </a:fld>
             <a:endParaRPr lang="zh-CN" altLang="en-US"/>
           </a:p>
@@ -9128,7 +9223,7 @@
           <p:nvPr>
             <p:ph type="ftr" sz="quarter" idx="11"/>
             <p:custDataLst>
-              <p:tags r:id="rId7"/>
+              <p:tags r:id="rId8"/>
             </p:custDataLst>
           </p:nvPr>
         </p:nvSpPr>
@@ -9150,7 +9245,7 @@
           <p:nvPr>
             <p:ph type="sldNum" sz="quarter" idx="12"/>
             <p:custDataLst>
-              <p:tags r:id="rId8"/>
+              <p:tags r:id="rId9"/>
             </p:custDataLst>
           </p:nvPr>
         </p:nvSpPr>
@@ -9161,7 +9256,6 @@
           <a:p>
             <a:fld id="{49AE70B2-8BF9-45C0-BB95-33D1B9D3A854}" type="slidenum">
               <a:rPr lang="zh-CN" altLang="en-US" smtClean="0"/>
-              <a:t>‹#›</a:t>
             </a:fld>
             <a:endParaRPr lang="zh-CN" altLang="en-US"/>
           </a:p>
@@ -9172,13 +9266,13 @@
   <p:clrMapOvr>
     <a:masterClrMapping/>
   </p:clrMapOvr>
-  <mc:AlternateContent xmlns:mc="http://schemas.openxmlformats.org/markup-compatibility/2006" xmlns:p15="http://schemas.microsoft.com/office/powerpoint/2012/main">
-    <mc:Choice Requires="p15">
-      <p:transition xmlns:p14="http://schemas.microsoft.com/office/powerpoint/2010/main" spd="slow" p14:dur="1250">
+  <mc:AlternateContent xmlns:mc="http://schemas.openxmlformats.org/markup-compatibility/2006">
+    <mc:Choice xmlns:p15="http://schemas.microsoft.com/office/powerpoint/2012/main" Requires="p15">
+      <p:transition xmlns:p14="http://schemas.microsoft.com/office/powerpoint/2010/main" spd="slow" Requires="p14" p14:dur="1250">
         <p15:prstTrans prst="pageCurlDouble"/>
       </p:transition>
     </mc:Choice>
-    <mc:Fallback xmlns="">
+    <mc:Fallback>
       <p:transition spd="slow">
         <p:fade/>
       </p:transition>
@@ -9213,7 +9307,7 @@
           <p:nvPr>
             <p:ph type="title"/>
             <p:custDataLst>
-              <p:tags r:id="rId1"/>
+              <p:tags r:id="rId2"/>
             </p:custDataLst>
           </p:nvPr>
         </p:nvSpPr>
@@ -9248,6 +9342,9 @@
               </a:rPr>
               <a:t>单击此处编辑母版标题样式</a:t>
             </a:r>
+            <a:endParaRPr>
+              <a:sym typeface="+mn-ea"/>
+            </a:endParaRPr>
           </a:p>
         </p:txBody>
       </p:sp>
@@ -9260,7 +9357,7 @@
           <p:nvPr>
             <p:ph type="dt" sz="half" idx="10"/>
             <p:custDataLst>
-              <p:tags r:id="rId2"/>
+              <p:tags r:id="rId3"/>
             </p:custDataLst>
           </p:nvPr>
         </p:nvSpPr>
@@ -9271,7 +9368,6 @@
           <a:p>
             <a:fld id="{760FBDFE-C587-4B4C-A407-44438C67B59E}" type="datetimeFigureOut">
               <a:rPr lang="zh-CN" altLang="en-US" smtClean="0"/>
-              <a:t>2020/10/14</a:t>
             </a:fld>
             <a:endParaRPr lang="zh-CN" altLang="en-US"/>
           </a:p>
@@ -9286,7 +9382,7 @@
           <p:nvPr>
             <p:ph type="ftr" sz="quarter" idx="11"/>
             <p:custDataLst>
-              <p:tags r:id="rId3"/>
+              <p:tags r:id="rId4"/>
             </p:custDataLst>
           </p:nvPr>
         </p:nvSpPr>
@@ -9308,7 +9404,7 @@
           <p:nvPr>
             <p:ph type="sldNum" sz="quarter" idx="12"/>
             <p:custDataLst>
-              <p:tags r:id="rId4"/>
+              <p:tags r:id="rId5"/>
             </p:custDataLst>
           </p:nvPr>
         </p:nvSpPr>
@@ -9319,7 +9415,6 @@
           <a:p>
             <a:fld id="{49AE70B2-8BF9-45C0-BB95-33D1B9D3A854}" type="slidenum">
               <a:rPr lang="zh-CN" altLang="en-US" smtClean="0"/>
-              <a:t>‹#›</a:t>
             </a:fld>
             <a:endParaRPr lang="zh-CN" altLang="en-US"/>
           </a:p>
@@ -9330,13 +9425,13 @@
   <p:clrMapOvr>
     <a:masterClrMapping/>
   </p:clrMapOvr>
-  <mc:AlternateContent xmlns:mc="http://schemas.openxmlformats.org/markup-compatibility/2006" xmlns:p15="http://schemas.microsoft.com/office/powerpoint/2012/main">
-    <mc:Choice Requires="p15">
-      <p:transition xmlns:p14="http://schemas.microsoft.com/office/powerpoint/2010/main" spd="slow" p14:dur="1250">
+  <mc:AlternateContent xmlns:mc="http://schemas.openxmlformats.org/markup-compatibility/2006">
+    <mc:Choice xmlns:p15="http://schemas.microsoft.com/office/powerpoint/2012/main" Requires="p15">
+      <p:transition xmlns:p14="http://schemas.microsoft.com/office/powerpoint/2010/main" spd="slow" Requires="p14" p14:dur="1250">
         <p15:prstTrans prst="pageCurlDouble"/>
       </p:transition>
     </mc:Choice>
-    <mc:Fallback xmlns="">
+    <mc:Fallback>
       <p:transition spd="slow">
         <p:fade/>
       </p:transition>
@@ -9371,7 +9466,7 @@
           <p:nvPr>
             <p:ph type="dt" sz="half" idx="10"/>
             <p:custDataLst>
-              <p:tags r:id="rId1"/>
+              <p:tags r:id="rId2"/>
             </p:custDataLst>
           </p:nvPr>
         </p:nvSpPr>
@@ -9382,7 +9477,6 @@
           <a:p>
             <a:fld id="{760FBDFE-C587-4B4C-A407-44438C67B59E}" type="datetimeFigureOut">
               <a:rPr lang="zh-CN" altLang="en-US" smtClean="0"/>
-              <a:t>2020/10/14</a:t>
             </a:fld>
             <a:endParaRPr lang="zh-CN" altLang="en-US"/>
           </a:p>
@@ -9397,7 +9491,7 @@
           <p:nvPr>
             <p:ph type="ftr" sz="quarter" idx="11"/>
             <p:custDataLst>
-              <p:tags r:id="rId2"/>
+              <p:tags r:id="rId3"/>
             </p:custDataLst>
           </p:nvPr>
         </p:nvSpPr>
@@ -9419,7 +9513,7 @@
           <p:nvPr>
             <p:ph type="sldNum" sz="quarter" idx="12"/>
             <p:custDataLst>
-              <p:tags r:id="rId3"/>
+              <p:tags r:id="rId4"/>
             </p:custDataLst>
           </p:nvPr>
         </p:nvSpPr>
@@ -9430,7 +9524,6 @@
           <a:p>
             <a:fld id="{49AE70B2-8BF9-45C0-BB95-33D1B9D3A854}" type="slidenum">
               <a:rPr lang="zh-CN" altLang="en-US" smtClean="0"/>
-              <a:t>‹#›</a:t>
             </a:fld>
             <a:endParaRPr lang="zh-CN" altLang="en-US"/>
           </a:p>
@@ -9441,13 +9534,13 @@
   <p:clrMapOvr>
     <a:masterClrMapping/>
   </p:clrMapOvr>
-  <mc:AlternateContent xmlns:mc="http://schemas.openxmlformats.org/markup-compatibility/2006" xmlns:p15="http://schemas.microsoft.com/office/powerpoint/2012/main">
-    <mc:Choice Requires="p15">
-      <p:transition xmlns:p14="http://schemas.microsoft.com/office/powerpoint/2010/main" spd="slow" p14:dur="1250">
+  <mc:AlternateContent xmlns:mc="http://schemas.openxmlformats.org/markup-compatibility/2006">
+    <mc:Choice xmlns:p15="http://schemas.microsoft.com/office/powerpoint/2012/main" Requires="p15">
+      <p:transition xmlns:p14="http://schemas.microsoft.com/office/powerpoint/2010/main" spd="slow" Requires="p14" p14:dur="1250">
         <p15:prstTrans prst="pageCurlDouble"/>
       </p:transition>
     </mc:Choice>
-    <mc:Fallback xmlns="">
+    <mc:Fallback>
       <p:transition spd="slow">
         <p:fade/>
       </p:transition>
@@ -9482,7 +9575,7 @@
           <p:nvPr>
             <p:ph type="title"/>
             <p:custDataLst>
-              <p:tags r:id="rId1"/>
+              <p:tags r:id="rId2"/>
             </p:custDataLst>
           </p:nvPr>
         </p:nvSpPr>
@@ -9522,6 +9615,9 @@
               </a:rPr>
               <a:t>单击此处编辑母版标题样式</a:t>
             </a:r>
+            <a:endParaRPr>
+              <a:sym typeface="+mn-ea"/>
+            </a:endParaRPr>
           </a:p>
         </p:txBody>
       </p:sp>
@@ -9534,7 +9630,7 @@
           <p:nvPr>
             <p:ph type="pic" idx="1"/>
             <p:custDataLst>
-              <p:tags r:id="rId2"/>
+              <p:tags r:id="rId3"/>
             </p:custDataLst>
           </p:nvPr>
         </p:nvSpPr>
@@ -9685,7 +9781,7 @@
           <p:nvPr>
             <p:ph type="body" sz="half" idx="2"/>
             <p:custDataLst>
-              <p:tags r:id="rId3"/>
+              <p:tags r:id="rId4"/>
             </p:custDataLst>
           </p:nvPr>
         </p:nvSpPr>
@@ -9732,6 +9828,9 @@
               </a:rPr>
               <a:t>单击此处编辑母版文本样式</a:t>
             </a:r>
+            <a:endParaRPr>
+              <a:sym typeface="+mn-ea"/>
+            </a:endParaRPr>
           </a:p>
         </p:txBody>
       </p:sp>
@@ -9744,7 +9843,7 @@
           <p:nvPr>
             <p:ph type="dt" sz="half" idx="10"/>
             <p:custDataLst>
-              <p:tags r:id="rId4"/>
+              <p:tags r:id="rId5"/>
             </p:custDataLst>
           </p:nvPr>
         </p:nvSpPr>
@@ -9755,7 +9854,6 @@
           <a:p>
             <a:fld id="{9EFD9D74-47D9-4702-A33C-335B63B48DBF}" type="datetimeFigureOut">
               <a:rPr lang="zh-CN" altLang="en-US" smtClean="0"/>
-              <a:t>2020/10/14</a:t>
             </a:fld>
             <a:endParaRPr lang="zh-CN" altLang="en-US" dirty="0"/>
           </a:p>
@@ -9770,7 +9868,7 @@
           <p:nvPr>
             <p:ph type="ftr" sz="quarter" idx="11"/>
             <p:custDataLst>
-              <p:tags r:id="rId5"/>
+              <p:tags r:id="rId6"/>
             </p:custDataLst>
           </p:nvPr>
         </p:nvSpPr>
@@ -9792,7 +9890,7 @@
           <p:nvPr>
             <p:ph type="sldNum" sz="quarter" idx="12"/>
             <p:custDataLst>
-              <p:tags r:id="rId6"/>
+              <p:tags r:id="rId7"/>
             </p:custDataLst>
           </p:nvPr>
         </p:nvSpPr>
@@ -9803,7 +9901,6 @@
           <a:p>
             <a:fld id="{FABC47A4-756D-490B-A52F-7D9E2C9FC05F}" type="slidenum">
               <a:rPr lang="zh-CN" altLang="en-US" smtClean="0"/>
-              <a:t>‹#›</a:t>
             </a:fld>
             <a:endParaRPr lang="zh-CN" altLang="en-US"/>
           </a:p>
@@ -9814,13 +9911,13 @@
   <p:clrMapOvr>
     <a:masterClrMapping/>
   </p:clrMapOvr>
-  <mc:AlternateContent xmlns:mc="http://schemas.openxmlformats.org/markup-compatibility/2006" xmlns:p15="http://schemas.microsoft.com/office/powerpoint/2012/main">
-    <mc:Choice Requires="p15">
-      <p:transition xmlns:p14="http://schemas.microsoft.com/office/powerpoint/2010/main" spd="slow" p14:dur="1250">
+  <mc:AlternateContent xmlns:mc="http://schemas.openxmlformats.org/markup-compatibility/2006">
+    <mc:Choice xmlns:p15="http://schemas.microsoft.com/office/powerpoint/2012/main" Requires="p15">
+      <p:transition xmlns:p14="http://schemas.microsoft.com/office/powerpoint/2010/main" spd="slow" Requires="p14" p14:dur="1250">
         <p15:prstTrans prst="pageCurlDouble"/>
       </p:transition>
     </mc:Choice>
-    <mc:Fallback xmlns="">
+    <mc:Fallback>
       <p:transition spd="slow">
         <p:fade/>
       </p:transition>
@@ -9855,7 +9952,7 @@
           <p:nvPr>
             <p:ph type="title" orient="vert"/>
             <p:custDataLst>
-              <p:tags r:id="rId1"/>
+              <p:tags r:id="rId2"/>
             </p:custDataLst>
           </p:nvPr>
         </p:nvSpPr>
@@ -9898,6 +9995,9 @@
               </a:rPr>
               <a:t>单击此处编辑母版标题样式</a:t>
             </a:r>
+            <a:endParaRPr>
+              <a:sym typeface="+mn-ea"/>
+            </a:endParaRPr>
           </a:p>
         </p:txBody>
       </p:sp>
@@ -9910,7 +10010,7 @@
           <p:nvPr>
             <p:ph type="body" orient="vert" idx="1"/>
             <p:custDataLst>
-              <p:tags r:id="rId2"/>
+              <p:tags r:id="rId3"/>
             </p:custDataLst>
           </p:nvPr>
         </p:nvSpPr>
@@ -9960,6 +10060,7 @@
               <a:rPr lang="zh-CN" altLang="en-US" dirty="0"/>
               <a:t>单击此处编辑母版文本样式</a:t>
             </a:r>
+            <a:endParaRPr lang="zh-CN" altLang="en-US" dirty="0"/>
           </a:p>
           <a:p>
             <a:pPr lvl="1"/>
@@ -9967,6 +10068,7 @@
               <a:rPr lang="zh-CN" altLang="en-US" dirty="0"/>
               <a:t>第二级</a:t>
             </a:r>
+            <a:endParaRPr lang="zh-CN" altLang="en-US" dirty="0"/>
           </a:p>
           <a:p>
             <a:pPr lvl="2"/>
@@ -9974,6 +10076,7 @@
               <a:rPr lang="zh-CN" altLang="en-US" dirty="0"/>
               <a:t>第三级</a:t>
             </a:r>
+            <a:endParaRPr lang="zh-CN" altLang="en-US" dirty="0"/>
           </a:p>
           <a:p>
             <a:pPr lvl="3"/>
@@ -9981,6 +10084,7 @@
               <a:rPr lang="zh-CN" altLang="en-US" dirty="0"/>
               <a:t>第四级</a:t>
             </a:r>
+            <a:endParaRPr lang="zh-CN" altLang="en-US" dirty="0"/>
           </a:p>
           <a:p>
             <a:pPr lvl="4"/>
@@ -9988,6 +10092,7 @@
               <a:rPr lang="zh-CN" altLang="en-US" dirty="0"/>
               <a:t>第五级</a:t>
             </a:r>
+            <a:endParaRPr lang="zh-CN" altLang="en-US" dirty="0"/>
           </a:p>
         </p:txBody>
       </p:sp>
@@ -10000,7 +10105,7 @@
           <p:nvPr>
             <p:ph type="dt" sz="half" idx="10"/>
             <p:custDataLst>
-              <p:tags r:id="rId3"/>
+              <p:tags r:id="rId4"/>
             </p:custDataLst>
           </p:nvPr>
         </p:nvSpPr>
@@ -10011,7 +10116,6 @@
           <a:p>
             <a:fld id="{760FBDFE-C587-4B4C-A407-44438C67B59E}" type="datetimeFigureOut">
               <a:rPr lang="zh-CN" altLang="en-US" smtClean="0"/>
-              <a:t>2020/10/14</a:t>
             </a:fld>
             <a:endParaRPr lang="zh-CN" altLang="en-US"/>
           </a:p>
@@ -10026,7 +10130,7 @@
           <p:nvPr>
             <p:ph type="ftr" sz="quarter" idx="11"/>
             <p:custDataLst>
-              <p:tags r:id="rId4"/>
+              <p:tags r:id="rId5"/>
             </p:custDataLst>
           </p:nvPr>
         </p:nvSpPr>
@@ -10048,7 +10152,7 @@
           <p:nvPr>
             <p:ph type="sldNum" sz="quarter" idx="12"/>
             <p:custDataLst>
-              <p:tags r:id="rId5"/>
+              <p:tags r:id="rId6"/>
             </p:custDataLst>
           </p:nvPr>
         </p:nvSpPr>
@@ -10059,7 +10163,6 @@
           <a:p>
             <a:fld id="{49AE70B2-8BF9-45C0-BB95-33D1B9D3A854}" type="slidenum">
               <a:rPr lang="zh-CN" altLang="en-US" smtClean="0"/>
-              <a:t>‹#›</a:t>
             </a:fld>
             <a:endParaRPr lang="zh-CN" altLang="en-US"/>
           </a:p>
@@ -10070,13 +10173,13 @@
   <p:clrMapOvr>
     <a:masterClrMapping/>
   </p:clrMapOvr>
-  <mc:AlternateContent xmlns:mc="http://schemas.openxmlformats.org/markup-compatibility/2006" xmlns:p15="http://schemas.microsoft.com/office/powerpoint/2012/main">
-    <mc:Choice Requires="p15">
-      <p:transition xmlns:p14="http://schemas.microsoft.com/office/powerpoint/2010/main" spd="slow" p14:dur="1250">
+  <mc:AlternateContent xmlns:mc="http://schemas.openxmlformats.org/markup-compatibility/2006">
+    <mc:Choice xmlns:p15="http://schemas.microsoft.com/office/powerpoint/2012/main" Requires="p15">
+      <p:transition xmlns:p14="http://schemas.microsoft.com/office/powerpoint/2010/main" spd="slow" Requires="p14" p14:dur="1250">
         <p15:prstTrans prst="pageCurlDouble"/>
       </p:transition>
     </mc:Choice>
-    <mc:Fallback xmlns="">
+    <mc:Fallback>
       <p:transition spd="slow">
         <p:fade/>
       </p:transition>
@@ -10091,7 +10194,7 @@
     <p:bg>
       <p:bgPr>
         <a:blipFill rotWithShape="1">
-          <a:blip r:embed="rId19"/>
+          <a:blip r:embed="rId12"/>
           <a:stretch>
             <a:fillRect/>
           </a:stretch>
@@ -10145,6 +10248,7 @@
               <a:rPr lang="zh-CN" altLang="en-US" dirty="0"/>
               <a:t>单击此处编辑母版标题样式</a:t>
             </a:r>
+            <a:endParaRPr lang="zh-CN" altLang="en-US" dirty="0"/>
           </a:p>
         </p:txBody>
       </p:sp>
@@ -10181,6 +10285,7 @@
               <a:rPr lang="zh-CN" altLang="en-US" dirty="0"/>
               <a:t>单击此处编辑母版文本样式</a:t>
             </a:r>
+            <a:endParaRPr lang="zh-CN" altLang="en-US" dirty="0"/>
           </a:p>
           <a:p>
             <a:pPr lvl="1"/>
@@ -10188,6 +10293,7 @@
               <a:rPr lang="zh-CN" altLang="en-US" dirty="0"/>
               <a:t>第二级</a:t>
             </a:r>
+            <a:endParaRPr lang="zh-CN" altLang="en-US" dirty="0"/>
           </a:p>
           <a:p>
             <a:pPr lvl="2"/>
@@ -10195,6 +10301,7 @@
               <a:rPr lang="zh-CN" altLang="en-US" dirty="0"/>
               <a:t>第三级</a:t>
             </a:r>
+            <a:endParaRPr lang="zh-CN" altLang="en-US" dirty="0"/>
           </a:p>
           <a:p>
             <a:pPr lvl="3"/>
@@ -10202,6 +10309,7 @@
               <a:rPr lang="zh-CN" altLang="en-US" dirty="0"/>
               <a:t>第四级</a:t>
             </a:r>
+            <a:endParaRPr lang="zh-CN" altLang="en-US" dirty="0"/>
           </a:p>
           <a:p>
             <a:pPr lvl="4"/>
@@ -10209,6 +10317,7 @@
               <a:rPr lang="zh-CN" altLang="en-US" dirty="0"/>
               <a:t>第五级</a:t>
             </a:r>
+            <a:endParaRPr lang="zh-CN" altLang="en-US" dirty="0"/>
           </a:p>
         </p:txBody>
       </p:sp>
@@ -10253,7 +10362,6 @@
           <a:p>
             <a:fld id="{760FBDFE-C587-4B4C-A407-44438C67B59E}" type="datetimeFigureOut">
               <a:rPr lang="zh-CN" altLang="en-US" smtClean="0"/>
-              <a:t>2020/10/14</a:t>
             </a:fld>
             <a:endParaRPr lang="zh-CN" altLang="en-US"/>
           </a:p>
@@ -10343,7 +10451,6 @@
           <a:p>
             <a:fld id="{49AE70B2-8BF9-45C0-BB95-33D1B9D3A854}" type="slidenum">
               <a:rPr lang="zh-CN" altLang="en-US" smtClean="0"/>
-              <a:t>‹#›</a:t>
             </a:fld>
             <a:endParaRPr lang="zh-CN" altLang="en-US" dirty="0"/>
           </a:p>
@@ -10409,13 +10516,13 @@
     <p:sldLayoutId id="2147483658" r:id="rId10"/>
     <p:sldLayoutId id="2147483659" r:id="rId11"/>
   </p:sldLayoutIdLst>
-  <mc:AlternateContent xmlns:mc="http://schemas.openxmlformats.org/markup-compatibility/2006" xmlns:p15="http://schemas.microsoft.com/office/powerpoint/2012/main">
-    <mc:Choice Requires="p15">
-      <p:transition xmlns:p14="http://schemas.microsoft.com/office/powerpoint/2010/main" spd="slow" p14:dur="1250">
+  <mc:AlternateContent xmlns:mc="http://schemas.openxmlformats.org/markup-compatibility/2006">
+    <mc:Choice xmlns:p15="http://schemas.microsoft.com/office/powerpoint/2012/main" Requires="p15">
+      <p:transition xmlns:p14="http://schemas.microsoft.com/office/powerpoint/2010/main" spd="slow" Requires="p14" p14:dur="1250">
         <p15:prstTrans prst="pageCurlDouble"/>
       </p:transition>
     </mc:Choice>
-    <mc:Fallback xmlns="">
+    <mc:Fallback>
       <p:transition spd="slow">
         <p:fade/>
       </p:transition>
@@ -10805,6 +10912,7 @@
               <a:rPr lang="zh-CN" altLang="en-US"/>
               <a:t>单击此处编辑母版标题样式</a:t>
             </a:r>
+            <a:endParaRPr lang="zh-CN" altLang="en-US"/>
           </a:p>
         </p:txBody>
       </p:sp>
@@ -10840,6 +10948,7 @@
               <a:rPr lang="zh-CN" altLang="en-US"/>
               <a:t>单击此处编辑母版文本样式</a:t>
             </a:r>
+            <a:endParaRPr lang="zh-CN" altLang="en-US"/>
           </a:p>
           <a:p>
             <a:pPr lvl="1"/>
@@ -10847,6 +10956,7 @@
               <a:rPr lang="zh-CN" altLang="en-US"/>
               <a:t>第二级</a:t>
             </a:r>
+            <a:endParaRPr lang="zh-CN" altLang="en-US"/>
           </a:p>
           <a:p>
             <a:pPr lvl="2"/>
@@ -10854,6 +10964,7 @@
               <a:rPr lang="zh-CN" altLang="en-US"/>
               <a:t>第三级</a:t>
             </a:r>
+            <a:endParaRPr lang="zh-CN" altLang="en-US"/>
           </a:p>
           <a:p>
             <a:pPr lvl="3"/>
@@ -10861,6 +10972,7 @@
               <a:rPr lang="zh-CN" altLang="en-US"/>
               <a:t>第四级</a:t>
             </a:r>
+            <a:endParaRPr lang="zh-CN" altLang="en-US"/>
           </a:p>
           <a:p>
             <a:pPr lvl="4"/>
@@ -10868,6 +10980,7 @@
               <a:rPr lang="zh-CN" altLang="en-US"/>
               <a:t>第五级</a:t>
             </a:r>
+            <a:endParaRPr lang="zh-CN" altLang="en-US"/>
           </a:p>
         </p:txBody>
       </p:sp>
@@ -10983,7 +11096,6 @@
               <a:rPr lang="zh-CN" altLang="en-US">
                 <a:latin typeface="Arial" panose="020B0604020202020204" pitchFamily="34" charset="0"/>
               </a:rPr>
-              <a:t>‹#›</a:t>
             </a:fld>
             <a:endParaRPr lang="zh-CN" altLang="en-US">
               <a:latin typeface="Arial" panose="020B0604020202020204" pitchFamily="34" charset="0"/>
@@ -11007,13 +11119,13 @@
     <p:sldLayoutId id="2147483670" r:id="rId10"/>
     <p:sldLayoutId id="2147483671" r:id="rId11"/>
   </p:sldLayoutIdLst>
-  <mc:AlternateContent xmlns:mc="http://schemas.openxmlformats.org/markup-compatibility/2006" xmlns:p15="http://schemas.microsoft.com/office/powerpoint/2012/main">
-    <mc:Choice Requires="p15">
-      <p:transition xmlns:p14="http://schemas.microsoft.com/office/powerpoint/2010/main" spd="slow" p14:dur="1250">
+  <mc:AlternateContent xmlns:mc="http://schemas.openxmlformats.org/markup-compatibility/2006">
+    <mc:Choice xmlns:p15="http://schemas.microsoft.com/office/powerpoint/2012/main" Requires="p15">
+      <p:transition xmlns:p14="http://schemas.microsoft.com/office/powerpoint/2010/main" spd="slow" Requires="p14" p14:dur="1250">
         <p15:prstTrans prst="pageCurlDouble"/>
       </p:transition>
     </mc:Choice>
-    <mc:Fallback xmlns="">
+    <mc:Fallback>
       <p:transition spd="slow">
         <p:fade/>
       </p:transition>
@@ -11442,7 +11554,7 @@
           <p:nvPr>
             <p:ph type="title"/>
             <p:custDataLst>
-              <p:tags r:id="rId13"/>
+              <p:tags r:id="rId12"/>
             </p:custDataLst>
           </p:nvPr>
         </p:nvSpPr>
@@ -11465,6 +11577,7 @@
               <a:rPr lang="zh-CN" altLang="en-US" dirty="0"/>
               <a:t>单击此处编辑母版标题样式</a:t>
             </a:r>
+            <a:endParaRPr lang="zh-CN" altLang="en-US" dirty="0"/>
           </a:p>
         </p:txBody>
       </p:sp>
@@ -11477,7 +11590,7 @@
           <p:nvPr>
             <p:ph type="body" idx="1"/>
             <p:custDataLst>
-              <p:tags r:id="rId14"/>
+              <p:tags r:id="rId13"/>
             </p:custDataLst>
           </p:nvPr>
         </p:nvSpPr>
@@ -11501,6 +11614,7 @@
               <a:rPr lang="zh-CN" altLang="en-US" dirty="0"/>
               <a:t>单击此处编辑母版文本样式</a:t>
             </a:r>
+            <a:endParaRPr lang="zh-CN" altLang="en-US" dirty="0"/>
           </a:p>
           <a:p>
             <a:pPr lvl="1"/>
@@ -11508,6 +11622,7 @@
               <a:rPr lang="zh-CN" altLang="en-US" dirty="0"/>
               <a:t>第二级</a:t>
             </a:r>
+            <a:endParaRPr lang="zh-CN" altLang="en-US" dirty="0"/>
           </a:p>
           <a:p>
             <a:pPr lvl="2"/>
@@ -11515,6 +11630,7 @@
               <a:rPr lang="zh-CN" altLang="en-US" dirty="0"/>
               <a:t>第三级</a:t>
             </a:r>
+            <a:endParaRPr lang="zh-CN" altLang="en-US" dirty="0"/>
           </a:p>
           <a:p>
             <a:pPr lvl="3"/>
@@ -11522,6 +11638,7 @@
               <a:rPr lang="zh-CN" altLang="en-US" dirty="0"/>
               <a:t>第四级</a:t>
             </a:r>
+            <a:endParaRPr lang="zh-CN" altLang="en-US" dirty="0"/>
           </a:p>
           <a:p>
             <a:pPr lvl="4"/>
@@ -11529,6 +11646,7 @@
               <a:rPr lang="zh-CN" altLang="en-US" dirty="0"/>
               <a:t>第五级</a:t>
             </a:r>
+            <a:endParaRPr lang="zh-CN" altLang="en-US" dirty="0"/>
           </a:p>
         </p:txBody>
       </p:sp>
@@ -11541,7 +11659,7 @@
           <p:nvPr>
             <p:ph type="dt" sz="half" idx="2"/>
             <p:custDataLst>
-              <p:tags r:id="rId15"/>
+              <p:tags r:id="rId14"/>
             </p:custDataLst>
           </p:nvPr>
         </p:nvSpPr>
@@ -11576,7 +11694,6 @@
           <a:p>
             <a:fld id="{DDC86826-C030-4ABB-BAB8-ECCBC086F54C}" type="datetimeFigureOut">
               <a:rPr lang="zh-CN" altLang="en-US" smtClean="0"/>
-              <a:t>2020/10/14</a:t>
             </a:fld>
             <a:endParaRPr lang="zh-CN" altLang="en-US"/>
           </a:p>
@@ -11591,7 +11708,7 @@
           <p:nvPr>
             <p:ph type="ftr" sz="quarter" idx="3"/>
             <p:custDataLst>
-              <p:tags r:id="rId16"/>
+              <p:tags r:id="rId15"/>
             </p:custDataLst>
           </p:nvPr>
         </p:nvSpPr>
@@ -11637,7 +11754,7 @@
           <p:nvPr>
             <p:ph type="sldNum" sz="quarter" idx="4"/>
             <p:custDataLst>
-              <p:tags r:id="rId17"/>
+              <p:tags r:id="rId16"/>
             </p:custDataLst>
           </p:nvPr>
         </p:nvSpPr>
@@ -11672,7 +11789,6 @@
           <a:p>
             <a:fld id="{DD074F22-C169-4F08-BADB-1985F513ADBA}" type="slidenum">
               <a:rPr lang="zh-CN" altLang="en-US" smtClean="0"/>
-              <a:t>‹#›</a:t>
             </a:fld>
             <a:endParaRPr lang="zh-CN" altLang="en-US"/>
           </a:p>
@@ -11684,7 +11800,7 @@
           <p:cNvSpPr/>
           <p:nvPr>
             <p:custDataLst>
-              <p:tags r:id="rId18"/>
+              <p:tags r:id="rId17"/>
             </p:custDataLst>
           </p:nvPr>
         </p:nvSpPr>
@@ -11738,13 +11854,13 @@
     <p:sldLayoutId id="2147483682" r:id="rId10"/>
     <p:sldLayoutId id="2147483683" r:id="rId11"/>
   </p:sldLayoutIdLst>
-  <mc:AlternateContent xmlns:mc="http://schemas.openxmlformats.org/markup-compatibility/2006" xmlns:p15="http://schemas.microsoft.com/office/powerpoint/2012/main">
-    <mc:Choice Requires="p15">
-      <p:transition xmlns:p14="http://schemas.microsoft.com/office/powerpoint/2010/main" spd="slow" p14:dur="1250">
+  <mc:AlternateContent xmlns:mc="http://schemas.openxmlformats.org/markup-compatibility/2006">
+    <mc:Choice xmlns:p15="http://schemas.microsoft.com/office/powerpoint/2012/main" Requires="p15">
+      <p:transition xmlns:p14="http://schemas.microsoft.com/office/powerpoint/2010/main" spd="slow" Requires="p14" p14:dur="1250">
         <p15:prstTrans prst="pageCurlDouble"/>
       </p:transition>
     </mc:Choice>
-    <mc:Fallback xmlns="">
+    <mc:Fallback>
       <p:transition spd="slow">
         <p:fade/>
       </p:transition>
@@ -12076,7 +12192,7 @@
           </p:cNvSpPr>
           <p:nvPr>
             <p:custDataLst>
-              <p:tags r:id="rId2"/>
+              <p:tags r:id="rId1"/>
             </p:custDataLst>
           </p:nvPr>
         </p:nvSpPr>
@@ -12132,7 +12248,7 @@
           </p:cNvSpPr>
           <p:nvPr>
             <p:custDataLst>
-              <p:tags r:id="rId3"/>
+              <p:tags r:id="rId2"/>
             </p:custDataLst>
           </p:nvPr>
         </p:nvSpPr>
@@ -12372,7 +12488,7 @@
           <p:cNvSpPr/>
           <p:nvPr>
             <p:custDataLst>
-              <p:tags r:id="rId4"/>
+              <p:tags r:id="rId3"/>
             </p:custDataLst>
           </p:nvPr>
         </p:nvSpPr>
@@ -12685,7 +12801,7 @@
           </p:cNvSpPr>
           <p:nvPr>
             <p:custDataLst>
-              <p:tags r:id="rId5"/>
+              <p:tags r:id="rId4"/>
             </p:custDataLst>
           </p:nvPr>
         </p:nvSpPr>
@@ -12925,7 +13041,7 @@
           <p:cNvSpPr/>
           <p:nvPr>
             <p:custDataLst>
-              <p:tags r:id="rId6"/>
+              <p:tags r:id="rId5"/>
             </p:custDataLst>
           </p:nvPr>
         </p:nvSpPr>
@@ -13078,7 +13194,7 @@
           </p:cNvSpPr>
           <p:nvPr>
             <p:custDataLst>
-              <p:tags r:id="rId7"/>
+              <p:tags r:id="rId6"/>
             </p:custDataLst>
           </p:nvPr>
         </p:nvSpPr>
@@ -13299,7 +13415,7 @@
           <p:nvPr>
             <p:ph type="ctrTitle"/>
             <p:custDataLst>
-              <p:tags r:id="rId8"/>
+              <p:tags r:id="rId7"/>
             </p:custDataLst>
           </p:nvPr>
         </p:nvSpPr>
@@ -13317,6 +13433,7 @@
               <a:rPr lang="zh-CN" altLang="en-US" dirty="0"/>
               <a:t>项目介绍</a:t>
             </a:r>
+            <a:endParaRPr lang="zh-CN" altLang="en-US" dirty="0"/>
           </a:p>
         </p:txBody>
       </p:sp>
@@ -13329,7 +13446,7 @@
           <p:nvPr>
             <p:ph type="subTitle" idx="1"/>
             <p:custDataLst>
-              <p:tags r:id="rId9"/>
+              <p:tags r:id="rId8"/>
             </p:custDataLst>
           </p:nvPr>
         </p:nvSpPr>
@@ -13348,6 +13465,7 @@
               <a:rPr lang="zh-CN" altLang="en-US" dirty="0"/>
               <a:t>小组：</a:t>
             </a:r>
+            <a:endParaRPr lang="zh-CN" altLang="en-US" dirty="0"/>
           </a:p>
         </p:txBody>
       </p:sp>
@@ -13410,19 +13528,19 @@
       </p:sp>
     </p:spTree>
     <p:custDataLst>
-      <p:tags r:id="rId1"/>
+      <p:tags r:id="rId9"/>
     </p:custDataLst>
   </p:cSld>
   <p:clrMapOvr>
     <a:masterClrMapping/>
   </p:clrMapOvr>
-  <mc:AlternateContent xmlns:mc="http://schemas.openxmlformats.org/markup-compatibility/2006" xmlns:p15="http://schemas.microsoft.com/office/powerpoint/2012/main">
-    <mc:Choice Requires="p15">
-      <p:transition xmlns:p14="http://schemas.microsoft.com/office/powerpoint/2010/main" spd="slow" p14:dur="1250">
+  <mc:AlternateContent xmlns:mc="http://schemas.openxmlformats.org/markup-compatibility/2006">
+    <mc:Choice xmlns:p15="http://schemas.microsoft.com/office/powerpoint/2012/main" Requires="p15">
+      <p:transition xmlns:p14="http://schemas.microsoft.com/office/powerpoint/2010/main" spd="slow" Requires="p14" p14:dur="1250">
         <p15:prstTrans prst="pageCurlDouble"/>
       </p:transition>
     </mc:Choice>
-    <mc:Fallback xmlns="">
+    <mc:Fallback>
       <p:transition spd="slow">
         <p:fade/>
       </p:transition>
@@ -13454,7 +13572,7 @@
           <p:cNvSpPr/>
           <p:nvPr>
             <p:custDataLst>
-              <p:tags r:id="rId2"/>
+              <p:tags r:id="rId1"/>
             </p:custDataLst>
           </p:nvPr>
         </p:nvSpPr>
@@ -13511,7 +13629,7 @@
           </p:cNvSpPr>
           <p:nvPr>
             <p:custDataLst>
-              <p:tags r:id="rId3"/>
+              <p:tags r:id="rId2"/>
             </p:custDataLst>
           </p:nvPr>
         </p:nvSpPr>
@@ -13600,7 +13718,7 @@
           <p:cNvSpPr txBox="1"/>
           <p:nvPr>
             <p:custDataLst>
-              <p:tags r:id="rId4"/>
+              <p:tags r:id="rId3"/>
             </p:custDataLst>
           </p:nvPr>
         </p:nvSpPr>
@@ -13943,7 +14061,7 @@
             <a:r>
               <a:rPr lang="en-US" altLang="zh-CN" sz="1800" dirty="0">
                 <a:latin typeface="+mn-ea"/>
-                <a:hlinkClick r:id="rId6"/>
+                <a:hlinkClick r:id="rId4"/>
               </a:rPr>
               <a:t>https://www.gamersky.com/z/civilization6/handbook/</a:t>
             </a:r>
@@ -13963,10 +14081,13 @@
             <a:r>
               <a:rPr lang="en-US" altLang="zh-CN" sz="1800" dirty="0">
                 <a:latin typeface="+mn-ea"/>
-                <a:hlinkClick r:id="rId7"/>
+                <a:hlinkClick r:id="rId5"/>
               </a:rPr>
               <a:t>https://www.gamersky.com/</a:t>
             </a:r>
+            <a:endParaRPr lang="en-US" altLang="zh-CN" sz="1800" dirty="0">
+              <a:latin typeface="+mn-ea"/>
+            </a:endParaRPr>
           </a:p>
           <a:p>
             <a:pPr marL="0" indent="0">
@@ -13980,7 +14101,7 @@
             <a:r>
               <a:rPr lang="en-US" altLang="zh-CN" sz="1800" dirty="0">
                 <a:latin typeface="+mn-ea"/>
-                <a:hlinkClick r:id="rId7"/>
+                <a:hlinkClick r:id="rId5"/>
               </a:rPr>
               <a:t>https://www.gamersky.com/z/mafiade/</a:t>
             </a:r>
@@ -14000,7 +14121,7 @@
             <a:r>
               <a:rPr lang="en-US" altLang="zh-CN" sz="1800" dirty="0">
                 <a:latin typeface="+mn-ea"/>
-                <a:hlinkClick r:id="rId8"/>
+                <a:hlinkClick r:id="rId6"/>
               </a:rPr>
               <a:t>https://www.gamersky.com/z/mafiade/handbook/</a:t>
             </a:r>
@@ -14020,7 +14141,7 @@
             <a:r>
               <a:rPr lang="en-US" altLang="zh-CN" sz="1800" dirty="0">
                 <a:latin typeface="+mn-ea"/>
-                <a:hlinkClick r:id="rId9"/>
+                <a:hlinkClick r:id="rId7"/>
               </a:rPr>
               <a:t>http://bbs.gamersky.com/</a:t>
             </a:r>
@@ -14073,24 +14194,27 @@
               </a:rPr>
               <a:t>日</a:t>
             </a:r>
+            <a:endParaRPr lang="zh-CN" altLang="en-US" sz="1800" dirty="0">
+              <a:latin typeface="+mn-ea"/>
+            </a:endParaRPr>
           </a:p>
         </p:txBody>
       </p:sp>
     </p:spTree>
     <p:custDataLst>
-      <p:tags r:id="rId1"/>
+      <p:tags r:id="rId8"/>
     </p:custDataLst>
   </p:cSld>
   <p:clrMapOvr>
     <a:masterClrMapping/>
   </p:clrMapOvr>
-  <mc:AlternateContent xmlns:mc="http://schemas.openxmlformats.org/markup-compatibility/2006" xmlns:p15="http://schemas.microsoft.com/office/powerpoint/2012/main">
-    <mc:Choice Requires="p15">
-      <p:transition xmlns:p14="http://schemas.microsoft.com/office/powerpoint/2010/main" spd="slow" p14:dur="1250">
+  <mc:AlternateContent xmlns:mc="http://schemas.openxmlformats.org/markup-compatibility/2006">
+    <mc:Choice xmlns:p15="http://schemas.microsoft.com/office/powerpoint/2012/main" Requires="p15">
+      <p:transition xmlns:p14="http://schemas.microsoft.com/office/powerpoint/2010/main" spd="slow" Requires="p14" p14:dur="1250">
         <p15:prstTrans prst="pageCurlDouble"/>
       </p:transition>
     </mc:Choice>
-    <mc:Fallback xmlns="">
+    <mc:Fallback>
       <p:transition spd="slow">
         <p:fade/>
       </p:transition>
@@ -14122,7 +14246,7 @@
           <p:cNvSpPr txBox="1"/>
           <p:nvPr>
             <p:custDataLst>
-              <p:tags r:id="rId2"/>
+              <p:tags r:id="rId1"/>
             </p:custDataLst>
           </p:nvPr>
         </p:nvSpPr>
@@ -14164,19 +14288,19 @@
       </p:sp>
     </p:spTree>
     <p:custDataLst>
-      <p:tags r:id="rId1"/>
+      <p:tags r:id="rId2"/>
     </p:custDataLst>
   </p:cSld>
   <p:clrMapOvr>
     <a:masterClrMapping/>
   </p:clrMapOvr>
-  <mc:AlternateContent xmlns:mc="http://schemas.openxmlformats.org/markup-compatibility/2006" xmlns:p15="http://schemas.microsoft.com/office/powerpoint/2012/main">
-    <mc:Choice Requires="p15">
-      <p:transition xmlns:p14="http://schemas.microsoft.com/office/powerpoint/2010/main" spd="slow" p14:dur="1250">
+  <mc:AlternateContent xmlns:mc="http://schemas.openxmlformats.org/markup-compatibility/2006">
+    <mc:Choice xmlns:p15="http://schemas.microsoft.com/office/powerpoint/2012/main" Requires="p15">
+      <p:transition xmlns:p14="http://schemas.microsoft.com/office/powerpoint/2010/main" spd="slow" Requires="p14" p14:dur="1250">
         <p15:prstTrans prst="pageCurlDouble"/>
       </p:transition>
     </mc:Choice>
-    <mc:Fallback xmlns="">
+    <mc:Fallback>
       <p:transition spd="slow">
         <p:fade/>
       </p:transition>
@@ -14208,7 +14332,7 @@
           <p:cNvSpPr/>
           <p:nvPr>
             <p:custDataLst>
-              <p:tags r:id="rId2"/>
+              <p:tags r:id="rId1"/>
             </p:custDataLst>
           </p:nvPr>
         </p:nvSpPr>
@@ -14265,7 +14389,7 @@
           </p:cNvSpPr>
           <p:nvPr>
             <p:custDataLst>
-              <p:tags r:id="rId3"/>
+              <p:tags r:id="rId2"/>
             </p:custDataLst>
           </p:nvPr>
         </p:nvSpPr>
@@ -14354,7 +14478,7 @@
           <p:cNvSpPr txBox="1"/>
           <p:nvPr>
             <p:custDataLst>
-              <p:tags r:id="rId4"/>
+              <p:tags r:id="rId3"/>
             </p:custDataLst>
           </p:nvPr>
         </p:nvSpPr>
@@ -14813,7 +14937,7 @@
           <p:cNvSpPr txBox="1"/>
           <p:nvPr>
             <p:custDataLst>
-              <p:tags r:id="rId5"/>
+              <p:tags r:id="rId4"/>
             </p:custDataLst>
           </p:nvPr>
         </p:nvSpPr>
@@ -15061,6 +15185,9 @@
               </a:rPr>
               <a:t>内容，表现尚可。</a:t>
             </a:r>
+            <a:endParaRPr lang="zh-CN" altLang="en-US" sz="1800" dirty="0">
+              <a:latin typeface="+mn-ea"/>
+            </a:endParaRPr>
           </a:p>
           <a:p>
             <a:pPr marL="0" indent="0">
@@ -15079,19 +15206,19 @@
       </p:sp>
     </p:spTree>
     <p:custDataLst>
-      <p:tags r:id="rId1"/>
+      <p:tags r:id="rId5"/>
     </p:custDataLst>
   </p:cSld>
   <p:clrMapOvr>
     <a:masterClrMapping/>
   </p:clrMapOvr>
-  <mc:AlternateContent xmlns:mc="http://schemas.openxmlformats.org/markup-compatibility/2006" xmlns:p15="http://schemas.microsoft.com/office/powerpoint/2012/main">
-    <mc:Choice Requires="p15">
-      <p:transition xmlns:p14="http://schemas.microsoft.com/office/powerpoint/2010/main" spd="slow" p14:dur="1250">
+  <mc:AlternateContent xmlns:mc="http://schemas.openxmlformats.org/markup-compatibility/2006">
+    <mc:Choice xmlns:p15="http://schemas.microsoft.com/office/powerpoint/2012/main" Requires="p15">
+      <p:transition xmlns:p14="http://schemas.microsoft.com/office/powerpoint/2010/main" spd="slow" Requires="p14" p14:dur="1250">
         <p15:prstTrans prst="pageCurlDouble"/>
       </p:transition>
     </mc:Choice>
-    <mc:Fallback xmlns="">
+    <mc:Fallback>
       <p:transition spd="slow">
         <p:fade/>
       </p:transition>
@@ -15126,7 +15253,7 @@
           <p:nvPr>
             <p:ph type="title"/>
             <p:custDataLst>
-              <p:tags r:id="rId2"/>
+              <p:tags r:id="rId1"/>
             </p:custDataLst>
           </p:nvPr>
         </p:nvSpPr>
@@ -15139,6 +15266,7 @@
               <a:rPr lang="zh-CN" altLang="en-US"/>
               <a:t>谢谢观看</a:t>
             </a:r>
+            <a:endParaRPr lang="zh-CN" altLang="en-US"/>
           </a:p>
         </p:txBody>
       </p:sp>
@@ -15151,7 +15279,7 @@
           <p:nvPr>
             <p:ph type="body" sz="quarter" idx="13"/>
             <p:custDataLst>
-              <p:tags r:id="rId3"/>
+              <p:tags r:id="rId2"/>
             </p:custDataLst>
           </p:nvPr>
         </p:nvSpPr>
@@ -15164,24 +15292,25 @@
               <a:rPr lang="en-US" altLang="zh-CN"/>
               <a:t>THANKS </a:t>
             </a:r>
+            <a:endParaRPr lang="en-US" altLang="zh-CN"/>
           </a:p>
         </p:txBody>
       </p:sp>
     </p:spTree>
     <p:custDataLst>
-      <p:tags r:id="rId1"/>
+      <p:tags r:id="rId3"/>
     </p:custDataLst>
   </p:cSld>
   <p:clrMapOvr>
     <a:masterClrMapping/>
   </p:clrMapOvr>
-  <mc:AlternateContent xmlns:mc="http://schemas.openxmlformats.org/markup-compatibility/2006" xmlns:p15="http://schemas.microsoft.com/office/powerpoint/2012/main">
-    <mc:Choice Requires="p15">
-      <p:transition xmlns:p14="http://schemas.microsoft.com/office/powerpoint/2010/main" spd="slow" p14:dur="1250">
+  <mc:AlternateContent xmlns:mc="http://schemas.openxmlformats.org/markup-compatibility/2006">
+    <mc:Choice xmlns:p15="http://schemas.microsoft.com/office/powerpoint/2012/main" Requires="p15">
+      <p:transition xmlns:p14="http://schemas.microsoft.com/office/powerpoint/2010/main" spd="slow" Requires="p14" p14:dur="1250">
         <p15:prstTrans prst="pageCurlDouble"/>
       </p:transition>
     </mc:Choice>
-    <mc:Fallback xmlns="">
+    <mc:Fallback>
       <p:transition spd="slow">
         <p:fade/>
       </p:transition>
@@ -15213,7 +15342,7 @@
           <p:cNvSpPr txBox="1"/>
           <p:nvPr>
             <p:custDataLst>
-              <p:tags r:id="rId2"/>
+              <p:tags r:id="rId1"/>
             </p:custDataLst>
           </p:nvPr>
         </p:nvSpPr>
@@ -15249,24 +15378,25 @@
               <a:rPr lang="zh-CN" altLang="en-US" sz="9600" dirty="0"/>
               <a:t>目录</a:t>
             </a:r>
+            <a:endParaRPr lang="zh-CN" altLang="en-US" sz="9600" dirty="0"/>
           </a:p>
         </p:txBody>
       </p:sp>
     </p:spTree>
     <p:custDataLst>
-      <p:tags r:id="rId1"/>
+      <p:tags r:id="rId2"/>
     </p:custDataLst>
   </p:cSld>
   <p:clrMapOvr>
     <a:masterClrMapping/>
   </p:clrMapOvr>
-  <mc:AlternateContent xmlns:mc="http://schemas.openxmlformats.org/markup-compatibility/2006" xmlns:p15="http://schemas.microsoft.com/office/powerpoint/2012/main">
-    <mc:Choice Requires="p15">
-      <p:transition xmlns:p14="http://schemas.microsoft.com/office/powerpoint/2010/main" spd="slow" p14:dur="1250">
+  <mc:AlternateContent xmlns:mc="http://schemas.openxmlformats.org/markup-compatibility/2006">
+    <mc:Choice xmlns:p15="http://schemas.microsoft.com/office/powerpoint/2012/main" Requires="p15">
+      <p:transition xmlns:p14="http://schemas.microsoft.com/office/powerpoint/2010/main" spd="slow" Requires="p14" p14:dur="1250">
         <p15:prstTrans prst="pageCurlDouble"/>
       </p:transition>
     </mc:Choice>
-    <mc:Fallback xmlns="">
+    <mc:Fallback>
       <p:transition spd="slow">
         <p:fade/>
       </p:transition>
@@ -15298,7 +15428,7 @@
           <p:cNvSpPr/>
           <p:nvPr>
             <p:custDataLst>
-              <p:tags r:id="rId2"/>
+              <p:tags r:id="rId1"/>
             </p:custDataLst>
           </p:nvPr>
         </p:nvSpPr>
@@ -15356,7 +15486,7 @@
           <p:cNvSpPr/>
           <p:nvPr>
             <p:custDataLst>
-              <p:tags r:id="rId3"/>
+              <p:tags r:id="rId2"/>
             </p:custDataLst>
           </p:nvPr>
         </p:nvSpPr>
@@ -15481,7 +15611,7 @@
           <p:cNvSpPr/>
           <p:nvPr>
             <p:custDataLst>
-              <p:tags r:id="rId4"/>
+              <p:tags r:id="rId3"/>
             </p:custDataLst>
           </p:nvPr>
         </p:nvSpPr>
@@ -15589,7 +15719,7 @@
           <p:cNvSpPr txBox="1"/>
           <p:nvPr>
             <p:custDataLst>
-              <p:tags r:id="rId5"/>
+              <p:tags r:id="rId4"/>
             </p:custDataLst>
           </p:nvPr>
         </p:nvSpPr>
@@ -15691,7 +15821,7 @@
           <p:cNvSpPr txBox="1"/>
           <p:nvPr>
             <p:custDataLst>
-              <p:tags r:id="rId6"/>
+              <p:tags r:id="rId5"/>
             </p:custDataLst>
           </p:nvPr>
         </p:nvSpPr>
@@ -15734,19 +15864,19 @@
       </p:sp>
     </p:spTree>
     <p:custDataLst>
-      <p:tags r:id="rId1"/>
+      <p:tags r:id="rId6"/>
     </p:custDataLst>
   </p:cSld>
   <p:clrMapOvr>
     <a:masterClrMapping/>
   </p:clrMapOvr>
-  <mc:AlternateContent xmlns:mc="http://schemas.openxmlformats.org/markup-compatibility/2006" xmlns:p15="http://schemas.microsoft.com/office/powerpoint/2012/main">
-    <mc:Choice Requires="p15">
-      <p:transition xmlns:p14="http://schemas.microsoft.com/office/powerpoint/2010/main" spd="slow" p14:dur="1250">
+  <mc:AlternateContent xmlns:mc="http://schemas.openxmlformats.org/markup-compatibility/2006">
+    <mc:Choice xmlns:p15="http://schemas.microsoft.com/office/powerpoint/2012/main" Requires="p15">
+      <p:transition xmlns:p14="http://schemas.microsoft.com/office/powerpoint/2010/main" spd="slow" Requires="p14" p14:dur="1250">
         <p15:prstTrans prst="pageCurlDouble"/>
       </p:transition>
     </mc:Choice>
-    <mc:Fallback xmlns="">
+    <mc:Fallback>
       <p:transition spd="slow">
         <p:fade/>
       </p:transition>
@@ -15778,7 +15908,7 @@
           <p:cNvSpPr/>
           <p:nvPr>
             <p:custDataLst>
-              <p:tags r:id="rId2"/>
+              <p:tags r:id="rId1"/>
             </p:custDataLst>
           </p:nvPr>
         </p:nvSpPr>
@@ -15835,7 +15965,7 @@
           </p:cNvSpPr>
           <p:nvPr>
             <p:custDataLst>
-              <p:tags r:id="rId3"/>
+              <p:tags r:id="rId2"/>
             </p:custDataLst>
           </p:nvPr>
         </p:nvSpPr>
@@ -15920,13 +16050,7 @@
       </p:sp>
       <p:sp>
         <p:nvSpPr>
-          <p:cNvPr id="5" name="文本框 4">
-            <a:extLst>
-              <a:ext uri="{FF2B5EF4-FFF2-40B4-BE49-F238E27FC236}">
-                <a16:creationId xmlns:a16="http://schemas.microsoft.com/office/drawing/2014/main" id="{C62031FA-7ED5-42AF-82C8-6281E6CDAB86}"/>
-              </a:ext>
-            </a:extLst>
-          </p:cNvPr>
+          <p:cNvPr id="5" name="文本框 4"/>
           <p:cNvSpPr txBox="1"/>
           <p:nvPr/>
         </p:nvSpPr>
@@ -15963,19 +16087,19 @@
       </p:sp>
     </p:spTree>
     <p:custDataLst>
-      <p:tags r:id="rId1"/>
+      <p:tags r:id="rId3"/>
     </p:custDataLst>
   </p:cSld>
   <p:clrMapOvr>
     <a:masterClrMapping/>
   </p:clrMapOvr>
-  <mc:AlternateContent xmlns:mc="http://schemas.openxmlformats.org/markup-compatibility/2006" xmlns:p15="http://schemas.microsoft.com/office/powerpoint/2012/main">
-    <mc:Choice Requires="p15">
-      <p:transition xmlns:p14="http://schemas.microsoft.com/office/powerpoint/2010/main" spd="slow" p14:dur="1250">
+  <mc:AlternateContent xmlns:mc="http://schemas.openxmlformats.org/markup-compatibility/2006">
+    <mc:Choice xmlns:p15="http://schemas.microsoft.com/office/powerpoint/2012/main" Requires="p15">
+      <p:transition xmlns:p14="http://schemas.microsoft.com/office/powerpoint/2010/main" spd="slow" Requires="p14" p14:dur="1250">
         <p15:prstTrans prst="pageCurlDouble"/>
       </p:transition>
     </mc:Choice>
-    <mc:Fallback xmlns="">
+    <mc:Fallback>
       <p:transition spd="slow">
         <p:fade/>
       </p:transition>
@@ -16007,7 +16131,7 @@
           <p:cNvSpPr/>
           <p:nvPr>
             <p:custDataLst>
-              <p:tags r:id="rId2"/>
+              <p:tags r:id="rId1"/>
             </p:custDataLst>
           </p:nvPr>
         </p:nvSpPr>
@@ -16064,7 +16188,7 @@
           </p:cNvSpPr>
           <p:nvPr>
             <p:custDataLst>
-              <p:tags r:id="rId3"/>
+              <p:tags r:id="rId2"/>
             </p:custDataLst>
           </p:nvPr>
         </p:nvSpPr>
@@ -16149,20 +16273,14 @@
       </p:sp>
       <p:sp>
         <p:nvSpPr>
-          <p:cNvPr id="6" name="文本框 5">
-            <a:extLst>
-              <a:ext uri="{FF2B5EF4-FFF2-40B4-BE49-F238E27FC236}">
-                <a16:creationId xmlns:a16="http://schemas.microsoft.com/office/drawing/2014/main" id="{B0B82517-802A-447F-9C8B-10B8F80FAD44}"/>
-              </a:ext>
-            </a:extLst>
-          </p:cNvPr>
+          <p:cNvPr id="6" name="文本框 5"/>
           <p:cNvSpPr txBox="1"/>
           <p:nvPr/>
         </p:nvSpPr>
         <p:spPr>
           <a:xfrm>
             <a:off x="467544" y="1916832"/>
-            <a:ext cx="8064896" cy="4078039"/>
+            <a:ext cx="8064896" cy="4076700"/>
           </a:xfrm>
           <a:prstGeom prst="rect">
             <a:avLst/>
@@ -16203,7 +16321,11 @@
             </a:r>
             <a:r>
               <a:rPr lang="zh-CN" altLang="en-US" sz="3700" kern="2000" dirty="0"/>
-              <a:t>人有做网站的经验。</a:t>
+              <a:t>人有前端设计</a:t>
+            </a:r>
+            <a:r>
+              <a:rPr lang="zh-CN" altLang="en-US" sz="3700" kern="2000" dirty="0"/>
+              <a:t>的经验。</a:t>
             </a:r>
             <a:endParaRPr lang="en-US" altLang="zh-CN" sz="3700" kern="2000" dirty="0"/>
           </a:p>
@@ -16219,24 +16341,25 @@
               <a:rPr lang="zh-CN" altLang="en-US" sz="3700" kern="2000" dirty="0"/>
               <a:t>考虑到我们的能力，我们认为做一个类似的网站是可行的。</a:t>
             </a:r>
+            <a:endParaRPr lang="zh-CN" altLang="en-US" sz="3700" kern="2000" dirty="0"/>
           </a:p>
         </p:txBody>
       </p:sp>
     </p:spTree>
     <p:custDataLst>
-      <p:tags r:id="rId1"/>
+      <p:tags r:id="rId3"/>
     </p:custDataLst>
   </p:cSld>
   <p:clrMapOvr>
     <a:masterClrMapping/>
   </p:clrMapOvr>
-  <mc:AlternateContent xmlns:mc="http://schemas.openxmlformats.org/markup-compatibility/2006" xmlns:p15="http://schemas.microsoft.com/office/powerpoint/2012/main">
-    <mc:Choice Requires="p15">
-      <p:transition xmlns:p14="http://schemas.microsoft.com/office/powerpoint/2010/main" spd="slow" p14:dur="1250">
+  <mc:AlternateContent xmlns:mc="http://schemas.openxmlformats.org/markup-compatibility/2006">
+    <mc:Choice xmlns:p15="http://schemas.microsoft.com/office/powerpoint/2012/main" Requires="p15">
+      <p:transition xmlns:p14="http://schemas.microsoft.com/office/powerpoint/2010/main" spd="slow" Requires="p14" p14:dur="1250">
         <p15:prstTrans prst="pageCurlDouble"/>
       </p:transition>
     </mc:Choice>
-    <mc:Fallback xmlns="">
+    <mc:Fallback>
       <p:transition spd="slow">
         <p:fade/>
       </p:transition>
@@ -16268,7 +16391,7 @@
           <p:cNvSpPr/>
           <p:nvPr>
             <p:custDataLst>
-              <p:tags r:id="rId2"/>
+              <p:tags r:id="rId1"/>
             </p:custDataLst>
           </p:nvPr>
         </p:nvSpPr>
@@ -16325,7 +16448,7 @@
           </p:cNvSpPr>
           <p:nvPr>
             <p:custDataLst>
-              <p:tags r:id="rId3"/>
+              <p:tags r:id="rId2"/>
             </p:custDataLst>
           </p:nvPr>
         </p:nvSpPr>
@@ -16410,20 +16533,14 @@
       </p:sp>
       <p:sp>
         <p:nvSpPr>
-          <p:cNvPr id="6" name="文本框 5">
-            <a:extLst>
-              <a:ext uri="{FF2B5EF4-FFF2-40B4-BE49-F238E27FC236}">
-                <a16:creationId xmlns:a16="http://schemas.microsoft.com/office/drawing/2014/main" id="{3A4C350E-96DC-49E5-A6F3-8A34650758D3}"/>
-              </a:ext>
-            </a:extLst>
-          </p:cNvPr>
+          <p:cNvPr id="6" name="文本框 5"/>
           <p:cNvSpPr txBox="1"/>
           <p:nvPr/>
         </p:nvSpPr>
         <p:spPr>
           <a:xfrm>
             <a:off x="323528" y="2204864"/>
-            <a:ext cx="6264696" cy="2723823"/>
+            <a:ext cx="6264696" cy="2722880"/>
           </a:xfrm>
           <a:prstGeom prst="rect">
             <a:avLst/>
@@ -16436,7 +16553,7 @@
           </a:bodyPr>
           <a:lstStyle/>
           <a:p>
-            <a:pPr marL="360000"/>
+            <a:pPr marL="360045"/>
             <a:r>
               <a:rPr lang="en-US" altLang="zh-CN" sz="3700" kern="2400" spc="300" dirty="0"/>
               <a:t>(1)</a:t>
@@ -16448,46 +16565,46 @@
             <a:endParaRPr lang="en-US" altLang="zh-CN" sz="3700" kern="2400" spc="300" dirty="0"/>
           </a:p>
           <a:p>
-            <a:pPr marL="360000"/>
+            <a:pPr marL="360045"/>
             <a:endParaRPr lang="en-US" altLang="zh-CN" sz="3700" kern="2400" spc="300" dirty="0"/>
           </a:p>
           <a:p>
-            <a:pPr marL="360000"/>
+            <a:pPr marL="360045"/>
             <a:r>
               <a:rPr lang="en-US" altLang="zh-CN" sz="3700" kern="2400" spc="300" dirty="0"/>
               <a:t>(2)</a:t>
             </a:r>
             <a:r>
               <a:rPr lang="zh-CN" altLang="en-US" sz="3700" kern="2400" spc="300" dirty="0"/>
-              <a:t>游戏攻略作者？</a:t>
+              <a:t>游戏攻略作者</a:t>
             </a:r>
             <a:endParaRPr lang="en-US" altLang="zh-CN" sz="3700" kern="2400" spc="300" dirty="0"/>
           </a:p>
           <a:p>
-            <a:pPr marL="360000"/>
+            <a:pPr marL="360045"/>
             <a:endParaRPr lang="en-US" altLang="zh-CN" sz="3000" kern="2400" spc="300" dirty="0"/>
           </a:p>
           <a:p>
-            <a:pPr marL="360000"/>
+            <a:pPr marL="360045"/>
             <a:endParaRPr lang="zh-CN" altLang="en-US" sz="3000" kern="2400" spc="300" dirty="0"/>
           </a:p>
         </p:txBody>
       </p:sp>
     </p:spTree>
     <p:custDataLst>
-      <p:tags r:id="rId1"/>
+      <p:tags r:id="rId3"/>
     </p:custDataLst>
   </p:cSld>
   <p:clrMapOvr>
     <a:masterClrMapping/>
   </p:clrMapOvr>
-  <mc:AlternateContent xmlns:mc="http://schemas.openxmlformats.org/markup-compatibility/2006" xmlns:p15="http://schemas.microsoft.com/office/powerpoint/2012/main">
-    <mc:Choice Requires="p15">
-      <p:transition xmlns:p14="http://schemas.microsoft.com/office/powerpoint/2010/main" spd="slow" p14:dur="1250">
+  <mc:AlternateContent xmlns:mc="http://schemas.openxmlformats.org/markup-compatibility/2006">
+    <mc:Choice xmlns:p15="http://schemas.microsoft.com/office/powerpoint/2012/main" Requires="p15">
+      <p:transition xmlns:p14="http://schemas.microsoft.com/office/powerpoint/2010/main" spd="slow" Requires="p14" p14:dur="1250">
         <p15:prstTrans prst="pageCurlDouble"/>
       </p:transition>
     </mc:Choice>
-    <mc:Fallback xmlns="">
+    <mc:Fallback>
       <p:transition spd="slow">
         <p:fade/>
       </p:transition>
@@ -16519,7 +16636,7 @@
           <p:cNvSpPr/>
           <p:nvPr>
             <p:custDataLst>
-              <p:tags r:id="rId2"/>
+              <p:tags r:id="rId1"/>
             </p:custDataLst>
           </p:nvPr>
         </p:nvSpPr>
@@ -16576,7 +16693,7 @@
           </p:cNvSpPr>
           <p:nvPr>
             <p:custDataLst>
-              <p:tags r:id="rId3"/>
+              <p:tags r:id="rId2"/>
             </p:custDataLst>
           </p:nvPr>
         </p:nvSpPr>
@@ -16664,13 +16781,13 @@
           <p:cNvSpPr txBox="1"/>
           <p:nvPr>
             <p:custDataLst>
-              <p:tags r:id="rId4"/>
+              <p:tags r:id="rId3"/>
             </p:custDataLst>
           </p:nvPr>
         </p:nvSpPr>
         <p:spPr>
           <a:xfrm>
-            <a:off x="107504" y="1583555"/>
+            <a:off x="116394" y="1565140"/>
             <a:ext cx="5298986" cy="895149"/>
           </a:xfrm>
           <a:prstGeom prst="rect">
@@ -16847,20 +16964,14 @@
       </p:sp>
       <p:pic>
         <p:nvPicPr>
-          <p:cNvPr id="13" name="图片 12">
-            <a:extLst>
-              <a:ext uri="{FF2B5EF4-FFF2-40B4-BE49-F238E27FC236}">
-                <a16:creationId xmlns:a16="http://schemas.microsoft.com/office/drawing/2014/main" id="{F9912624-2C19-4B24-ABB9-010CEED690F8}"/>
-              </a:ext>
-            </a:extLst>
-          </p:cNvPr>
+          <p:cNvPr id="13" name="图片 12"/>
           <p:cNvPicPr>
             <a:picLocks noChangeAspect="1"/>
           </p:cNvPicPr>
           <p:nvPr/>
         </p:nvPicPr>
         <p:blipFill>
-          <a:blip r:embed="rId6"/>
+          <a:blip r:embed="rId4"/>
           <a:stretch>
             <a:fillRect/>
           </a:stretch>
@@ -16877,20 +16988,14 @@
       </p:pic>
       <p:pic>
         <p:nvPicPr>
-          <p:cNvPr id="17" name="图片 16">
-            <a:extLst>
-              <a:ext uri="{FF2B5EF4-FFF2-40B4-BE49-F238E27FC236}">
-                <a16:creationId xmlns:a16="http://schemas.microsoft.com/office/drawing/2014/main" id="{435F83E7-4FFB-4E35-8108-EC61269B77D7}"/>
-              </a:ext>
-            </a:extLst>
-          </p:cNvPr>
+          <p:cNvPr id="17" name="图片 16"/>
           <p:cNvPicPr>
             <a:picLocks noChangeAspect="1"/>
           </p:cNvPicPr>
           <p:nvPr/>
         </p:nvPicPr>
         <p:blipFill>
-          <a:blip r:embed="rId7"/>
+          <a:blip r:embed="rId5"/>
           <a:stretch>
             <a:fillRect/>
           </a:stretch>
@@ -16907,27 +17012,21 @@
       </p:pic>
       <p:pic>
         <p:nvPicPr>
-          <p:cNvPr id="19" name="图片 18">
-            <a:extLst>
-              <a:ext uri="{FF2B5EF4-FFF2-40B4-BE49-F238E27FC236}">
-                <a16:creationId xmlns:a16="http://schemas.microsoft.com/office/drawing/2014/main" id="{CC675D6F-7F45-41D1-9847-5FC0600FD190}"/>
-              </a:ext>
-            </a:extLst>
-          </p:cNvPr>
+          <p:cNvPr id="19" name="图片 18"/>
           <p:cNvPicPr>
             <a:picLocks noChangeAspect="1"/>
           </p:cNvPicPr>
           <p:nvPr/>
         </p:nvPicPr>
         <p:blipFill>
-          <a:blip r:embed="rId8"/>
+          <a:blip r:embed="rId6"/>
           <a:stretch>
             <a:fillRect/>
           </a:stretch>
         </p:blipFill>
         <p:spPr>
           <a:xfrm>
-            <a:off x="7023958" y="6021288"/>
+            <a:off x="7023958" y="6048593"/>
             <a:ext cx="1729890" cy="228620"/>
           </a:xfrm>
           <a:prstGeom prst="rect">
@@ -16935,26 +17034,50 @@
           </a:prstGeom>
         </p:spPr>
       </p:pic>
+      <p:sp>
+        <p:nvSpPr>
+          <p:cNvPr id="3" name="文本框 2"/>
+          <p:cNvSpPr txBox="1"/>
+          <p:nvPr/>
+        </p:nvSpPr>
+        <p:spPr>
+          <a:xfrm>
+            <a:off x="5131435" y="2394585"/>
+            <a:ext cx="770890" cy="368300"/>
+          </a:xfrm>
+          <a:prstGeom prst="rect">
+            <a:avLst/>
+          </a:prstGeom>
+          <a:noFill/>
+        </p:spPr>
+        <p:txBody>
+          <a:bodyPr wrap="square" rtlCol="0">
+            <a:spAutoFit/>
+          </a:bodyPr>
+          <a:p>
+            <a:r>
+              <a:rPr lang="en-US" altLang="zh-CN"/>
+              <a:t>[4]</a:t>
+            </a:r>
+            <a:endParaRPr lang="en-US" altLang="zh-CN"/>
+          </a:p>
+        </p:txBody>
+      </p:sp>
     </p:spTree>
     <p:custDataLst>
-      <p:tags r:id="rId1"/>
+      <p:tags r:id="rId7"/>
     </p:custDataLst>
-    <p:extLst>
-      <p:ext uri="{BB962C8B-B14F-4D97-AF65-F5344CB8AC3E}">
-        <p14:creationId xmlns:p14="http://schemas.microsoft.com/office/powerpoint/2010/main" val="1863716995"/>
-      </p:ext>
-    </p:extLst>
   </p:cSld>
   <p:clrMapOvr>
     <a:masterClrMapping/>
   </p:clrMapOvr>
-  <mc:AlternateContent xmlns:mc="http://schemas.openxmlformats.org/markup-compatibility/2006" xmlns:p15="http://schemas.microsoft.com/office/powerpoint/2012/main">
-    <mc:Choice Requires="p15">
-      <p:transition xmlns:p14="http://schemas.microsoft.com/office/powerpoint/2010/main" spd="slow" p14:dur="1250">
+  <mc:AlternateContent xmlns:mc="http://schemas.openxmlformats.org/markup-compatibility/2006">
+    <mc:Choice xmlns:p15="http://schemas.microsoft.com/office/powerpoint/2012/main" Requires="p15">
+      <p:transition xmlns:p14="http://schemas.microsoft.com/office/powerpoint/2010/main" spd="slow" Requires="p14" p14:dur="1250">
         <p15:prstTrans prst="pageCurlDouble"/>
       </p:transition>
     </mc:Choice>
-    <mc:Fallback xmlns="">
+    <mc:Fallback>
       <p:transition spd="slow">
         <p:fade/>
       </p:transition>
@@ -16986,7 +17109,7 @@
           <p:cNvSpPr/>
           <p:nvPr>
             <p:custDataLst>
-              <p:tags r:id="rId2"/>
+              <p:tags r:id="rId1"/>
             </p:custDataLst>
           </p:nvPr>
         </p:nvSpPr>
@@ -17043,7 +17166,7 @@
           </p:cNvSpPr>
           <p:nvPr>
             <p:custDataLst>
-              <p:tags r:id="rId3"/>
+              <p:tags r:id="rId2"/>
             </p:custDataLst>
           </p:nvPr>
         </p:nvSpPr>
@@ -17134,7 +17257,7 @@
           <p:nvPr/>
         </p:nvPicPr>
         <p:blipFill>
-          <a:blip r:embed="rId6">
+          <a:blip r:embed="rId3">
             <a:extLst>
               <a:ext uri="{28A0092B-C50C-407E-A947-70E740481C1C}">
                 <a14:useLocalDpi xmlns:a14="http://schemas.microsoft.com/office/drawing/2010/main" val="0"/>
@@ -17344,19 +17467,19 @@
       </p:sp>
     </p:spTree>
     <p:custDataLst>
-      <p:tags r:id="rId1"/>
+      <p:tags r:id="rId5"/>
     </p:custDataLst>
   </p:cSld>
   <p:clrMapOvr>
     <a:masterClrMapping/>
   </p:clrMapOvr>
-  <mc:AlternateContent xmlns:mc="http://schemas.openxmlformats.org/markup-compatibility/2006" xmlns:p15="http://schemas.microsoft.com/office/powerpoint/2012/main">
-    <mc:Choice Requires="p15">
-      <p:transition xmlns:p14="http://schemas.microsoft.com/office/powerpoint/2010/main" spd="slow" p14:dur="1250">
+  <mc:AlternateContent xmlns:mc="http://schemas.openxmlformats.org/markup-compatibility/2006">
+    <mc:Choice xmlns:p15="http://schemas.microsoft.com/office/powerpoint/2012/main" Requires="p15">
+      <p:transition xmlns:p14="http://schemas.microsoft.com/office/powerpoint/2010/main" spd="slow" Requires="p14" p14:dur="1250">
         <p15:prstTrans prst="pageCurlDouble"/>
       </p:transition>
     </mc:Choice>
-    <mc:Fallback xmlns="">
+    <mc:Fallback>
       <p:transition spd="slow">
         <p:fade/>
       </p:transition>
@@ -17388,7 +17511,7 @@
           <p:cNvSpPr/>
           <p:nvPr>
             <p:custDataLst>
-              <p:tags r:id="rId2"/>
+              <p:tags r:id="rId1"/>
             </p:custDataLst>
           </p:nvPr>
         </p:nvSpPr>
@@ -17445,7 +17568,7 @@
           </p:cNvSpPr>
           <p:nvPr>
             <p:custDataLst>
-              <p:tags r:id="rId3"/>
+              <p:tags r:id="rId2"/>
             </p:custDataLst>
           </p:nvPr>
         </p:nvSpPr>
@@ -17515,6 +17638,12 @@
               </a:rPr>
               <a:t>如何实现</a:t>
             </a:r>
+            <a:endParaRPr lang="zh-CN" altLang="en-US" sz="5000" kern="3000" spc="0" dirty="0">
+              <a:solidFill>
+                <a:schemeClr val="bg1"/>
+              </a:solidFill>
+              <a:sym typeface="+mn-ea"/>
+            </a:endParaRPr>
           </a:p>
         </p:txBody>
       </p:sp>
@@ -17527,7 +17656,7 @@
         <p:spPr>
           <a:xfrm>
             <a:off x="523240" y="1757045"/>
-            <a:ext cx="7792720" cy="2523768"/>
+            <a:ext cx="7792720" cy="3384550"/>
           </a:xfrm>
           <a:prstGeom prst="rect">
             <a:avLst/>
@@ -17550,7 +17679,7 @@
             </a:r>
             <a:r>
               <a:rPr lang="en-US" altLang="zh-CN" sz="2800" b="1" dirty="0"/>
-              <a:t>---Tomcat</a:t>
+              <a:t>---spring boot</a:t>
             </a:r>
             <a:endParaRPr lang="zh-CN" altLang="en-US" sz="2800" b="1" dirty="0"/>
           </a:p>
@@ -17568,9 +17697,9 @@
             </a:r>
             <a:r>
               <a:rPr lang="en-US" altLang="zh-CN" sz="2800" b="1" dirty="0"/>
-              <a:t>---vue.js</a:t>
-            </a:r>
-            <a:endParaRPr lang="zh-CN" altLang="en-US" sz="2800" b="1" dirty="0"/>
+              <a:t>---vue.js[2]</a:t>
+            </a:r>
+            <a:endParaRPr lang="en-US" altLang="zh-CN" sz="2800" b="1" dirty="0"/>
           </a:p>
           <a:p>
             <a:endParaRPr lang="zh-CN" altLang="en-US" sz="2800" b="1" dirty="0"/>
@@ -17586,7 +17715,25 @@
             </a:r>
             <a:r>
               <a:rPr lang="en-US" altLang="zh-CN" sz="2800" b="1" dirty="0"/>
-              <a:t>---MySQL</a:t>
+              <a:t>---MySQL[3]</a:t>
+            </a:r>
+            <a:endParaRPr lang="en-US" altLang="zh-CN" sz="2800" b="1" dirty="0"/>
+          </a:p>
+          <a:p>
+            <a:endParaRPr lang="en-US" altLang="zh-CN" sz="2800" b="1" dirty="0"/>
+          </a:p>
+          <a:p>
+            <a:r>
+              <a:rPr lang="en-US" altLang="zh-CN" sz="2800" b="1" dirty="0"/>
+              <a:t>4</a:t>
+            </a:r>
+            <a:r>
+              <a:rPr lang="zh-CN" altLang="en-US" sz="2800" b="1" dirty="0"/>
+              <a:t>、服务器</a:t>
+            </a:r>
+            <a:r>
+              <a:rPr lang="en-US" altLang="zh-CN" sz="2800" b="1" dirty="0"/>
+              <a:t>---Tomcat</a:t>
             </a:r>
             <a:endParaRPr lang="zh-CN" altLang="en-US" sz="2800" b="1" dirty="0"/>
           </a:p>
@@ -17597,19 +17744,19 @@
       </p:sp>
     </p:spTree>
     <p:custDataLst>
-      <p:tags r:id="rId1"/>
+      <p:tags r:id="rId3"/>
     </p:custDataLst>
   </p:cSld>
   <p:clrMapOvr>
     <a:masterClrMapping/>
   </p:clrMapOvr>
-  <mc:AlternateContent xmlns:mc="http://schemas.openxmlformats.org/markup-compatibility/2006" xmlns:p15="http://schemas.microsoft.com/office/powerpoint/2012/main">
-    <mc:Choice Requires="p15">
-      <p:transition xmlns:p14="http://schemas.microsoft.com/office/powerpoint/2010/main" spd="slow" p14:dur="1250">
+  <mc:AlternateContent xmlns:mc="http://schemas.openxmlformats.org/markup-compatibility/2006">
+    <mc:Choice xmlns:p15="http://schemas.microsoft.com/office/powerpoint/2012/main" Requires="p15">
+      <p:transition xmlns:p14="http://schemas.microsoft.com/office/powerpoint/2010/main" spd="slow" Requires="p14" p14:dur="1250">
         <p15:prstTrans prst="pageCurlDouble"/>
       </p:transition>
     </mc:Choice>
-    <mc:Fallback xmlns="">
+    <mc:Fallback>
       <p:transition spd="slow">
         <p:fade/>
       </p:transition>
@@ -17619,13 +17766,7 @@
 </file>
 
 <file path=ppt/tags/tag1.xml><?xml version="1.0" encoding="utf-8"?>
-<p:tagLst xmlns:a="http://schemas.openxmlformats.org/drawingml/2006/main" xmlns:r="http://schemas.openxmlformats.org/officeDocument/2006/relationships" xmlns:p="http://schemas.openxmlformats.org/presentationml/2006/main">
-  <p:tag name="KSO_WM_DOC_GUID" val="{2eac37a3-4e19-4607-b808-475c46653db4}"/>
-</p:tagLst>
-</file>
-
-<file path=ppt/tags/tag10.xml><?xml version="1.0" encoding="utf-8"?>
-<p:tagLst xmlns:a="http://schemas.openxmlformats.org/drawingml/2006/main" xmlns:r="http://schemas.openxmlformats.org/officeDocument/2006/relationships" xmlns:p="http://schemas.openxmlformats.org/presentationml/2006/main">
+<p:tagLst xmlns:p="http://schemas.openxmlformats.org/presentationml/2006/main">
   <p:tag name="KSO_WM_UNIT_HIGHLIGHT" val="0"/>
   <p:tag name="KSO_WM_UNIT_COMPATIBLE" val="0"/>
   <p:tag name="KSO_WM_UNIT_DIAGRAM_ISNUMVISUAL" val="0"/>
@@ -17637,60 +17778,21 @@
 </p:tagLst>
 </file>
 
-<file path=ppt/tags/tag100.xml><?xml version="1.0" encoding="utf-8"?>
-<p:tagLst xmlns:a="http://schemas.openxmlformats.org/drawingml/2006/main" xmlns:r="http://schemas.openxmlformats.org/officeDocument/2006/relationships" xmlns:p="http://schemas.openxmlformats.org/presentationml/2006/main">
+<file path=ppt/tags/tag10.xml><?xml version="1.0" encoding="utf-8"?>
+<p:tagLst xmlns:p="http://schemas.openxmlformats.org/presentationml/2006/main">
   <p:tag name="KSO_WM_UNIT_HIGHLIGHT" val="0"/>
   <p:tag name="KSO_WM_UNIT_COMPATIBLE" val="0"/>
   <p:tag name="KSO_WM_UNIT_DIAGRAM_ISNUMVISUAL" val="0"/>
   <p:tag name="KSO_WM_UNIT_DIAGRAM_ISREFERUNIT" val="0"/>
-  <p:tag name="KSO_WM_UNIT_ID" val="_3**"/>
+  <p:tag name="KSO_WM_UNIT_ID" val="_1**"/>
   <p:tag name="KSO_WM_UNIT_LAYERLEVEL" val="1"/>
   <p:tag name="KSO_WM_TAG_VERSION" val="1.0"/>
   <p:tag name="KSO_WM_BEAUTIFY_FLAG" val="#wm#"/>
 </p:tagLst>
 </file>
 
-<file path=ppt/tags/tag101.xml><?xml version="1.0" encoding="utf-8"?>
-<p:tagLst xmlns:a="http://schemas.openxmlformats.org/drawingml/2006/main" xmlns:r="http://schemas.openxmlformats.org/officeDocument/2006/relationships" xmlns:p="http://schemas.openxmlformats.org/presentationml/2006/main">
-  <p:tag name="KSO_WM_UNIT_HIGHLIGHT" val="0"/>
-  <p:tag name="KSO_WM_UNIT_COMPATIBLE" val="0"/>
-  <p:tag name="KSO_WM_UNIT_DIAGRAM_ISNUMVISUAL" val="0"/>
-  <p:tag name="KSO_WM_UNIT_DIAGRAM_ISREFERUNIT" val="0"/>
-  <p:tag name="KSO_WM_UNIT_ID" val="_3**"/>
-  <p:tag name="KSO_WM_UNIT_LAYERLEVEL" val="1"/>
-  <p:tag name="KSO_WM_TAG_VERSION" val="1.0"/>
-  <p:tag name="KSO_WM_BEAUTIFY_FLAG" val="#wm#"/>
-</p:tagLst>
-</file>
-
-<file path=ppt/tags/tag102.xml><?xml version="1.0" encoding="utf-8"?>
-<p:tagLst xmlns:a="http://schemas.openxmlformats.org/drawingml/2006/main" xmlns:r="http://schemas.openxmlformats.org/officeDocument/2006/relationships" xmlns:p="http://schemas.openxmlformats.org/presentationml/2006/main">
-  <p:tag name="KSO_WM_UNIT_HIGHLIGHT" val="0"/>
-  <p:tag name="KSO_WM_UNIT_COMPATIBLE" val="0"/>
-  <p:tag name="KSO_WM_UNIT_DIAGRAM_ISNUMVISUAL" val="0"/>
-  <p:tag name="KSO_WM_UNIT_DIAGRAM_ISREFERUNIT" val="0"/>
-  <p:tag name="KSO_WM_UNIT_ID" val="_3**"/>
-  <p:tag name="KSO_WM_UNIT_LAYERLEVEL" val="1"/>
-  <p:tag name="KSO_WM_TAG_VERSION" val="1.0"/>
-  <p:tag name="KSO_WM_BEAUTIFY_FLAG" val="#wm#"/>
-</p:tagLst>
-</file>
-
-<file path=ppt/tags/tag103.xml><?xml version="1.0" encoding="utf-8"?>
-<p:tagLst xmlns:a="http://schemas.openxmlformats.org/drawingml/2006/main" xmlns:r="http://schemas.openxmlformats.org/officeDocument/2006/relationships" xmlns:p="http://schemas.openxmlformats.org/presentationml/2006/main">
-  <p:tag name="KSO_WM_UNIT_HIGHLIGHT" val="0"/>
-  <p:tag name="KSO_WM_UNIT_COMPATIBLE" val="0"/>
-  <p:tag name="KSO_WM_UNIT_DIAGRAM_ISNUMVISUAL" val="0"/>
-  <p:tag name="KSO_WM_UNIT_DIAGRAM_ISREFERUNIT" val="0"/>
-  <p:tag name="KSO_WM_UNIT_ID" val="_3**"/>
-  <p:tag name="KSO_WM_UNIT_LAYERLEVEL" val="1"/>
-  <p:tag name="KSO_WM_TAG_VERSION" val="1.0"/>
-  <p:tag name="KSO_WM_BEAUTIFY_FLAG" val="#wm#"/>
-</p:tagLst>
-</file>
-
-<file path=ppt/tags/tag104.xml><?xml version="1.0" encoding="utf-8"?>
-<p:tagLst xmlns:a="http://schemas.openxmlformats.org/drawingml/2006/main" xmlns:r="http://schemas.openxmlformats.org/officeDocument/2006/relationships" xmlns:p="http://schemas.openxmlformats.org/presentationml/2006/main">
+<file path=ppt/tags/tag100.xml><?xml version="1.0" encoding="utf-8"?>
+<p:tagLst xmlns:p="http://schemas.openxmlformats.org/presentationml/2006/main">
   <p:tag name="KSO_WM_UNIT_HIGHLIGHT" val="0"/>
   <p:tag name="KSO_WM_UNIT_COMPATIBLE" val="0"/>
   <p:tag name="KSO_WM_UNIT_DIAGRAM_ISNUMVISUAL" val="0"/>
@@ -17702,8 +17804,8 @@
 </p:tagLst>
 </file>
 
-<file path=ppt/tags/tag105.xml><?xml version="1.0" encoding="utf-8"?>
-<p:tagLst xmlns:a="http://schemas.openxmlformats.org/drawingml/2006/main" xmlns:r="http://schemas.openxmlformats.org/officeDocument/2006/relationships" xmlns:p="http://schemas.openxmlformats.org/presentationml/2006/main">
+<file path=ppt/tags/tag101.xml><?xml version="1.0" encoding="utf-8"?>
+<p:tagLst xmlns:p="http://schemas.openxmlformats.org/presentationml/2006/main">
   <p:tag name="KSO_WM_UNIT_HIGHLIGHT" val="0"/>
   <p:tag name="KSO_WM_UNIT_COMPATIBLE" val="0"/>
   <p:tag name="KSO_WM_UNIT_DIAGRAM_ISNUMVISUAL" val="0"/>
@@ -17715,8 +17817,8 @@
 </p:tagLst>
 </file>
 
-<file path=ppt/tags/tag106.xml><?xml version="1.0" encoding="utf-8"?>
-<p:tagLst xmlns:a="http://schemas.openxmlformats.org/drawingml/2006/main" xmlns:r="http://schemas.openxmlformats.org/officeDocument/2006/relationships" xmlns:p="http://schemas.openxmlformats.org/presentationml/2006/main">
+<file path=ppt/tags/tag102.xml><?xml version="1.0" encoding="utf-8"?>
+<p:tagLst xmlns:p="http://schemas.openxmlformats.org/presentationml/2006/main">
   <p:tag name="KSO_WM_UNIT_HIGHLIGHT" val="0"/>
   <p:tag name="KSO_WM_UNIT_COMPATIBLE" val="0"/>
   <p:tag name="KSO_WM_UNIT_DIAGRAM_ISNUMVISUAL" val="0"/>
@@ -17728,47 +17830,99 @@
 </p:tagLst>
 </file>
 
-<file path=ppt/tags/tag107.xml><?xml version="1.0" encoding="utf-8"?>
-<p:tagLst xmlns:a="http://schemas.openxmlformats.org/drawingml/2006/main" xmlns:r="http://schemas.openxmlformats.org/officeDocument/2006/relationships" xmlns:p="http://schemas.openxmlformats.org/presentationml/2006/main">
+<file path=ppt/tags/tag103.xml><?xml version="1.0" encoding="utf-8"?>
+<p:tagLst xmlns:p="http://schemas.openxmlformats.org/presentationml/2006/main">
   <p:tag name="KSO_WM_UNIT_HIGHLIGHT" val="0"/>
   <p:tag name="KSO_WM_UNIT_COMPATIBLE" val="0"/>
   <p:tag name="KSO_WM_UNIT_DIAGRAM_ISNUMVISUAL" val="0"/>
   <p:tag name="KSO_WM_UNIT_DIAGRAM_ISREFERUNIT" val="0"/>
-  <p:tag name="KSO_WM_UNIT_ID" val="_4**"/>
+  <p:tag name="KSO_WM_UNIT_ID" val="_5**"/>
   <p:tag name="KSO_WM_UNIT_LAYERLEVEL" val="1"/>
   <p:tag name="KSO_WM_TAG_VERSION" val="1.0"/>
   <p:tag name="KSO_WM_BEAUTIFY_FLAG" val="#wm#"/>
 </p:tagLst>
 </file>
 
-<file path=ppt/tags/tag108.xml><?xml version="1.0" encoding="utf-8"?>
-<p:tagLst xmlns:a="http://schemas.openxmlformats.org/drawingml/2006/main" xmlns:r="http://schemas.openxmlformats.org/officeDocument/2006/relationships" xmlns:p="http://schemas.openxmlformats.org/presentationml/2006/main">
+<file path=ppt/tags/tag104.xml><?xml version="1.0" encoding="utf-8"?>
+<p:tagLst xmlns:p="http://schemas.openxmlformats.org/presentationml/2006/main">
   <p:tag name="KSO_WM_UNIT_HIGHLIGHT" val="0"/>
   <p:tag name="KSO_WM_UNIT_COMPATIBLE" val="0"/>
   <p:tag name="KSO_WM_UNIT_DIAGRAM_ISNUMVISUAL" val="0"/>
   <p:tag name="KSO_WM_UNIT_DIAGRAM_ISREFERUNIT" val="0"/>
-  <p:tag name="KSO_WM_UNIT_ID" val="_4**"/>
+  <p:tag name="KSO_WM_UNIT_ID" val="_5**"/>
   <p:tag name="KSO_WM_UNIT_LAYERLEVEL" val="1"/>
   <p:tag name="KSO_WM_TAG_VERSION" val="1.0"/>
   <p:tag name="KSO_WM_BEAUTIFY_FLAG" val="#wm#"/>
 </p:tagLst>
 </file>
 
-<file path=ppt/tags/tag109.xml><?xml version="1.0" encoding="utf-8"?>
-<p:tagLst xmlns:a="http://schemas.openxmlformats.org/drawingml/2006/main" xmlns:r="http://schemas.openxmlformats.org/officeDocument/2006/relationships" xmlns:p="http://schemas.openxmlformats.org/presentationml/2006/main">
+<file path=ppt/tags/tag105.xml><?xml version="1.0" encoding="utf-8"?>
+<p:tagLst xmlns:p="http://schemas.openxmlformats.org/presentationml/2006/main">
   <p:tag name="KSO_WM_UNIT_HIGHLIGHT" val="0"/>
   <p:tag name="KSO_WM_UNIT_COMPATIBLE" val="0"/>
   <p:tag name="KSO_WM_UNIT_DIAGRAM_ISNUMVISUAL" val="0"/>
   <p:tag name="KSO_WM_UNIT_DIAGRAM_ISREFERUNIT" val="0"/>
-  <p:tag name="KSO_WM_UNIT_ID" val="_4**"/>
+  <p:tag name="KSO_WM_UNIT_ID" val="_5**"/>
   <p:tag name="KSO_WM_UNIT_LAYERLEVEL" val="1"/>
   <p:tag name="KSO_WM_TAG_VERSION" val="1.0"/>
   <p:tag name="KSO_WM_BEAUTIFY_FLAG" val="#wm#"/>
 </p:tagLst>
 </file>
 
+<file path=ppt/tags/tag106.xml><?xml version="1.0" encoding="utf-8"?>
+<p:tagLst xmlns:p="http://schemas.openxmlformats.org/presentationml/2006/main">
+  <p:tag name="KSO_WM_UNIT_HIGHLIGHT" val="0"/>
+  <p:tag name="KSO_WM_UNIT_COMPATIBLE" val="0"/>
+  <p:tag name="KSO_WM_UNIT_DIAGRAM_ISNUMVISUAL" val="0"/>
+  <p:tag name="KSO_WM_UNIT_DIAGRAM_ISREFERUNIT" val="0"/>
+  <p:tag name="KSO_WM_UNIT_ID" val="_5**"/>
+  <p:tag name="KSO_WM_UNIT_LAYERLEVEL" val="1"/>
+  <p:tag name="KSO_WM_TAG_VERSION" val="1.0"/>
+  <p:tag name="KSO_WM_BEAUTIFY_FLAG" val="#wm#"/>
+</p:tagLst>
+</file>
+
+<file path=ppt/tags/tag107.xml><?xml version="1.0" encoding="utf-8"?>
+<p:tagLst xmlns:p="http://schemas.openxmlformats.org/presentationml/2006/main">
+  <p:tag name="KSO_WM_UNIT_HIGHLIGHT" val="0"/>
+  <p:tag name="KSO_WM_UNIT_COMPATIBLE" val="0"/>
+  <p:tag name="KSO_WM_UNIT_DIAGRAM_ISNUMVISUAL" val="0"/>
+  <p:tag name="KSO_WM_UNIT_DIAGRAM_ISREFERUNIT" val="0"/>
+  <p:tag name="KSO_WM_UNIT_ID" val="_5**"/>
+  <p:tag name="KSO_WM_UNIT_LAYERLEVEL" val="1"/>
+  <p:tag name="KSO_WM_TAG_VERSION" val="1.0"/>
+  <p:tag name="KSO_WM_BEAUTIFY_FLAG" val="#wm#"/>
+</p:tagLst>
+</file>
+
+<file path=ppt/tags/tag108.xml><?xml version="1.0" encoding="utf-8"?>
+<p:tagLst xmlns:p="http://schemas.openxmlformats.org/presentationml/2006/main">
+  <p:tag name="KSO_WM_UNIT_HIGHLIGHT" val="0"/>
+  <p:tag name="KSO_WM_UNIT_COMPATIBLE" val="0"/>
+  <p:tag name="KSO_WM_UNIT_DIAGRAM_ISNUMVISUAL" val="0"/>
+  <p:tag name="KSO_WM_UNIT_DIAGRAM_ISREFERUNIT" val="0"/>
+  <p:tag name="KSO_WM_UNIT_ID" val="_5**"/>
+  <p:tag name="KSO_WM_UNIT_LAYERLEVEL" val="1"/>
+  <p:tag name="KSO_WM_TAG_VERSION" val="1.0"/>
+  <p:tag name="KSO_WM_BEAUTIFY_FLAG" val="#wm#"/>
+</p:tagLst>
+</file>
+
+<file path=ppt/tags/tag109.xml><?xml version="1.0" encoding="utf-8"?>
+<p:tagLst xmlns:p="http://schemas.openxmlformats.org/presentationml/2006/main">
+  <p:tag name="KSO_WM_UNIT_HIGHLIGHT" val="0"/>
+  <p:tag name="KSO_WM_UNIT_COMPATIBLE" val="0"/>
+  <p:tag name="KSO_WM_UNIT_DIAGRAM_ISNUMVISUAL" val="0"/>
+  <p:tag name="KSO_WM_UNIT_DIAGRAM_ISREFERUNIT" val="0"/>
+  <p:tag name="KSO_WM_UNIT_ID" val="_5**"/>
+  <p:tag name="KSO_WM_UNIT_LAYERLEVEL" val="1"/>
+  <p:tag name="KSO_WM_TAG_VERSION" val="1.0"/>
+  <p:tag name="KSO_WM_BEAUTIFY_FLAG" val="#wm#"/>
+</p:tagLst>
+</file>
+
 <file path=ppt/tags/tag11.xml><?xml version="1.0" encoding="utf-8"?>
-<p:tagLst xmlns:a="http://schemas.openxmlformats.org/drawingml/2006/main" xmlns:r="http://schemas.openxmlformats.org/officeDocument/2006/relationships" xmlns:p="http://schemas.openxmlformats.org/presentationml/2006/main">
+<p:tagLst xmlns:p="http://schemas.openxmlformats.org/presentationml/2006/main">
   <p:tag name="KSO_WM_UNIT_HIGHLIGHT" val="0"/>
   <p:tag name="KSO_WM_UNIT_COMPATIBLE" val="0"/>
   <p:tag name="KSO_WM_UNIT_DIAGRAM_ISNUMVISUAL" val="0"/>
@@ -17781,7 +17935,7 @@
 </file>
 
 <file path=ppt/tags/tag110.xml><?xml version="1.0" encoding="utf-8"?>
-<p:tagLst xmlns:a="http://schemas.openxmlformats.org/drawingml/2006/main" xmlns:r="http://schemas.openxmlformats.org/officeDocument/2006/relationships" xmlns:p="http://schemas.openxmlformats.org/presentationml/2006/main">
+<p:tagLst xmlns:p="http://schemas.openxmlformats.org/presentationml/2006/main">
   <p:tag name="KSO_WM_UNIT_HIGHLIGHT" val="0"/>
   <p:tag name="KSO_WM_UNIT_COMPATIBLE" val="0"/>
   <p:tag name="KSO_WM_UNIT_DIAGRAM_ISNUMVISUAL" val="0"/>
@@ -17794,98 +17948,7 @@
 </file>
 
 <file path=ppt/tags/tag111.xml><?xml version="1.0" encoding="utf-8"?>
-<p:tagLst xmlns:a="http://schemas.openxmlformats.org/drawingml/2006/main" xmlns:r="http://schemas.openxmlformats.org/officeDocument/2006/relationships" xmlns:p="http://schemas.openxmlformats.org/presentationml/2006/main">
-  <p:tag name="KSO_WM_UNIT_HIGHLIGHT" val="0"/>
-  <p:tag name="KSO_WM_UNIT_COMPATIBLE" val="0"/>
-  <p:tag name="KSO_WM_UNIT_DIAGRAM_ISNUMVISUAL" val="0"/>
-  <p:tag name="KSO_WM_UNIT_DIAGRAM_ISREFERUNIT" val="0"/>
-  <p:tag name="KSO_WM_UNIT_ID" val="_5**"/>
-  <p:tag name="KSO_WM_UNIT_LAYERLEVEL" val="1"/>
-  <p:tag name="KSO_WM_TAG_VERSION" val="1.0"/>
-  <p:tag name="KSO_WM_BEAUTIFY_FLAG" val="#wm#"/>
-</p:tagLst>
-</file>
-
-<file path=ppt/tags/tag112.xml><?xml version="1.0" encoding="utf-8"?>
-<p:tagLst xmlns:a="http://schemas.openxmlformats.org/drawingml/2006/main" xmlns:r="http://schemas.openxmlformats.org/officeDocument/2006/relationships" xmlns:p="http://schemas.openxmlformats.org/presentationml/2006/main">
-  <p:tag name="KSO_WM_UNIT_HIGHLIGHT" val="0"/>
-  <p:tag name="KSO_WM_UNIT_COMPATIBLE" val="0"/>
-  <p:tag name="KSO_WM_UNIT_DIAGRAM_ISNUMVISUAL" val="0"/>
-  <p:tag name="KSO_WM_UNIT_DIAGRAM_ISREFERUNIT" val="0"/>
-  <p:tag name="KSO_WM_UNIT_ID" val="_5**"/>
-  <p:tag name="KSO_WM_UNIT_LAYERLEVEL" val="1"/>
-  <p:tag name="KSO_WM_TAG_VERSION" val="1.0"/>
-  <p:tag name="KSO_WM_BEAUTIFY_FLAG" val="#wm#"/>
-</p:tagLst>
-</file>
-
-<file path=ppt/tags/tag113.xml><?xml version="1.0" encoding="utf-8"?>
-<p:tagLst xmlns:a="http://schemas.openxmlformats.org/drawingml/2006/main" xmlns:r="http://schemas.openxmlformats.org/officeDocument/2006/relationships" xmlns:p="http://schemas.openxmlformats.org/presentationml/2006/main">
-  <p:tag name="KSO_WM_UNIT_HIGHLIGHT" val="0"/>
-  <p:tag name="KSO_WM_UNIT_COMPATIBLE" val="0"/>
-  <p:tag name="KSO_WM_UNIT_DIAGRAM_ISNUMVISUAL" val="0"/>
-  <p:tag name="KSO_WM_UNIT_DIAGRAM_ISREFERUNIT" val="0"/>
-  <p:tag name="KSO_WM_UNIT_ID" val="_5**"/>
-  <p:tag name="KSO_WM_UNIT_LAYERLEVEL" val="1"/>
-  <p:tag name="KSO_WM_TAG_VERSION" val="1.0"/>
-  <p:tag name="KSO_WM_BEAUTIFY_FLAG" val="#wm#"/>
-</p:tagLst>
-</file>
-
-<file path=ppt/tags/tag114.xml><?xml version="1.0" encoding="utf-8"?>
-<p:tagLst xmlns:a="http://schemas.openxmlformats.org/drawingml/2006/main" xmlns:r="http://schemas.openxmlformats.org/officeDocument/2006/relationships" xmlns:p="http://schemas.openxmlformats.org/presentationml/2006/main">
-  <p:tag name="KSO_WM_UNIT_HIGHLIGHT" val="0"/>
-  <p:tag name="KSO_WM_UNIT_COMPATIBLE" val="0"/>
-  <p:tag name="KSO_WM_UNIT_DIAGRAM_ISNUMVISUAL" val="0"/>
-  <p:tag name="KSO_WM_UNIT_DIAGRAM_ISREFERUNIT" val="0"/>
-  <p:tag name="KSO_WM_UNIT_ID" val="_5**"/>
-  <p:tag name="KSO_WM_UNIT_LAYERLEVEL" val="1"/>
-  <p:tag name="KSO_WM_TAG_VERSION" val="1.0"/>
-  <p:tag name="KSO_WM_BEAUTIFY_FLAG" val="#wm#"/>
-</p:tagLst>
-</file>
-
-<file path=ppt/tags/tag115.xml><?xml version="1.0" encoding="utf-8"?>
-<p:tagLst xmlns:a="http://schemas.openxmlformats.org/drawingml/2006/main" xmlns:r="http://schemas.openxmlformats.org/officeDocument/2006/relationships" xmlns:p="http://schemas.openxmlformats.org/presentationml/2006/main">
-  <p:tag name="KSO_WM_UNIT_HIGHLIGHT" val="0"/>
-  <p:tag name="KSO_WM_UNIT_COMPATIBLE" val="0"/>
-  <p:tag name="KSO_WM_UNIT_DIAGRAM_ISNUMVISUAL" val="0"/>
-  <p:tag name="KSO_WM_UNIT_DIAGRAM_ISREFERUNIT" val="0"/>
-  <p:tag name="KSO_WM_UNIT_ID" val="_5**"/>
-  <p:tag name="KSO_WM_UNIT_LAYERLEVEL" val="1"/>
-  <p:tag name="KSO_WM_TAG_VERSION" val="1.0"/>
-  <p:tag name="KSO_WM_BEAUTIFY_FLAG" val="#wm#"/>
-</p:tagLst>
-</file>
-
-<file path=ppt/tags/tag116.xml><?xml version="1.0" encoding="utf-8"?>
-<p:tagLst xmlns:a="http://schemas.openxmlformats.org/drawingml/2006/main" xmlns:r="http://schemas.openxmlformats.org/officeDocument/2006/relationships" xmlns:p="http://schemas.openxmlformats.org/presentationml/2006/main">
-  <p:tag name="KSO_WM_UNIT_HIGHLIGHT" val="0"/>
-  <p:tag name="KSO_WM_UNIT_COMPATIBLE" val="0"/>
-  <p:tag name="KSO_WM_UNIT_DIAGRAM_ISNUMVISUAL" val="0"/>
-  <p:tag name="KSO_WM_UNIT_DIAGRAM_ISREFERUNIT" val="0"/>
-  <p:tag name="KSO_WM_UNIT_ID" val="_5**"/>
-  <p:tag name="KSO_WM_UNIT_LAYERLEVEL" val="1"/>
-  <p:tag name="KSO_WM_TAG_VERSION" val="1.0"/>
-  <p:tag name="KSO_WM_BEAUTIFY_FLAG" val="#wm#"/>
-</p:tagLst>
-</file>
-
-<file path=ppt/tags/tag117.xml><?xml version="1.0" encoding="utf-8"?>
-<p:tagLst xmlns:a="http://schemas.openxmlformats.org/drawingml/2006/main" xmlns:r="http://schemas.openxmlformats.org/officeDocument/2006/relationships" xmlns:p="http://schemas.openxmlformats.org/presentationml/2006/main">
-  <p:tag name="KSO_WM_UNIT_HIGHLIGHT" val="0"/>
-  <p:tag name="KSO_WM_UNIT_COMPATIBLE" val="0"/>
-  <p:tag name="KSO_WM_UNIT_DIAGRAM_ISNUMVISUAL" val="0"/>
-  <p:tag name="KSO_WM_UNIT_DIAGRAM_ISREFERUNIT" val="0"/>
-  <p:tag name="KSO_WM_UNIT_ID" val="_5**"/>
-  <p:tag name="KSO_WM_UNIT_LAYERLEVEL" val="1"/>
-  <p:tag name="KSO_WM_TAG_VERSION" val="1.0"/>
-  <p:tag name="KSO_WM_BEAUTIFY_FLAG" val="#wm#"/>
-</p:tagLst>
-</file>
-
-<file path=ppt/tags/tag118.xml><?xml version="1.0" encoding="utf-8"?>
-<p:tagLst xmlns:a="http://schemas.openxmlformats.org/drawingml/2006/main" xmlns:r="http://schemas.openxmlformats.org/officeDocument/2006/relationships" xmlns:p="http://schemas.openxmlformats.org/presentationml/2006/main">
+<p:tagLst xmlns:p="http://schemas.openxmlformats.org/presentationml/2006/main">
   <p:tag name="KSO_WM_UNIT_HIGHLIGHT" val="0"/>
   <p:tag name="KSO_WM_UNIT_COMPATIBLE" val="0"/>
   <p:tag name="KSO_WM_UNIT_DIAGRAM_ISNUMVISUAL" val="0"/>
@@ -17897,8 +17960,8 @@
 </p:tagLst>
 </file>
 
-<file path=ppt/tags/tag119.xml><?xml version="1.0" encoding="utf-8"?>
-<p:tagLst xmlns:a="http://schemas.openxmlformats.org/drawingml/2006/main" xmlns:r="http://schemas.openxmlformats.org/officeDocument/2006/relationships" xmlns:p="http://schemas.openxmlformats.org/presentationml/2006/main">
+<file path=ppt/tags/tag112.xml><?xml version="1.0" encoding="utf-8"?>
+<p:tagLst xmlns:p="http://schemas.openxmlformats.org/presentationml/2006/main">
   <p:tag name="KSO_WM_UNIT_HIGHLIGHT" val="0"/>
   <p:tag name="KSO_WM_UNIT_COMPATIBLE" val="0"/>
   <p:tag name="KSO_WM_UNIT_DIAGRAM_ISNUMVISUAL" val="0"/>
@@ -17910,8 +17973,99 @@
 </p:tagLst>
 </file>
 
+<file path=ppt/tags/tag113.xml><?xml version="1.0" encoding="utf-8"?>
+<p:tagLst xmlns:p="http://schemas.openxmlformats.org/presentationml/2006/main">
+  <p:tag name="KSO_WM_UNIT_HIGHLIGHT" val="0"/>
+  <p:tag name="KSO_WM_UNIT_COMPATIBLE" val="0"/>
+  <p:tag name="KSO_WM_UNIT_DIAGRAM_ISNUMVISUAL" val="0"/>
+  <p:tag name="KSO_WM_UNIT_DIAGRAM_ISREFERUNIT" val="0"/>
+  <p:tag name="KSO_WM_UNIT_ID" val="_6**"/>
+  <p:tag name="KSO_WM_UNIT_LAYERLEVEL" val="1"/>
+  <p:tag name="KSO_WM_TAG_VERSION" val="1.0"/>
+  <p:tag name="KSO_WM_BEAUTIFY_FLAG" val="#wm#"/>
+</p:tagLst>
+</file>
+
+<file path=ppt/tags/tag114.xml><?xml version="1.0" encoding="utf-8"?>
+<p:tagLst xmlns:p="http://schemas.openxmlformats.org/presentationml/2006/main">
+  <p:tag name="KSO_WM_UNIT_HIGHLIGHT" val="0"/>
+  <p:tag name="KSO_WM_UNIT_COMPATIBLE" val="0"/>
+  <p:tag name="KSO_WM_UNIT_DIAGRAM_ISNUMVISUAL" val="0"/>
+  <p:tag name="KSO_WM_UNIT_DIAGRAM_ISREFERUNIT" val="0"/>
+  <p:tag name="KSO_WM_UNIT_ID" val="_6**"/>
+  <p:tag name="KSO_WM_UNIT_LAYERLEVEL" val="1"/>
+  <p:tag name="KSO_WM_TAG_VERSION" val="1.0"/>
+  <p:tag name="KSO_WM_BEAUTIFY_FLAG" val="#wm#"/>
+</p:tagLst>
+</file>
+
+<file path=ppt/tags/tag115.xml><?xml version="1.0" encoding="utf-8"?>
+<p:tagLst xmlns:p="http://schemas.openxmlformats.org/presentationml/2006/main">
+  <p:tag name="KSO_WM_UNIT_HIGHLIGHT" val="0"/>
+  <p:tag name="KSO_WM_UNIT_COMPATIBLE" val="0"/>
+  <p:tag name="KSO_WM_UNIT_DIAGRAM_ISNUMVISUAL" val="0"/>
+  <p:tag name="KSO_WM_UNIT_DIAGRAM_ISREFERUNIT" val="0"/>
+  <p:tag name="KSO_WM_UNIT_ID" val="_7**"/>
+  <p:tag name="KSO_WM_UNIT_LAYERLEVEL" val="1"/>
+  <p:tag name="KSO_WM_TAG_VERSION" val="1.0"/>
+  <p:tag name="KSO_WM_BEAUTIFY_FLAG" val="#wm#"/>
+</p:tagLst>
+</file>
+
+<file path=ppt/tags/tag116.xml><?xml version="1.0" encoding="utf-8"?>
+<p:tagLst xmlns:p="http://schemas.openxmlformats.org/presentationml/2006/main">
+  <p:tag name="KSO_WM_UNIT_HIGHLIGHT" val="0"/>
+  <p:tag name="KSO_WM_UNIT_COMPATIBLE" val="0"/>
+  <p:tag name="KSO_WM_UNIT_DIAGRAM_ISNUMVISUAL" val="0"/>
+  <p:tag name="KSO_WM_UNIT_DIAGRAM_ISREFERUNIT" val="0"/>
+  <p:tag name="KSO_WM_UNIT_ID" val="_7**"/>
+  <p:tag name="KSO_WM_UNIT_LAYERLEVEL" val="1"/>
+  <p:tag name="KSO_WM_TAG_VERSION" val="1.0"/>
+  <p:tag name="KSO_WM_BEAUTIFY_FLAG" val="#wm#"/>
+</p:tagLst>
+</file>
+
+<file path=ppt/tags/tag117.xml><?xml version="1.0" encoding="utf-8"?>
+<p:tagLst xmlns:p="http://schemas.openxmlformats.org/presentationml/2006/main">
+  <p:tag name="KSO_WM_UNIT_HIGHLIGHT" val="0"/>
+  <p:tag name="KSO_WM_UNIT_COMPATIBLE" val="0"/>
+  <p:tag name="KSO_WM_UNIT_DIAGRAM_ISNUMVISUAL" val="0"/>
+  <p:tag name="KSO_WM_UNIT_DIAGRAM_ISREFERUNIT" val="0"/>
+  <p:tag name="KSO_WM_UNIT_ID" val="_7**"/>
+  <p:tag name="KSO_WM_UNIT_LAYERLEVEL" val="1"/>
+  <p:tag name="KSO_WM_TAG_VERSION" val="1.0"/>
+  <p:tag name="KSO_WM_BEAUTIFY_FLAG" val="#wm#"/>
+</p:tagLst>
+</file>
+
+<file path=ppt/tags/tag118.xml><?xml version="1.0" encoding="utf-8"?>
+<p:tagLst xmlns:p="http://schemas.openxmlformats.org/presentationml/2006/main">
+  <p:tag name="KSO_WM_UNIT_HIGHLIGHT" val="0"/>
+  <p:tag name="KSO_WM_UNIT_COMPATIBLE" val="0"/>
+  <p:tag name="KSO_WM_UNIT_DIAGRAM_ISNUMVISUAL" val="0"/>
+  <p:tag name="KSO_WM_UNIT_DIAGRAM_ISREFERUNIT" val="0"/>
+  <p:tag name="KSO_WM_UNIT_ID" val="_8**"/>
+  <p:tag name="KSO_WM_UNIT_LAYERLEVEL" val="1"/>
+  <p:tag name="KSO_WM_TAG_VERSION" val="1.0"/>
+  <p:tag name="KSO_WM_BEAUTIFY_FLAG" val="#wm#"/>
+</p:tagLst>
+</file>
+
+<file path=ppt/tags/tag119.xml><?xml version="1.0" encoding="utf-8"?>
+<p:tagLst xmlns:p="http://schemas.openxmlformats.org/presentationml/2006/main">
+  <p:tag name="KSO_WM_UNIT_HIGHLIGHT" val="0"/>
+  <p:tag name="KSO_WM_UNIT_COMPATIBLE" val="0"/>
+  <p:tag name="KSO_WM_UNIT_DIAGRAM_ISNUMVISUAL" val="0"/>
+  <p:tag name="KSO_WM_UNIT_DIAGRAM_ISREFERUNIT" val="0"/>
+  <p:tag name="KSO_WM_UNIT_ID" val="_8**"/>
+  <p:tag name="KSO_WM_UNIT_LAYERLEVEL" val="1"/>
+  <p:tag name="KSO_WM_TAG_VERSION" val="1.0"/>
+  <p:tag name="KSO_WM_BEAUTIFY_FLAG" val="#wm#"/>
+</p:tagLst>
+</file>
+
 <file path=ppt/tags/tag12.xml><?xml version="1.0" encoding="utf-8"?>
-<p:tagLst xmlns:a="http://schemas.openxmlformats.org/drawingml/2006/main" xmlns:r="http://schemas.openxmlformats.org/officeDocument/2006/relationships" xmlns:p="http://schemas.openxmlformats.org/presentationml/2006/main">
+<p:tagLst xmlns:p="http://schemas.openxmlformats.org/presentationml/2006/main">
   <p:tag name="KSO_WM_UNIT_HIGHLIGHT" val="0"/>
   <p:tag name="KSO_WM_UNIT_COMPATIBLE" val="0"/>
   <p:tag name="KSO_WM_UNIT_DIAGRAM_ISNUMVISUAL" val="0"/>
@@ -17924,72 +18078,7 @@
 </file>
 
 <file path=ppt/tags/tag120.xml><?xml version="1.0" encoding="utf-8"?>
-<p:tagLst xmlns:a="http://schemas.openxmlformats.org/drawingml/2006/main" xmlns:r="http://schemas.openxmlformats.org/officeDocument/2006/relationships" xmlns:p="http://schemas.openxmlformats.org/presentationml/2006/main">
-  <p:tag name="KSO_WM_UNIT_HIGHLIGHT" val="0"/>
-  <p:tag name="KSO_WM_UNIT_COMPATIBLE" val="0"/>
-  <p:tag name="KSO_WM_UNIT_DIAGRAM_ISNUMVISUAL" val="0"/>
-  <p:tag name="KSO_WM_UNIT_DIAGRAM_ISREFERUNIT" val="0"/>
-  <p:tag name="KSO_WM_UNIT_ID" val="_6**"/>
-  <p:tag name="KSO_WM_UNIT_LAYERLEVEL" val="1"/>
-  <p:tag name="KSO_WM_TAG_VERSION" val="1.0"/>
-  <p:tag name="KSO_WM_BEAUTIFY_FLAG" val="#wm#"/>
-</p:tagLst>
-</file>
-
-<file path=ppt/tags/tag121.xml><?xml version="1.0" encoding="utf-8"?>
-<p:tagLst xmlns:a="http://schemas.openxmlformats.org/drawingml/2006/main" xmlns:r="http://schemas.openxmlformats.org/officeDocument/2006/relationships" xmlns:p="http://schemas.openxmlformats.org/presentationml/2006/main">
-  <p:tag name="KSO_WM_UNIT_HIGHLIGHT" val="0"/>
-  <p:tag name="KSO_WM_UNIT_COMPATIBLE" val="0"/>
-  <p:tag name="KSO_WM_UNIT_DIAGRAM_ISNUMVISUAL" val="0"/>
-  <p:tag name="KSO_WM_UNIT_DIAGRAM_ISREFERUNIT" val="0"/>
-  <p:tag name="KSO_WM_UNIT_ID" val="_6**"/>
-  <p:tag name="KSO_WM_UNIT_LAYERLEVEL" val="1"/>
-  <p:tag name="KSO_WM_TAG_VERSION" val="1.0"/>
-  <p:tag name="KSO_WM_BEAUTIFY_FLAG" val="#wm#"/>
-</p:tagLst>
-</file>
-
-<file path=ppt/tags/tag122.xml><?xml version="1.0" encoding="utf-8"?>
-<p:tagLst xmlns:a="http://schemas.openxmlformats.org/drawingml/2006/main" xmlns:r="http://schemas.openxmlformats.org/officeDocument/2006/relationships" xmlns:p="http://schemas.openxmlformats.org/presentationml/2006/main">
-  <p:tag name="KSO_WM_UNIT_HIGHLIGHT" val="0"/>
-  <p:tag name="KSO_WM_UNIT_COMPATIBLE" val="0"/>
-  <p:tag name="KSO_WM_UNIT_DIAGRAM_ISNUMVISUAL" val="0"/>
-  <p:tag name="KSO_WM_UNIT_DIAGRAM_ISREFERUNIT" val="0"/>
-  <p:tag name="KSO_WM_UNIT_ID" val="_7**"/>
-  <p:tag name="KSO_WM_UNIT_LAYERLEVEL" val="1"/>
-  <p:tag name="KSO_WM_TAG_VERSION" val="1.0"/>
-  <p:tag name="KSO_WM_BEAUTIFY_FLAG" val="#wm#"/>
-</p:tagLst>
-</file>
-
-<file path=ppt/tags/tag123.xml><?xml version="1.0" encoding="utf-8"?>
-<p:tagLst xmlns:a="http://schemas.openxmlformats.org/drawingml/2006/main" xmlns:r="http://schemas.openxmlformats.org/officeDocument/2006/relationships" xmlns:p="http://schemas.openxmlformats.org/presentationml/2006/main">
-  <p:tag name="KSO_WM_UNIT_HIGHLIGHT" val="0"/>
-  <p:tag name="KSO_WM_UNIT_COMPATIBLE" val="0"/>
-  <p:tag name="KSO_WM_UNIT_DIAGRAM_ISNUMVISUAL" val="0"/>
-  <p:tag name="KSO_WM_UNIT_DIAGRAM_ISREFERUNIT" val="0"/>
-  <p:tag name="KSO_WM_UNIT_ID" val="_7**"/>
-  <p:tag name="KSO_WM_UNIT_LAYERLEVEL" val="1"/>
-  <p:tag name="KSO_WM_TAG_VERSION" val="1.0"/>
-  <p:tag name="KSO_WM_BEAUTIFY_FLAG" val="#wm#"/>
-</p:tagLst>
-</file>
-
-<file path=ppt/tags/tag124.xml><?xml version="1.0" encoding="utf-8"?>
-<p:tagLst xmlns:a="http://schemas.openxmlformats.org/drawingml/2006/main" xmlns:r="http://schemas.openxmlformats.org/officeDocument/2006/relationships" xmlns:p="http://schemas.openxmlformats.org/presentationml/2006/main">
-  <p:tag name="KSO_WM_UNIT_HIGHLIGHT" val="0"/>
-  <p:tag name="KSO_WM_UNIT_COMPATIBLE" val="0"/>
-  <p:tag name="KSO_WM_UNIT_DIAGRAM_ISNUMVISUAL" val="0"/>
-  <p:tag name="KSO_WM_UNIT_DIAGRAM_ISREFERUNIT" val="0"/>
-  <p:tag name="KSO_WM_UNIT_ID" val="_7**"/>
-  <p:tag name="KSO_WM_UNIT_LAYERLEVEL" val="1"/>
-  <p:tag name="KSO_WM_TAG_VERSION" val="1.0"/>
-  <p:tag name="KSO_WM_BEAUTIFY_FLAG" val="#wm#"/>
-</p:tagLst>
-</file>
-
-<file path=ppt/tags/tag125.xml><?xml version="1.0" encoding="utf-8"?>
-<p:tagLst xmlns:a="http://schemas.openxmlformats.org/drawingml/2006/main" xmlns:r="http://schemas.openxmlformats.org/officeDocument/2006/relationships" xmlns:p="http://schemas.openxmlformats.org/presentationml/2006/main">
+<p:tagLst xmlns:p="http://schemas.openxmlformats.org/presentationml/2006/main">
   <p:tag name="KSO_WM_UNIT_HIGHLIGHT" val="0"/>
   <p:tag name="KSO_WM_UNIT_COMPATIBLE" val="0"/>
   <p:tag name="KSO_WM_UNIT_DIAGRAM_ISNUMVISUAL" val="0"/>
@@ -18001,8 +18090,8 @@
 </p:tagLst>
 </file>
 
-<file path=ppt/tags/tag126.xml><?xml version="1.0" encoding="utf-8"?>
-<p:tagLst xmlns:a="http://schemas.openxmlformats.org/drawingml/2006/main" xmlns:r="http://schemas.openxmlformats.org/officeDocument/2006/relationships" xmlns:p="http://schemas.openxmlformats.org/presentationml/2006/main">
+<file path=ppt/tags/tag121.xml><?xml version="1.0" encoding="utf-8"?>
+<p:tagLst xmlns:p="http://schemas.openxmlformats.org/presentationml/2006/main">
   <p:tag name="KSO_WM_UNIT_HIGHLIGHT" val="0"/>
   <p:tag name="KSO_WM_UNIT_COMPATIBLE" val="0"/>
   <p:tag name="KSO_WM_UNIT_DIAGRAM_ISNUMVISUAL" val="0"/>
@@ -18014,8 +18103,8 @@
 </p:tagLst>
 </file>
 
-<file path=ppt/tags/tag127.xml><?xml version="1.0" encoding="utf-8"?>
-<p:tagLst xmlns:a="http://schemas.openxmlformats.org/drawingml/2006/main" xmlns:r="http://schemas.openxmlformats.org/officeDocument/2006/relationships" xmlns:p="http://schemas.openxmlformats.org/presentationml/2006/main">
+<file path=ppt/tags/tag122.xml><?xml version="1.0" encoding="utf-8"?>
+<p:tagLst xmlns:p="http://schemas.openxmlformats.org/presentationml/2006/main">
   <p:tag name="KSO_WM_UNIT_HIGHLIGHT" val="0"/>
   <p:tag name="KSO_WM_UNIT_COMPATIBLE" val="0"/>
   <p:tag name="KSO_WM_UNIT_DIAGRAM_ISNUMVISUAL" val="0"/>
@@ -18027,8 +18116,8 @@
 </p:tagLst>
 </file>
 
-<file path=ppt/tags/tag128.xml><?xml version="1.0" encoding="utf-8"?>
-<p:tagLst xmlns:a="http://schemas.openxmlformats.org/drawingml/2006/main" xmlns:r="http://schemas.openxmlformats.org/officeDocument/2006/relationships" xmlns:p="http://schemas.openxmlformats.org/presentationml/2006/main">
+<file path=ppt/tags/tag123.xml><?xml version="1.0" encoding="utf-8"?>
+<p:tagLst xmlns:p="http://schemas.openxmlformats.org/presentationml/2006/main">
   <p:tag name="KSO_WM_UNIT_HIGHLIGHT" val="0"/>
   <p:tag name="KSO_WM_UNIT_COMPATIBLE" val="0"/>
   <p:tag name="KSO_WM_UNIT_DIAGRAM_ISNUMVISUAL" val="0"/>
@@ -18040,47 +18129,8 @@
 </p:tagLst>
 </file>
 
-<file path=ppt/tags/tag129.xml><?xml version="1.0" encoding="utf-8"?>
-<p:tagLst xmlns:a="http://schemas.openxmlformats.org/drawingml/2006/main" xmlns:r="http://schemas.openxmlformats.org/officeDocument/2006/relationships" xmlns:p="http://schemas.openxmlformats.org/presentationml/2006/main">
-  <p:tag name="KSO_WM_UNIT_HIGHLIGHT" val="0"/>
-  <p:tag name="KSO_WM_UNIT_COMPATIBLE" val="0"/>
-  <p:tag name="KSO_WM_UNIT_DIAGRAM_ISNUMVISUAL" val="0"/>
-  <p:tag name="KSO_WM_UNIT_DIAGRAM_ISREFERUNIT" val="0"/>
-  <p:tag name="KSO_WM_UNIT_ID" val="_8**"/>
-  <p:tag name="KSO_WM_UNIT_LAYERLEVEL" val="1"/>
-  <p:tag name="KSO_WM_TAG_VERSION" val="1.0"/>
-  <p:tag name="KSO_WM_BEAUTIFY_FLAG" val="#wm#"/>
-</p:tagLst>
-</file>
-
-<file path=ppt/tags/tag13.xml><?xml version="1.0" encoding="utf-8"?>
-<p:tagLst xmlns:a="http://schemas.openxmlformats.org/drawingml/2006/main" xmlns:r="http://schemas.openxmlformats.org/officeDocument/2006/relationships" xmlns:p="http://schemas.openxmlformats.org/presentationml/2006/main">
-  <p:tag name="KSO_WM_UNIT_HIGHLIGHT" val="0"/>
-  <p:tag name="KSO_WM_UNIT_COMPATIBLE" val="0"/>
-  <p:tag name="KSO_WM_UNIT_DIAGRAM_ISNUMVISUAL" val="0"/>
-  <p:tag name="KSO_WM_UNIT_DIAGRAM_ISREFERUNIT" val="0"/>
-  <p:tag name="KSO_WM_UNIT_ID" val="_1**"/>
-  <p:tag name="KSO_WM_UNIT_LAYERLEVEL" val="1"/>
-  <p:tag name="KSO_WM_TAG_VERSION" val="1.0"/>
-  <p:tag name="KSO_WM_BEAUTIFY_FLAG" val="#wm#"/>
-</p:tagLst>
-</file>
-
-<file path=ppt/tags/tag130.xml><?xml version="1.0" encoding="utf-8"?>
-<p:tagLst xmlns:a="http://schemas.openxmlformats.org/drawingml/2006/main" xmlns:r="http://schemas.openxmlformats.org/officeDocument/2006/relationships" xmlns:p="http://schemas.openxmlformats.org/presentationml/2006/main">
-  <p:tag name="KSO_WM_UNIT_HIGHLIGHT" val="0"/>
-  <p:tag name="KSO_WM_UNIT_COMPATIBLE" val="0"/>
-  <p:tag name="KSO_WM_UNIT_DIAGRAM_ISNUMVISUAL" val="0"/>
-  <p:tag name="KSO_WM_UNIT_DIAGRAM_ISREFERUNIT" val="0"/>
-  <p:tag name="KSO_WM_UNIT_ID" val="_8**"/>
-  <p:tag name="KSO_WM_UNIT_LAYERLEVEL" val="1"/>
-  <p:tag name="KSO_WM_TAG_VERSION" val="1.0"/>
-  <p:tag name="KSO_WM_BEAUTIFY_FLAG" val="#wm#"/>
-</p:tagLst>
-</file>
-
-<file path=ppt/tags/tag131.xml><?xml version="1.0" encoding="utf-8"?>
-<p:tagLst xmlns:a="http://schemas.openxmlformats.org/drawingml/2006/main" xmlns:r="http://schemas.openxmlformats.org/officeDocument/2006/relationships" xmlns:p="http://schemas.openxmlformats.org/presentationml/2006/main">
+<file path=ppt/tags/tag124.xml><?xml version="1.0" encoding="utf-8"?>
+<p:tagLst xmlns:p="http://schemas.openxmlformats.org/presentationml/2006/main">
   <p:tag name="KSO_WM_UNIT_HIGHLIGHT" val="0"/>
   <p:tag name="KSO_WM_UNIT_COMPATIBLE" val="0"/>
   <p:tag name="KSO_WM_UNIT_DIAGRAM_ISNUMVISUAL" val="0"/>
@@ -18092,8 +18142,8 @@
 </p:tagLst>
 </file>
 
-<file path=ppt/tags/tag132.xml><?xml version="1.0" encoding="utf-8"?>
-<p:tagLst xmlns:a="http://schemas.openxmlformats.org/drawingml/2006/main" xmlns:r="http://schemas.openxmlformats.org/officeDocument/2006/relationships" xmlns:p="http://schemas.openxmlformats.org/presentationml/2006/main">
+<file path=ppt/tags/tag125.xml><?xml version="1.0" encoding="utf-8"?>
+<p:tagLst xmlns:p="http://schemas.openxmlformats.org/presentationml/2006/main">
   <p:tag name="KSO_WM_UNIT_HIGHLIGHT" val="0"/>
   <p:tag name="KSO_WM_UNIT_COMPATIBLE" val="0"/>
   <p:tag name="KSO_WM_UNIT_DIAGRAM_ISNUMVISUAL" val="0"/>
@@ -18105,8 +18155,8 @@
 </p:tagLst>
 </file>
 
-<file path=ppt/tags/tag133.xml><?xml version="1.0" encoding="utf-8"?>
-<p:tagLst xmlns:a="http://schemas.openxmlformats.org/drawingml/2006/main" xmlns:r="http://schemas.openxmlformats.org/officeDocument/2006/relationships" xmlns:p="http://schemas.openxmlformats.org/presentationml/2006/main">
+<file path=ppt/tags/tag126.xml><?xml version="1.0" encoding="utf-8"?>
+<p:tagLst xmlns:p="http://schemas.openxmlformats.org/presentationml/2006/main">
   <p:tag name="KSO_WM_UNIT_HIGHLIGHT" val="0"/>
   <p:tag name="KSO_WM_UNIT_COMPATIBLE" val="0"/>
   <p:tag name="KSO_WM_UNIT_DIAGRAM_ISNUMVISUAL" val="0"/>
@@ -18118,8 +18168,8 @@
 </p:tagLst>
 </file>
 
-<file path=ppt/tags/tag134.xml><?xml version="1.0" encoding="utf-8"?>
-<p:tagLst xmlns:a="http://schemas.openxmlformats.org/drawingml/2006/main" xmlns:r="http://schemas.openxmlformats.org/officeDocument/2006/relationships" xmlns:p="http://schemas.openxmlformats.org/presentationml/2006/main">
+<file path=ppt/tags/tag127.xml><?xml version="1.0" encoding="utf-8"?>
+<p:tagLst xmlns:p="http://schemas.openxmlformats.org/presentationml/2006/main">
   <p:tag name="KSO_WM_UNIT_HIGHLIGHT" val="0"/>
   <p:tag name="KSO_WM_UNIT_COMPATIBLE" val="0"/>
   <p:tag name="KSO_WM_UNIT_DIAGRAM_ISNUMVISUAL" val="0"/>
@@ -18131,8 +18181,8 @@
 </p:tagLst>
 </file>
 
-<file path=ppt/tags/tag135.xml><?xml version="1.0" encoding="utf-8"?>
-<p:tagLst xmlns:a="http://schemas.openxmlformats.org/drawingml/2006/main" xmlns:r="http://schemas.openxmlformats.org/officeDocument/2006/relationships" xmlns:p="http://schemas.openxmlformats.org/presentationml/2006/main">
+<file path=ppt/tags/tag128.xml><?xml version="1.0" encoding="utf-8"?>
+<p:tagLst xmlns:p="http://schemas.openxmlformats.org/presentationml/2006/main">
   <p:tag name="KSO_WM_UNIT_HIGHLIGHT" val="0"/>
   <p:tag name="KSO_WM_UNIT_COMPATIBLE" val="0"/>
   <p:tag name="KSO_WM_UNIT_DIAGRAM_ISNUMVISUAL" val="0"/>
@@ -18144,8 +18194,8 @@
 </p:tagLst>
 </file>
 
-<file path=ppt/tags/tag136.xml><?xml version="1.0" encoding="utf-8"?>
-<p:tagLst xmlns:a="http://schemas.openxmlformats.org/drawingml/2006/main" xmlns:r="http://schemas.openxmlformats.org/officeDocument/2006/relationships" xmlns:p="http://schemas.openxmlformats.org/presentationml/2006/main">
+<file path=ppt/tags/tag129.xml><?xml version="1.0" encoding="utf-8"?>
+<p:tagLst xmlns:p="http://schemas.openxmlformats.org/presentationml/2006/main">
   <p:tag name="KSO_WM_UNIT_HIGHLIGHT" val="0"/>
   <p:tag name="KSO_WM_UNIT_COMPATIBLE" val="0"/>
   <p:tag name="KSO_WM_UNIT_DIAGRAM_ISNUMVISUAL" val="0"/>
@@ -18157,8 +18207,23 @@
 </p:tagLst>
 </file>
 
-<file path=ppt/tags/tag137.xml><?xml version="1.0" encoding="utf-8"?>
-<p:tagLst xmlns:a="http://schemas.openxmlformats.org/drawingml/2006/main" xmlns:r="http://schemas.openxmlformats.org/officeDocument/2006/relationships" xmlns:p="http://schemas.openxmlformats.org/presentationml/2006/main">
+<file path=ppt/tags/tag13.xml><?xml version="1.0" encoding="utf-8"?>
+<p:tagLst xmlns:p="http://schemas.openxmlformats.org/presentationml/2006/main">
+  <p:tag name="KSO_WM_UNIT_HIGHLIGHT" val="0"/>
+  <p:tag name="KSO_WM_UNIT_COMPATIBLE" val="0"/>
+  <p:tag name="KSO_WM_UNIT_DIAGRAM_ISNUMVISUAL" val="0"/>
+  <p:tag name="KSO_WM_UNIT_DIAGRAM_ISREFERUNIT" val="0"/>
+  <p:tag name="KSO_WM_UNIT_ID" val="_2*γ*1"/>
+  <p:tag name="KSO_WM_UNIT_LAYERLEVEL" val="1"/>
+  <p:tag name="KSO_WM_TAG_VERSION" val="1.0"/>
+  <p:tag name="KSO_WM_BEAUTIFY_FLAG" val="#wm#"/>
+  <p:tag name="KSO_WM_UNIT_TYPE" val="γ"/>
+  <p:tag name="KSO_WM_UNIT_INDEX" val="1"/>
+</p:tagLst>
+</file>
+
+<file path=ppt/tags/tag130.xml><?xml version="1.0" encoding="utf-8"?>
+<p:tagLst xmlns:p="http://schemas.openxmlformats.org/presentationml/2006/main">
   <p:tag name="KSO_WM_UNIT_HIGHLIGHT" val="0"/>
   <p:tag name="KSO_WM_UNIT_COMPATIBLE" val="0"/>
   <p:tag name="KSO_WM_UNIT_DIAGRAM_ISNUMVISUAL" val="0"/>
@@ -18170,8 +18235,8 @@
 </p:tagLst>
 </file>
 
-<file path=ppt/tags/tag138.xml><?xml version="1.0" encoding="utf-8"?>
-<p:tagLst xmlns:a="http://schemas.openxmlformats.org/drawingml/2006/main" xmlns:r="http://schemas.openxmlformats.org/officeDocument/2006/relationships" xmlns:p="http://schemas.openxmlformats.org/presentationml/2006/main">
+<file path=ppt/tags/tag131.xml><?xml version="1.0" encoding="utf-8"?>
+<p:tagLst xmlns:p="http://schemas.openxmlformats.org/presentationml/2006/main">
   <p:tag name="KSO_WM_UNIT_HIGHLIGHT" val="0"/>
   <p:tag name="KSO_WM_UNIT_COMPATIBLE" val="0"/>
   <p:tag name="KSO_WM_UNIT_DIAGRAM_ISNUMVISUAL" val="0"/>
@@ -18183,8 +18248,8 @@
 </p:tagLst>
 </file>
 
-<file path=ppt/tags/tag139.xml><?xml version="1.0" encoding="utf-8"?>
-<p:tagLst xmlns:a="http://schemas.openxmlformats.org/drawingml/2006/main" xmlns:r="http://schemas.openxmlformats.org/officeDocument/2006/relationships" xmlns:p="http://schemas.openxmlformats.org/presentationml/2006/main">
+<file path=ppt/tags/tag132.xml><?xml version="1.0" encoding="utf-8"?>
+<p:tagLst xmlns:p="http://schemas.openxmlformats.org/presentationml/2006/main">
   <p:tag name="KSO_WM_UNIT_HIGHLIGHT" val="0"/>
   <p:tag name="KSO_WM_UNIT_COMPATIBLE" val="0"/>
   <p:tag name="KSO_WM_UNIT_DIAGRAM_ISNUMVISUAL" val="0"/>
@@ -18196,21 +18261,8 @@
 </p:tagLst>
 </file>
 
-<file path=ppt/tags/tag14.xml><?xml version="1.0" encoding="utf-8"?>
-<p:tagLst xmlns:a="http://schemas.openxmlformats.org/drawingml/2006/main" xmlns:r="http://schemas.openxmlformats.org/officeDocument/2006/relationships" xmlns:p="http://schemas.openxmlformats.org/presentationml/2006/main">
-  <p:tag name="KSO_WM_UNIT_HIGHLIGHT" val="0"/>
-  <p:tag name="KSO_WM_UNIT_COMPATIBLE" val="0"/>
-  <p:tag name="KSO_WM_UNIT_DIAGRAM_ISNUMVISUAL" val="0"/>
-  <p:tag name="KSO_WM_UNIT_DIAGRAM_ISREFERUNIT" val="0"/>
-  <p:tag name="KSO_WM_UNIT_ID" val="_1**"/>
-  <p:tag name="KSO_WM_UNIT_LAYERLEVEL" val="1"/>
-  <p:tag name="KSO_WM_TAG_VERSION" val="1.0"/>
-  <p:tag name="KSO_WM_BEAUTIFY_FLAG" val="#wm#"/>
-</p:tagLst>
-</file>
-
-<file path=ppt/tags/tag140.xml><?xml version="1.0" encoding="utf-8"?>
-<p:tagLst xmlns:a="http://schemas.openxmlformats.org/drawingml/2006/main" xmlns:r="http://schemas.openxmlformats.org/officeDocument/2006/relationships" xmlns:p="http://schemas.openxmlformats.org/presentationml/2006/main">
+<file path=ppt/tags/tag133.xml><?xml version="1.0" encoding="utf-8"?>
+<p:tagLst xmlns:p="http://schemas.openxmlformats.org/presentationml/2006/main">
   <p:tag name="KSO_WM_UNIT_HIGHLIGHT" val="0"/>
   <p:tag name="KSO_WM_UNIT_COMPATIBLE" val="0"/>
   <p:tag name="KSO_WM_UNIT_DIAGRAM_ISNUMVISUAL" val="0"/>
@@ -18222,8 +18274,8 @@
 </p:tagLst>
 </file>
 
-<file path=ppt/tags/tag141.xml><?xml version="1.0" encoding="utf-8"?>
-<p:tagLst xmlns:a="http://schemas.openxmlformats.org/drawingml/2006/main" xmlns:r="http://schemas.openxmlformats.org/officeDocument/2006/relationships" xmlns:p="http://schemas.openxmlformats.org/presentationml/2006/main">
+<file path=ppt/tags/tag134.xml><?xml version="1.0" encoding="utf-8"?>
+<p:tagLst xmlns:p="http://schemas.openxmlformats.org/presentationml/2006/main">
   <p:tag name="KSO_WM_UNIT_HIGHLIGHT" val="0"/>
   <p:tag name="KSO_WM_UNIT_COMPATIBLE" val="0"/>
   <p:tag name="KSO_WM_UNIT_DIAGRAM_ISNUMVISUAL" val="0"/>
@@ -18235,8 +18287,8 @@
 </p:tagLst>
 </file>
 
-<file path=ppt/tags/tag142.xml><?xml version="1.0" encoding="utf-8"?>
-<p:tagLst xmlns:a="http://schemas.openxmlformats.org/drawingml/2006/main" xmlns:r="http://schemas.openxmlformats.org/officeDocument/2006/relationships" xmlns:p="http://schemas.openxmlformats.org/presentationml/2006/main">
+<file path=ppt/tags/tag135.xml><?xml version="1.0" encoding="utf-8"?>
+<p:tagLst xmlns:p="http://schemas.openxmlformats.org/presentationml/2006/main">
   <p:tag name="KSO_WM_UNIT_HIGHLIGHT" val="0"/>
   <p:tag name="KSO_WM_UNIT_COMPATIBLE" val="0"/>
   <p:tag name="KSO_WM_UNIT_DIAGRAM_ISNUMVISUAL" val="0"/>
@@ -18248,8 +18300,8 @@
 </p:tagLst>
 </file>
 
-<file path=ppt/tags/tag143.xml><?xml version="1.0" encoding="utf-8"?>
-<p:tagLst xmlns:a="http://schemas.openxmlformats.org/drawingml/2006/main" xmlns:r="http://schemas.openxmlformats.org/officeDocument/2006/relationships" xmlns:p="http://schemas.openxmlformats.org/presentationml/2006/main">
+<file path=ppt/tags/tag136.xml><?xml version="1.0" encoding="utf-8"?>
+<p:tagLst xmlns:p="http://schemas.openxmlformats.org/presentationml/2006/main">
   <p:tag name="KSO_WM_UNIT_HIGHLIGHT" val="0"/>
   <p:tag name="KSO_WM_UNIT_COMPATIBLE" val="0"/>
   <p:tag name="KSO_WM_UNIT_DIAGRAM_ISNUMVISUAL" val="0"/>
@@ -18261,8 +18313,8 @@
 </p:tagLst>
 </file>
 
-<file path=ppt/tags/tag144.xml><?xml version="1.0" encoding="utf-8"?>
-<p:tagLst xmlns:a="http://schemas.openxmlformats.org/drawingml/2006/main" xmlns:r="http://schemas.openxmlformats.org/officeDocument/2006/relationships" xmlns:p="http://schemas.openxmlformats.org/presentationml/2006/main">
+<file path=ppt/tags/tag137.xml><?xml version="1.0" encoding="utf-8"?>
+<p:tagLst xmlns:p="http://schemas.openxmlformats.org/presentationml/2006/main">
   <p:tag name="KSO_WM_UNIT_HIGHLIGHT" val="0"/>
   <p:tag name="KSO_WM_UNIT_COMPATIBLE" val="0"/>
   <p:tag name="KSO_WM_UNIT_DIAGRAM_ISNUMVISUAL" val="0"/>
@@ -18274,8 +18326,8 @@
 </p:tagLst>
 </file>
 
-<file path=ppt/tags/tag145.xml><?xml version="1.0" encoding="utf-8"?>
-<p:tagLst xmlns:a="http://schemas.openxmlformats.org/drawingml/2006/main" xmlns:r="http://schemas.openxmlformats.org/officeDocument/2006/relationships" xmlns:p="http://schemas.openxmlformats.org/presentationml/2006/main">
+<file path=ppt/tags/tag138.xml><?xml version="1.0" encoding="utf-8"?>
+<p:tagLst xmlns:p="http://schemas.openxmlformats.org/presentationml/2006/main">
   <p:tag name="KSO_WM_UNIT_HIGHLIGHT" val="0"/>
   <p:tag name="KSO_WM_UNIT_COMPATIBLE" val="0"/>
   <p:tag name="KSO_WM_UNIT_DIAGRAM_ISNUMVISUAL" val="0"/>
@@ -18287,8 +18339,8 @@
 </p:tagLst>
 </file>
 
-<file path=ppt/tags/tag146.xml><?xml version="1.0" encoding="utf-8"?>
-<p:tagLst xmlns:a="http://schemas.openxmlformats.org/drawingml/2006/main" xmlns:r="http://schemas.openxmlformats.org/officeDocument/2006/relationships" xmlns:p="http://schemas.openxmlformats.org/presentationml/2006/main">
+<file path=ppt/tags/tag139.xml><?xml version="1.0" encoding="utf-8"?>
+<p:tagLst xmlns:p="http://schemas.openxmlformats.org/presentationml/2006/main">
   <p:tag name="KSO_WM_UNIT_HIGHLIGHT" val="0"/>
   <p:tag name="KSO_WM_UNIT_COMPATIBLE" val="0"/>
   <p:tag name="KSO_WM_UNIT_DIAGRAM_ISNUMVISUAL" val="0"/>
@@ -18300,8 +18352,264 @@
 </p:tagLst>
 </file>
 
+<file path=ppt/tags/tag14.xml><?xml version="1.0" encoding="utf-8"?>
+<p:tagLst xmlns:p="http://schemas.openxmlformats.org/presentationml/2006/main">
+  <p:tag name="KSO_WM_UNIT_HIGHLIGHT" val="0"/>
+  <p:tag name="KSO_WM_UNIT_COMPATIBLE" val="0"/>
+  <p:tag name="KSO_WM_UNIT_DIAGRAM_ISNUMVISUAL" val="0"/>
+  <p:tag name="KSO_WM_UNIT_DIAGRAM_ISREFERUNIT" val="0"/>
+  <p:tag name="KSO_WM_UNIT_TYPE" val="γ"/>
+  <p:tag name="KSO_WM_UNIT_INDEX" val="2"/>
+  <p:tag name="KSO_WM_UNIT_ID" val="_2*γ*2"/>
+  <p:tag name="KSO_WM_UNIT_LAYERLEVEL" val="1"/>
+  <p:tag name="KSO_WM_TAG_VERSION" val="1.0"/>
+  <p:tag name="KSO_WM_BEAUTIFY_FLAG" val="#wm#"/>
+</p:tagLst>
+</file>
+
+<file path=ppt/tags/tag140.xml><?xml version="1.0" encoding="utf-8"?>
+<p:tagLst xmlns:p="http://schemas.openxmlformats.org/presentationml/2006/main">
+  <p:tag name="KSO_WM_TAG_VERSION" val="1.0"/>
+  <p:tag name="KSO_WM_UNIT_HIGHLIGHT" val="0"/>
+  <p:tag name="KSO_WM_UNIT_COMPATIBLE" val="0"/>
+  <p:tag name="KSO_WM_UNIT_DIAGRAM_ISNUMVISUAL" val="0"/>
+  <p:tag name="KSO_WM_UNIT_DIAGRAM_ISREFERUNIT" val="0"/>
+  <p:tag name="KSO_WM_UNIT_ID" val="_0**"/>
+  <p:tag name="KSO_WM_UNIT_LAYERLEVEL" val="1"/>
+  <p:tag name="KSO_WM_BEAUTIFY_FLAG" val="#wm#"/>
+  <p:tag name="KSO_WM_TEMPLATE_CATEGORY" val="custom"/>
+  <p:tag name="KSO_WM_TEMPLATE_INDEX" val="20189051"/>
+</p:tagLst>
+</file>
+
+<file path=ppt/tags/tag141.xml><?xml version="1.0" encoding="utf-8"?>
+<p:tagLst xmlns:p="http://schemas.openxmlformats.org/presentationml/2006/main">
+  <p:tag name="KSO_WM_TAG_VERSION" val="1.0"/>
+  <p:tag name="KSO_WM_UNIT_HIGHLIGHT" val="0"/>
+  <p:tag name="KSO_WM_UNIT_COMPATIBLE" val="0"/>
+  <p:tag name="KSO_WM_UNIT_DIAGRAM_ISNUMVISUAL" val="0"/>
+  <p:tag name="KSO_WM_UNIT_DIAGRAM_ISREFERUNIT" val="0"/>
+  <p:tag name="KSO_WM_UNIT_ID" val="_0**"/>
+  <p:tag name="KSO_WM_UNIT_LAYERLEVEL" val="1"/>
+  <p:tag name="KSO_WM_BEAUTIFY_FLAG" val="#wm#"/>
+  <p:tag name="KSO_WM_TEMPLATE_CATEGORY" val="custom"/>
+  <p:tag name="KSO_WM_TEMPLATE_INDEX" val="20189051"/>
+</p:tagLst>
+</file>
+
+<file path=ppt/tags/tag142.xml><?xml version="1.0" encoding="utf-8"?>
+<p:tagLst xmlns:p="http://schemas.openxmlformats.org/presentationml/2006/main">
+  <p:tag name="KSO_WM_UNIT_HIGHLIGHT" val="0"/>
+  <p:tag name="KSO_WM_UNIT_COMPATIBLE" val="0"/>
+  <p:tag name="KSO_WM_UNIT_DIAGRAM_ISNUMVISUAL" val="0"/>
+  <p:tag name="KSO_WM_UNIT_DIAGRAM_ISREFERUNIT" val="0"/>
+  <p:tag name="KSO_WM_UNIT_ID" val="_0**"/>
+  <p:tag name="KSO_WM_UNIT_LAYERLEVEL" val="1"/>
+  <p:tag name="KSO_WM_TAG_VERSION" val="1.0"/>
+  <p:tag name="KSO_WM_BEAUTIFY_FLAG" val="#wm#"/>
+</p:tagLst>
+</file>
+
+<file path=ppt/tags/tag143.xml><?xml version="1.0" encoding="utf-8"?>
+<p:tagLst xmlns:p="http://schemas.openxmlformats.org/presentationml/2006/main">
+  <p:tag name="KSO_WM_UNIT_HIGHLIGHT" val="0"/>
+  <p:tag name="KSO_WM_UNIT_COMPATIBLE" val="0"/>
+  <p:tag name="KSO_WM_UNIT_DIAGRAM_ISNUMVISUAL" val="0"/>
+  <p:tag name="KSO_WM_UNIT_DIAGRAM_ISREFERUNIT" val="0"/>
+  <p:tag name="KSO_WM_UNIT_ID" val="_0**"/>
+  <p:tag name="KSO_WM_UNIT_LAYERLEVEL" val="1"/>
+  <p:tag name="KSO_WM_TAG_VERSION" val="1.0"/>
+  <p:tag name="KSO_WM_BEAUTIFY_FLAG" val="#wm#"/>
+</p:tagLst>
+</file>
+
+<file path=ppt/tags/tag144.xml><?xml version="1.0" encoding="utf-8"?>
+<p:tagLst xmlns:p="http://schemas.openxmlformats.org/presentationml/2006/main">
+  <p:tag name="KSO_WM_UNIT_HIGHLIGHT" val="0"/>
+  <p:tag name="KSO_WM_UNIT_COMPATIBLE" val="0"/>
+  <p:tag name="KSO_WM_UNIT_DIAGRAM_ISNUMVISUAL" val="0"/>
+  <p:tag name="KSO_WM_UNIT_DIAGRAM_ISREFERUNIT" val="0"/>
+  <p:tag name="KSO_WM_UNIT_ID" val="_0**"/>
+  <p:tag name="KSO_WM_UNIT_LAYERLEVEL" val="1"/>
+  <p:tag name="KSO_WM_TAG_VERSION" val="1.0"/>
+  <p:tag name="KSO_WM_BEAUTIFY_FLAG" val="#wm#"/>
+</p:tagLst>
+</file>
+
+<file path=ppt/tags/tag145.xml><?xml version="1.0" encoding="utf-8"?>
+<p:tagLst xmlns:p="http://schemas.openxmlformats.org/presentationml/2006/main">
+  <p:tag name="KSO_WM_TAG_VERSION" val="1.0"/>
+  <p:tag name="KSO_WM_BEAUTIFY_FLAG" val="#wm#"/>
+  <p:tag name="KSO_WM_TEMPLATE_TOPIC_ID" val="2869567"/>
+  <p:tag name="KSO_WM_TEMPLATE_OUTLINE_ID" val="15"/>
+  <p:tag name="KSO_WM_TEMPLATE_SCENE_ID" val="1"/>
+  <p:tag name="KSO_WM_TEMPLATE_JOB_ID" val="2"/>
+  <p:tag name="KSO_WM_TEMPLATE_TOPIC_DEFAULT" val="1"/>
+  <p:tag name="KSO_WM_COMBINE_RELATE_SLIDE_ID" val="background20185112_1"/>
+  <p:tag name="KSO_WM_TEMPLATE_CATEGORY" val="custom"/>
+  <p:tag name="KSO_WM_TEMPLATE_INDEX" val="20189051"/>
+  <p:tag name="KSO_WM_TEMPLATE_SUBCATEGORY" val="0"/>
+  <p:tag name="KSO_WM_TEMPLATE_THUMBS_INDEX" val="1、5、6、7、8、9、11、12"/>
+</p:tagLst>
+</file>
+
+<file path=ppt/tags/tag146.xml><?xml version="1.0" encoding="utf-8"?>
+<p:tagLst xmlns:p="http://schemas.openxmlformats.org/presentationml/2006/main">
+  <p:tag name="KSO_WM_UNIT_HIGHLIGHT" val="0"/>
+  <p:tag name="KSO_WM_UNIT_COMPATIBLE" val="0"/>
+  <p:tag name="KSO_WM_UNIT_DIAGRAM_ISNUMVISUAL" val="0"/>
+  <p:tag name="KSO_WM_UNIT_DIAGRAM_ISREFERUNIT" val="0"/>
+  <p:tag name="KSO_WM_UNIT_TYPE" val="i"/>
+  <p:tag name="KSO_WM_UNIT_INDEX" val="4"/>
+  <p:tag name="KSO_WM_UNIT_ID" val="background20191704_1*i*4"/>
+  <p:tag name="KSO_WM_TEMPLATE_CATEGORY" val="background"/>
+  <p:tag name="KSO_WM_TEMPLATE_INDEX" val="20191704"/>
+  <p:tag name="KSO_WM_UNIT_LAYERLEVEL" val="1"/>
+  <p:tag name="KSO_WM_TAG_VERSION" val="1.0"/>
+  <p:tag name="KSO_WM_BEAUTIFY_FLAG" val="#wm#"/>
+</p:tagLst>
+</file>
+
 <file path=ppt/tags/tag147.xml><?xml version="1.0" encoding="utf-8"?>
-<p:tagLst xmlns:a="http://schemas.openxmlformats.org/drawingml/2006/main" xmlns:r="http://schemas.openxmlformats.org/officeDocument/2006/relationships" xmlns:p="http://schemas.openxmlformats.org/presentationml/2006/main">
+<p:tagLst xmlns:p="http://schemas.openxmlformats.org/presentationml/2006/main">
+  <p:tag name="KSO_WM_UNIT_HIGHLIGHT" val="0"/>
+  <p:tag name="KSO_WM_UNIT_COMPATIBLE" val="0"/>
+  <p:tag name="KSO_WM_UNIT_DIAGRAM_ISNUMVISUAL" val="0"/>
+  <p:tag name="KSO_WM_UNIT_DIAGRAM_ISREFERUNIT" val="0"/>
+  <p:tag name="KSO_WM_UNIT_TYPE" val="i"/>
+  <p:tag name="KSO_WM_UNIT_INDEX" val="5"/>
+  <p:tag name="KSO_WM_UNIT_ID" val="background20191704_1*i*5"/>
+  <p:tag name="KSO_WM_TEMPLATE_CATEGORY" val="background"/>
+  <p:tag name="KSO_WM_TEMPLATE_INDEX" val="20191704"/>
+  <p:tag name="KSO_WM_UNIT_LAYERLEVEL" val="1"/>
+  <p:tag name="KSO_WM_TAG_VERSION" val="1.0"/>
+  <p:tag name="KSO_WM_BEAUTIFY_FLAG" val="#wm#"/>
+</p:tagLst>
+</file>
+
+<file path=ppt/tags/tag148.xml><?xml version="1.0" encoding="utf-8"?>
+<p:tagLst xmlns:p="http://schemas.openxmlformats.org/presentationml/2006/main">
+  <p:tag name="KSO_WM_UNIT_HIGHLIGHT" val="0"/>
+  <p:tag name="KSO_WM_UNIT_COMPATIBLE" val="0"/>
+  <p:tag name="KSO_WM_UNIT_DIAGRAM_ISNUMVISUAL" val="0"/>
+  <p:tag name="KSO_WM_UNIT_DIAGRAM_ISREFERUNIT" val="0"/>
+  <p:tag name="KSO_WM_UNIT_TYPE" val="i"/>
+  <p:tag name="KSO_WM_UNIT_INDEX" val="6"/>
+  <p:tag name="KSO_WM_UNIT_ID" val="background20191704_1*i*6"/>
+  <p:tag name="KSO_WM_TEMPLATE_CATEGORY" val="background"/>
+  <p:tag name="KSO_WM_TEMPLATE_INDEX" val="20191704"/>
+  <p:tag name="KSO_WM_UNIT_LAYERLEVEL" val="1"/>
+  <p:tag name="KSO_WM_TAG_VERSION" val="1.0"/>
+  <p:tag name="KSO_WM_BEAUTIFY_FLAG" val="#wm#"/>
+</p:tagLst>
+</file>
+
+<file path=ppt/tags/tag149.xml><?xml version="1.0" encoding="utf-8"?>
+<p:tagLst xmlns:p="http://schemas.openxmlformats.org/presentationml/2006/main">
+  <p:tag name="KSO_WM_UNIT_HIGHLIGHT" val="0"/>
+  <p:tag name="KSO_WM_UNIT_COMPATIBLE" val="0"/>
+  <p:tag name="KSO_WM_UNIT_DIAGRAM_ISNUMVISUAL" val="0"/>
+  <p:tag name="KSO_WM_UNIT_DIAGRAM_ISREFERUNIT" val="0"/>
+  <p:tag name="KSO_WM_UNIT_TYPE" val="i"/>
+  <p:tag name="KSO_WM_UNIT_INDEX" val="7"/>
+  <p:tag name="KSO_WM_UNIT_ID" val="background20191704_1*i*7"/>
+  <p:tag name="KSO_WM_TEMPLATE_CATEGORY" val="background"/>
+  <p:tag name="KSO_WM_TEMPLATE_INDEX" val="20191704"/>
+  <p:tag name="KSO_WM_UNIT_LAYERLEVEL" val="1"/>
+  <p:tag name="KSO_WM_TAG_VERSION" val="1.0"/>
+  <p:tag name="KSO_WM_BEAUTIFY_FLAG" val="#wm#"/>
+</p:tagLst>
+</file>
+
+<file path=ppt/tags/tag15.xml><?xml version="1.0" encoding="utf-8"?>
+<p:tagLst xmlns:p="http://schemas.openxmlformats.org/presentationml/2006/main">
+  <p:tag name="KSO_WM_UNIT_HIGHLIGHT" val="0"/>
+  <p:tag name="KSO_WM_UNIT_COMPATIBLE" val="0"/>
+  <p:tag name="KSO_WM_UNIT_DIAGRAM_ISNUMVISUAL" val="0"/>
+  <p:tag name="KSO_WM_UNIT_DIAGRAM_ISREFERUNIT" val="0"/>
+  <p:tag name="KSO_WM_UNIT_ID" val="_2**"/>
+  <p:tag name="KSO_WM_UNIT_LAYERLEVEL" val="1"/>
+  <p:tag name="KSO_WM_TAG_VERSION" val="1.0"/>
+  <p:tag name="KSO_WM_BEAUTIFY_FLAG" val="#wm#"/>
+</p:tagLst>
+</file>
+
+<file path=ppt/tags/tag150.xml><?xml version="1.0" encoding="utf-8"?>
+<p:tagLst xmlns:p="http://schemas.openxmlformats.org/presentationml/2006/main">
+  <p:tag name="KSO_WM_UNIT_HIGHLIGHT" val="0"/>
+  <p:tag name="KSO_WM_UNIT_COMPATIBLE" val="0"/>
+  <p:tag name="KSO_WM_UNIT_DIAGRAM_ISNUMVISUAL" val="0"/>
+  <p:tag name="KSO_WM_UNIT_DIAGRAM_ISREFERUNIT" val="0"/>
+  <p:tag name="KSO_WM_UNIT_TYPE" val="i"/>
+  <p:tag name="KSO_WM_UNIT_INDEX" val="8"/>
+  <p:tag name="KSO_WM_UNIT_ID" val="background20191704_1*i*8"/>
+  <p:tag name="KSO_WM_TEMPLATE_CATEGORY" val="background"/>
+  <p:tag name="KSO_WM_TEMPLATE_INDEX" val="20191704"/>
+  <p:tag name="KSO_WM_UNIT_LAYERLEVEL" val="1"/>
+  <p:tag name="KSO_WM_TAG_VERSION" val="1.0"/>
+  <p:tag name="KSO_WM_BEAUTIFY_FLAG" val="#wm#"/>
+</p:tagLst>
+</file>
+
+<file path=ppt/tags/tag151.xml><?xml version="1.0" encoding="utf-8"?>
+<p:tagLst xmlns:p="http://schemas.openxmlformats.org/presentationml/2006/main">
+  <p:tag name="KSO_WM_UNIT_HIGHLIGHT" val="0"/>
+  <p:tag name="KSO_WM_UNIT_COMPATIBLE" val="0"/>
+  <p:tag name="KSO_WM_UNIT_DIAGRAM_ISNUMVISUAL" val="0"/>
+  <p:tag name="KSO_WM_UNIT_DIAGRAM_ISREFERUNIT" val="0"/>
+  <p:tag name="KSO_WM_UNIT_TYPE" val="i"/>
+  <p:tag name="KSO_WM_UNIT_INDEX" val="9"/>
+  <p:tag name="KSO_WM_UNIT_ID" val="background20191704_1*i*9"/>
+  <p:tag name="KSO_WM_TEMPLATE_CATEGORY" val="background"/>
+  <p:tag name="KSO_WM_TEMPLATE_INDEX" val="20191704"/>
+  <p:tag name="KSO_WM_UNIT_LAYERLEVEL" val="1"/>
+  <p:tag name="KSO_WM_TAG_VERSION" val="1.0"/>
+  <p:tag name="KSO_WM_BEAUTIFY_FLAG" val="#wm#"/>
+</p:tagLst>
+</file>
+
+<file path=ppt/tags/tag152.xml><?xml version="1.0" encoding="utf-8"?>
+<p:tagLst xmlns:p="http://schemas.openxmlformats.org/presentationml/2006/main">
+  <p:tag name="KSO_WM_UNIT_ISCONTENTSTITLE" val="0"/>
+  <p:tag name="KSO_WM_UNIT_PRESET_TEXT" val="10月工作汇报"/>
+  <p:tag name="KSO_WM_UNIT_VALUE" val="8"/>
+  <p:tag name="KSO_WM_UNIT_HIGHLIGHT" val="0"/>
+  <p:tag name="KSO_WM_UNIT_COMPATIBLE" val="0"/>
+  <p:tag name="KSO_WM_UNIT_DIAGRAM_ISNUMVISUAL" val="0"/>
+  <p:tag name="KSO_WM_UNIT_DIAGRAM_ISREFERUNIT" val="0"/>
+  <p:tag name="KSO_WM_UNIT_TYPE" val="a"/>
+  <p:tag name="KSO_WM_UNIT_INDEX" val="1"/>
+  <p:tag name="KSO_WM_UNIT_ID" val="background20191704_1*a*1"/>
+  <p:tag name="KSO_WM_TEMPLATE_CATEGORY" val="background"/>
+  <p:tag name="KSO_WM_TEMPLATE_INDEX" val="20191704"/>
+  <p:tag name="KSO_WM_UNIT_LAYERLEVEL" val="1"/>
+  <p:tag name="KSO_WM_TAG_VERSION" val="1.0"/>
+  <p:tag name="KSO_WM_BEAUTIFY_FLAG" val="#wm#"/>
+</p:tagLst>
+</file>
+
+<file path=ppt/tags/tag153.xml><?xml version="1.0" encoding="utf-8"?>
+<p:tagLst xmlns:p="http://schemas.openxmlformats.org/presentationml/2006/main">
+  <p:tag name="KSO_WM_UNIT_ISCONTENTSTITLE" val="0"/>
+  <p:tag name="KSO_WM_UNIT_PRESET_TEXT" val="汇报部门名称"/>
+  <p:tag name="KSO_WM_UNIT_VALUE" val="9"/>
+  <p:tag name="KSO_WM_UNIT_HIGHLIGHT" val="0"/>
+  <p:tag name="KSO_WM_UNIT_COMPATIBLE" val="0"/>
+  <p:tag name="KSO_WM_UNIT_DIAGRAM_ISNUMVISUAL" val="0"/>
+  <p:tag name="KSO_WM_UNIT_DIAGRAM_ISREFERUNIT" val="0"/>
+  <p:tag name="KSO_WM_UNIT_TYPE" val="b"/>
+  <p:tag name="KSO_WM_UNIT_INDEX" val="1"/>
+  <p:tag name="KSO_WM_UNIT_ID" val="background20191704_1*b*1"/>
+  <p:tag name="KSO_WM_TEMPLATE_CATEGORY" val="background"/>
+  <p:tag name="KSO_WM_TEMPLATE_INDEX" val="20191704"/>
+  <p:tag name="KSO_WM_UNIT_LAYERLEVEL" val="1"/>
+  <p:tag name="KSO_WM_TAG_VERSION" val="1.0"/>
+  <p:tag name="KSO_WM_BEAUTIFY_FLAG" val="#wm#"/>
+</p:tagLst>
+</file>
+
+<file path=ppt/tags/tag154.xml><?xml version="1.0" encoding="utf-8"?>
+<p:tagLst xmlns:p="http://schemas.openxmlformats.org/presentationml/2006/main">
   <p:tag name="KSO_WM_TEMPLATE_CATEGORY" val="background"/>
   <p:tag name="KSO_WM_TEMPLATE_INDEX" val="20191704"/>
   <p:tag name="KSO_WM_TAG_VERSION" val="1.0"/>
@@ -18323,181 +18631,8 @@
 </p:tagLst>
 </file>
 
-<file path=ppt/tags/tag148.xml><?xml version="1.0" encoding="utf-8"?>
-<p:tagLst xmlns:a="http://schemas.openxmlformats.org/drawingml/2006/main" xmlns:r="http://schemas.openxmlformats.org/officeDocument/2006/relationships" xmlns:p="http://schemas.openxmlformats.org/presentationml/2006/main">
-  <p:tag name="KSO_WM_UNIT_HIGHLIGHT" val="0"/>
-  <p:tag name="KSO_WM_UNIT_COMPATIBLE" val="0"/>
-  <p:tag name="KSO_WM_UNIT_DIAGRAM_ISNUMVISUAL" val="0"/>
-  <p:tag name="KSO_WM_UNIT_DIAGRAM_ISREFERUNIT" val="0"/>
-  <p:tag name="KSO_WM_UNIT_TYPE" val="i"/>
-  <p:tag name="KSO_WM_UNIT_INDEX" val="4"/>
-  <p:tag name="KSO_WM_UNIT_ID" val="background20191704_1*i*4"/>
-  <p:tag name="KSO_WM_TEMPLATE_CATEGORY" val="background"/>
-  <p:tag name="KSO_WM_TEMPLATE_INDEX" val="20191704"/>
-  <p:tag name="KSO_WM_UNIT_LAYERLEVEL" val="1"/>
-  <p:tag name="KSO_WM_TAG_VERSION" val="1.0"/>
-  <p:tag name="KSO_WM_BEAUTIFY_FLAG" val="#wm#"/>
-</p:tagLst>
-</file>
-
-<file path=ppt/tags/tag149.xml><?xml version="1.0" encoding="utf-8"?>
-<p:tagLst xmlns:a="http://schemas.openxmlformats.org/drawingml/2006/main" xmlns:r="http://schemas.openxmlformats.org/officeDocument/2006/relationships" xmlns:p="http://schemas.openxmlformats.org/presentationml/2006/main">
-  <p:tag name="KSO_WM_UNIT_HIGHLIGHT" val="0"/>
-  <p:tag name="KSO_WM_UNIT_COMPATIBLE" val="0"/>
-  <p:tag name="KSO_WM_UNIT_DIAGRAM_ISNUMVISUAL" val="0"/>
-  <p:tag name="KSO_WM_UNIT_DIAGRAM_ISREFERUNIT" val="0"/>
-  <p:tag name="KSO_WM_UNIT_TYPE" val="i"/>
-  <p:tag name="KSO_WM_UNIT_INDEX" val="5"/>
-  <p:tag name="KSO_WM_UNIT_ID" val="background20191704_1*i*5"/>
-  <p:tag name="KSO_WM_TEMPLATE_CATEGORY" val="background"/>
-  <p:tag name="KSO_WM_TEMPLATE_INDEX" val="20191704"/>
-  <p:tag name="KSO_WM_UNIT_LAYERLEVEL" val="1"/>
-  <p:tag name="KSO_WM_TAG_VERSION" val="1.0"/>
-  <p:tag name="KSO_WM_BEAUTIFY_FLAG" val="#wm#"/>
-</p:tagLst>
-</file>
-
-<file path=ppt/tags/tag15.xml><?xml version="1.0" encoding="utf-8"?>
-<p:tagLst xmlns:a="http://schemas.openxmlformats.org/drawingml/2006/main" xmlns:r="http://schemas.openxmlformats.org/officeDocument/2006/relationships" xmlns:p="http://schemas.openxmlformats.org/presentationml/2006/main">
-  <p:tag name="KSO_WM_UNIT_HIGHLIGHT" val="0"/>
-  <p:tag name="KSO_WM_UNIT_COMPATIBLE" val="0"/>
-  <p:tag name="KSO_WM_UNIT_DIAGRAM_ISNUMVISUAL" val="0"/>
-  <p:tag name="KSO_WM_UNIT_DIAGRAM_ISREFERUNIT" val="0"/>
-  <p:tag name="KSO_WM_UNIT_ID" val="_1**"/>
-  <p:tag name="KSO_WM_UNIT_LAYERLEVEL" val="1"/>
-  <p:tag name="KSO_WM_TAG_VERSION" val="1.0"/>
-  <p:tag name="KSO_WM_BEAUTIFY_FLAG" val="#wm#"/>
-</p:tagLst>
-</file>
-
-<file path=ppt/tags/tag150.xml><?xml version="1.0" encoding="utf-8"?>
-<p:tagLst xmlns:a="http://schemas.openxmlformats.org/drawingml/2006/main" xmlns:r="http://schemas.openxmlformats.org/officeDocument/2006/relationships" xmlns:p="http://schemas.openxmlformats.org/presentationml/2006/main">
-  <p:tag name="KSO_WM_UNIT_HIGHLIGHT" val="0"/>
-  <p:tag name="KSO_WM_UNIT_COMPATIBLE" val="0"/>
-  <p:tag name="KSO_WM_UNIT_DIAGRAM_ISNUMVISUAL" val="0"/>
-  <p:tag name="KSO_WM_UNIT_DIAGRAM_ISREFERUNIT" val="0"/>
-  <p:tag name="KSO_WM_UNIT_TYPE" val="i"/>
-  <p:tag name="KSO_WM_UNIT_INDEX" val="6"/>
-  <p:tag name="KSO_WM_UNIT_ID" val="background20191704_1*i*6"/>
-  <p:tag name="KSO_WM_TEMPLATE_CATEGORY" val="background"/>
-  <p:tag name="KSO_WM_TEMPLATE_INDEX" val="20191704"/>
-  <p:tag name="KSO_WM_UNIT_LAYERLEVEL" val="1"/>
-  <p:tag name="KSO_WM_TAG_VERSION" val="1.0"/>
-  <p:tag name="KSO_WM_BEAUTIFY_FLAG" val="#wm#"/>
-</p:tagLst>
-</file>
-
-<file path=ppt/tags/tag151.xml><?xml version="1.0" encoding="utf-8"?>
-<p:tagLst xmlns:a="http://schemas.openxmlformats.org/drawingml/2006/main" xmlns:r="http://schemas.openxmlformats.org/officeDocument/2006/relationships" xmlns:p="http://schemas.openxmlformats.org/presentationml/2006/main">
-  <p:tag name="KSO_WM_UNIT_HIGHLIGHT" val="0"/>
-  <p:tag name="KSO_WM_UNIT_COMPATIBLE" val="0"/>
-  <p:tag name="KSO_WM_UNIT_DIAGRAM_ISNUMVISUAL" val="0"/>
-  <p:tag name="KSO_WM_UNIT_DIAGRAM_ISREFERUNIT" val="0"/>
-  <p:tag name="KSO_WM_UNIT_TYPE" val="i"/>
-  <p:tag name="KSO_WM_UNIT_INDEX" val="7"/>
-  <p:tag name="KSO_WM_UNIT_ID" val="background20191704_1*i*7"/>
-  <p:tag name="KSO_WM_TEMPLATE_CATEGORY" val="background"/>
-  <p:tag name="KSO_WM_TEMPLATE_INDEX" val="20191704"/>
-  <p:tag name="KSO_WM_UNIT_LAYERLEVEL" val="1"/>
-  <p:tag name="KSO_WM_TAG_VERSION" val="1.0"/>
-  <p:tag name="KSO_WM_BEAUTIFY_FLAG" val="#wm#"/>
-</p:tagLst>
-</file>
-
-<file path=ppt/tags/tag152.xml><?xml version="1.0" encoding="utf-8"?>
-<p:tagLst xmlns:a="http://schemas.openxmlformats.org/drawingml/2006/main" xmlns:r="http://schemas.openxmlformats.org/officeDocument/2006/relationships" xmlns:p="http://schemas.openxmlformats.org/presentationml/2006/main">
-  <p:tag name="KSO_WM_UNIT_HIGHLIGHT" val="0"/>
-  <p:tag name="KSO_WM_UNIT_COMPATIBLE" val="0"/>
-  <p:tag name="KSO_WM_UNIT_DIAGRAM_ISNUMVISUAL" val="0"/>
-  <p:tag name="KSO_WM_UNIT_DIAGRAM_ISREFERUNIT" val="0"/>
-  <p:tag name="KSO_WM_UNIT_TYPE" val="i"/>
-  <p:tag name="KSO_WM_UNIT_INDEX" val="8"/>
-  <p:tag name="KSO_WM_UNIT_ID" val="background20191704_1*i*8"/>
-  <p:tag name="KSO_WM_TEMPLATE_CATEGORY" val="background"/>
-  <p:tag name="KSO_WM_TEMPLATE_INDEX" val="20191704"/>
-  <p:tag name="KSO_WM_UNIT_LAYERLEVEL" val="1"/>
-  <p:tag name="KSO_WM_TAG_VERSION" val="1.0"/>
-  <p:tag name="KSO_WM_BEAUTIFY_FLAG" val="#wm#"/>
-</p:tagLst>
-</file>
-
-<file path=ppt/tags/tag153.xml><?xml version="1.0" encoding="utf-8"?>
-<p:tagLst xmlns:a="http://schemas.openxmlformats.org/drawingml/2006/main" xmlns:r="http://schemas.openxmlformats.org/officeDocument/2006/relationships" xmlns:p="http://schemas.openxmlformats.org/presentationml/2006/main">
-  <p:tag name="KSO_WM_UNIT_HIGHLIGHT" val="0"/>
-  <p:tag name="KSO_WM_UNIT_COMPATIBLE" val="0"/>
-  <p:tag name="KSO_WM_UNIT_DIAGRAM_ISNUMVISUAL" val="0"/>
-  <p:tag name="KSO_WM_UNIT_DIAGRAM_ISREFERUNIT" val="0"/>
-  <p:tag name="KSO_WM_UNIT_TYPE" val="i"/>
-  <p:tag name="KSO_WM_UNIT_INDEX" val="9"/>
-  <p:tag name="KSO_WM_UNIT_ID" val="background20191704_1*i*9"/>
-  <p:tag name="KSO_WM_TEMPLATE_CATEGORY" val="background"/>
-  <p:tag name="KSO_WM_TEMPLATE_INDEX" val="20191704"/>
-  <p:tag name="KSO_WM_UNIT_LAYERLEVEL" val="1"/>
-  <p:tag name="KSO_WM_TAG_VERSION" val="1.0"/>
-  <p:tag name="KSO_WM_BEAUTIFY_FLAG" val="#wm#"/>
-</p:tagLst>
-</file>
-
-<file path=ppt/tags/tag154.xml><?xml version="1.0" encoding="utf-8"?>
-<p:tagLst xmlns:a="http://schemas.openxmlformats.org/drawingml/2006/main" xmlns:r="http://schemas.openxmlformats.org/officeDocument/2006/relationships" xmlns:p="http://schemas.openxmlformats.org/presentationml/2006/main">
-  <p:tag name="KSO_WM_UNIT_ISCONTENTSTITLE" val="0"/>
-  <p:tag name="KSO_WM_UNIT_PRESET_TEXT" val="10月工作汇报"/>
-  <p:tag name="KSO_WM_UNIT_VALUE" val="8"/>
-  <p:tag name="KSO_WM_UNIT_HIGHLIGHT" val="0"/>
-  <p:tag name="KSO_WM_UNIT_COMPATIBLE" val="0"/>
-  <p:tag name="KSO_WM_UNIT_DIAGRAM_ISNUMVISUAL" val="0"/>
-  <p:tag name="KSO_WM_UNIT_DIAGRAM_ISREFERUNIT" val="0"/>
-  <p:tag name="KSO_WM_UNIT_TYPE" val="a"/>
-  <p:tag name="KSO_WM_UNIT_INDEX" val="1"/>
-  <p:tag name="KSO_WM_UNIT_ID" val="background20191704_1*a*1"/>
-  <p:tag name="KSO_WM_TEMPLATE_CATEGORY" val="background"/>
-  <p:tag name="KSO_WM_TEMPLATE_INDEX" val="20191704"/>
-  <p:tag name="KSO_WM_UNIT_LAYERLEVEL" val="1"/>
-  <p:tag name="KSO_WM_TAG_VERSION" val="1.0"/>
-  <p:tag name="KSO_WM_BEAUTIFY_FLAG" val="#wm#"/>
-</p:tagLst>
-</file>
-
 <file path=ppt/tags/tag155.xml><?xml version="1.0" encoding="utf-8"?>
-<p:tagLst xmlns:a="http://schemas.openxmlformats.org/drawingml/2006/main" xmlns:r="http://schemas.openxmlformats.org/officeDocument/2006/relationships" xmlns:p="http://schemas.openxmlformats.org/presentationml/2006/main">
-  <p:tag name="KSO_WM_UNIT_ISCONTENTSTITLE" val="0"/>
-  <p:tag name="KSO_WM_UNIT_PRESET_TEXT" val="汇报部门名称"/>
-  <p:tag name="KSO_WM_UNIT_VALUE" val="9"/>
-  <p:tag name="KSO_WM_UNIT_HIGHLIGHT" val="0"/>
-  <p:tag name="KSO_WM_UNIT_COMPATIBLE" val="0"/>
-  <p:tag name="KSO_WM_UNIT_DIAGRAM_ISNUMVISUAL" val="0"/>
-  <p:tag name="KSO_WM_UNIT_DIAGRAM_ISREFERUNIT" val="0"/>
-  <p:tag name="KSO_WM_UNIT_TYPE" val="b"/>
-  <p:tag name="KSO_WM_UNIT_INDEX" val="1"/>
-  <p:tag name="KSO_WM_UNIT_ID" val="background20191704_1*b*1"/>
-  <p:tag name="KSO_WM_TEMPLATE_CATEGORY" val="background"/>
-  <p:tag name="KSO_WM_TEMPLATE_INDEX" val="20191704"/>
-  <p:tag name="KSO_WM_UNIT_LAYERLEVEL" val="1"/>
-  <p:tag name="KSO_WM_TAG_VERSION" val="1.0"/>
-  <p:tag name="KSO_WM_BEAUTIFY_FLAG" val="#wm#"/>
-</p:tagLst>
-</file>
-
-<file path=ppt/tags/tag156.xml><?xml version="1.0" encoding="utf-8"?>
-<p:tagLst xmlns:a="http://schemas.openxmlformats.org/drawingml/2006/main" xmlns:r="http://schemas.openxmlformats.org/officeDocument/2006/relationships" xmlns:p="http://schemas.openxmlformats.org/presentationml/2006/main">
-  <p:tag name="KSO_WM_TAG_VERSION" val="1.0"/>
-  <p:tag name="KSO_WM_SLIDE_ITEM_CNT" val="0"/>
-  <p:tag name="KSO_WM_SLIDE_LAYOUT" val="a_b_e"/>
-  <p:tag name="KSO_WM_SLIDE_LAYOUT_CNT" val="1_1_1"/>
-  <p:tag name="KSO_WM_SLIDE_TYPE" val="sectionTitle"/>
-  <p:tag name="KSO_WM_BEAUTIFY_FLAG" val="#wm#"/>
-  <p:tag name="KSO_WM_SLIDE_SUBTYPE" val="pureTxt"/>
-  <p:tag name="KSO_WM_COMBINE_RELATE_SLIDE_ID" val="background20185112_7"/>
-  <p:tag name="KSO_WM_TEMPLATE_CATEGORY" val="custom"/>
-  <p:tag name="KSO_WM_TEMPLATE_INDEX" val="20189051"/>
-  <p:tag name="KSO_WM_SLIDE_ID" val="custom20189051_7"/>
-  <p:tag name="KSO_WM_SLIDE_INDEX" val="7"/>
-  <p:tag name="KSO_WM_TEMPLATE_SUBCATEGORY" val="0"/>
-</p:tagLst>
-</file>
-
-<file path=ppt/tags/tag157.xml><?xml version="1.0" encoding="utf-8"?>
-<p:tagLst xmlns:a="http://schemas.openxmlformats.org/drawingml/2006/main" xmlns:r="http://schemas.openxmlformats.org/officeDocument/2006/relationships" xmlns:p="http://schemas.openxmlformats.org/presentationml/2006/main">
+<p:tagLst xmlns:p="http://schemas.openxmlformats.org/presentationml/2006/main">
   <p:tag name="KSO_WM_TAG_VERSION" val="1.0"/>
   <p:tag name="KSO_WM_BEAUTIFY_FLAG" val="#wm#"/>
   <p:tag name="KSO_WM_UNIT_TYPE" val="e"/>
@@ -18516,27 +18651,26 @@
 </p:tagLst>
 </file>
 
-<file path=ppt/tags/tag158.xml><?xml version="1.0" encoding="utf-8"?>
-<p:tagLst xmlns:a="http://schemas.openxmlformats.org/drawingml/2006/main" xmlns:r="http://schemas.openxmlformats.org/officeDocument/2006/relationships" xmlns:p="http://schemas.openxmlformats.org/presentationml/2006/main">
-  <p:tag name="KSO_WM_SLIDE_ID" val="diagram20194644_1"/>
+<file path=ppt/tags/tag156.xml><?xml version="1.0" encoding="utf-8"?>
+<p:tagLst xmlns:p="http://schemas.openxmlformats.org/presentationml/2006/main">
+  <p:tag name="KSO_WM_TAG_VERSION" val="1.0"/>
   <p:tag name="KSO_WM_SLIDE_ITEM_CNT" val="0"/>
-  <p:tag name="KSO_WM_SLIDE_INDEX" val="1"/>
-  <p:tag name="KSO_WM_TAG_VERSION" val="1.0"/>
+  <p:tag name="KSO_WM_SLIDE_LAYOUT" val="a_b_e"/>
+  <p:tag name="KSO_WM_SLIDE_LAYOUT_CNT" val="1_1_1"/>
+  <p:tag name="KSO_WM_SLIDE_TYPE" val="sectionTitle"/>
   <p:tag name="KSO_WM_BEAUTIFY_FLAG" val="#wm#"/>
-  <p:tag name="KSO_WM_TEMPLATE_CATEGORY" val="diagram"/>
-  <p:tag name="KSO_WM_TEMPLATE_INDEX" val="20194644"/>
-  <p:tag name="KSO_WM_SLIDE_LAYOUT" val="a_f"/>
-  <p:tag name="KSO_WM_SLIDE_LAYOUT_CNT" val="1_1"/>
-  <p:tag name="KSO_WM_SLIDE_TYPE" val="text"/>
   <p:tag name="KSO_WM_SLIDE_SUBTYPE" val="pureTxt"/>
-  <p:tag name="KSO_WM_SLIDE_SIZE" val="882*459"/>
-  <p:tag name="KSO_WM_SLIDE_POSITION" val="42*53"/>
-  <p:tag name="KSO_WM_SLIDE_COLORSCHEME_VERSION" val="3.2"/>
+  <p:tag name="KSO_WM_COMBINE_RELATE_SLIDE_ID" val="background20185112_7"/>
+  <p:tag name="KSO_WM_TEMPLATE_CATEGORY" val="custom"/>
+  <p:tag name="KSO_WM_TEMPLATE_INDEX" val="20189051"/>
+  <p:tag name="KSO_WM_SLIDE_ID" val="custom20189051_7"/>
+  <p:tag name="KSO_WM_SLIDE_INDEX" val="7"/>
+  <p:tag name="KSO_WM_TEMPLATE_SUBCATEGORY" val="0"/>
 </p:tagLst>
 </file>
 
-<file path=ppt/tags/tag159.xml><?xml version="1.0" encoding="utf-8"?>
-<p:tagLst xmlns:a="http://schemas.openxmlformats.org/drawingml/2006/main" xmlns:r="http://schemas.openxmlformats.org/officeDocument/2006/relationships" xmlns:p="http://schemas.openxmlformats.org/presentationml/2006/main">
+<file path=ppt/tags/tag157.xml><?xml version="1.0" encoding="utf-8"?>
+<p:tagLst xmlns:p="http://schemas.openxmlformats.org/presentationml/2006/main">
   <p:tag name="KSO_WM_UNIT_HIGHLIGHT" val="0"/>
   <p:tag name="KSO_WM_UNIT_COMPATIBLE" val="0"/>
   <p:tag name="KSO_WM_UNIT_DIAGRAM_ISNUMVISUAL" val="0"/>
@@ -18554,21 +18688,8 @@
 </p:tagLst>
 </file>
 
-<file path=ppt/tags/tag16.xml><?xml version="1.0" encoding="utf-8"?>
-<p:tagLst xmlns:a="http://schemas.openxmlformats.org/drawingml/2006/main" xmlns:r="http://schemas.openxmlformats.org/officeDocument/2006/relationships" xmlns:p="http://schemas.openxmlformats.org/presentationml/2006/main">
-  <p:tag name="KSO_WM_UNIT_HIGHLIGHT" val="0"/>
-  <p:tag name="KSO_WM_UNIT_COMPATIBLE" val="0"/>
-  <p:tag name="KSO_WM_UNIT_DIAGRAM_ISNUMVISUAL" val="0"/>
-  <p:tag name="KSO_WM_UNIT_DIAGRAM_ISREFERUNIT" val="0"/>
-  <p:tag name="KSO_WM_UNIT_ID" val="_1**"/>
-  <p:tag name="KSO_WM_UNIT_LAYERLEVEL" val="1"/>
-  <p:tag name="KSO_WM_TAG_VERSION" val="1.0"/>
-  <p:tag name="KSO_WM_BEAUTIFY_FLAG" val="#wm#"/>
-</p:tagLst>
-</file>
-
-<file path=ppt/tags/tag160.xml><?xml version="1.0" encoding="utf-8"?>
-<p:tagLst xmlns:a="http://schemas.openxmlformats.org/drawingml/2006/main" xmlns:r="http://schemas.openxmlformats.org/officeDocument/2006/relationships" xmlns:p="http://schemas.openxmlformats.org/presentationml/2006/main">
+<file path=ppt/tags/tag158.xml><?xml version="1.0" encoding="utf-8"?>
+<p:tagLst xmlns:p="http://schemas.openxmlformats.org/presentationml/2006/main">
   <p:tag name="KSO_WM_UNIT_HIGHLIGHT" val="0"/>
   <p:tag name="KSO_WM_UNIT_COMPATIBLE" val="0"/>
   <p:tag name="KSO_WM_UNIT_DIAGRAM_ISNUMVISUAL" val="0"/>
@@ -18587,8 +18708,8 @@
 </p:tagLst>
 </file>
 
-<file path=ppt/tags/tag161.xml><?xml version="1.0" encoding="utf-8"?>
-<p:tagLst xmlns:a="http://schemas.openxmlformats.org/drawingml/2006/main" xmlns:r="http://schemas.openxmlformats.org/officeDocument/2006/relationships" xmlns:p="http://schemas.openxmlformats.org/presentationml/2006/main">
+<file path=ppt/tags/tag159.xml><?xml version="1.0" encoding="utf-8"?>
+<p:tagLst xmlns:p="http://schemas.openxmlformats.org/presentationml/2006/main">
   <p:tag name="KSO_WM_UNIT_HIGHLIGHT" val="0"/>
   <p:tag name="KSO_WM_UNIT_COMPATIBLE" val="0"/>
   <p:tag name="KSO_WM_UNIT_DIAGRAM_ISNUMVISUAL" val="0"/>
@@ -18607,8 +18728,21 @@
 </p:tagLst>
 </file>
 
-<file path=ppt/tags/tag162.xml><?xml version="1.0" encoding="utf-8"?>
-<p:tagLst xmlns:a="http://schemas.openxmlformats.org/drawingml/2006/main" xmlns:r="http://schemas.openxmlformats.org/officeDocument/2006/relationships" xmlns:p="http://schemas.openxmlformats.org/presentationml/2006/main">
+<file path=ppt/tags/tag16.xml><?xml version="1.0" encoding="utf-8"?>
+<p:tagLst xmlns:p="http://schemas.openxmlformats.org/presentationml/2006/main">
+  <p:tag name="KSO_WM_UNIT_HIGHLIGHT" val="0"/>
+  <p:tag name="KSO_WM_UNIT_COMPATIBLE" val="0"/>
+  <p:tag name="KSO_WM_UNIT_DIAGRAM_ISNUMVISUAL" val="0"/>
+  <p:tag name="KSO_WM_UNIT_DIAGRAM_ISREFERUNIT" val="0"/>
+  <p:tag name="KSO_WM_UNIT_ID" val="_2**"/>
+  <p:tag name="KSO_WM_UNIT_LAYERLEVEL" val="1"/>
+  <p:tag name="KSO_WM_TAG_VERSION" val="1.0"/>
+  <p:tag name="KSO_WM_BEAUTIFY_FLAG" val="#wm#"/>
+</p:tagLst>
+</file>
+
+<file path=ppt/tags/tag160.xml><?xml version="1.0" encoding="utf-8"?>
+<p:tagLst xmlns:p="http://schemas.openxmlformats.org/presentationml/2006/main">
   <p:tag name="KSO_WM_UNIT_TEXT_PART_ID_V2" val="d-3-2"/>
   <p:tag name="KSO_WM_UNIT_PRESET_TEXT" val="点击此处添加正文，文字是您思想的提炼，为了最终呈现发布的良好效果。&#10;请言简意赅的阐述观点，并根据需要酌情增减文字您的正文已经字字珠玑，但信息却千丝万缕，需要用更多的文字来表述；但请您尽可能提炼思想的精髓，恰如其分的表达观点，往往事半功倍。&#10;为了能让您有更直观的字数感受，并进一步方便使用，我们为您标注了最适合的位置。您输入的文字到这里时，就是最佳视觉效果。"/>
   <p:tag name="KSO_WM_UNIT_NOCLEAR" val="1"/>
@@ -18630,8 +18764,8 @@
 </p:tagLst>
 </file>
 
-<file path=ppt/tags/tag163.xml><?xml version="1.0" encoding="utf-8"?>
-<p:tagLst xmlns:a="http://schemas.openxmlformats.org/drawingml/2006/main" xmlns:r="http://schemas.openxmlformats.org/officeDocument/2006/relationships" xmlns:p="http://schemas.openxmlformats.org/presentationml/2006/main">
+<file path=ppt/tags/tag161.xml><?xml version="1.0" encoding="utf-8"?>
+<p:tagLst xmlns:p="http://schemas.openxmlformats.org/presentationml/2006/main">
   <p:tag name="KSO_WM_UNIT_TEXT_PART_ID_V2" val="a-1-2"/>
   <p:tag name="KSO_WM_UNIT_ISCONTENTSTITLE" val="0"/>
   <p:tag name="KSO_WM_UNIT_PRESET_TEXT" val="单击添加大标题"/>
@@ -18654,28 +18788,27 @@
 </p:tagLst>
 </file>
 
-<file path=ppt/tags/tag164.xml><?xml version="1.0" encoding="utf-8"?>
-<p:tagLst xmlns:a="http://schemas.openxmlformats.org/drawingml/2006/main" xmlns:r="http://schemas.openxmlformats.org/officeDocument/2006/relationships" xmlns:p="http://schemas.openxmlformats.org/presentationml/2006/main">
-  <p:tag name="KSO_WM_SLIDE_ID" val="diagram20200773_1"/>
+<file path=ppt/tags/tag162.xml><?xml version="1.0" encoding="utf-8"?>
+<p:tagLst xmlns:p="http://schemas.openxmlformats.org/presentationml/2006/main">
+  <p:tag name="KSO_WM_SLIDE_ID" val="diagram20194644_1"/>
   <p:tag name="KSO_WM_SLIDE_ITEM_CNT" val="0"/>
   <p:tag name="KSO_WM_SLIDE_INDEX" val="1"/>
   <p:tag name="KSO_WM_TAG_VERSION" val="1.0"/>
   <p:tag name="KSO_WM_BEAUTIFY_FLAG" val="#wm#"/>
   <p:tag name="KSO_WM_TEMPLATE_CATEGORY" val="diagram"/>
-  <p:tag name="KSO_WM_TEMPLATE_INDEX" val="20200773"/>
+  <p:tag name="KSO_WM_TEMPLATE_INDEX" val="20194644"/>
   <p:tag name="KSO_WM_SLIDE_LAYOUT" val="a_f"/>
   <p:tag name="KSO_WM_SLIDE_LAYOUT_CNT" val="1_1"/>
   <p:tag name="KSO_WM_SLIDE_TYPE" val="text"/>
-  <p:tag name="KSO_WM_SLIDE_SUBTYPE" val="picTxt"/>
-  <p:tag name="KSO_WM_SLIDE_SIZE" val="960*511"/>
-  <p:tag name="KSO_WM_SLIDE_POSITION" val="0*0"/>
+  <p:tag name="KSO_WM_SLIDE_SUBTYPE" val="pureTxt"/>
+  <p:tag name="KSO_WM_SLIDE_SIZE" val="882*459"/>
+  <p:tag name="KSO_WM_SLIDE_POSITION" val="42*53"/>
   <p:tag name="KSO_WM_SLIDE_COLORSCHEME_VERSION" val="3.2"/>
-  <p:tag name="KSO_WM_TEMPLATE_SUBCATEGORY" val="0"/>
 </p:tagLst>
 </file>
 
-<file path=ppt/tags/tag165.xml><?xml version="1.0" encoding="utf-8"?>
-<p:tagLst xmlns:a="http://schemas.openxmlformats.org/drawingml/2006/main" xmlns:r="http://schemas.openxmlformats.org/officeDocument/2006/relationships" xmlns:p="http://schemas.openxmlformats.org/presentationml/2006/main">
+<file path=ppt/tags/tag163.xml><?xml version="1.0" encoding="utf-8"?>
+<p:tagLst xmlns:p="http://schemas.openxmlformats.org/presentationml/2006/main">
   <p:tag name="KSO_WM_UNIT_HIGHLIGHT" val="0"/>
   <p:tag name="KSO_WM_UNIT_COMPATIBLE" val="0"/>
   <p:tag name="KSO_WM_UNIT_DIAGRAM_ISNUMVISUAL" val="0"/>
@@ -18691,8 +18824,8 @@
 </p:tagLst>
 </file>
 
-<file path=ppt/tags/tag166.xml><?xml version="1.0" encoding="utf-8"?>
-<p:tagLst xmlns:a="http://schemas.openxmlformats.org/drawingml/2006/main" xmlns:r="http://schemas.openxmlformats.org/officeDocument/2006/relationships" xmlns:p="http://schemas.openxmlformats.org/presentationml/2006/main">
+<file path=ppt/tags/tag164.xml><?xml version="1.0" encoding="utf-8"?>
+<p:tagLst xmlns:p="http://schemas.openxmlformats.org/presentationml/2006/main">
   <p:tag name="KSO_WM_UNIT_HIGHLIGHT" val="0"/>
   <p:tag name="KSO_WM_UNIT_COMPATIBLE" val="0"/>
   <p:tag name="KSO_WM_UNIT_DIAGRAM_ISNUMVISUAL" val="0"/>
@@ -18712,8 +18845,8 @@
 </p:tagLst>
 </file>
 
-<file path=ppt/tags/tag167.xml><?xml version="1.0" encoding="utf-8"?>
-<p:tagLst xmlns:a="http://schemas.openxmlformats.org/drawingml/2006/main" xmlns:r="http://schemas.openxmlformats.org/officeDocument/2006/relationships" xmlns:p="http://schemas.openxmlformats.org/presentationml/2006/main">
+<file path=ppt/tags/tag165.xml><?xml version="1.0" encoding="utf-8"?>
+<p:tagLst xmlns:p="http://schemas.openxmlformats.org/presentationml/2006/main">
   <p:tag name="KSO_WM_SLIDE_ID" val="diagram20200773_1"/>
   <p:tag name="KSO_WM_SLIDE_ITEM_CNT" val="0"/>
   <p:tag name="KSO_WM_SLIDE_INDEX" val="1"/>
@@ -18732,8 +18865,8 @@
 </p:tagLst>
 </file>
 
-<file path=ppt/tags/tag168.xml><?xml version="1.0" encoding="utf-8"?>
-<p:tagLst xmlns:a="http://schemas.openxmlformats.org/drawingml/2006/main" xmlns:r="http://schemas.openxmlformats.org/officeDocument/2006/relationships" xmlns:p="http://schemas.openxmlformats.org/presentationml/2006/main">
+<file path=ppt/tags/tag166.xml><?xml version="1.0" encoding="utf-8"?>
+<p:tagLst xmlns:p="http://schemas.openxmlformats.org/presentationml/2006/main">
   <p:tag name="KSO_WM_UNIT_HIGHLIGHT" val="0"/>
   <p:tag name="KSO_WM_UNIT_COMPATIBLE" val="0"/>
   <p:tag name="KSO_WM_UNIT_DIAGRAM_ISNUMVISUAL" val="0"/>
@@ -18749,8 +18882,8 @@
 </p:tagLst>
 </file>
 
-<file path=ppt/tags/tag169.xml><?xml version="1.0" encoding="utf-8"?>
-<p:tagLst xmlns:a="http://schemas.openxmlformats.org/drawingml/2006/main" xmlns:r="http://schemas.openxmlformats.org/officeDocument/2006/relationships" xmlns:p="http://schemas.openxmlformats.org/presentationml/2006/main">
+<file path=ppt/tags/tag167.xml><?xml version="1.0" encoding="utf-8"?>
+<p:tagLst xmlns:p="http://schemas.openxmlformats.org/presentationml/2006/main">
   <p:tag name="KSO_WM_UNIT_HIGHLIGHT" val="0"/>
   <p:tag name="KSO_WM_UNIT_COMPATIBLE" val="0"/>
   <p:tag name="KSO_WM_UNIT_DIAGRAM_ISNUMVISUAL" val="0"/>
@@ -18770,21 +18903,8 @@
 </p:tagLst>
 </file>
 
-<file path=ppt/tags/tag17.xml><?xml version="1.0" encoding="utf-8"?>
-<p:tagLst xmlns:a="http://schemas.openxmlformats.org/drawingml/2006/main" xmlns:r="http://schemas.openxmlformats.org/officeDocument/2006/relationships" xmlns:p="http://schemas.openxmlformats.org/presentationml/2006/main">
-  <p:tag name="KSO_WM_UNIT_HIGHLIGHT" val="0"/>
-  <p:tag name="KSO_WM_UNIT_COMPATIBLE" val="0"/>
-  <p:tag name="KSO_WM_UNIT_DIAGRAM_ISNUMVISUAL" val="0"/>
-  <p:tag name="KSO_WM_UNIT_DIAGRAM_ISREFERUNIT" val="0"/>
-  <p:tag name="KSO_WM_UNIT_ID" val="_1**"/>
-  <p:tag name="KSO_WM_UNIT_LAYERLEVEL" val="1"/>
-  <p:tag name="KSO_WM_TAG_VERSION" val="1.0"/>
-  <p:tag name="KSO_WM_BEAUTIFY_FLAG" val="#wm#"/>
-</p:tagLst>
-</file>
-
-<file path=ppt/tags/tag170.xml><?xml version="1.0" encoding="utf-8"?>
-<p:tagLst xmlns:a="http://schemas.openxmlformats.org/drawingml/2006/main" xmlns:r="http://schemas.openxmlformats.org/officeDocument/2006/relationships" xmlns:p="http://schemas.openxmlformats.org/presentationml/2006/main">
+<file path=ppt/tags/tag168.xml><?xml version="1.0" encoding="utf-8"?>
+<p:tagLst xmlns:p="http://schemas.openxmlformats.org/presentationml/2006/main">
   <p:tag name="KSO_WM_SLIDE_ID" val="diagram20200773_1"/>
   <p:tag name="KSO_WM_SLIDE_ITEM_CNT" val="0"/>
   <p:tag name="KSO_WM_SLIDE_INDEX" val="1"/>
@@ -18803,8 +18923,8 @@
 </p:tagLst>
 </file>
 
-<file path=ppt/tags/tag171.xml><?xml version="1.0" encoding="utf-8"?>
-<p:tagLst xmlns:a="http://schemas.openxmlformats.org/drawingml/2006/main" xmlns:r="http://schemas.openxmlformats.org/officeDocument/2006/relationships" xmlns:p="http://schemas.openxmlformats.org/presentationml/2006/main">
+<file path=ppt/tags/tag169.xml><?xml version="1.0" encoding="utf-8"?>
+<p:tagLst xmlns:p="http://schemas.openxmlformats.org/presentationml/2006/main">
   <p:tag name="KSO_WM_UNIT_HIGHLIGHT" val="0"/>
   <p:tag name="KSO_WM_UNIT_COMPATIBLE" val="0"/>
   <p:tag name="KSO_WM_UNIT_DIAGRAM_ISNUMVISUAL" val="0"/>
@@ -18820,8 +18940,21 @@
 </p:tagLst>
 </file>
 
-<file path=ppt/tags/tag172.xml><?xml version="1.0" encoding="utf-8"?>
-<p:tagLst xmlns:a="http://schemas.openxmlformats.org/drawingml/2006/main" xmlns:r="http://schemas.openxmlformats.org/officeDocument/2006/relationships" xmlns:p="http://schemas.openxmlformats.org/presentationml/2006/main">
+<file path=ppt/tags/tag17.xml><?xml version="1.0" encoding="utf-8"?>
+<p:tagLst xmlns:p="http://schemas.openxmlformats.org/presentationml/2006/main">
+  <p:tag name="KSO_WM_UNIT_HIGHLIGHT" val="0"/>
+  <p:tag name="KSO_WM_UNIT_COMPATIBLE" val="0"/>
+  <p:tag name="KSO_WM_UNIT_DIAGRAM_ISNUMVISUAL" val="0"/>
+  <p:tag name="KSO_WM_UNIT_DIAGRAM_ISREFERUNIT" val="0"/>
+  <p:tag name="KSO_WM_UNIT_ID" val="_2**"/>
+  <p:tag name="KSO_WM_UNIT_LAYERLEVEL" val="1"/>
+  <p:tag name="KSO_WM_TAG_VERSION" val="1.0"/>
+  <p:tag name="KSO_WM_BEAUTIFY_FLAG" val="#wm#"/>
+</p:tagLst>
+</file>
+
+<file path=ppt/tags/tag170.xml><?xml version="1.0" encoding="utf-8"?>
+<p:tagLst xmlns:p="http://schemas.openxmlformats.org/presentationml/2006/main">
   <p:tag name="KSO_WM_UNIT_HIGHLIGHT" val="0"/>
   <p:tag name="KSO_WM_UNIT_COMPATIBLE" val="0"/>
   <p:tag name="KSO_WM_UNIT_DIAGRAM_ISNUMVISUAL" val="0"/>
@@ -18841,16 +18974,28 @@
 </p:tagLst>
 </file>
 
-<file path=ppt/tags/tag173.xml><?xml version="1.0" encoding="utf-8"?>
-<p:tagLst xmlns:a="http://schemas.openxmlformats.org/drawingml/2006/main" xmlns:r="http://schemas.openxmlformats.org/officeDocument/2006/relationships" xmlns:p="http://schemas.openxmlformats.org/presentationml/2006/main">
+<file path=ppt/tags/tag171.xml><?xml version="1.0" encoding="utf-8"?>
+<p:tagLst xmlns:p="http://schemas.openxmlformats.org/presentationml/2006/main">
+  <p:tag name="KSO_WM_SLIDE_ID" val="diagram20200773_1"/>
+  <p:tag name="KSO_WM_SLIDE_ITEM_CNT" val="0"/>
+  <p:tag name="KSO_WM_SLIDE_INDEX" val="1"/>
+  <p:tag name="KSO_WM_TAG_VERSION" val="1.0"/>
   <p:tag name="KSO_WM_BEAUTIFY_FLAG" val="#wm#"/>
   <p:tag name="KSO_WM_TEMPLATE_CATEGORY" val="diagram"/>
   <p:tag name="KSO_WM_TEMPLATE_INDEX" val="20200773"/>
+  <p:tag name="KSO_WM_SLIDE_LAYOUT" val="a_f"/>
+  <p:tag name="KSO_WM_SLIDE_LAYOUT_CNT" val="1_1"/>
+  <p:tag name="KSO_WM_SLIDE_TYPE" val="text"/>
+  <p:tag name="KSO_WM_SLIDE_SUBTYPE" val="picTxt"/>
+  <p:tag name="KSO_WM_SLIDE_SIZE" val="960*511"/>
+  <p:tag name="KSO_WM_SLIDE_POSITION" val="0*0"/>
+  <p:tag name="KSO_WM_SLIDE_COLORSCHEME_VERSION" val="3.2"/>
+  <p:tag name="KSO_WM_TEMPLATE_SUBCATEGORY" val="0"/>
 </p:tagLst>
 </file>
 
-<file path=ppt/tags/tag174.xml><?xml version="1.0" encoding="utf-8"?>
-<p:tagLst xmlns:a="http://schemas.openxmlformats.org/drawingml/2006/main" xmlns:r="http://schemas.openxmlformats.org/officeDocument/2006/relationships" xmlns:p="http://schemas.openxmlformats.org/presentationml/2006/main">
+<file path=ppt/tags/tag172.xml><?xml version="1.0" encoding="utf-8"?>
+<p:tagLst xmlns:p="http://schemas.openxmlformats.org/presentationml/2006/main">
   <p:tag name="KSO_WM_UNIT_HIGHLIGHT" val="0"/>
   <p:tag name="KSO_WM_UNIT_COMPATIBLE" val="0"/>
   <p:tag name="KSO_WM_UNIT_DIAGRAM_ISNUMVISUAL" val="0"/>
@@ -18866,8 +19011,8 @@
 </p:tagLst>
 </file>
 
-<file path=ppt/tags/tag175.xml><?xml version="1.0" encoding="utf-8"?>
-<p:tagLst xmlns:a="http://schemas.openxmlformats.org/drawingml/2006/main" xmlns:r="http://schemas.openxmlformats.org/officeDocument/2006/relationships" xmlns:p="http://schemas.openxmlformats.org/presentationml/2006/main">
+<file path=ppt/tags/tag173.xml><?xml version="1.0" encoding="utf-8"?>
+<p:tagLst xmlns:p="http://schemas.openxmlformats.org/presentationml/2006/main">
   <p:tag name="KSO_WM_UNIT_HIGHLIGHT" val="0"/>
   <p:tag name="KSO_WM_UNIT_COMPATIBLE" val="0"/>
   <p:tag name="KSO_WM_UNIT_DIAGRAM_ISNUMVISUAL" val="0"/>
@@ -18887,8 +19032,8 @@
 </p:tagLst>
 </file>
 
-<file path=ppt/tags/tag176.xml><?xml version="1.0" encoding="utf-8"?>
-<p:tagLst xmlns:a="http://schemas.openxmlformats.org/drawingml/2006/main" xmlns:r="http://schemas.openxmlformats.org/officeDocument/2006/relationships" xmlns:p="http://schemas.openxmlformats.org/presentationml/2006/main">
+<file path=ppt/tags/tag174.xml><?xml version="1.0" encoding="utf-8"?>
+<p:tagLst xmlns:p="http://schemas.openxmlformats.org/presentationml/2006/main">
   <p:tag name="KSO_WM_UNIT_HIGHLIGHT" val="0"/>
   <p:tag name="KSO_WM_UNIT_COMPATIBLE" val="0"/>
   <p:tag name="KSO_WM_UNIT_DIAGRAM_ISNUMVISUAL" val="0"/>
@@ -18907,16 +19052,16 @@
 </p:tagLst>
 </file>
 
-<file path=ppt/tags/tag177.xml><?xml version="1.0" encoding="utf-8"?>
-<p:tagLst xmlns:a="http://schemas.openxmlformats.org/drawingml/2006/main" xmlns:r="http://schemas.openxmlformats.org/officeDocument/2006/relationships" xmlns:p="http://schemas.openxmlformats.org/presentationml/2006/main">
+<file path=ppt/tags/tag175.xml><?xml version="1.0" encoding="utf-8"?>
+<p:tagLst xmlns:p="http://schemas.openxmlformats.org/presentationml/2006/main">
   <p:tag name="KSO_WM_BEAUTIFY_FLAG" val="#wm#"/>
   <p:tag name="KSO_WM_TEMPLATE_CATEGORY" val="diagram"/>
   <p:tag name="KSO_WM_TEMPLATE_INDEX" val="20200773"/>
 </p:tagLst>
 </file>
 
-<file path=ppt/tags/tag178.xml><?xml version="1.0" encoding="utf-8"?>
-<p:tagLst xmlns:a="http://schemas.openxmlformats.org/drawingml/2006/main" xmlns:r="http://schemas.openxmlformats.org/officeDocument/2006/relationships" xmlns:p="http://schemas.openxmlformats.org/presentationml/2006/main">
+<file path=ppt/tags/tag176.xml><?xml version="1.0" encoding="utf-8"?>
+<p:tagLst xmlns:p="http://schemas.openxmlformats.org/presentationml/2006/main">
   <p:tag name="KSO_WM_UNIT_HIGHLIGHT" val="0"/>
   <p:tag name="KSO_WM_UNIT_COMPATIBLE" val="0"/>
   <p:tag name="KSO_WM_UNIT_DIAGRAM_ISNUMVISUAL" val="0"/>
@@ -18932,8 +19077,8 @@
 </p:tagLst>
 </file>
 
-<file path=ppt/tags/tag179.xml><?xml version="1.0" encoding="utf-8"?>
-<p:tagLst xmlns:a="http://schemas.openxmlformats.org/drawingml/2006/main" xmlns:r="http://schemas.openxmlformats.org/officeDocument/2006/relationships" xmlns:p="http://schemas.openxmlformats.org/presentationml/2006/main">
+<file path=ppt/tags/tag177.xml><?xml version="1.0" encoding="utf-8"?>
+<p:tagLst xmlns:p="http://schemas.openxmlformats.org/presentationml/2006/main">
   <p:tag name="KSO_WM_UNIT_HIGHLIGHT" val="0"/>
   <p:tag name="KSO_WM_UNIT_COMPATIBLE" val="0"/>
   <p:tag name="KSO_WM_UNIT_DIAGRAM_ISNUMVISUAL" val="0"/>
@@ -18953,21 +19098,8 @@
 </p:tagLst>
 </file>
 
-<file path=ppt/tags/tag18.xml><?xml version="1.0" encoding="utf-8"?>
-<p:tagLst xmlns:a="http://schemas.openxmlformats.org/drawingml/2006/main" xmlns:r="http://schemas.openxmlformats.org/officeDocument/2006/relationships" xmlns:p="http://schemas.openxmlformats.org/presentationml/2006/main">
-  <p:tag name="KSO_WM_UNIT_HIGHLIGHT" val="0"/>
-  <p:tag name="KSO_WM_UNIT_COMPATIBLE" val="0"/>
-  <p:tag name="KSO_WM_UNIT_DIAGRAM_ISNUMVISUAL" val="0"/>
-  <p:tag name="KSO_WM_UNIT_DIAGRAM_ISREFERUNIT" val="0"/>
-  <p:tag name="KSO_WM_UNIT_ID" val="_1**"/>
-  <p:tag name="KSO_WM_UNIT_LAYERLEVEL" val="1"/>
-  <p:tag name="KSO_WM_TAG_VERSION" val="1.0"/>
-  <p:tag name="KSO_WM_BEAUTIFY_FLAG" val="#wm#"/>
-</p:tagLst>
-</file>
-
-<file path=ppt/tags/tag180.xml><?xml version="1.0" encoding="utf-8"?>
-<p:tagLst xmlns:a="http://schemas.openxmlformats.org/drawingml/2006/main" xmlns:r="http://schemas.openxmlformats.org/officeDocument/2006/relationships" xmlns:p="http://schemas.openxmlformats.org/presentationml/2006/main">
+<file path=ppt/tags/tag178.xml><?xml version="1.0" encoding="utf-8"?>
+<p:tagLst xmlns:p="http://schemas.openxmlformats.org/presentationml/2006/main">
   <p:tag name="KSO_WM_UNIT_HIGHLIGHT" val="0"/>
   <p:tag name="KSO_WM_UNIT_COMPATIBLE" val="0"/>
   <p:tag name="KSO_WM_UNIT_DIAGRAM_ISNUMVISUAL" val="0"/>
@@ -18986,16 +19118,29 @@
 </p:tagLst>
 </file>
 
-<file path=ppt/tags/tag181.xml><?xml version="1.0" encoding="utf-8"?>
-<p:tagLst xmlns:a="http://schemas.openxmlformats.org/drawingml/2006/main" xmlns:r="http://schemas.openxmlformats.org/officeDocument/2006/relationships" xmlns:p="http://schemas.openxmlformats.org/presentationml/2006/main">
+<file path=ppt/tags/tag179.xml><?xml version="1.0" encoding="utf-8"?>
+<p:tagLst xmlns:p="http://schemas.openxmlformats.org/presentationml/2006/main">
   <p:tag name="KSO_WM_BEAUTIFY_FLAG" val="#wm#"/>
   <p:tag name="KSO_WM_TEMPLATE_CATEGORY" val="diagram"/>
   <p:tag name="KSO_WM_TEMPLATE_INDEX" val="20200773"/>
 </p:tagLst>
 </file>
 
-<file path=ppt/tags/tag182.xml><?xml version="1.0" encoding="utf-8"?>
-<p:tagLst xmlns:a="http://schemas.openxmlformats.org/drawingml/2006/main" xmlns:r="http://schemas.openxmlformats.org/officeDocument/2006/relationships" xmlns:p="http://schemas.openxmlformats.org/presentationml/2006/main">
+<file path=ppt/tags/tag18.xml><?xml version="1.0" encoding="utf-8"?>
+<p:tagLst xmlns:p="http://schemas.openxmlformats.org/presentationml/2006/main">
+  <p:tag name="KSO_WM_UNIT_HIGHLIGHT" val="0"/>
+  <p:tag name="KSO_WM_UNIT_COMPATIBLE" val="0"/>
+  <p:tag name="KSO_WM_UNIT_DIAGRAM_ISNUMVISUAL" val="0"/>
+  <p:tag name="KSO_WM_UNIT_DIAGRAM_ISREFERUNIT" val="0"/>
+  <p:tag name="KSO_WM_UNIT_ID" val="_2**"/>
+  <p:tag name="KSO_WM_UNIT_LAYERLEVEL" val="1"/>
+  <p:tag name="KSO_WM_TAG_VERSION" val="1.0"/>
+  <p:tag name="KSO_WM_BEAUTIFY_FLAG" val="#wm#"/>
+</p:tagLst>
+</file>
+
+<file path=ppt/tags/tag180.xml><?xml version="1.0" encoding="utf-8"?>
+<p:tagLst xmlns:p="http://schemas.openxmlformats.org/presentationml/2006/main">
   <p:tag name="KSO_WM_UNIT_HIGHLIGHT" val="0"/>
   <p:tag name="KSO_WM_UNIT_COMPATIBLE" val="0"/>
   <p:tag name="KSO_WM_UNIT_DIAGRAM_ISNUMVISUAL" val="0"/>
@@ -19011,8 +19156,8 @@
 </p:tagLst>
 </file>
 
-<file path=ppt/tags/tag183.xml><?xml version="1.0" encoding="utf-8"?>
-<p:tagLst xmlns:a="http://schemas.openxmlformats.org/drawingml/2006/main" xmlns:r="http://schemas.openxmlformats.org/officeDocument/2006/relationships" xmlns:p="http://schemas.openxmlformats.org/presentationml/2006/main">
+<file path=ppt/tags/tag181.xml><?xml version="1.0" encoding="utf-8"?>
+<p:tagLst xmlns:p="http://schemas.openxmlformats.org/presentationml/2006/main">
   <p:tag name="KSO_WM_UNIT_HIGHLIGHT" val="0"/>
   <p:tag name="KSO_WM_UNIT_COMPATIBLE" val="0"/>
   <p:tag name="KSO_WM_UNIT_DIAGRAM_ISNUMVISUAL" val="0"/>
@@ -19032,28 +19177,16 @@
 </p:tagLst>
 </file>
 
-<file path=ppt/tags/tag184.xml><?xml version="1.0" encoding="utf-8"?>
-<p:tagLst xmlns:a="http://schemas.openxmlformats.org/drawingml/2006/main" xmlns:r="http://schemas.openxmlformats.org/officeDocument/2006/relationships" xmlns:p="http://schemas.openxmlformats.org/presentationml/2006/main">
-  <p:tag name="KSO_WM_SLIDE_ID" val="diagram20200773_1"/>
-  <p:tag name="KSO_WM_SLIDE_ITEM_CNT" val="0"/>
-  <p:tag name="KSO_WM_SLIDE_INDEX" val="1"/>
-  <p:tag name="KSO_WM_TAG_VERSION" val="1.0"/>
+<file path=ppt/tags/tag182.xml><?xml version="1.0" encoding="utf-8"?>
+<p:tagLst xmlns:p="http://schemas.openxmlformats.org/presentationml/2006/main">
   <p:tag name="KSO_WM_BEAUTIFY_FLAG" val="#wm#"/>
   <p:tag name="KSO_WM_TEMPLATE_CATEGORY" val="diagram"/>
   <p:tag name="KSO_WM_TEMPLATE_INDEX" val="20200773"/>
-  <p:tag name="KSO_WM_SLIDE_LAYOUT" val="a_f"/>
-  <p:tag name="KSO_WM_SLIDE_LAYOUT_CNT" val="1_1"/>
-  <p:tag name="KSO_WM_SLIDE_TYPE" val="text"/>
-  <p:tag name="KSO_WM_SLIDE_SUBTYPE" val="picTxt"/>
-  <p:tag name="KSO_WM_SLIDE_SIZE" val="960*511"/>
-  <p:tag name="KSO_WM_SLIDE_POSITION" val="0*0"/>
-  <p:tag name="KSO_WM_SLIDE_COLORSCHEME_VERSION" val="3.2"/>
-  <p:tag name="KSO_WM_TEMPLATE_SUBCATEGORY" val="0"/>
 </p:tagLst>
 </file>
 
-<file path=ppt/tags/tag185.xml><?xml version="1.0" encoding="utf-8"?>
-<p:tagLst xmlns:a="http://schemas.openxmlformats.org/drawingml/2006/main" xmlns:r="http://schemas.openxmlformats.org/officeDocument/2006/relationships" xmlns:p="http://schemas.openxmlformats.org/presentationml/2006/main">
+<file path=ppt/tags/tag183.xml><?xml version="1.0" encoding="utf-8"?>
+<p:tagLst xmlns:p="http://schemas.openxmlformats.org/presentationml/2006/main">
   <p:tag name="KSO_WM_UNIT_HIGHLIGHT" val="0"/>
   <p:tag name="KSO_WM_UNIT_COMPATIBLE" val="0"/>
   <p:tag name="KSO_WM_UNIT_DIAGRAM_ISNUMVISUAL" val="0"/>
@@ -19069,8 +19202,8 @@
 </p:tagLst>
 </file>
 
-<file path=ppt/tags/tag186.xml><?xml version="1.0" encoding="utf-8"?>
-<p:tagLst xmlns:a="http://schemas.openxmlformats.org/drawingml/2006/main" xmlns:r="http://schemas.openxmlformats.org/officeDocument/2006/relationships" xmlns:p="http://schemas.openxmlformats.org/presentationml/2006/main">
+<file path=ppt/tags/tag184.xml><?xml version="1.0" encoding="utf-8"?>
+<p:tagLst xmlns:p="http://schemas.openxmlformats.org/presentationml/2006/main">
   <p:tag name="KSO_WM_UNIT_HIGHLIGHT" val="0"/>
   <p:tag name="KSO_WM_UNIT_COMPATIBLE" val="0"/>
   <p:tag name="KSO_WM_UNIT_DIAGRAM_ISNUMVISUAL" val="0"/>
@@ -19090,8 +19223,8 @@
 </p:tagLst>
 </file>
 
-<file path=ppt/tags/tag187.xml><?xml version="1.0" encoding="utf-8"?>
-<p:tagLst xmlns:a="http://schemas.openxmlformats.org/drawingml/2006/main" xmlns:r="http://schemas.openxmlformats.org/officeDocument/2006/relationships" xmlns:p="http://schemas.openxmlformats.org/presentationml/2006/main">
+<file path=ppt/tags/tag185.xml><?xml version="1.0" encoding="utf-8"?>
+<p:tagLst xmlns:p="http://schemas.openxmlformats.org/presentationml/2006/main">
   <p:tag name="KSO_WM_UNIT_HIGHLIGHT" val="0"/>
   <p:tag name="KSO_WM_UNIT_COMPATIBLE" val="0"/>
   <p:tag name="KSO_WM_UNIT_DIAGRAM_ISNUMVISUAL" val="0"/>
@@ -19110,26 +19243,28 @@
 </p:tagLst>
 </file>
 
-<file path=ppt/tags/tag188.xml><?xml version="1.0" encoding="utf-8"?>
-<p:tagLst xmlns:a="http://schemas.openxmlformats.org/drawingml/2006/main" xmlns:r="http://schemas.openxmlformats.org/officeDocument/2006/relationships" xmlns:p="http://schemas.openxmlformats.org/presentationml/2006/main">
+<file path=ppt/tags/tag186.xml><?xml version="1.0" encoding="utf-8"?>
+<p:tagLst xmlns:p="http://schemas.openxmlformats.org/presentationml/2006/main">
+  <p:tag name="KSO_WM_SLIDE_ID" val="diagram20200773_1"/>
+  <p:tag name="KSO_WM_SLIDE_ITEM_CNT" val="0"/>
+  <p:tag name="KSO_WM_SLIDE_INDEX" val="1"/>
   <p:tag name="KSO_WM_TAG_VERSION" val="1.0"/>
-  <p:tag name="KSO_WM_SLIDE_ITEM_CNT" val="0"/>
-  <p:tag name="KSO_WM_SLIDE_LAYOUT" val="a_b_e"/>
-  <p:tag name="KSO_WM_SLIDE_LAYOUT_CNT" val="1_1_1"/>
-  <p:tag name="KSO_WM_SLIDE_TYPE" val="sectionTitle"/>
   <p:tag name="KSO_WM_BEAUTIFY_FLAG" val="#wm#"/>
-  <p:tag name="KSO_WM_SLIDE_SUBTYPE" val="pureTxt"/>
-  <p:tag name="KSO_WM_COMBINE_RELATE_SLIDE_ID" val="background20185112_7"/>
-  <p:tag name="KSO_WM_TEMPLATE_CATEGORY" val="custom"/>
-  <p:tag name="KSO_WM_TEMPLATE_INDEX" val="20189051"/>
-  <p:tag name="KSO_WM_SLIDE_ID" val="custom20189051_7"/>
-  <p:tag name="KSO_WM_SLIDE_INDEX" val="7"/>
+  <p:tag name="KSO_WM_TEMPLATE_CATEGORY" val="diagram"/>
+  <p:tag name="KSO_WM_TEMPLATE_INDEX" val="20200773"/>
+  <p:tag name="KSO_WM_SLIDE_LAYOUT" val="a_f"/>
+  <p:tag name="KSO_WM_SLIDE_LAYOUT_CNT" val="1_1"/>
+  <p:tag name="KSO_WM_SLIDE_TYPE" val="text"/>
+  <p:tag name="KSO_WM_SLIDE_SUBTYPE" val="picTxt"/>
+  <p:tag name="KSO_WM_SLIDE_SIZE" val="960*511"/>
+  <p:tag name="KSO_WM_SLIDE_POSITION" val="0*0"/>
+  <p:tag name="KSO_WM_SLIDE_COLORSCHEME_VERSION" val="3.2"/>
   <p:tag name="KSO_WM_TEMPLATE_SUBCATEGORY" val="0"/>
 </p:tagLst>
 </file>
 
-<file path=ppt/tags/tag189.xml><?xml version="1.0" encoding="utf-8"?>
-<p:tagLst xmlns:a="http://schemas.openxmlformats.org/drawingml/2006/main" xmlns:r="http://schemas.openxmlformats.org/officeDocument/2006/relationships" xmlns:p="http://schemas.openxmlformats.org/presentationml/2006/main">
+<file path=ppt/tags/tag187.xml><?xml version="1.0" encoding="utf-8"?>
+<p:tagLst xmlns:p="http://schemas.openxmlformats.org/presentationml/2006/main">
   <p:tag name="KSO_WM_TAG_VERSION" val="1.0"/>
   <p:tag name="KSO_WM_BEAUTIFY_FLAG" val="#wm#"/>
   <p:tag name="KSO_WM_UNIT_TYPE" val="e"/>
@@ -19148,41 +19283,26 @@
 </p:tagLst>
 </file>
 
-<file path=ppt/tags/tag19.xml><?xml version="1.0" encoding="utf-8"?>
-<p:tagLst xmlns:a="http://schemas.openxmlformats.org/drawingml/2006/main" xmlns:r="http://schemas.openxmlformats.org/officeDocument/2006/relationships" xmlns:p="http://schemas.openxmlformats.org/presentationml/2006/main">
-  <p:tag name="KSO_WM_UNIT_HIGHLIGHT" val="0"/>
-  <p:tag name="KSO_WM_UNIT_COMPATIBLE" val="0"/>
-  <p:tag name="KSO_WM_UNIT_DIAGRAM_ISNUMVISUAL" val="0"/>
-  <p:tag name="KSO_WM_UNIT_DIAGRAM_ISREFERUNIT" val="0"/>
-  <p:tag name="KSO_WM_UNIT_ID" val="_1**"/>
-  <p:tag name="KSO_WM_UNIT_LAYERLEVEL" val="1"/>
+<file path=ppt/tags/tag188.xml><?xml version="1.0" encoding="utf-8"?>
+<p:tagLst xmlns:p="http://schemas.openxmlformats.org/presentationml/2006/main">
   <p:tag name="KSO_WM_TAG_VERSION" val="1.0"/>
+  <p:tag name="KSO_WM_SLIDE_ITEM_CNT" val="0"/>
+  <p:tag name="KSO_WM_SLIDE_LAYOUT" val="a_b_e"/>
+  <p:tag name="KSO_WM_SLIDE_LAYOUT_CNT" val="1_1_1"/>
+  <p:tag name="KSO_WM_SLIDE_TYPE" val="sectionTitle"/>
   <p:tag name="KSO_WM_BEAUTIFY_FLAG" val="#wm#"/>
-</p:tagLst>
-</file>
-
-<file path=ppt/tags/tag190.xml><?xml version="1.0" encoding="utf-8"?>
-<p:tagLst xmlns:a="http://schemas.openxmlformats.org/drawingml/2006/main" xmlns:r="http://schemas.openxmlformats.org/officeDocument/2006/relationships" xmlns:p="http://schemas.openxmlformats.org/presentationml/2006/main">
-  <p:tag name="KSO_WM_SLIDE_ID" val="diagram20200773_1"/>
-  <p:tag name="KSO_WM_SLIDE_ITEM_CNT" val="0"/>
-  <p:tag name="KSO_WM_SLIDE_INDEX" val="1"/>
-  <p:tag name="KSO_WM_TAG_VERSION" val="1.0"/>
-  <p:tag name="KSO_WM_BEAUTIFY_FLAG" val="#wm#"/>
-  <p:tag name="KSO_WM_TEMPLATE_CATEGORY" val="diagram"/>
-  <p:tag name="KSO_WM_TEMPLATE_INDEX" val="20200773"/>
-  <p:tag name="KSO_WM_SLIDE_LAYOUT" val="a_f"/>
-  <p:tag name="KSO_WM_SLIDE_LAYOUT_CNT" val="1_1"/>
-  <p:tag name="KSO_WM_SLIDE_TYPE" val="text"/>
-  <p:tag name="KSO_WM_SLIDE_SUBTYPE" val="picTxt"/>
-  <p:tag name="KSO_WM_SLIDE_SIZE" val="960*511"/>
-  <p:tag name="KSO_WM_SLIDE_POSITION" val="0*0"/>
-  <p:tag name="KSO_WM_SLIDE_COLORSCHEME_VERSION" val="3.2"/>
+  <p:tag name="KSO_WM_SLIDE_SUBTYPE" val="pureTxt"/>
+  <p:tag name="KSO_WM_COMBINE_RELATE_SLIDE_ID" val="background20185112_7"/>
+  <p:tag name="KSO_WM_TEMPLATE_CATEGORY" val="custom"/>
+  <p:tag name="KSO_WM_TEMPLATE_INDEX" val="20189051"/>
+  <p:tag name="KSO_WM_SLIDE_ID" val="custom20189051_7"/>
+  <p:tag name="KSO_WM_SLIDE_INDEX" val="7"/>
   <p:tag name="KSO_WM_TEMPLATE_SUBCATEGORY" val="0"/>
 </p:tagLst>
 </file>
 
-<file path=ppt/tags/tag191.xml><?xml version="1.0" encoding="utf-8"?>
-<p:tagLst xmlns:a="http://schemas.openxmlformats.org/drawingml/2006/main" xmlns:r="http://schemas.openxmlformats.org/officeDocument/2006/relationships" xmlns:p="http://schemas.openxmlformats.org/presentationml/2006/main">
+<file path=ppt/tags/tag189.xml><?xml version="1.0" encoding="utf-8"?>
+<p:tagLst xmlns:p="http://schemas.openxmlformats.org/presentationml/2006/main">
   <p:tag name="KSO_WM_UNIT_HIGHLIGHT" val="0"/>
   <p:tag name="KSO_WM_UNIT_COMPATIBLE" val="0"/>
   <p:tag name="KSO_WM_UNIT_DIAGRAM_ISNUMVISUAL" val="0"/>
@@ -19198,8 +19318,21 @@
 </p:tagLst>
 </file>
 
-<file path=ppt/tags/tag192.xml><?xml version="1.0" encoding="utf-8"?>
-<p:tagLst xmlns:a="http://schemas.openxmlformats.org/drawingml/2006/main" xmlns:r="http://schemas.openxmlformats.org/officeDocument/2006/relationships" xmlns:p="http://schemas.openxmlformats.org/presentationml/2006/main">
+<file path=ppt/tags/tag19.xml><?xml version="1.0" encoding="utf-8"?>
+<p:tagLst xmlns:p="http://schemas.openxmlformats.org/presentationml/2006/main">
+  <p:tag name="KSO_WM_UNIT_HIGHLIGHT" val="0"/>
+  <p:tag name="KSO_WM_UNIT_COMPATIBLE" val="0"/>
+  <p:tag name="KSO_WM_UNIT_DIAGRAM_ISNUMVISUAL" val="0"/>
+  <p:tag name="KSO_WM_UNIT_DIAGRAM_ISREFERUNIT" val="0"/>
+  <p:tag name="KSO_WM_UNIT_ID" val="_2**"/>
+  <p:tag name="KSO_WM_UNIT_LAYERLEVEL" val="1"/>
+  <p:tag name="KSO_WM_TAG_VERSION" val="1.0"/>
+  <p:tag name="KSO_WM_BEAUTIFY_FLAG" val="#wm#"/>
+</p:tagLst>
+</file>
+
+<file path=ppt/tags/tag190.xml><?xml version="1.0" encoding="utf-8"?>
+<p:tagLst xmlns:p="http://schemas.openxmlformats.org/presentationml/2006/main">
   <p:tag name="KSO_WM_UNIT_HIGHLIGHT" val="0"/>
   <p:tag name="KSO_WM_UNIT_COMPATIBLE" val="0"/>
   <p:tag name="KSO_WM_UNIT_DIAGRAM_ISNUMVISUAL" val="0"/>
@@ -19219,8 +19352,8 @@
 </p:tagLst>
 </file>
 
-<file path=ppt/tags/tag193.xml><?xml version="1.0" encoding="utf-8"?>
-<p:tagLst xmlns:a="http://schemas.openxmlformats.org/drawingml/2006/main" xmlns:r="http://schemas.openxmlformats.org/officeDocument/2006/relationships" xmlns:p="http://schemas.openxmlformats.org/presentationml/2006/main">
+<file path=ppt/tags/tag191.xml><?xml version="1.0" encoding="utf-8"?>
+<p:tagLst xmlns:p="http://schemas.openxmlformats.org/presentationml/2006/main">
   <p:tag name="KSO_WM_UNIT_HIGHLIGHT" val="0"/>
   <p:tag name="KSO_WM_UNIT_COMPATIBLE" val="0"/>
   <p:tag name="KSO_WM_UNIT_DIAGRAM_ISNUMVISUAL" val="0"/>
@@ -19239,8 +19372,8 @@
 </p:tagLst>
 </file>
 
-<file path=ppt/tags/tag194.xml><?xml version="1.0" encoding="utf-8"?>
-<p:tagLst xmlns:a="http://schemas.openxmlformats.org/drawingml/2006/main" xmlns:r="http://schemas.openxmlformats.org/officeDocument/2006/relationships" xmlns:p="http://schemas.openxmlformats.org/presentationml/2006/main">
+<file path=ppt/tags/tag192.xml><?xml version="1.0" encoding="utf-8"?>
+<p:tagLst xmlns:p="http://schemas.openxmlformats.org/presentationml/2006/main">
   <p:tag name="KSO_WM_UNIT_HIGHLIGHT" val="0"/>
   <p:tag name="KSO_WM_UNIT_COMPATIBLE" val="0"/>
   <p:tag name="KSO_WM_UNIT_DIAGRAM_ISNUMVISUAL" val="0"/>
@@ -19259,26 +19392,28 @@
 </p:tagLst>
 </file>
 
-<file path=ppt/tags/tag195.xml><?xml version="1.0" encoding="utf-8"?>
-<p:tagLst xmlns:a="http://schemas.openxmlformats.org/drawingml/2006/main" xmlns:r="http://schemas.openxmlformats.org/officeDocument/2006/relationships" xmlns:p="http://schemas.openxmlformats.org/presentationml/2006/main">
+<file path=ppt/tags/tag193.xml><?xml version="1.0" encoding="utf-8"?>
+<p:tagLst xmlns:p="http://schemas.openxmlformats.org/presentationml/2006/main">
+  <p:tag name="KSO_WM_SLIDE_ID" val="diagram20200773_1"/>
+  <p:tag name="KSO_WM_SLIDE_ITEM_CNT" val="0"/>
+  <p:tag name="KSO_WM_SLIDE_INDEX" val="1"/>
   <p:tag name="KSO_WM_TAG_VERSION" val="1.0"/>
-  <p:tag name="KSO_WM_SLIDE_ITEM_CNT" val="0"/>
-  <p:tag name="KSO_WM_SLIDE_LAYOUT" val="a_b"/>
+  <p:tag name="KSO_WM_BEAUTIFY_FLAG" val="#wm#"/>
+  <p:tag name="KSO_WM_TEMPLATE_CATEGORY" val="diagram"/>
+  <p:tag name="KSO_WM_TEMPLATE_INDEX" val="20200773"/>
+  <p:tag name="KSO_WM_SLIDE_LAYOUT" val="a_f"/>
   <p:tag name="KSO_WM_SLIDE_LAYOUT_CNT" val="1_1"/>
-  <p:tag name="KSO_WM_SLIDE_TYPE" val="endPage"/>
-  <p:tag name="KSO_WM_BEAUTIFY_FLAG" val="#wm#"/>
-  <p:tag name="KSO_WM_SLIDE_SUBTYPE" val="pureTxt"/>
-  <p:tag name="KSO_WM_COMBINE_RELATE_SLIDE_ID" val="background20185112_12"/>
-  <p:tag name="KSO_WM_TEMPLATE_CATEGORY" val="custom"/>
-  <p:tag name="KSO_WM_TEMPLATE_INDEX" val="20189051"/>
-  <p:tag name="KSO_WM_SLIDE_ID" val="custom20189051_12"/>
-  <p:tag name="KSO_WM_SLIDE_INDEX" val="12"/>
+  <p:tag name="KSO_WM_SLIDE_TYPE" val="text"/>
+  <p:tag name="KSO_WM_SLIDE_SUBTYPE" val="picTxt"/>
+  <p:tag name="KSO_WM_SLIDE_SIZE" val="960*511"/>
+  <p:tag name="KSO_WM_SLIDE_POSITION" val="0*0"/>
+  <p:tag name="KSO_WM_SLIDE_COLORSCHEME_VERSION" val="3.2"/>
   <p:tag name="KSO_WM_TEMPLATE_SUBCATEGORY" val="0"/>
 </p:tagLst>
 </file>
 
-<file path=ppt/tags/tag196.xml><?xml version="1.0" encoding="utf-8"?>
-<p:tagLst xmlns:a="http://schemas.openxmlformats.org/drawingml/2006/main" xmlns:r="http://schemas.openxmlformats.org/officeDocument/2006/relationships" xmlns:p="http://schemas.openxmlformats.org/presentationml/2006/main">
+<file path=ppt/tags/tag194.xml><?xml version="1.0" encoding="utf-8"?>
+<p:tagLst xmlns:p="http://schemas.openxmlformats.org/presentationml/2006/main">
   <p:tag name="KSO_WM_TAG_VERSION" val="1.0"/>
   <p:tag name="KSO_WM_BEAUTIFY_FLAG" val="#wm#"/>
   <p:tag name="KSO_WM_UNIT_TYPE" val="a"/>
@@ -19298,8 +19433,8 @@
 </p:tagLst>
 </file>
 
-<file path=ppt/tags/tag197.xml><?xml version="1.0" encoding="utf-8"?>
-<p:tagLst xmlns:a="http://schemas.openxmlformats.org/drawingml/2006/main" xmlns:r="http://schemas.openxmlformats.org/officeDocument/2006/relationships" xmlns:p="http://schemas.openxmlformats.org/presentationml/2006/main">
+<file path=ppt/tags/tag195.xml><?xml version="1.0" encoding="utf-8"?>
+<p:tagLst xmlns:p="http://schemas.openxmlformats.org/presentationml/2006/main">
   <p:tag name="KSO_WM_TAG_VERSION" val="1.0"/>
   <p:tag name="KSO_WM_BEAUTIFY_FLAG" val="#wm#"/>
   <p:tag name="KSO_WM_UNIT_TYPE" val="b"/>
@@ -19319,8 +19454,803 @@
 </p:tagLst>
 </file>
 
+<file path=ppt/tags/tag196.xml><?xml version="1.0" encoding="utf-8"?>
+<p:tagLst xmlns:p="http://schemas.openxmlformats.org/presentationml/2006/main">
+  <p:tag name="KSO_WM_TAG_VERSION" val="1.0"/>
+  <p:tag name="KSO_WM_SLIDE_ITEM_CNT" val="0"/>
+  <p:tag name="KSO_WM_SLIDE_LAYOUT" val="a_b"/>
+  <p:tag name="KSO_WM_SLIDE_LAYOUT_CNT" val="1_1"/>
+  <p:tag name="KSO_WM_SLIDE_TYPE" val="endPage"/>
+  <p:tag name="KSO_WM_BEAUTIFY_FLAG" val="#wm#"/>
+  <p:tag name="KSO_WM_SLIDE_SUBTYPE" val="pureTxt"/>
+  <p:tag name="KSO_WM_COMBINE_RELATE_SLIDE_ID" val="background20185112_12"/>
+  <p:tag name="KSO_WM_TEMPLATE_CATEGORY" val="custom"/>
+  <p:tag name="KSO_WM_TEMPLATE_INDEX" val="20189051"/>
+  <p:tag name="KSO_WM_SLIDE_ID" val="custom20189051_12"/>
+  <p:tag name="KSO_WM_SLIDE_INDEX" val="12"/>
+  <p:tag name="KSO_WM_TEMPLATE_SUBCATEGORY" val="0"/>
+</p:tagLst>
+</file>
+
+<file path=ppt/tags/tag197.xml><?xml version="1.0" encoding="utf-8"?>
+<p:tagLst xmlns:p="http://schemas.openxmlformats.org/presentationml/2006/main">
+  <p:tag name="KSO_WM_DOC_GUID" val="{2eac37a3-4e19-4607-b808-475c46653db4}"/>
+</p:tagLst>
+</file>
+
 <file path=ppt/tags/tag2.xml><?xml version="1.0" encoding="utf-8"?>
-<p:tagLst xmlns:a="http://schemas.openxmlformats.org/drawingml/2006/main" xmlns:r="http://schemas.openxmlformats.org/officeDocument/2006/relationships" xmlns:p="http://schemas.openxmlformats.org/presentationml/2006/main">
+<p:tagLst xmlns:p="http://schemas.openxmlformats.org/presentationml/2006/main">
+  <p:tag name="KSO_WM_UNIT_HIGHLIGHT" val="0"/>
+  <p:tag name="KSO_WM_UNIT_COMPATIBLE" val="0"/>
+  <p:tag name="KSO_WM_UNIT_DIAGRAM_ISNUMVISUAL" val="0"/>
+  <p:tag name="KSO_WM_UNIT_DIAGRAM_ISREFERUNIT" val="0"/>
+  <p:tag name="KSO_WM_UNIT_ID" val="_1**"/>
+  <p:tag name="KSO_WM_UNIT_LAYERLEVEL" val="1"/>
+  <p:tag name="KSO_WM_TAG_VERSION" val="1.0"/>
+  <p:tag name="KSO_WM_BEAUTIFY_FLAG" val="#wm#"/>
+</p:tagLst>
+</file>
+
+<file path=ppt/tags/tag20.xml><?xml version="1.0" encoding="utf-8"?>
+<p:tagLst xmlns:p="http://schemas.openxmlformats.org/presentationml/2006/main">
+  <p:tag name="KSO_WM_UNIT_HIGHLIGHT" val="0"/>
+  <p:tag name="KSO_WM_UNIT_COMPATIBLE" val="0"/>
+  <p:tag name="KSO_WM_UNIT_DIAGRAM_ISNUMVISUAL" val="0"/>
+  <p:tag name="KSO_WM_UNIT_DIAGRAM_ISREFERUNIT" val="0"/>
+  <p:tag name="KSO_WM_UNIT_ID" val="_3*γ*1"/>
+  <p:tag name="KSO_WM_UNIT_LAYERLEVEL" val="1"/>
+  <p:tag name="KSO_WM_TAG_VERSION" val="1.0"/>
+  <p:tag name="KSO_WM_BEAUTIFY_FLAG" val="#wm#"/>
+  <p:tag name="KSO_WM_UNIT_TYPE" val="γ"/>
+  <p:tag name="KSO_WM_UNIT_INDEX" val="1"/>
+</p:tagLst>
+</file>
+
+<file path=ppt/tags/tag21.xml><?xml version="1.0" encoding="utf-8"?>
+<p:tagLst xmlns:p="http://schemas.openxmlformats.org/presentationml/2006/main">
+  <p:tag name="KSO_WM_UNIT_HIGHLIGHT" val="0"/>
+  <p:tag name="KSO_WM_UNIT_COMPATIBLE" val="0"/>
+  <p:tag name="KSO_WM_UNIT_DIAGRAM_ISNUMVISUAL" val="0"/>
+  <p:tag name="KSO_WM_UNIT_DIAGRAM_ISREFERUNIT" val="0"/>
+  <p:tag name="KSO_WM_UNIT_TYPE" val="γ"/>
+  <p:tag name="KSO_WM_UNIT_INDEX" val="2"/>
+  <p:tag name="KSO_WM_UNIT_ID" val="_3*γ*2"/>
+  <p:tag name="KSO_WM_UNIT_LAYERLEVEL" val="1"/>
+  <p:tag name="KSO_WM_TAG_VERSION" val="1.0"/>
+  <p:tag name="KSO_WM_BEAUTIFY_FLAG" val="#wm#"/>
+</p:tagLst>
+</file>
+
+<file path=ppt/tags/tag22.xml><?xml version="1.0" encoding="utf-8"?>
+<p:tagLst xmlns:p="http://schemas.openxmlformats.org/presentationml/2006/main">
+  <p:tag name="KSO_WM_UNIT_HIGHLIGHT" val="0"/>
+  <p:tag name="KSO_WM_UNIT_COMPATIBLE" val="0"/>
+  <p:tag name="KSO_WM_UNIT_DIAGRAM_ISNUMVISUAL" val="0"/>
+  <p:tag name="KSO_WM_UNIT_DIAGRAM_ISREFERUNIT" val="0"/>
+  <p:tag name="KSO_WM_UNIT_ID" val="_3**"/>
+  <p:tag name="KSO_WM_UNIT_LAYERLEVEL" val="1"/>
+  <p:tag name="KSO_WM_TAG_VERSION" val="1.0"/>
+  <p:tag name="KSO_WM_BEAUTIFY_FLAG" val="#wm#"/>
+</p:tagLst>
+</file>
+
+<file path=ppt/tags/tag23.xml><?xml version="1.0" encoding="utf-8"?>
+<p:tagLst xmlns:p="http://schemas.openxmlformats.org/presentationml/2006/main">
+  <p:tag name="KSO_WM_UNIT_HIGHLIGHT" val="0"/>
+  <p:tag name="KSO_WM_UNIT_COMPATIBLE" val="0"/>
+  <p:tag name="KSO_WM_UNIT_DIAGRAM_ISNUMVISUAL" val="0"/>
+  <p:tag name="KSO_WM_UNIT_DIAGRAM_ISREFERUNIT" val="0"/>
+  <p:tag name="KSO_WM_UNIT_ID" val="_3**"/>
+  <p:tag name="KSO_WM_UNIT_LAYERLEVEL" val="1"/>
+  <p:tag name="KSO_WM_TAG_VERSION" val="1.0"/>
+  <p:tag name="KSO_WM_BEAUTIFY_FLAG" val="#wm#"/>
+</p:tagLst>
+</file>
+
+<file path=ppt/tags/tag24.xml><?xml version="1.0" encoding="utf-8"?>
+<p:tagLst xmlns:p="http://schemas.openxmlformats.org/presentationml/2006/main">
+  <p:tag name="KSO_WM_UNIT_HIGHLIGHT" val="0"/>
+  <p:tag name="KSO_WM_UNIT_COMPATIBLE" val="0"/>
+  <p:tag name="KSO_WM_UNIT_DIAGRAM_ISNUMVISUAL" val="0"/>
+  <p:tag name="KSO_WM_UNIT_DIAGRAM_ISREFERUNIT" val="0"/>
+  <p:tag name="KSO_WM_UNIT_ID" val="_3**"/>
+  <p:tag name="KSO_WM_UNIT_LAYERLEVEL" val="1"/>
+  <p:tag name="KSO_WM_TAG_VERSION" val="1.0"/>
+  <p:tag name="KSO_WM_BEAUTIFY_FLAG" val="#wm#"/>
+</p:tagLst>
+</file>
+
+<file path=ppt/tags/tag25.xml><?xml version="1.0" encoding="utf-8"?>
+<p:tagLst xmlns:p="http://schemas.openxmlformats.org/presentationml/2006/main">
+  <p:tag name="KSO_WM_UNIT_HIGHLIGHT" val="0"/>
+  <p:tag name="KSO_WM_UNIT_COMPATIBLE" val="0"/>
+  <p:tag name="KSO_WM_UNIT_DIAGRAM_ISNUMVISUAL" val="0"/>
+  <p:tag name="KSO_WM_UNIT_DIAGRAM_ISREFERUNIT" val="0"/>
+  <p:tag name="KSO_WM_UNIT_ID" val="_3**"/>
+  <p:tag name="KSO_WM_UNIT_LAYERLEVEL" val="1"/>
+  <p:tag name="KSO_WM_TAG_VERSION" val="1.0"/>
+  <p:tag name="KSO_WM_BEAUTIFY_FLAG" val="#wm#"/>
+</p:tagLst>
+</file>
+
+<file path=ppt/tags/tag26.xml><?xml version="1.0" encoding="utf-8"?>
+<p:tagLst xmlns:p="http://schemas.openxmlformats.org/presentationml/2006/main">
+  <p:tag name="KSO_WM_UNIT_HIGHLIGHT" val="0"/>
+  <p:tag name="KSO_WM_UNIT_COMPATIBLE" val="0"/>
+  <p:tag name="KSO_WM_UNIT_DIAGRAM_ISNUMVISUAL" val="0"/>
+  <p:tag name="KSO_WM_UNIT_DIAGRAM_ISREFERUNIT" val="0"/>
+  <p:tag name="KSO_WM_UNIT_ID" val="_3**"/>
+  <p:tag name="KSO_WM_UNIT_LAYERLEVEL" val="1"/>
+  <p:tag name="KSO_WM_TAG_VERSION" val="1.0"/>
+  <p:tag name="KSO_WM_BEAUTIFY_FLAG" val="#wm#"/>
+</p:tagLst>
+</file>
+
+<file path=ppt/tags/tag27.xml><?xml version="1.0" encoding="utf-8"?>
+<p:tagLst xmlns:p="http://schemas.openxmlformats.org/presentationml/2006/main">
+  <p:tag name="KSO_WM_UNIT_HIGHLIGHT" val="0"/>
+  <p:tag name="KSO_WM_UNIT_COMPATIBLE" val="0"/>
+  <p:tag name="KSO_WM_UNIT_DIAGRAM_ISNUMVISUAL" val="0"/>
+  <p:tag name="KSO_WM_UNIT_DIAGRAM_ISREFERUNIT" val="0"/>
+  <p:tag name="KSO_WM_UNIT_ID" val="_3**"/>
+  <p:tag name="KSO_WM_UNIT_LAYERLEVEL" val="1"/>
+  <p:tag name="KSO_WM_TAG_VERSION" val="1.0"/>
+  <p:tag name="KSO_WM_BEAUTIFY_FLAG" val="#wm#"/>
+</p:tagLst>
+</file>
+
+<file path=ppt/tags/tag28.xml><?xml version="1.0" encoding="utf-8"?>
+<p:tagLst xmlns:p="http://schemas.openxmlformats.org/presentationml/2006/main">
+  <p:tag name="KSO_WM_UNIT_HIGHLIGHT" val="0"/>
+  <p:tag name="KSO_WM_UNIT_COMPATIBLE" val="0"/>
+  <p:tag name="KSO_WM_UNIT_DIAGRAM_ISNUMVISUAL" val="0"/>
+  <p:tag name="KSO_WM_UNIT_DIAGRAM_ISREFERUNIT" val="0"/>
+  <p:tag name="KSO_WM_UNIT_ID" val="_4**"/>
+  <p:tag name="KSO_WM_UNIT_LAYERLEVEL" val="1"/>
+  <p:tag name="KSO_WM_TAG_VERSION" val="1.0"/>
+  <p:tag name="KSO_WM_BEAUTIFY_FLAG" val="#wm#"/>
+</p:tagLst>
+</file>
+
+<file path=ppt/tags/tag29.xml><?xml version="1.0" encoding="utf-8"?>
+<p:tagLst xmlns:p="http://schemas.openxmlformats.org/presentationml/2006/main">
+  <p:tag name="KSO_WM_UNIT_HIGHLIGHT" val="0"/>
+  <p:tag name="KSO_WM_UNIT_COMPATIBLE" val="0"/>
+  <p:tag name="KSO_WM_UNIT_DIAGRAM_ISNUMVISUAL" val="0"/>
+  <p:tag name="KSO_WM_UNIT_DIAGRAM_ISREFERUNIT" val="0"/>
+  <p:tag name="KSO_WM_UNIT_ID" val="_4**"/>
+  <p:tag name="KSO_WM_UNIT_LAYERLEVEL" val="1"/>
+  <p:tag name="KSO_WM_TAG_VERSION" val="1.0"/>
+  <p:tag name="KSO_WM_BEAUTIFY_FLAG" val="#wm#"/>
+</p:tagLst>
+</file>
+
+<file path=ppt/tags/tag3.xml><?xml version="1.0" encoding="utf-8"?>
+<p:tagLst xmlns:p="http://schemas.openxmlformats.org/presentationml/2006/main">
+  <p:tag name="KSO_WM_UNIT_HIGHLIGHT" val="0"/>
+  <p:tag name="KSO_WM_UNIT_COMPATIBLE" val="0"/>
+  <p:tag name="KSO_WM_UNIT_DIAGRAM_ISNUMVISUAL" val="0"/>
+  <p:tag name="KSO_WM_UNIT_DIAGRAM_ISREFERUNIT" val="0"/>
+  <p:tag name="KSO_WM_UNIT_ID" val="_1**"/>
+  <p:tag name="KSO_WM_UNIT_LAYERLEVEL" val="1"/>
+  <p:tag name="KSO_WM_TAG_VERSION" val="1.0"/>
+  <p:tag name="KSO_WM_BEAUTIFY_FLAG" val="#wm#"/>
+</p:tagLst>
+</file>
+
+<file path=ppt/tags/tag30.xml><?xml version="1.0" encoding="utf-8"?>
+<p:tagLst xmlns:p="http://schemas.openxmlformats.org/presentationml/2006/main">
+  <p:tag name="KSO_WM_UNIT_HIGHLIGHT" val="0"/>
+  <p:tag name="KSO_WM_UNIT_COMPATIBLE" val="0"/>
+  <p:tag name="KSO_WM_UNIT_DIAGRAM_ISNUMVISUAL" val="0"/>
+  <p:tag name="KSO_WM_UNIT_DIAGRAM_ISREFERUNIT" val="0"/>
+  <p:tag name="KSO_WM_UNIT_ID" val="_4**"/>
+  <p:tag name="KSO_WM_UNIT_LAYERLEVEL" val="1"/>
+  <p:tag name="KSO_WM_TAG_VERSION" val="1.0"/>
+  <p:tag name="KSO_WM_BEAUTIFY_FLAG" val="#wm#"/>
+</p:tagLst>
+</file>
+
+<file path=ppt/tags/tag31.xml><?xml version="1.0" encoding="utf-8"?>
+<p:tagLst xmlns:p="http://schemas.openxmlformats.org/presentationml/2006/main">
+  <p:tag name="KSO_WM_UNIT_HIGHLIGHT" val="0"/>
+  <p:tag name="KSO_WM_UNIT_COMPATIBLE" val="0"/>
+  <p:tag name="KSO_WM_UNIT_DIAGRAM_ISNUMVISUAL" val="0"/>
+  <p:tag name="KSO_WM_UNIT_DIAGRAM_ISREFERUNIT" val="0"/>
+  <p:tag name="KSO_WM_UNIT_ID" val="_4**"/>
+  <p:tag name="KSO_WM_UNIT_LAYERLEVEL" val="1"/>
+  <p:tag name="KSO_WM_TAG_VERSION" val="1.0"/>
+  <p:tag name="KSO_WM_BEAUTIFY_FLAG" val="#wm#"/>
+</p:tagLst>
+</file>
+
+<file path=ppt/tags/tag32.xml><?xml version="1.0" encoding="utf-8"?>
+<p:tagLst xmlns:p="http://schemas.openxmlformats.org/presentationml/2006/main">
+  <p:tag name="KSO_WM_UNIT_HIGHLIGHT" val="0"/>
+  <p:tag name="KSO_WM_UNIT_COMPATIBLE" val="0"/>
+  <p:tag name="KSO_WM_UNIT_DIAGRAM_ISNUMVISUAL" val="0"/>
+  <p:tag name="KSO_WM_UNIT_DIAGRAM_ISREFERUNIT" val="0"/>
+  <p:tag name="KSO_WM_UNIT_ID" val="_4**"/>
+  <p:tag name="KSO_WM_UNIT_LAYERLEVEL" val="1"/>
+  <p:tag name="KSO_WM_TAG_VERSION" val="1.0"/>
+  <p:tag name="KSO_WM_BEAUTIFY_FLAG" val="#wm#"/>
+</p:tagLst>
+</file>
+
+<file path=ppt/tags/tag33.xml><?xml version="1.0" encoding="utf-8"?>
+<p:tagLst xmlns:p="http://schemas.openxmlformats.org/presentationml/2006/main">
+  <p:tag name="KSO_WM_UNIT_HIGHLIGHT" val="0"/>
+  <p:tag name="KSO_WM_UNIT_COMPATIBLE" val="0"/>
+  <p:tag name="KSO_WM_UNIT_DIAGRAM_ISNUMVISUAL" val="0"/>
+  <p:tag name="KSO_WM_UNIT_DIAGRAM_ISREFERUNIT" val="0"/>
+  <p:tag name="KSO_WM_UNIT_ID" val="_4**"/>
+  <p:tag name="KSO_WM_UNIT_LAYERLEVEL" val="1"/>
+  <p:tag name="KSO_WM_TAG_VERSION" val="1.0"/>
+  <p:tag name="KSO_WM_BEAUTIFY_FLAG" val="#wm#"/>
+</p:tagLst>
+</file>
+
+<file path=ppt/tags/tag34.xml><?xml version="1.0" encoding="utf-8"?>
+<p:tagLst xmlns:p="http://schemas.openxmlformats.org/presentationml/2006/main">
+  <p:tag name="KSO_WM_UNIT_HIGHLIGHT" val="0"/>
+  <p:tag name="KSO_WM_UNIT_COMPATIBLE" val="0"/>
+  <p:tag name="KSO_WM_UNIT_DIAGRAM_ISNUMVISUAL" val="0"/>
+  <p:tag name="KSO_WM_UNIT_DIAGRAM_ISREFERUNIT" val="0"/>
+  <p:tag name="KSO_WM_UNIT_ID" val="_5**"/>
+  <p:tag name="KSO_WM_UNIT_LAYERLEVEL" val="1"/>
+  <p:tag name="KSO_WM_TAG_VERSION" val="1.0"/>
+  <p:tag name="KSO_WM_BEAUTIFY_FLAG" val="#wm#"/>
+</p:tagLst>
+</file>
+
+<file path=ppt/tags/tag35.xml><?xml version="1.0" encoding="utf-8"?>
+<p:tagLst xmlns:p="http://schemas.openxmlformats.org/presentationml/2006/main">
+  <p:tag name="KSO_WM_UNIT_HIGHLIGHT" val="0"/>
+  <p:tag name="KSO_WM_UNIT_COMPATIBLE" val="0"/>
+  <p:tag name="KSO_WM_UNIT_DIAGRAM_ISNUMVISUAL" val="0"/>
+  <p:tag name="KSO_WM_UNIT_DIAGRAM_ISREFERUNIT" val="0"/>
+  <p:tag name="KSO_WM_UNIT_ID" val="_5**"/>
+  <p:tag name="KSO_WM_UNIT_LAYERLEVEL" val="1"/>
+  <p:tag name="KSO_WM_TAG_VERSION" val="1.0"/>
+  <p:tag name="KSO_WM_BEAUTIFY_FLAG" val="#wm#"/>
+</p:tagLst>
+</file>
+
+<file path=ppt/tags/tag36.xml><?xml version="1.0" encoding="utf-8"?>
+<p:tagLst xmlns:p="http://schemas.openxmlformats.org/presentationml/2006/main">
+  <p:tag name="KSO_WM_UNIT_HIGHLIGHT" val="0"/>
+  <p:tag name="KSO_WM_UNIT_COMPATIBLE" val="0"/>
+  <p:tag name="KSO_WM_UNIT_DIAGRAM_ISNUMVISUAL" val="0"/>
+  <p:tag name="KSO_WM_UNIT_DIAGRAM_ISREFERUNIT" val="0"/>
+  <p:tag name="KSO_WM_UNIT_ID" val="_5**"/>
+  <p:tag name="KSO_WM_UNIT_LAYERLEVEL" val="1"/>
+  <p:tag name="KSO_WM_TAG_VERSION" val="1.0"/>
+  <p:tag name="KSO_WM_BEAUTIFY_FLAG" val="#wm#"/>
+</p:tagLst>
+</file>
+
+<file path=ppt/tags/tag37.xml><?xml version="1.0" encoding="utf-8"?>
+<p:tagLst xmlns:p="http://schemas.openxmlformats.org/presentationml/2006/main">
+  <p:tag name="KSO_WM_UNIT_HIGHLIGHT" val="0"/>
+  <p:tag name="KSO_WM_UNIT_COMPATIBLE" val="0"/>
+  <p:tag name="KSO_WM_UNIT_DIAGRAM_ISNUMVISUAL" val="0"/>
+  <p:tag name="KSO_WM_UNIT_DIAGRAM_ISREFERUNIT" val="0"/>
+  <p:tag name="KSO_WM_UNIT_ID" val="_5**"/>
+  <p:tag name="KSO_WM_UNIT_LAYERLEVEL" val="1"/>
+  <p:tag name="KSO_WM_TAG_VERSION" val="1.0"/>
+  <p:tag name="KSO_WM_BEAUTIFY_FLAG" val="#wm#"/>
+</p:tagLst>
+</file>
+
+<file path=ppt/tags/tag38.xml><?xml version="1.0" encoding="utf-8"?>
+<p:tagLst xmlns:p="http://schemas.openxmlformats.org/presentationml/2006/main">
+  <p:tag name="KSO_WM_UNIT_HIGHLIGHT" val="0"/>
+  <p:tag name="KSO_WM_UNIT_COMPATIBLE" val="0"/>
+  <p:tag name="KSO_WM_UNIT_DIAGRAM_ISNUMVISUAL" val="0"/>
+  <p:tag name="KSO_WM_UNIT_DIAGRAM_ISREFERUNIT" val="0"/>
+  <p:tag name="KSO_WM_UNIT_ID" val="_5**"/>
+  <p:tag name="KSO_WM_UNIT_LAYERLEVEL" val="1"/>
+  <p:tag name="KSO_WM_TAG_VERSION" val="1.0"/>
+  <p:tag name="KSO_WM_BEAUTIFY_FLAG" val="#wm#"/>
+</p:tagLst>
+</file>
+
+<file path=ppt/tags/tag39.xml><?xml version="1.0" encoding="utf-8"?>
+<p:tagLst xmlns:p="http://schemas.openxmlformats.org/presentationml/2006/main">
+  <p:tag name="KSO_WM_UNIT_HIGHLIGHT" val="0"/>
+  <p:tag name="KSO_WM_UNIT_COMPATIBLE" val="0"/>
+  <p:tag name="KSO_WM_UNIT_DIAGRAM_ISNUMVISUAL" val="0"/>
+  <p:tag name="KSO_WM_UNIT_DIAGRAM_ISREFERUNIT" val="0"/>
+  <p:tag name="KSO_WM_UNIT_ID" val="_5**"/>
+  <p:tag name="KSO_WM_UNIT_LAYERLEVEL" val="1"/>
+  <p:tag name="KSO_WM_TAG_VERSION" val="1.0"/>
+  <p:tag name="KSO_WM_BEAUTIFY_FLAG" val="#wm#"/>
+</p:tagLst>
+</file>
+
+<file path=ppt/tags/tag4.xml><?xml version="1.0" encoding="utf-8"?>
+<p:tagLst xmlns:p="http://schemas.openxmlformats.org/presentationml/2006/main">
+  <p:tag name="KSO_WM_UNIT_HIGHLIGHT" val="0"/>
+  <p:tag name="KSO_WM_UNIT_COMPATIBLE" val="0"/>
+  <p:tag name="KSO_WM_UNIT_DIAGRAM_ISNUMVISUAL" val="0"/>
+  <p:tag name="KSO_WM_UNIT_DIAGRAM_ISREFERUNIT" val="0"/>
+  <p:tag name="KSO_WM_UNIT_ID" val="_1**"/>
+  <p:tag name="KSO_WM_UNIT_LAYERLEVEL" val="1"/>
+  <p:tag name="KSO_WM_TAG_VERSION" val="1.0"/>
+  <p:tag name="KSO_WM_BEAUTIFY_FLAG" val="#wm#"/>
+</p:tagLst>
+</file>
+
+<file path=ppt/tags/tag40.xml><?xml version="1.0" encoding="utf-8"?>
+<p:tagLst xmlns:p="http://schemas.openxmlformats.org/presentationml/2006/main">
+  <p:tag name="KSO_WM_UNIT_HIGHLIGHT" val="0"/>
+  <p:tag name="KSO_WM_UNIT_COMPATIBLE" val="0"/>
+  <p:tag name="KSO_WM_UNIT_DIAGRAM_ISNUMVISUAL" val="0"/>
+  <p:tag name="KSO_WM_UNIT_DIAGRAM_ISREFERUNIT" val="0"/>
+  <p:tag name="KSO_WM_UNIT_ID" val="_5**"/>
+  <p:tag name="KSO_WM_UNIT_LAYERLEVEL" val="1"/>
+  <p:tag name="KSO_WM_TAG_VERSION" val="1.0"/>
+  <p:tag name="KSO_WM_BEAUTIFY_FLAG" val="#wm#"/>
+</p:tagLst>
+</file>
+
+<file path=ppt/tags/tag41.xml><?xml version="1.0" encoding="utf-8"?>
+<p:tagLst xmlns:p="http://schemas.openxmlformats.org/presentationml/2006/main">
+  <p:tag name="KSO_WM_UNIT_HIGHLIGHT" val="0"/>
+  <p:tag name="KSO_WM_UNIT_COMPATIBLE" val="0"/>
+  <p:tag name="KSO_WM_UNIT_DIAGRAM_ISNUMVISUAL" val="0"/>
+  <p:tag name="KSO_WM_UNIT_DIAGRAM_ISREFERUNIT" val="0"/>
+  <p:tag name="KSO_WM_UNIT_ID" val="_5**"/>
+  <p:tag name="KSO_WM_UNIT_LAYERLEVEL" val="1"/>
+  <p:tag name="KSO_WM_TAG_VERSION" val="1.0"/>
+  <p:tag name="KSO_WM_BEAUTIFY_FLAG" val="#wm#"/>
+</p:tagLst>
+</file>
+
+<file path=ppt/tags/tag42.xml><?xml version="1.0" encoding="utf-8"?>
+<p:tagLst xmlns:p="http://schemas.openxmlformats.org/presentationml/2006/main">
+  <p:tag name="KSO_WM_UNIT_HIGHLIGHT" val="0"/>
+  <p:tag name="KSO_WM_UNIT_COMPATIBLE" val="0"/>
+  <p:tag name="KSO_WM_UNIT_DIAGRAM_ISNUMVISUAL" val="0"/>
+  <p:tag name="KSO_WM_UNIT_DIAGRAM_ISREFERUNIT" val="0"/>
+  <p:tag name="KSO_WM_UNIT_ID" val="_6**"/>
+  <p:tag name="KSO_WM_UNIT_LAYERLEVEL" val="1"/>
+  <p:tag name="KSO_WM_TAG_VERSION" val="1.0"/>
+  <p:tag name="KSO_WM_BEAUTIFY_FLAG" val="#wm#"/>
+</p:tagLst>
+</file>
+
+<file path=ppt/tags/tag43.xml><?xml version="1.0" encoding="utf-8"?>
+<p:tagLst xmlns:p="http://schemas.openxmlformats.org/presentationml/2006/main">
+  <p:tag name="KSO_WM_UNIT_HIGHLIGHT" val="0"/>
+  <p:tag name="KSO_WM_UNIT_COMPATIBLE" val="0"/>
+  <p:tag name="KSO_WM_UNIT_DIAGRAM_ISNUMVISUAL" val="0"/>
+  <p:tag name="KSO_WM_UNIT_DIAGRAM_ISREFERUNIT" val="0"/>
+  <p:tag name="KSO_WM_UNIT_ID" val="_6**"/>
+  <p:tag name="KSO_WM_UNIT_LAYERLEVEL" val="1"/>
+  <p:tag name="KSO_WM_TAG_VERSION" val="1.0"/>
+  <p:tag name="KSO_WM_BEAUTIFY_FLAG" val="#wm#"/>
+</p:tagLst>
+</file>
+
+<file path=ppt/tags/tag44.xml><?xml version="1.0" encoding="utf-8"?>
+<p:tagLst xmlns:p="http://schemas.openxmlformats.org/presentationml/2006/main">
+  <p:tag name="KSO_WM_UNIT_HIGHLIGHT" val="0"/>
+  <p:tag name="KSO_WM_UNIT_COMPATIBLE" val="0"/>
+  <p:tag name="KSO_WM_UNIT_DIAGRAM_ISNUMVISUAL" val="0"/>
+  <p:tag name="KSO_WM_UNIT_DIAGRAM_ISREFERUNIT" val="0"/>
+  <p:tag name="KSO_WM_UNIT_ID" val="_6**"/>
+  <p:tag name="KSO_WM_UNIT_LAYERLEVEL" val="1"/>
+  <p:tag name="KSO_WM_TAG_VERSION" val="1.0"/>
+  <p:tag name="KSO_WM_BEAUTIFY_FLAG" val="#wm#"/>
+</p:tagLst>
+</file>
+
+<file path=ppt/tags/tag45.xml><?xml version="1.0" encoding="utf-8"?>
+<p:tagLst xmlns:p="http://schemas.openxmlformats.org/presentationml/2006/main">
+  <p:tag name="KSO_WM_UNIT_HIGHLIGHT" val="0"/>
+  <p:tag name="KSO_WM_UNIT_COMPATIBLE" val="0"/>
+  <p:tag name="KSO_WM_UNIT_DIAGRAM_ISNUMVISUAL" val="0"/>
+  <p:tag name="KSO_WM_UNIT_DIAGRAM_ISREFERUNIT" val="0"/>
+  <p:tag name="KSO_WM_UNIT_ID" val="_6**"/>
+  <p:tag name="KSO_WM_UNIT_LAYERLEVEL" val="1"/>
+  <p:tag name="KSO_WM_TAG_VERSION" val="1.0"/>
+  <p:tag name="KSO_WM_BEAUTIFY_FLAG" val="#wm#"/>
+</p:tagLst>
+</file>
+
+<file path=ppt/tags/tag46.xml><?xml version="1.0" encoding="utf-8"?>
+<p:tagLst xmlns:p="http://schemas.openxmlformats.org/presentationml/2006/main">
+  <p:tag name="KSO_WM_UNIT_HIGHLIGHT" val="0"/>
+  <p:tag name="KSO_WM_UNIT_COMPATIBLE" val="0"/>
+  <p:tag name="KSO_WM_UNIT_DIAGRAM_ISNUMVISUAL" val="0"/>
+  <p:tag name="KSO_WM_UNIT_DIAGRAM_ISREFERUNIT" val="0"/>
+  <p:tag name="KSO_WM_UNIT_ID" val="_7**"/>
+  <p:tag name="KSO_WM_UNIT_LAYERLEVEL" val="1"/>
+  <p:tag name="KSO_WM_TAG_VERSION" val="1.0"/>
+  <p:tag name="KSO_WM_BEAUTIFY_FLAG" val="#wm#"/>
+</p:tagLst>
+</file>
+
+<file path=ppt/tags/tag47.xml><?xml version="1.0" encoding="utf-8"?>
+<p:tagLst xmlns:p="http://schemas.openxmlformats.org/presentationml/2006/main">
+  <p:tag name="KSO_WM_UNIT_HIGHLIGHT" val="0"/>
+  <p:tag name="KSO_WM_UNIT_COMPATIBLE" val="0"/>
+  <p:tag name="KSO_WM_UNIT_DIAGRAM_ISNUMVISUAL" val="0"/>
+  <p:tag name="KSO_WM_UNIT_DIAGRAM_ISREFERUNIT" val="0"/>
+  <p:tag name="KSO_WM_UNIT_ID" val="_7**"/>
+  <p:tag name="KSO_WM_UNIT_LAYERLEVEL" val="1"/>
+  <p:tag name="KSO_WM_TAG_VERSION" val="1.0"/>
+  <p:tag name="KSO_WM_BEAUTIFY_FLAG" val="#wm#"/>
+</p:tagLst>
+</file>
+
+<file path=ppt/tags/tag48.xml><?xml version="1.0" encoding="utf-8"?>
+<p:tagLst xmlns:p="http://schemas.openxmlformats.org/presentationml/2006/main">
+  <p:tag name="KSO_WM_UNIT_HIGHLIGHT" val="0"/>
+  <p:tag name="KSO_WM_UNIT_COMPATIBLE" val="0"/>
+  <p:tag name="KSO_WM_UNIT_DIAGRAM_ISNUMVISUAL" val="0"/>
+  <p:tag name="KSO_WM_UNIT_DIAGRAM_ISREFERUNIT" val="0"/>
+  <p:tag name="KSO_WM_UNIT_ID" val="_7**"/>
+  <p:tag name="KSO_WM_UNIT_LAYERLEVEL" val="1"/>
+  <p:tag name="KSO_WM_TAG_VERSION" val="1.0"/>
+  <p:tag name="KSO_WM_BEAUTIFY_FLAG" val="#wm#"/>
+</p:tagLst>
+</file>
+
+<file path=ppt/tags/tag49.xml><?xml version="1.0" encoding="utf-8"?>
+<p:tagLst xmlns:p="http://schemas.openxmlformats.org/presentationml/2006/main">
+  <p:tag name="KSO_WM_UNIT_HIGHLIGHT" val="0"/>
+  <p:tag name="KSO_WM_UNIT_COMPATIBLE" val="0"/>
+  <p:tag name="KSO_WM_UNIT_DIAGRAM_ISNUMVISUAL" val="0"/>
+  <p:tag name="KSO_WM_UNIT_DIAGRAM_ISREFERUNIT" val="0"/>
+  <p:tag name="KSO_WM_UNIT_ID" val="_8**"/>
+  <p:tag name="KSO_WM_UNIT_LAYERLEVEL" val="1"/>
+  <p:tag name="KSO_WM_TAG_VERSION" val="1.0"/>
+  <p:tag name="KSO_WM_BEAUTIFY_FLAG" val="#wm#"/>
+</p:tagLst>
+</file>
+
+<file path=ppt/tags/tag5.xml><?xml version="1.0" encoding="utf-8"?>
+<p:tagLst xmlns:p="http://schemas.openxmlformats.org/presentationml/2006/main">
+  <p:tag name="KSO_WM_UNIT_HIGHLIGHT" val="0"/>
+  <p:tag name="KSO_WM_UNIT_COMPATIBLE" val="0"/>
+  <p:tag name="KSO_WM_UNIT_DIAGRAM_ISNUMVISUAL" val="0"/>
+  <p:tag name="KSO_WM_UNIT_DIAGRAM_ISREFERUNIT" val="0"/>
+  <p:tag name="KSO_WM_UNIT_ID" val="_1**"/>
+  <p:tag name="KSO_WM_UNIT_LAYERLEVEL" val="1"/>
+  <p:tag name="KSO_WM_TAG_VERSION" val="1.0"/>
+  <p:tag name="KSO_WM_BEAUTIFY_FLAG" val="#wm#"/>
+</p:tagLst>
+</file>
+
+<file path=ppt/tags/tag50.xml><?xml version="1.0" encoding="utf-8"?>
+<p:tagLst xmlns:p="http://schemas.openxmlformats.org/presentationml/2006/main">
+  <p:tag name="KSO_WM_UNIT_HIGHLIGHT" val="0"/>
+  <p:tag name="KSO_WM_UNIT_COMPATIBLE" val="0"/>
+  <p:tag name="KSO_WM_UNIT_DIAGRAM_ISNUMVISUAL" val="0"/>
+  <p:tag name="KSO_WM_UNIT_DIAGRAM_ISREFERUNIT" val="0"/>
+  <p:tag name="KSO_WM_UNIT_ID" val="_8**"/>
+  <p:tag name="KSO_WM_UNIT_LAYERLEVEL" val="1"/>
+  <p:tag name="KSO_WM_TAG_VERSION" val="1.0"/>
+  <p:tag name="KSO_WM_BEAUTIFY_FLAG" val="#wm#"/>
+</p:tagLst>
+</file>
+
+<file path=ppt/tags/tag51.xml><?xml version="1.0" encoding="utf-8"?>
+<p:tagLst xmlns:p="http://schemas.openxmlformats.org/presentationml/2006/main">
+  <p:tag name="KSO_WM_UNIT_HIGHLIGHT" val="0"/>
+  <p:tag name="KSO_WM_UNIT_COMPATIBLE" val="0"/>
+  <p:tag name="KSO_WM_UNIT_DIAGRAM_ISNUMVISUAL" val="0"/>
+  <p:tag name="KSO_WM_UNIT_DIAGRAM_ISREFERUNIT" val="0"/>
+  <p:tag name="KSO_WM_UNIT_ID" val="_8**"/>
+  <p:tag name="KSO_WM_UNIT_LAYERLEVEL" val="1"/>
+  <p:tag name="KSO_WM_TAG_VERSION" val="1.0"/>
+  <p:tag name="KSO_WM_BEAUTIFY_FLAG" val="#wm#"/>
+</p:tagLst>
+</file>
+
+<file path=ppt/tags/tag52.xml><?xml version="1.0" encoding="utf-8"?>
+<p:tagLst xmlns:p="http://schemas.openxmlformats.org/presentationml/2006/main">
+  <p:tag name="KSO_WM_UNIT_HIGHLIGHT" val="0"/>
+  <p:tag name="KSO_WM_UNIT_COMPATIBLE" val="0"/>
+  <p:tag name="KSO_WM_UNIT_DIAGRAM_ISNUMVISUAL" val="0"/>
+  <p:tag name="KSO_WM_UNIT_DIAGRAM_ISREFERUNIT" val="0"/>
+  <p:tag name="KSO_WM_UNIT_ID" val="_8**"/>
+  <p:tag name="KSO_WM_UNIT_LAYERLEVEL" val="1"/>
+  <p:tag name="KSO_WM_TAG_VERSION" val="1.0"/>
+  <p:tag name="KSO_WM_BEAUTIFY_FLAG" val="#wm#"/>
+</p:tagLst>
+</file>
+
+<file path=ppt/tags/tag53.xml><?xml version="1.0" encoding="utf-8"?>
+<p:tagLst xmlns:p="http://schemas.openxmlformats.org/presentationml/2006/main">
+  <p:tag name="KSO_WM_UNIT_HIGHLIGHT" val="0"/>
+  <p:tag name="KSO_WM_UNIT_COMPATIBLE" val="0"/>
+  <p:tag name="KSO_WM_UNIT_DIAGRAM_ISNUMVISUAL" val="0"/>
+  <p:tag name="KSO_WM_UNIT_DIAGRAM_ISREFERUNIT" val="0"/>
+  <p:tag name="KSO_WM_UNIT_ID" val="_8**"/>
+  <p:tag name="KSO_WM_UNIT_LAYERLEVEL" val="1"/>
+  <p:tag name="KSO_WM_TAG_VERSION" val="1.0"/>
+  <p:tag name="KSO_WM_BEAUTIFY_FLAG" val="#wm#"/>
+</p:tagLst>
+</file>
+
+<file path=ppt/tags/tag54.xml><?xml version="1.0" encoding="utf-8"?>
+<p:tagLst xmlns:p="http://schemas.openxmlformats.org/presentationml/2006/main">
+  <p:tag name="KSO_WM_UNIT_HIGHLIGHT" val="0"/>
+  <p:tag name="KSO_WM_UNIT_COMPATIBLE" val="0"/>
+  <p:tag name="KSO_WM_UNIT_DIAGRAM_ISNUMVISUAL" val="0"/>
+  <p:tag name="KSO_WM_UNIT_DIAGRAM_ISREFERUNIT" val="0"/>
+  <p:tag name="KSO_WM_UNIT_ID" val="_8**"/>
+  <p:tag name="KSO_WM_UNIT_LAYERLEVEL" val="1"/>
+  <p:tag name="KSO_WM_TAG_VERSION" val="1.0"/>
+  <p:tag name="KSO_WM_BEAUTIFY_FLAG" val="#wm#"/>
+</p:tagLst>
+</file>
+
+<file path=ppt/tags/tag55.xml><?xml version="1.0" encoding="utf-8"?>
+<p:tagLst xmlns:p="http://schemas.openxmlformats.org/presentationml/2006/main">
+  <p:tag name="KSO_WM_UNIT_HIGHLIGHT" val="0"/>
+  <p:tag name="KSO_WM_UNIT_COMPATIBLE" val="0"/>
+  <p:tag name="KSO_WM_UNIT_DIAGRAM_ISNUMVISUAL" val="0"/>
+  <p:tag name="KSO_WM_UNIT_DIAGRAM_ISREFERUNIT" val="0"/>
+  <p:tag name="KSO_WM_UNIT_ID" val="_9**"/>
+  <p:tag name="KSO_WM_UNIT_LAYERLEVEL" val="1"/>
+  <p:tag name="KSO_WM_TAG_VERSION" val="1.0"/>
+  <p:tag name="KSO_WM_BEAUTIFY_FLAG" val="#wm#"/>
+</p:tagLst>
+</file>
+
+<file path=ppt/tags/tag56.xml><?xml version="1.0" encoding="utf-8"?>
+<p:tagLst xmlns:p="http://schemas.openxmlformats.org/presentationml/2006/main">
+  <p:tag name="KSO_WM_UNIT_HIGHLIGHT" val="0"/>
+  <p:tag name="KSO_WM_UNIT_COMPATIBLE" val="0"/>
+  <p:tag name="KSO_WM_UNIT_DIAGRAM_ISNUMVISUAL" val="0"/>
+  <p:tag name="KSO_WM_UNIT_DIAGRAM_ISREFERUNIT" val="0"/>
+  <p:tag name="KSO_WM_UNIT_ID" val="_9**"/>
+  <p:tag name="KSO_WM_UNIT_LAYERLEVEL" val="1"/>
+  <p:tag name="KSO_WM_TAG_VERSION" val="1.0"/>
+  <p:tag name="KSO_WM_BEAUTIFY_FLAG" val="#wm#"/>
+</p:tagLst>
+</file>
+
+<file path=ppt/tags/tag57.xml><?xml version="1.0" encoding="utf-8"?>
+<p:tagLst xmlns:p="http://schemas.openxmlformats.org/presentationml/2006/main">
+  <p:tag name="KSO_WM_UNIT_HIGHLIGHT" val="0"/>
+  <p:tag name="KSO_WM_UNIT_COMPATIBLE" val="0"/>
+  <p:tag name="KSO_WM_UNIT_DIAGRAM_ISNUMVISUAL" val="0"/>
+  <p:tag name="KSO_WM_UNIT_DIAGRAM_ISREFERUNIT" val="0"/>
+  <p:tag name="KSO_WM_UNIT_ID" val="_9**"/>
+  <p:tag name="KSO_WM_UNIT_LAYERLEVEL" val="1"/>
+  <p:tag name="KSO_WM_TAG_VERSION" val="1.0"/>
+  <p:tag name="KSO_WM_BEAUTIFY_FLAG" val="#wm#"/>
+</p:tagLst>
+</file>
+
+<file path=ppt/tags/tag58.xml><?xml version="1.0" encoding="utf-8"?>
+<p:tagLst xmlns:p="http://schemas.openxmlformats.org/presentationml/2006/main">
+  <p:tag name="KSO_WM_UNIT_HIGHLIGHT" val="0"/>
+  <p:tag name="KSO_WM_UNIT_COMPATIBLE" val="0"/>
+  <p:tag name="KSO_WM_UNIT_DIAGRAM_ISNUMVISUAL" val="0"/>
+  <p:tag name="KSO_WM_UNIT_DIAGRAM_ISREFERUNIT" val="0"/>
+  <p:tag name="KSO_WM_UNIT_ID" val="_9**"/>
+  <p:tag name="KSO_WM_UNIT_LAYERLEVEL" val="1"/>
+  <p:tag name="KSO_WM_TAG_VERSION" val="1.0"/>
+  <p:tag name="KSO_WM_BEAUTIFY_FLAG" val="#wm#"/>
+</p:tagLst>
+</file>
+
+<file path=ppt/tags/tag59.xml><?xml version="1.0" encoding="utf-8"?>
+<p:tagLst xmlns:p="http://schemas.openxmlformats.org/presentationml/2006/main">
+  <p:tag name="KSO_WM_UNIT_HIGHLIGHT" val="0"/>
+  <p:tag name="KSO_WM_UNIT_COMPATIBLE" val="0"/>
+  <p:tag name="KSO_WM_UNIT_DIAGRAM_ISNUMVISUAL" val="0"/>
+  <p:tag name="KSO_WM_UNIT_DIAGRAM_ISREFERUNIT" val="0"/>
+  <p:tag name="KSO_WM_UNIT_ID" val="_9**"/>
+  <p:tag name="KSO_WM_UNIT_LAYERLEVEL" val="1"/>
+  <p:tag name="KSO_WM_TAG_VERSION" val="1.0"/>
+  <p:tag name="KSO_WM_BEAUTIFY_FLAG" val="#wm#"/>
+</p:tagLst>
+</file>
+
+<file path=ppt/tags/tag6.xml><?xml version="1.0" encoding="utf-8"?>
+<p:tagLst xmlns:p="http://schemas.openxmlformats.org/presentationml/2006/main">
+  <p:tag name="KSO_WM_UNIT_HIGHLIGHT" val="0"/>
+  <p:tag name="KSO_WM_UNIT_COMPATIBLE" val="0"/>
+  <p:tag name="KSO_WM_UNIT_DIAGRAM_ISNUMVISUAL" val="0"/>
+  <p:tag name="KSO_WM_UNIT_DIAGRAM_ISREFERUNIT" val="0"/>
+  <p:tag name="KSO_WM_UNIT_ID" val="_1**"/>
+  <p:tag name="KSO_WM_UNIT_LAYERLEVEL" val="1"/>
+  <p:tag name="KSO_WM_TAG_VERSION" val="1.0"/>
+  <p:tag name="KSO_WM_BEAUTIFY_FLAG" val="#wm#"/>
+</p:tagLst>
+</file>
+
+<file path=ppt/tags/tag60.xml><?xml version="1.0" encoding="utf-8"?>
+<p:tagLst xmlns:p="http://schemas.openxmlformats.org/presentationml/2006/main">
+  <p:tag name="KSO_WM_UNIT_HIGHLIGHT" val="0"/>
+  <p:tag name="KSO_WM_UNIT_COMPATIBLE" val="0"/>
+  <p:tag name="KSO_WM_UNIT_DIAGRAM_ISNUMVISUAL" val="0"/>
+  <p:tag name="KSO_WM_UNIT_DIAGRAM_ISREFERUNIT" val="0"/>
+  <p:tag name="KSO_WM_UNIT_ID" val="_10**"/>
+  <p:tag name="KSO_WM_UNIT_LAYERLEVEL" val="1"/>
+  <p:tag name="KSO_WM_TAG_VERSION" val="1.0"/>
+  <p:tag name="KSO_WM_BEAUTIFY_FLAG" val="#wm#"/>
+</p:tagLst>
+</file>
+
+<file path=ppt/tags/tag61.xml><?xml version="1.0" encoding="utf-8"?>
+<p:tagLst xmlns:p="http://schemas.openxmlformats.org/presentationml/2006/main">
+  <p:tag name="KSO_WM_UNIT_HIGHLIGHT" val="0"/>
+  <p:tag name="KSO_WM_UNIT_COMPATIBLE" val="0"/>
+  <p:tag name="KSO_WM_UNIT_DIAGRAM_ISNUMVISUAL" val="0"/>
+  <p:tag name="KSO_WM_UNIT_DIAGRAM_ISREFERUNIT" val="0"/>
+  <p:tag name="KSO_WM_UNIT_ID" val="_10**"/>
+  <p:tag name="KSO_WM_UNIT_LAYERLEVEL" val="1"/>
+  <p:tag name="KSO_WM_TAG_VERSION" val="1.0"/>
+  <p:tag name="KSO_WM_BEAUTIFY_FLAG" val="#wm#"/>
+</p:tagLst>
+</file>
+
+<file path=ppt/tags/tag62.xml><?xml version="1.0" encoding="utf-8"?>
+<p:tagLst xmlns:p="http://schemas.openxmlformats.org/presentationml/2006/main">
+  <p:tag name="KSO_WM_UNIT_HIGHLIGHT" val="0"/>
+  <p:tag name="KSO_WM_UNIT_COMPATIBLE" val="0"/>
+  <p:tag name="KSO_WM_UNIT_DIAGRAM_ISNUMVISUAL" val="0"/>
+  <p:tag name="KSO_WM_UNIT_DIAGRAM_ISREFERUNIT" val="0"/>
+  <p:tag name="KSO_WM_UNIT_ID" val="_10**"/>
+  <p:tag name="KSO_WM_UNIT_LAYERLEVEL" val="1"/>
+  <p:tag name="KSO_WM_TAG_VERSION" val="1.0"/>
+  <p:tag name="KSO_WM_BEAUTIFY_FLAG" val="#wm#"/>
+</p:tagLst>
+</file>
+
+<file path=ppt/tags/tag63.xml><?xml version="1.0" encoding="utf-8"?>
+<p:tagLst xmlns:p="http://schemas.openxmlformats.org/presentationml/2006/main">
+  <p:tag name="KSO_WM_UNIT_HIGHLIGHT" val="0"/>
+  <p:tag name="KSO_WM_UNIT_COMPATIBLE" val="0"/>
+  <p:tag name="KSO_WM_UNIT_DIAGRAM_ISNUMVISUAL" val="0"/>
+  <p:tag name="KSO_WM_UNIT_DIAGRAM_ISREFERUNIT" val="0"/>
+  <p:tag name="KSO_WM_UNIT_ID" val="_10**"/>
+  <p:tag name="KSO_WM_UNIT_LAYERLEVEL" val="1"/>
+  <p:tag name="KSO_WM_TAG_VERSION" val="1.0"/>
+  <p:tag name="KSO_WM_BEAUTIFY_FLAG" val="#wm#"/>
+</p:tagLst>
+</file>
+
+<file path=ppt/tags/tag64.xml><?xml version="1.0" encoding="utf-8"?>
+<p:tagLst xmlns:p="http://schemas.openxmlformats.org/presentationml/2006/main">
+  <p:tag name="KSO_WM_UNIT_HIGHLIGHT" val="0"/>
+  <p:tag name="KSO_WM_UNIT_COMPATIBLE" val="0"/>
+  <p:tag name="KSO_WM_UNIT_DIAGRAM_ISNUMVISUAL" val="0"/>
+  <p:tag name="KSO_WM_UNIT_DIAGRAM_ISREFERUNIT" val="0"/>
+  <p:tag name="KSO_WM_UNIT_ID" val="_11**"/>
+  <p:tag name="KSO_WM_UNIT_LAYERLEVEL" val="1"/>
+  <p:tag name="KSO_WM_TAG_VERSION" val="1.0"/>
+  <p:tag name="KSO_WM_BEAUTIFY_FLAG" val="#wm#"/>
+</p:tagLst>
+</file>
+
+<file path=ppt/tags/tag65.xml><?xml version="1.0" encoding="utf-8"?>
+<p:tagLst xmlns:p="http://schemas.openxmlformats.org/presentationml/2006/main">
+  <p:tag name="KSO_WM_UNIT_HIGHLIGHT" val="0"/>
+  <p:tag name="KSO_WM_UNIT_COMPATIBLE" val="0"/>
+  <p:tag name="KSO_WM_UNIT_DIAGRAM_ISNUMVISUAL" val="0"/>
+  <p:tag name="KSO_WM_UNIT_DIAGRAM_ISREFERUNIT" val="0"/>
+  <p:tag name="KSO_WM_UNIT_ID" val="_11**"/>
+  <p:tag name="KSO_WM_UNIT_LAYERLEVEL" val="1"/>
+  <p:tag name="KSO_WM_TAG_VERSION" val="1.0"/>
+  <p:tag name="KSO_WM_BEAUTIFY_FLAG" val="#wm#"/>
+</p:tagLst>
+</file>
+
+<file path=ppt/tags/tag66.xml><?xml version="1.0" encoding="utf-8"?>
+<p:tagLst xmlns:p="http://schemas.openxmlformats.org/presentationml/2006/main">
+  <p:tag name="KSO_WM_UNIT_HIGHLIGHT" val="0"/>
+  <p:tag name="KSO_WM_UNIT_COMPATIBLE" val="0"/>
+  <p:tag name="KSO_WM_UNIT_DIAGRAM_ISNUMVISUAL" val="0"/>
+  <p:tag name="KSO_WM_UNIT_DIAGRAM_ISREFERUNIT" val="0"/>
+  <p:tag name="KSO_WM_UNIT_ID" val="_11**"/>
+  <p:tag name="KSO_WM_UNIT_LAYERLEVEL" val="1"/>
+  <p:tag name="KSO_WM_TAG_VERSION" val="1.0"/>
+  <p:tag name="KSO_WM_BEAUTIFY_FLAG" val="#wm#"/>
+</p:tagLst>
+</file>
+
+<file path=ppt/tags/tag67.xml><?xml version="1.0" encoding="utf-8"?>
+<p:tagLst xmlns:p="http://schemas.openxmlformats.org/presentationml/2006/main">
+  <p:tag name="KSO_WM_UNIT_HIGHLIGHT" val="0"/>
+  <p:tag name="KSO_WM_UNIT_COMPATIBLE" val="0"/>
+  <p:tag name="KSO_WM_UNIT_DIAGRAM_ISNUMVISUAL" val="0"/>
+  <p:tag name="KSO_WM_UNIT_DIAGRAM_ISREFERUNIT" val="0"/>
+  <p:tag name="KSO_WM_UNIT_ID" val="_11**"/>
+  <p:tag name="KSO_WM_UNIT_LAYERLEVEL" val="1"/>
+  <p:tag name="KSO_WM_TAG_VERSION" val="1.0"/>
+  <p:tag name="KSO_WM_BEAUTIFY_FLAG" val="#wm#"/>
+</p:tagLst>
+</file>
+
+<file path=ppt/tags/tag68.xml><?xml version="1.0" encoding="utf-8"?>
+<p:tagLst xmlns:p="http://schemas.openxmlformats.org/presentationml/2006/main">
+  <p:tag name="KSO_WM_UNIT_HIGHLIGHT" val="0"/>
+  <p:tag name="KSO_WM_UNIT_COMPATIBLE" val="0"/>
+  <p:tag name="KSO_WM_UNIT_DIAGRAM_ISNUMVISUAL" val="0"/>
+  <p:tag name="KSO_WM_UNIT_DIAGRAM_ISREFERUNIT" val="0"/>
+  <p:tag name="KSO_WM_UNIT_ID" val="_11**"/>
+  <p:tag name="KSO_WM_UNIT_LAYERLEVEL" val="1"/>
+  <p:tag name="KSO_WM_TAG_VERSION" val="1.0"/>
+  <p:tag name="KSO_WM_BEAUTIFY_FLAG" val="#wm#"/>
+</p:tagLst>
+</file>
+
+<file path=ppt/tags/tag69.xml><?xml version="1.0" encoding="utf-8"?>
+<p:tagLst xmlns:p="http://schemas.openxmlformats.org/presentationml/2006/main">
+  <p:tag name="KSO_WM_UNIT_HIGHLIGHT" val="0"/>
+  <p:tag name="KSO_WM_UNIT_COMPATIBLE" val="0"/>
+  <p:tag name="KSO_WM_UNIT_DIAGRAM_ISNUMVISUAL" val="0"/>
+  <p:tag name="KSO_WM_UNIT_DIAGRAM_ISREFERUNIT" val="0"/>
+  <p:tag name="KSO_WM_UNIT_ID" val="_11**"/>
+  <p:tag name="KSO_WM_UNIT_LAYERLEVEL" val="1"/>
+  <p:tag name="KSO_WM_TAG_VERSION" val="1.0"/>
+  <p:tag name="KSO_WM_BEAUTIFY_FLAG" val="#wm#"/>
+</p:tagLst>
+</file>
+
+<file path=ppt/tags/tag7.xml><?xml version="1.0" encoding="utf-8"?>
+<p:tagLst xmlns:p="http://schemas.openxmlformats.org/presentationml/2006/main">
+  <p:tag name="KSO_WM_UNIT_HIGHLIGHT" val="0"/>
+  <p:tag name="KSO_WM_UNIT_COMPATIBLE" val="0"/>
+  <p:tag name="KSO_WM_UNIT_DIAGRAM_ISNUMVISUAL" val="0"/>
+  <p:tag name="KSO_WM_UNIT_DIAGRAM_ISREFERUNIT" val="0"/>
+  <p:tag name="KSO_WM_UNIT_ID" val="_1**"/>
+  <p:tag name="KSO_WM_UNIT_LAYERLEVEL" val="1"/>
+  <p:tag name="KSO_WM_TAG_VERSION" val="1.0"/>
+  <p:tag name="KSO_WM_BEAUTIFY_FLAG" val="#wm#"/>
+</p:tagLst>
+</file>
+
+<file path=ppt/tags/tag70.xml><?xml version="1.0" encoding="utf-8"?>
+<p:tagLst xmlns:p="http://schemas.openxmlformats.org/presentationml/2006/main">
+  <p:tag name="KSO_WM_UNIT_HIGHLIGHT" val="0"/>
+  <p:tag name="KSO_WM_UNIT_COMPATIBLE" val="0"/>
+  <p:tag name="KSO_WM_UNIT_DIAGRAM_ISNUMVISUAL" val="0"/>
+  <p:tag name="KSO_WM_UNIT_DIAGRAM_ISREFERUNIT" val="0"/>
+  <p:tag name="KSO_WM_UNIT_ID" val="_11**"/>
+  <p:tag name="KSO_WM_UNIT_LAYERLEVEL" val="1"/>
+  <p:tag name="KSO_WM_TAG_VERSION" val="1.0"/>
+  <p:tag name="KSO_WM_BEAUTIFY_FLAG" val="#wm#"/>
+</p:tagLst>
+</file>
+
+<file path=ppt/tags/tag71.xml><?xml version="1.0" encoding="utf-8"?>
+<p:tagLst xmlns:p="http://schemas.openxmlformats.org/presentationml/2006/main">
+  <p:tag name="KSO_WM_UNIT_HIGHLIGHT" val="0"/>
+  <p:tag name="KSO_WM_UNIT_COMPATIBLE" val="0"/>
+  <p:tag name="KSO_WM_UNIT_DIAGRAM_ISNUMVISUAL" val="0"/>
+  <p:tag name="KSO_WM_UNIT_DIAGRAM_ISREFERUNIT" val="0"/>
+  <p:tag name="KSO_WM_UNIT_ID" val="_11**"/>
+  <p:tag name="KSO_WM_UNIT_LAYERLEVEL" val="1"/>
+  <p:tag name="KSO_WM_TAG_VERSION" val="1.0"/>
+  <p:tag name="KSO_WM_BEAUTIFY_FLAG" val="#wm#"/>
+</p:tagLst>
+</file>
+
+<file path=ppt/tags/tag72.xml><?xml version="1.0" encoding="utf-8"?>
+<p:tagLst xmlns:p="http://schemas.openxmlformats.org/presentationml/2006/main">
+  <p:tag name="KSO_WM_UNIT_HIGHLIGHT" val="0"/>
+  <p:tag name="KSO_WM_UNIT_COMPATIBLE" val="0"/>
+  <p:tag name="KSO_WM_UNIT_DIAGRAM_ISNUMVISUAL" val="0"/>
+  <p:tag name="KSO_WM_UNIT_DIAGRAM_ISREFERUNIT" val="0"/>
+  <p:tag name="KSO_WM_UNIT_ID" val="_11**"/>
+  <p:tag name="KSO_WM_UNIT_LAYERLEVEL" val="1"/>
+  <p:tag name="KSO_WM_TAG_VERSION" val="1.0"/>
+  <p:tag name="KSO_WM_BEAUTIFY_FLAG" val="#wm#"/>
+</p:tagLst>
+</file>
+
+<file path=ppt/tags/tag73.xml><?xml version="1.0" encoding="utf-8"?>
+<p:tagLst xmlns:p="http://schemas.openxmlformats.org/presentationml/2006/main">
   <p:tag name="KSO_WM_TAG_VERSION" val="1.0"/>
   <p:tag name="KSO_WM_BEAUTIFY_FLAG" val="#wm#"/>
   <p:tag name="KSO_WM_UNIT_HIGHLIGHT" val="0"/>
@@ -19334,146 +20264,8 @@
 </p:tagLst>
 </file>
 
-<file path=ppt/tags/tag20.xml><?xml version="1.0" encoding="utf-8"?>
-<p:tagLst xmlns:a="http://schemas.openxmlformats.org/drawingml/2006/main" xmlns:r="http://schemas.openxmlformats.org/officeDocument/2006/relationships" xmlns:p="http://schemas.openxmlformats.org/presentationml/2006/main">
-  <p:tag name="KSO_WM_UNIT_HIGHLIGHT" val="0"/>
-  <p:tag name="KSO_WM_UNIT_COMPATIBLE" val="0"/>
-  <p:tag name="KSO_WM_UNIT_DIAGRAM_ISNUMVISUAL" val="0"/>
-  <p:tag name="KSO_WM_UNIT_DIAGRAM_ISREFERUNIT" val="0"/>
-  <p:tag name="KSO_WM_UNIT_ID" val="_2*γ*1"/>
-  <p:tag name="KSO_WM_UNIT_LAYERLEVEL" val="1"/>
-  <p:tag name="KSO_WM_TAG_VERSION" val="1.0"/>
-  <p:tag name="KSO_WM_BEAUTIFY_FLAG" val="#wm#"/>
-  <p:tag name="KSO_WM_UNIT_TYPE" val="γ"/>
-  <p:tag name="KSO_WM_UNIT_INDEX" val="1"/>
-</p:tagLst>
-</file>
-
-<file path=ppt/tags/tag21.xml><?xml version="1.0" encoding="utf-8"?>
-<p:tagLst xmlns:a="http://schemas.openxmlformats.org/drawingml/2006/main" xmlns:r="http://schemas.openxmlformats.org/officeDocument/2006/relationships" xmlns:p="http://schemas.openxmlformats.org/presentationml/2006/main">
-  <p:tag name="KSO_WM_UNIT_HIGHLIGHT" val="0"/>
-  <p:tag name="KSO_WM_UNIT_COMPATIBLE" val="0"/>
-  <p:tag name="KSO_WM_UNIT_DIAGRAM_ISNUMVISUAL" val="0"/>
-  <p:tag name="KSO_WM_UNIT_DIAGRAM_ISREFERUNIT" val="0"/>
-  <p:tag name="KSO_WM_UNIT_TYPE" val="γ"/>
-  <p:tag name="KSO_WM_UNIT_INDEX" val="2"/>
-  <p:tag name="KSO_WM_UNIT_ID" val="_2*γ*2"/>
-  <p:tag name="KSO_WM_UNIT_LAYERLEVEL" val="1"/>
-  <p:tag name="KSO_WM_TAG_VERSION" val="1.0"/>
-  <p:tag name="KSO_WM_BEAUTIFY_FLAG" val="#wm#"/>
-</p:tagLst>
-</file>
-
-<file path=ppt/tags/tag22.xml><?xml version="1.0" encoding="utf-8"?>
-<p:tagLst xmlns:a="http://schemas.openxmlformats.org/drawingml/2006/main" xmlns:r="http://schemas.openxmlformats.org/officeDocument/2006/relationships" xmlns:p="http://schemas.openxmlformats.org/presentationml/2006/main">
-  <p:tag name="KSO_WM_UNIT_HIGHLIGHT" val="0"/>
-  <p:tag name="KSO_WM_UNIT_COMPATIBLE" val="0"/>
-  <p:tag name="KSO_WM_UNIT_DIAGRAM_ISNUMVISUAL" val="0"/>
-  <p:tag name="KSO_WM_UNIT_DIAGRAM_ISREFERUNIT" val="0"/>
-  <p:tag name="KSO_WM_UNIT_ID" val="_2**"/>
-  <p:tag name="KSO_WM_UNIT_LAYERLEVEL" val="1"/>
-  <p:tag name="KSO_WM_TAG_VERSION" val="1.0"/>
-  <p:tag name="KSO_WM_BEAUTIFY_FLAG" val="#wm#"/>
-</p:tagLst>
-</file>
-
-<file path=ppt/tags/tag23.xml><?xml version="1.0" encoding="utf-8"?>
-<p:tagLst xmlns:a="http://schemas.openxmlformats.org/drawingml/2006/main" xmlns:r="http://schemas.openxmlformats.org/officeDocument/2006/relationships" xmlns:p="http://schemas.openxmlformats.org/presentationml/2006/main">
-  <p:tag name="KSO_WM_UNIT_HIGHLIGHT" val="0"/>
-  <p:tag name="KSO_WM_UNIT_COMPATIBLE" val="0"/>
-  <p:tag name="KSO_WM_UNIT_DIAGRAM_ISNUMVISUAL" val="0"/>
-  <p:tag name="KSO_WM_UNIT_DIAGRAM_ISREFERUNIT" val="0"/>
-  <p:tag name="KSO_WM_UNIT_ID" val="_2**"/>
-  <p:tag name="KSO_WM_UNIT_LAYERLEVEL" val="1"/>
-  <p:tag name="KSO_WM_TAG_VERSION" val="1.0"/>
-  <p:tag name="KSO_WM_BEAUTIFY_FLAG" val="#wm#"/>
-</p:tagLst>
-</file>
-
-<file path=ppt/tags/tag24.xml><?xml version="1.0" encoding="utf-8"?>
-<p:tagLst xmlns:a="http://schemas.openxmlformats.org/drawingml/2006/main" xmlns:r="http://schemas.openxmlformats.org/officeDocument/2006/relationships" xmlns:p="http://schemas.openxmlformats.org/presentationml/2006/main">
-  <p:tag name="KSO_WM_UNIT_HIGHLIGHT" val="0"/>
-  <p:tag name="KSO_WM_UNIT_COMPATIBLE" val="0"/>
-  <p:tag name="KSO_WM_UNIT_DIAGRAM_ISNUMVISUAL" val="0"/>
-  <p:tag name="KSO_WM_UNIT_DIAGRAM_ISREFERUNIT" val="0"/>
-  <p:tag name="KSO_WM_UNIT_ID" val="_2**"/>
-  <p:tag name="KSO_WM_UNIT_LAYERLEVEL" val="1"/>
-  <p:tag name="KSO_WM_TAG_VERSION" val="1.0"/>
-  <p:tag name="KSO_WM_BEAUTIFY_FLAG" val="#wm#"/>
-</p:tagLst>
-</file>
-
-<file path=ppt/tags/tag25.xml><?xml version="1.0" encoding="utf-8"?>
-<p:tagLst xmlns:a="http://schemas.openxmlformats.org/drawingml/2006/main" xmlns:r="http://schemas.openxmlformats.org/officeDocument/2006/relationships" xmlns:p="http://schemas.openxmlformats.org/presentationml/2006/main">
-  <p:tag name="KSO_WM_UNIT_HIGHLIGHT" val="0"/>
-  <p:tag name="KSO_WM_UNIT_COMPATIBLE" val="0"/>
-  <p:tag name="KSO_WM_UNIT_DIAGRAM_ISNUMVISUAL" val="0"/>
-  <p:tag name="KSO_WM_UNIT_DIAGRAM_ISREFERUNIT" val="0"/>
-  <p:tag name="KSO_WM_UNIT_ID" val="_2**"/>
-  <p:tag name="KSO_WM_UNIT_LAYERLEVEL" val="1"/>
-  <p:tag name="KSO_WM_TAG_VERSION" val="1.0"/>
-  <p:tag name="KSO_WM_BEAUTIFY_FLAG" val="#wm#"/>
-</p:tagLst>
-</file>
-
-<file path=ppt/tags/tag26.xml><?xml version="1.0" encoding="utf-8"?>
-<p:tagLst xmlns:a="http://schemas.openxmlformats.org/drawingml/2006/main" xmlns:r="http://schemas.openxmlformats.org/officeDocument/2006/relationships" xmlns:p="http://schemas.openxmlformats.org/presentationml/2006/main">
-  <p:tag name="KSO_WM_UNIT_HIGHLIGHT" val="0"/>
-  <p:tag name="KSO_WM_UNIT_COMPATIBLE" val="0"/>
-  <p:tag name="KSO_WM_UNIT_DIAGRAM_ISNUMVISUAL" val="0"/>
-  <p:tag name="KSO_WM_UNIT_DIAGRAM_ISREFERUNIT" val="0"/>
-  <p:tag name="KSO_WM_UNIT_ID" val="_2**"/>
-  <p:tag name="KSO_WM_UNIT_LAYERLEVEL" val="1"/>
-  <p:tag name="KSO_WM_TAG_VERSION" val="1.0"/>
-  <p:tag name="KSO_WM_BEAUTIFY_FLAG" val="#wm#"/>
-</p:tagLst>
-</file>
-
-<file path=ppt/tags/tag27.xml><?xml version="1.0" encoding="utf-8"?>
-<p:tagLst xmlns:a="http://schemas.openxmlformats.org/drawingml/2006/main" xmlns:r="http://schemas.openxmlformats.org/officeDocument/2006/relationships" xmlns:p="http://schemas.openxmlformats.org/presentationml/2006/main">
-  <p:tag name="KSO_WM_UNIT_HIGHLIGHT" val="0"/>
-  <p:tag name="KSO_WM_UNIT_COMPATIBLE" val="0"/>
-  <p:tag name="KSO_WM_UNIT_DIAGRAM_ISNUMVISUAL" val="0"/>
-  <p:tag name="KSO_WM_UNIT_DIAGRAM_ISREFERUNIT" val="0"/>
-  <p:tag name="KSO_WM_UNIT_ID" val="_3*γ*1"/>
-  <p:tag name="KSO_WM_UNIT_LAYERLEVEL" val="1"/>
-  <p:tag name="KSO_WM_TAG_VERSION" val="1.0"/>
-  <p:tag name="KSO_WM_BEAUTIFY_FLAG" val="#wm#"/>
-  <p:tag name="KSO_WM_UNIT_TYPE" val="γ"/>
-  <p:tag name="KSO_WM_UNIT_INDEX" val="1"/>
-</p:tagLst>
-</file>
-
-<file path=ppt/tags/tag28.xml><?xml version="1.0" encoding="utf-8"?>
-<p:tagLst xmlns:a="http://schemas.openxmlformats.org/drawingml/2006/main" xmlns:r="http://schemas.openxmlformats.org/officeDocument/2006/relationships" xmlns:p="http://schemas.openxmlformats.org/presentationml/2006/main">
-  <p:tag name="KSO_WM_UNIT_HIGHLIGHT" val="0"/>
-  <p:tag name="KSO_WM_UNIT_COMPATIBLE" val="0"/>
-  <p:tag name="KSO_WM_UNIT_DIAGRAM_ISNUMVISUAL" val="0"/>
-  <p:tag name="KSO_WM_UNIT_DIAGRAM_ISREFERUNIT" val="0"/>
-  <p:tag name="KSO_WM_UNIT_TYPE" val="γ"/>
-  <p:tag name="KSO_WM_UNIT_INDEX" val="2"/>
-  <p:tag name="KSO_WM_UNIT_ID" val="_3*γ*2"/>
-  <p:tag name="KSO_WM_UNIT_LAYERLEVEL" val="1"/>
-  <p:tag name="KSO_WM_TAG_VERSION" val="1.0"/>
-  <p:tag name="KSO_WM_BEAUTIFY_FLAG" val="#wm#"/>
-</p:tagLst>
-</file>
-
-<file path=ppt/tags/tag29.xml><?xml version="1.0" encoding="utf-8"?>
-<p:tagLst xmlns:a="http://schemas.openxmlformats.org/drawingml/2006/main" xmlns:r="http://schemas.openxmlformats.org/officeDocument/2006/relationships" xmlns:p="http://schemas.openxmlformats.org/presentationml/2006/main">
-  <p:tag name="KSO_WM_UNIT_HIGHLIGHT" val="0"/>
-  <p:tag name="KSO_WM_UNIT_COMPATIBLE" val="0"/>
-  <p:tag name="KSO_WM_UNIT_DIAGRAM_ISNUMVISUAL" val="0"/>
-  <p:tag name="KSO_WM_UNIT_DIAGRAM_ISREFERUNIT" val="0"/>
-  <p:tag name="KSO_WM_UNIT_ID" val="_3**"/>
-  <p:tag name="KSO_WM_UNIT_LAYERLEVEL" val="1"/>
-  <p:tag name="KSO_WM_TAG_VERSION" val="1.0"/>
-  <p:tag name="KSO_WM_BEAUTIFY_FLAG" val="#wm#"/>
-</p:tagLst>
-</file>
-
-<file path=ppt/tags/tag3.xml><?xml version="1.0" encoding="utf-8"?>
-<p:tagLst xmlns:a="http://schemas.openxmlformats.org/drawingml/2006/main" xmlns:r="http://schemas.openxmlformats.org/officeDocument/2006/relationships" xmlns:p="http://schemas.openxmlformats.org/presentationml/2006/main">
+<file path=ppt/tags/tag74.xml><?xml version="1.0" encoding="utf-8"?>
+<p:tagLst xmlns:p="http://schemas.openxmlformats.org/presentationml/2006/main">
   <p:tag name="KSO_WM_TAG_VERSION" val="1.0"/>
   <p:tag name="KSO_WM_BEAUTIFY_FLAG" val="#wm#"/>
   <p:tag name="KSO_WM_UNIT_HIGHLIGHT" val="0"/>
@@ -19487,8 +20279,226 @@
 </p:tagLst>
 </file>
 
-<file path=ppt/tags/tag30.xml><?xml version="1.0" encoding="utf-8"?>
-<p:tagLst xmlns:a="http://schemas.openxmlformats.org/drawingml/2006/main" xmlns:r="http://schemas.openxmlformats.org/officeDocument/2006/relationships" xmlns:p="http://schemas.openxmlformats.org/presentationml/2006/main">
+<file path=ppt/tags/tag75.xml><?xml version="1.0" encoding="utf-8"?>
+<p:tagLst xmlns:p="http://schemas.openxmlformats.org/presentationml/2006/main">
+  <p:tag name="KSO_WM_UNIT_HIGHLIGHT" val="0"/>
+  <p:tag name="KSO_WM_UNIT_COMPATIBLE" val="0"/>
+  <p:tag name="KSO_WM_UNIT_DIAGRAM_ISNUMVISUAL" val="0"/>
+  <p:tag name="KSO_WM_UNIT_DIAGRAM_ISREFERUNIT" val="0"/>
+  <p:tag name="KSO_WM_UNIT_ID" val="_0**"/>
+  <p:tag name="KSO_WM_UNIT_LAYERLEVEL" val="1"/>
+  <p:tag name="KSO_WM_TAG_VERSION" val="1.0"/>
+  <p:tag name="KSO_WM_BEAUTIFY_FLAG" val="#wm#"/>
+</p:tagLst>
+</file>
+
+<file path=ppt/tags/tag76.xml><?xml version="1.0" encoding="utf-8"?>
+<p:tagLst xmlns:p="http://schemas.openxmlformats.org/presentationml/2006/main">
+  <p:tag name="KSO_WM_UNIT_HIGHLIGHT" val="0"/>
+  <p:tag name="KSO_WM_UNIT_COMPATIBLE" val="0"/>
+  <p:tag name="KSO_WM_UNIT_DIAGRAM_ISNUMVISUAL" val="0"/>
+  <p:tag name="KSO_WM_UNIT_DIAGRAM_ISREFERUNIT" val="0"/>
+  <p:tag name="KSO_WM_UNIT_ID" val="_0**"/>
+  <p:tag name="KSO_WM_UNIT_LAYERLEVEL" val="1"/>
+  <p:tag name="KSO_WM_TAG_VERSION" val="1.0"/>
+  <p:tag name="KSO_WM_BEAUTIFY_FLAG" val="#wm#"/>
+</p:tagLst>
+</file>
+
+<file path=ppt/tags/tag77.xml><?xml version="1.0" encoding="utf-8"?>
+<p:tagLst xmlns:p="http://schemas.openxmlformats.org/presentationml/2006/main">
+  <p:tag name="KSO_WM_UNIT_HIGHLIGHT" val="0"/>
+  <p:tag name="KSO_WM_UNIT_COMPATIBLE" val="0"/>
+  <p:tag name="KSO_WM_UNIT_DIAGRAM_ISNUMVISUAL" val="0"/>
+  <p:tag name="KSO_WM_UNIT_DIAGRAM_ISREFERUNIT" val="0"/>
+  <p:tag name="KSO_WM_UNIT_ID" val="_0**"/>
+  <p:tag name="KSO_WM_UNIT_LAYERLEVEL" val="1"/>
+  <p:tag name="KSO_WM_TAG_VERSION" val="1.0"/>
+  <p:tag name="KSO_WM_BEAUTIFY_FLAG" val="#wm#"/>
+</p:tagLst>
+</file>
+
+<file path=ppt/tags/tag78.xml><?xml version="1.0" encoding="utf-8"?>
+<p:tagLst xmlns:p="http://schemas.openxmlformats.org/presentationml/2006/main">
+  <p:tag name="KSO_WM_TAG_VERSION" val="1.0"/>
+  <p:tag name="KSO_WM_BEAUTIFY_FLAG" val="#wm#"/>
+  <p:tag name="KSO_WM_TEMPLATE_CATEGORY" val="background"/>
+  <p:tag name="KSO_WM_TEMPLATE_INDEX" val="20191704"/>
+  <p:tag name="KSO_WM_TEMPLATE_THUMBS_INDEX" val="1、4"/>
+</p:tagLst>
+</file>
+
+<file path=ppt/tags/tag79.xml><?xml version="1.0" encoding="utf-8"?>
+<p:tagLst xmlns:p="http://schemas.openxmlformats.org/presentationml/2006/main">
+  <p:tag name="KSO_WM_UNIT_HIGHLIGHT" val="0"/>
+  <p:tag name="KSO_WM_UNIT_COMPATIBLE" val="0"/>
+  <p:tag name="KSO_WM_UNIT_DIAGRAM_ISNUMVISUAL" val="0"/>
+  <p:tag name="KSO_WM_UNIT_DIAGRAM_ISREFERUNIT" val="0"/>
+  <p:tag name="KSO_WM_UNIT_ID" val="_1**"/>
+  <p:tag name="KSO_WM_UNIT_LAYERLEVEL" val="1"/>
+  <p:tag name="KSO_WM_TAG_VERSION" val="1.0"/>
+  <p:tag name="KSO_WM_BEAUTIFY_FLAG" val="#wm#"/>
+</p:tagLst>
+</file>
+
+<file path=ppt/tags/tag8.xml><?xml version="1.0" encoding="utf-8"?>
+<p:tagLst xmlns:p="http://schemas.openxmlformats.org/presentationml/2006/main">
+  <p:tag name="KSO_WM_UNIT_HIGHLIGHT" val="0"/>
+  <p:tag name="KSO_WM_UNIT_COMPATIBLE" val="0"/>
+  <p:tag name="KSO_WM_UNIT_DIAGRAM_ISNUMVISUAL" val="0"/>
+  <p:tag name="KSO_WM_UNIT_DIAGRAM_ISREFERUNIT" val="0"/>
+  <p:tag name="KSO_WM_UNIT_ID" val="_1**"/>
+  <p:tag name="KSO_WM_UNIT_LAYERLEVEL" val="1"/>
+  <p:tag name="KSO_WM_TAG_VERSION" val="1.0"/>
+  <p:tag name="KSO_WM_BEAUTIFY_FLAG" val="#wm#"/>
+</p:tagLst>
+</file>
+
+<file path=ppt/tags/tag80.xml><?xml version="1.0" encoding="utf-8"?>
+<p:tagLst xmlns:p="http://schemas.openxmlformats.org/presentationml/2006/main">
+  <p:tag name="KSO_WM_UNIT_HIGHLIGHT" val="0"/>
+  <p:tag name="KSO_WM_UNIT_COMPATIBLE" val="0"/>
+  <p:tag name="KSO_WM_UNIT_DIAGRAM_ISNUMVISUAL" val="0"/>
+  <p:tag name="KSO_WM_UNIT_DIAGRAM_ISREFERUNIT" val="0"/>
+  <p:tag name="KSO_WM_UNIT_ID" val="_1**"/>
+  <p:tag name="KSO_WM_UNIT_LAYERLEVEL" val="1"/>
+  <p:tag name="KSO_WM_TAG_VERSION" val="1.0"/>
+  <p:tag name="KSO_WM_BEAUTIFY_FLAG" val="#wm#"/>
+</p:tagLst>
+</file>
+
+<file path=ppt/tags/tag81.xml><?xml version="1.0" encoding="utf-8"?>
+<p:tagLst xmlns:p="http://schemas.openxmlformats.org/presentationml/2006/main">
+  <p:tag name="KSO_WM_UNIT_HIGHLIGHT" val="0"/>
+  <p:tag name="KSO_WM_UNIT_COMPATIBLE" val="0"/>
+  <p:tag name="KSO_WM_UNIT_DIAGRAM_ISNUMVISUAL" val="0"/>
+  <p:tag name="KSO_WM_UNIT_DIAGRAM_ISREFERUNIT" val="0"/>
+  <p:tag name="KSO_WM_UNIT_ID" val="_1**"/>
+  <p:tag name="KSO_WM_UNIT_LAYERLEVEL" val="1"/>
+  <p:tag name="KSO_WM_TAG_VERSION" val="1.0"/>
+  <p:tag name="KSO_WM_BEAUTIFY_FLAG" val="#wm#"/>
+</p:tagLst>
+</file>
+
+<file path=ppt/tags/tag82.xml><?xml version="1.0" encoding="utf-8"?>
+<p:tagLst xmlns:p="http://schemas.openxmlformats.org/presentationml/2006/main">
+  <p:tag name="KSO_WM_UNIT_HIGHLIGHT" val="0"/>
+  <p:tag name="KSO_WM_UNIT_COMPATIBLE" val="0"/>
+  <p:tag name="KSO_WM_UNIT_DIAGRAM_ISNUMVISUAL" val="0"/>
+  <p:tag name="KSO_WM_UNIT_DIAGRAM_ISREFERUNIT" val="0"/>
+  <p:tag name="KSO_WM_UNIT_ID" val="_1**"/>
+  <p:tag name="KSO_WM_UNIT_LAYERLEVEL" val="1"/>
+  <p:tag name="KSO_WM_TAG_VERSION" val="1.0"/>
+  <p:tag name="KSO_WM_BEAUTIFY_FLAG" val="#wm#"/>
+</p:tagLst>
+</file>
+
+<file path=ppt/tags/tag83.xml><?xml version="1.0" encoding="utf-8"?>
+<p:tagLst xmlns:p="http://schemas.openxmlformats.org/presentationml/2006/main">
+  <p:tag name="KSO_WM_UNIT_HIGHLIGHT" val="0"/>
+  <p:tag name="KSO_WM_UNIT_COMPATIBLE" val="0"/>
+  <p:tag name="KSO_WM_UNIT_DIAGRAM_ISNUMVISUAL" val="0"/>
+  <p:tag name="KSO_WM_UNIT_DIAGRAM_ISREFERUNIT" val="0"/>
+  <p:tag name="KSO_WM_UNIT_ID" val="_1**"/>
+  <p:tag name="KSO_WM_UNIT_LAYERLEVEL" val="1"/>
+  <p:tag name="KSO_WM_TAG_VERSION" val="1.0"/>
+  <p:tag name="KSO_WM_BEAUTIFY_FLAG" val="#wm#"/>
+</p:tagLst>
+</file>
+
+<file path=ppt/tags/tag84.xml><?xml version="1.0" encoding="utf-8"?>
+<p:tagLst xmlns:p="http://schemas.openxmlformats.org/presentationml/2006/main">
+  <p:tag name="KSO_WM_UNIT_HIGHLIGHT" val="0"/>
+  <p:tag name="KSO_WM_UNIT_COMPATIBLE" val="0"/>
+  <p:tag name="KSO_WM_UNIT_DIAGRAM_ISNUMVISUAL" val="0"/>
+  <p:tag name="KSO_WM_UNIT_DIAGRAM_ISREFERUNIT" val="0"/>
+  <p:tag name="KSO_WM_UNIT_ID" val="_1**"/>
+  <p:tag name="KSO_WM_UNIT_LAYERLEVEL" val="1"/>
+  <p:tag name="KSO_WM_TAG_VERSION" val="1.0"/>
+  <p:tag name="KSO_WM_BEAUTIFY_FLAG" val="#wm#"/>
+</p:tagLst>
+</file>
+
+<file path=ppt/tags/tag85.xml><?xml version="1.0" encoding="utf-8"?>
+<p:tagLst xmlns:p="http://schemas.openxmlformats.org/presentationml/2006/main">
+  <p:tag name="KSO_WM_UNIT_HIGHLIGHT" val="0"/>
+  <p:tag name="KSO_WM_UNIT_COMPATIBLE" val="0"/>
+  <p:tag name="KSO_WM_UNIT_DIAGRAM_ISNUMVISUAL" val="0"/>
+  <p:tag name="KSO_WM_UNIT_DIAGRAM_ISREFERUNIT" val="0"/>
+  <p:tag name="KSO_WM_UNIT_ID" val="_2**"/>
+  <p:tag name="KSO_WM_UNIT_LAYERLEVEL" val="1"/>
+  <p:tag name="KSO_WM_TAG_VERSION" val="1.0"/>
+  <p:tag name="KSO_WM_BEAUTIFY_FLAG" val="#wm#"/>
+</p:tagLst>
+</file>
+
+<file path=ppt/tags/tag86.xml><?xml version="1.0" encoding="utf-8"?>
+<p:tagLst xmlns:p="http://schemas.openxmlformats.org/presentationml/2006/main">
+  <p:tag name="KSO_WM_UNIT_HIGHLIGHT" val="0"/>
+  <p:tag name="KSO_WM_UNIT_COMPATIBLE" val="0"/>
+  <p:tag name="KSO_WM_UNIT_DIAGRAM_ISNUMVISUAL" val="0"/>
+  <p:tag name="KSO_WM_UNIT_DIAGRAM_ISREFERUNIT" val="0"/>
+  <p:tag name="KSO_WM_UNIT_ID" val="_2**"/>
+  <p:tag name="KSO_WM_UNIT_LAYERLEVEL" val="1"/>
+  <p:tag name="KSO_WM_TAG_VERSION" val="1.0"/>
+  <p:tag name="KSO_WM_BEAUTIFY_FLAG" val="#wm#"/>
+</p:tagLst>
+</file>
+
+<file path=ppt/tags/tag87.xml><?xml version="1.0" encoding="utf-8"?>
+<p:tagLst xmlns:p="http://schemas.openxmlformats.org/presentationml/2006/main">
+  <p:tag name="KSO_WM_UNIT_HIGHLIGHT" val="0"/>
+  <p:tag name="KSO_WM_UNIT_COMPATIBLE" val="0"/>
+  <p:tag name="KSO_WM_UNIT_DIAGRAM_ISNUMVISUAL" val="0"/>
+  <p:tag name="KSO_WM_UNIT_DIAGRAM_ISREFERUNIT" val="0"/>
+  <p:tag name="KSO_WM_UNIT_ID" val="_2**"/>
+  <p:tag name="KSO_WM_UNIT_LAYERLEVEL" val="1"/>
+  <p:tag name="KSO_WM_TAG_VERSION" val="1.0"/>
+  <p:tag name="KSO_WM_BEAUTIFY_FLAG" val="#wm#"/>
+</p:tagLst>
+</file>
+
+<file path=ppt/tags/tag88.xml><?xml version="1.0" encoding="utf-8"?>
+<p:tagLst xmlns:p="http://schemas.openxmlformats.org/presentationml/2006/main">
+  <p:tag name="KSO_WM_UNIT_HIGHLIGHT" val="0"/>
+  <p:tag name="KSO_WM_UNIT_COMPATIBLE" val="0"/>
+  <p:tag name="KSO_WM_UNIT_DIAGRAM_ISNUMVISUAL" val="0"/>
+  <p:tag name="KSO_WM_UNIT_DIAGRAM_ISREFERUNIT" val="0"/>
+  <p:tag name="KSO_WM_UNIT_ID" val="_2**"/>
+  <p:tag name="KSO_WM_UNIT_LAYERLEVEL" val="1"/>
+  <p:tag name="KSO_WM_TAG_VERSION" val="1.0"/>
+  <p:tag name="KSO_WM_BEAUTIFY_FLAG" val="#wm#"/>
+</p:tagLst>
+</file>
+
+<file path=ppt/tags/tag89.xml><?xml version="1.0" encoding="utf-8"?>
+<p:tagLst xmlns:p="http://schemas.openxmlformats.org/presentationml/2006/main">
+  <p:tag name="KSO_WM_UNIT_HIGHLIGHT" val="0"/>
+  <p:tag name="KSO_WM_UNIT_COMPATIBLE" val="0"/>
+  <p:tag name="KSO_WM_UNIT_DIAGRAM_ISNUMVISUAL" val="0"/>
+  <p:tag name="KSO_WM_UNIT_DIAGRAM_ISREFERUNIT" val="0"/>
+  <p:tag name="KSO_WM_UNIT_ID" val="_2**"/>
+  <p:tag name="KSO_WM_UNIT_LAYERLEVEL" val="1"/>
+  <p:tag name="KSO_WM_TAG_VERSION" val="1.0"/>
+  <p:tag name="KSO_WM_BEAUTIFY_FLAG" val="#wm#"/>
+</p:tagLst>
+</file>
+
+<file path=ppt/tags/tag9.xml><?xml version="1.0" encoding="utf-8"?>
+<p:tagLst xmlns:p="http://schemas.openxmlformats.org/presentationml/2006/main">
+  <p:tag name="KSO_WM_UNIT_HIGHLIGHT" val="0"/>
+  <p:tag name="KSO_WM_UNIT_COMPATIBLE" val="0"/>
+  <p:tag name="KSO_WM_UNIT_DIAGRAM_ISNUMVISUAL" val="0"/>
+  <p:tag name="KSO_WM_UNIT_DIAGRAM_ISREFERUNIT" val="0"/>
+  <p:tag name="KSO_WM_UNIT_ID" val="_1**"/>
+  <p:tag name="KSO_WM_UNIT_LAYERLEVEL" val="1"/>
+  <p:tag name="KSO_WM_TAG_VERSION" val="1.0"/>
+  <p:tag name="KSO_WM_BEAUTIFY_FLAG" val="#wm#"/>
+</p:tagLst>
+</file>
+
+<file path=ppt/tags/tag90.xml><?xml version="1.0" encoding="utf-8"?>
+<p:tagLst xmlns:p="http://schemas.openxmlformats.org/presentationml/2006/main">
   <p:tag name="KSO_WM_UNIT_HIGHLIGHT" val="0"/>
   <p:tag name="KSO_WM_UNIT_COMPATIBLE" val="0"/>
   <p:tag name="KSO_WM_UNIT_DIAGRAM_ISNUMVISUAL" val="0"/>
@@ -19500,8 +20510,8 @@
 </p:tagLst>
 </file>
 
-<file path=ppt/tags/tag31.xml><?xml version="1.0" encoding="utf-8"?>
-<p:tagLst xmlns:a="http://schemas.openxmlformats.org/drawingml/2006/main" xmlns:r="http://schemas.openxmlformats.org/officeDocument/2006/relationships" xmlns:p="http://schemas.openxmlformats.org/presentationml/2006/main">
+<file path=ppt/tags/tag91.xml><?xml version="1.0" encoding="utf-8"?>
+<p:tagLst xmlns:p="http://schemas.openxmlformats.org/presentationml/2006/main">
   <p:tag name="KSO_WM_UNIT_HIGHLIGHT" val="0"/>
   <p:tag name="KSO_WM_UNIT_COMPATIBLE" val="0"/>
   <p:tag name="KSO_WM_UNIT_DIAGRAM_ISNUMVISUAL" val="0"/>
@@ -19513,8 +20523,8 @@
 </p:tagLst>
 </file>
 
-<file path=ppt/tags/tag32.xml><?xml version="1.0" encoding="utf-8"?>
-<p:tagLst xmlns:a="http://schemas.openxmlformats.org/drawingml/2006/main" xmlns:r="http://schemas.openxmlformats.org/officeDocument/2006/relationships" xmlns:p="http://schemas.openxmlformats.org/presentationml/2006/main">
+<file path=ppt/tags/tag92.xml><?xml version="1.0" encoding="utf-8"?>
+<p:tagLst xmlns:p="http://schemas.openxmlformats.org/presentationml/2006/main">
   <p:tag name="KSO_WM_UNIT_HIGHLIGHT" val="0"/>
   <p:tag name="KSO_WM_UNIT_COMPATIBLE" val="0"/>
   <p:tag name="KSO_WM_UNIT_DIAGRAM_ISNUMVISUAL" val="0"/>
@@ -19526,8 +20536,8 @@
 </p:tagLst>
 </file>
 
-<file path=ppt/tags/tag33.xml><?xml version="1.0" encoding="utf-8"?>
-<p:tagLst xmlns:a="http://schemas.openxmlformats.org/drawingml/2006/main" xmlns:r="http://schemas.openxmlformats.org/officeDocument/2006/relationships" xmlns:p="http://schemas.openxmlformats.org/presentationml/2006/main">
+<file path=ppt/tags/tag93.xml><?xml version="1.0" encoding="utf-8"?>
+<p:tagLst xmlns:p="http://schemas.openxmlformats.org/presentationml/2006/main">
   <p:tag name="KSO_WM_UNIT_HIGHLIGHT" val="0"/>
   <p:tag name="KSO_WM_UNIT_COMPATIBLE" val="0"/>
   <p:tag name="KSO_WM_UNIT_DIAGRAM_ISNUMVISUAL" val="0"/>
@@ -19539,8 +20549,8 @@
 </p:tagLst>
 </file>
 
-<file path=ppt/tags/tag34.xml><?xml version="1.0" encoding="utf-8"?>
-<p:tagLst xmlns:a="http://schemas.openxmlformats.org/drawingml/2006/main" xmlns:r="http://schemas.openxmlformats.org/officeDocument/2006/relationships" xmlns:p="http://schemas.openxmlformats.org/presentationml/2006/main">
+<file path=ppt/tags/tag94.xml><?xml version="1.0" encoding="utf-8"?>
+<p:tagLst xmlns:p="http://schemas.openxmlformats.org/presentationml/2006/main">
   <p:tag name="KSO_WM_UNIT_HIGHLIGHT" val="0"/>
   <p:tag name="KSO_WM_UNIT_COMPATIBLE" val="0"/>
   <p:tag name="KSO_WM_UNIT_DIAGRAM_ISNUMVISUAL" val="0"/>
@@ -19552,8 +20562,34 @@
 </p:tagLst>
 </file>
 
-<file path=ppt/tags/tag35.xml><?xml version="1.0" encoding="utf-8"?>
-<p:tagLst xmlns:a="http://schemas.openxmlformats.org/drawingml/2006/main" xmlns:r="http://schemas.openxmlformats.org/officeDocument/2006/relationships" xmlns:p="http://schemas.openxmlformats.org/presentationml/2006/main">
+<file path=ppt/tags/tag95.xml><?xml version="1.0" encoding="utf-8"?>
+<p:tagLst xmlns:p="http://schemas.openxmlformats.org/presentationml/2006/main">
+  <p:tag name="KSO_WM_UNIT_HIGHLIGHT" val="0"/>
+  <p:tag name="KSO_WM_UNIT_COMPATIBLE" val="0"/>
+  <p:tag name="KSO_WM_UNIT_DIAGRAM_ISNUMVISUAL" val="0"/>
+  <p:tag name="KSO_WM_UNIT_DIAGRAM_ISREFERUNIT" val="0"/>
+  <p:tag name="KSO_WM_UNIT_ID" val="_3**"/>
+  <p:tag name="KSO_WM_UNIT_LAYERLEVEL" val="1"/>
+  <p:tag name="KSO_WM_TAG_VERSION" val="1.0"/>
+  <p:tag name="KSO_WM_BEAUTIFY_FLAG" val="#wm#"/>
+</p:tagLst>
+</file>
+
+<file path=ppt/tags/tag96.xml><?xml version="1.0" encoding="utf-8"?>
+<p:tagLst xmlns:p="http://schemas.openxmlformats.org/presentationml/2006/main">
+  <p:tag name="KSO_WM_UNIT_HIGHLIGHT" val="0"/>
+  <p:tag name="KSO_WM_UNIT_COMPATIBLE" val="0"/>
+  <p:tag name="KSO_WM_UNIT_DIAGRAM_ISNUMVISUAL" val="0"/>
+  <p:tag name="KSO_WM_UNIT_DIAGRAM_ISREFERUNIT" val="0"/>
+  <p:tag name="KSO_WM_UNIT_ID" val="_3**"/>
+  <p:tag name="KSO_WM_UNIT_LAYERLEVEL" val="1"/>
+  <p:tag name="KSO_WM_TAG_VERSION" val="1.0"/>
+  <p:tag name="KSO_WM_BEAUTIFY_FLAG" val="#wm#"/>
+</p:tagLst>
+</file>
+
+<file path=ppt/tags/tag97.xml><?xml version="1.0" encoding="utf-8"?>
+<p:tagLst xmlns:p="http://schemas.openxmlformats.org/presentationml/2006/main">
   <p:tag name="KSO_WM_UNIT_HIGHLIGHT" val="0"/>
   <p:tag name="KSO_WM_UNIT_COMPATIBLE" val="0"/>
   <p:tag name="KSO_WM_UNIT_DIAGRAM_ISNUMVISUAL" val="0"/>
@@ -19565,8 +20601,8 @@
 </p:tagLst>
 </file>
 
-<file path=ppt/tags/tag36.xml><?xml version="1.0" encoding="utf-8"?>
-<p:tagLst xmlns:a="http://schemas.openxmlformats.org/drawingml/2006/main" xmlns:r="http://schemas.openxmlformats.org/officeDocument/2006/relationships" xmlns:p="http://schemas.openxmlformats.org/presentationml/2006/main">
+<file path=ppt/tags/tag98.xml><?xml version="1.0" encoding="utf-8"?>
+<p:tagLst xmlns:p="http://schemas.openxmlformats.org/presentationml/2006/main">
   <p:tag name="KSO_WM_UNIT_HIGHLIGHT" val="0"/>
   <p:tag name="KSO_WM_UNIT_COMPATIBLE" val="0"/>
   <p:tag name="KSO_WM_UNIT_DIAGRAM_ISNUMVISUAL" val="0"/>
@@ -19578,902 +20614,13 @@
 </p:tagLst>
 </file>
 
-<file path=ppt/tags/tag37.xml><?xml version="1.0" encoding="utf-8"?>
-<p:tagLst xmlns:a="http://schemas.openxmlformats.org/drawingml/2006/main" xmlns:r="http://schemas.openxmlformats.org/officeDocument/2006/relationships" xmlns:p="http://schemas.openxmlformats.org/presentationml/2006/main">
+<file path=ppt/tags/tag99.xml><?xml version="1.0" encoding="utf-8"?>
+<p:tagLst xmlns:p="http://schemas.openxmlformats.org/presentationml/2006/main">
   <p:tag name="KSO_WM_UNIT_HIGHLIGHT" val="0"/>
   <p:tag name="KSO_WM_UNIT_COMPATIBLE" val="0"/>
   <p:tag name="KSO_WM_UNIT_DIAGRAM_ISNUMVISUAL" val="0"/>
   <p:tag name="KSO_WM_UNIT_DIAGRAM_ISREFERUNIT" val="0"/>
   <p:tag name="KSO_WM_UNIT_ID" val="_4**"/>
-  <p:tag name="KSO_WM_UNIT_LAYERLEVEL" val="1"/>
-  <p:tag name="KSO_WM_TAG_VERSION" val="1.0"/>
-  <p:tag name="KSO_WM_BEAUTIFY_FLAG" val="#wm#"/>
-</p:tagLst>
-</file>
-
-<file path=ppt/tags/tag38.xml><?xml version="1.0" encoding="utf-8"?>
-<p:tagLst xmlns:a="http://schemas.openxmlformats.org/drawingml/2006/main" xmlns:r="http://schemas.openxmlformats.org/officeDocument/2006/relationships" xmlns:p="http://schemas.openxmlformats.org/presentationml/2006/main">
-  <p:tag name="KSO_WM_UNIT_HIGHLIGHT" val="0"/>
-  <p:tag name="KSO_WM_UNIT_COMPATIBLE" val="0"/>
-  <p:tag name="KSO_WM_UNIT_DIAGRAM_ISNUMVISUAL" val="0"/>
-  <p:tag name="KSO_WM_UNIT_DIAGRAM_ISREFERUNIT" val="0"/>
-  <p:tag name="KSO_WM_UNIT_ID" val="_4**"/>
-  <p:tag name="KSO_WM_UNIT_LAYERLEVEL" val="1"/>
-  <p:tag name="KSO_WM_TAG_VERSION" val="1.0"/>
-  <p:tag name="KSO_WM_BEAUTIFY_FLAG" val="#wm#"/>
-</p:tagLst>
-</file>
-
-<file path=ppt/tags/tag39.xml><?xml version="1.0" encoding="utf-8"?>
-<p:tagLst xmlns:a="http://schemas.openxmlformats.org/drawingml/2006/main" xmlns:r="http://schemas.openxmlformats.org/officeDocument/2006/relationships" xmlns:p="http://schemas.openxmlformats.org/presentationml/2006/main">
-  <p:tag name="KSO_WM_UNIT_HIGHLIGHT" val="0"/>
-  <p:tag name="KSO_WM_UNIT_COMPATIBLE" val="0"/>
-  <p:tag name="KSO_WM_UNIT_DIAGRAM_ISNUMVISUAL" val="0"/>
-  <p:tag name="KSO_WM_UNIT_DIAGRAM_ISREFERUNIT" val="0"/>
-  <p:tag name="KSO_WM_UNIT_ID" val="_4**"/>
-  <p:tag name="KSO_WM_UNIT_LAYERLEVEL" val="1"/>
-  <p:tag name="KSO_WM_TAG_VERSION" val="1.0"/>
-  <p:tag name="KSO_WM_BEAUTIFY_FLAG" val="#wm#"/>
-</p:tagLst>
-</file>
-
-<file path=ppt/tags/tag4.xml><?xml version="1.0" encoding="utf-8"?>
-<p:tagLst xmlns:a="http://schemas.openxmlformats.org/drawingml/2006/main" xmlns:r="http://schemas.openxmlformats.org/officeDocument/2006/relationships" xmlns:p="http://schemas.openxmlformats.org/presentationml/2006/main">
-  <p:tag name="KSO_WM_UNIT_HIGHLIGHT" val="0"/>
-  <p:tag name="KSO_WM_UNIT_COMPATIBLE" val="0"/>
-  <p:tag name="KSO_WM_UNIT_DIAGRAM_ISNUMVISUAL" val="0"/>
-  <p:tag name="KSO_WM_UNIT_DIAGRAM_ISREFERUNIT" val="0"/>
-  <p:tag name="KSO_WM_UNIT_ID" val="_0**"/>
-  <p:tag name="KSO_WM_UNIT_LAYERLEVEL" val="1"/>
-  <p:tag name="KSO_WM_TAG_VERSION" val="1.0"/>
-  <p:tag name="KSO_WM_BEAUTIFY_FLAG" val="#wm#"/>
-</p:tagLst>
-</file>
-
-<file path=ppt/tags/tag40.xml><?xml version="1.0" encoding="utf-8"?>
-<p:tagLst xmlns:a="http://schemas.openxmlformats.org/drawingml/2006/main" xmlns:r="http://schemas.openxmlformats.org/officeDocument/2006/relationships" xmlns:p="http://schemas.openxmlformats.org/presentationml/2006/main">
-  <p:tag name="KSO_WM_UNIT_HIGHLIGHT" val="0"/>
-  <p:tag name="KSO_WM_UNIT_COMPATIBLE" val="0"/>
-  <p:tag name="KSO_WM_UNIT_DIAGRAM_ISNUMVISUAL" val="0"/>
-  <p:tag name="KSO_WM_UNIT_DIAGRAM_ISREFERUNIT" val="0"/>
-  <p:tag name="KSO_WM_UNIT_ID" val="_4**"/>
-  <p:tag name="KSO_WM_UNIT_LAYERLEVEL" val="1"/>
-  <p:tag name="KSO_WM_TAG_VERSION" val="1.0"/>
-  <p:tag name="KSO_WM_BEAUTIFY_FLAG" val="#wm#"/>
-</p:tagLst>
-</file>
-
-<file path=ppt/tags/tag41.xml><?xml version="1.0" encoding="utf-8"?>
-<p:tagLst xmlns:a="http://schemas.openxmlformats.org/drawingml/2006/main" xmlns:r="http://schemas.openxmlformats.org/officeDocument/2006/relationships" xmlns:p="http://schemas.openxmlformats.org/presentationml/2006/main">
-  <p:tag name="KSO_WM_UNIT_HIGHLIGHT" val="0"/>
-  <p:tag name="KSO_WM_UNIT_COMPATIBLE" val="0"/>
-  <p:tag name="KSO_WM_UNIT_DIAGRAM_ISNUMVISUAL" val="0"/>
-  <p:tag name="KSO_WM_UNIT_DIAGRAM_ISREFERUNIT" val="0"/>
-  <p:tag name="KSO_WM_UNIT_ID" val="_5**"/>
-  <p:tag name="KSO_WM_UNIT_LAYERLEVEL" val="1"/>
-  <p:tag name="KSO_WM_TAG_VERSION" val="1.0"/>
-  <p:tag name="KSO_WM_BEAUTIFY_FLAG" val="#wm#"/>
-</p:tagLst>
-</file>
-
-<file path=ppt/tags/tag42.xml><?xml version="1.0" encoding="utf-8"?>
-<p:tagLst xmlns:a="http://schemas.openxmlformats.org/drawingml/2006/main" xmlns:r="http://schemas.openxmlformats.org/officeDocument/2006/relationships" xmlns:p="http://schemas.openxmlformats.org/presentationml/2006/main">
-  <p:tag name="KSO_WM_UNIT_HIGHLIGHT" val="0"/>
-  <p:tag name="KSO_WM_UNIT_COMPATIBLE" val="0"/>
-  <p:tag name="KSO_WM_UNIT_DIAGRAM_ISNUMVISUAL" val="0"/>
-  <p:tag name="KSO_WM_UNIT_DIAGRAM_ISREFERUNIT" val="0"/>
-  <p:tag name="KSO_WM_UNIT_ID" val="_5**"/>
-  <p:tag name="KSO_WM_UNIT_LAYERLEVEL" val="1"/>
-  <p:tag name="KSO_WM_TAG_VERSION" val="1.0"/>
-  <p:tag name="KSO_WM_BEAUTIFY_FLAG" val="#wm#"/>
-</p:tagLst>
-</file>
-
-<file path=ppt/tags/tag43.xml><?xml version="1.0" encoding="utf-8"?>
-<p:tagLst xmlns:a="http://schemas.openxmlformats.org/drawingml/2006/main" xmlns:r="http://schemas.openxmlformats.org/officeDocument/2006/relationships" xmlns:p="http://schemas.openxmlformats.org/presentationml/2006/main">
-  <p:tag name="KSO_WM_UNIT_HIGHLIGHT" val="0"/>
-  <p:tag name="KSO_WM_UNIT_COMPATIBLE" val="0"/>
-  <p:tag name="KSO_WM_UNIT_DIAGRAM_ISNUMVISUAL" val="0"/>
-  <p:tag name="KSO_WM_UNIT_DIAGRAM_ISREFERUNIT" val="0"/>
-  <p:tag name="KSO_WM_UNIT_ID" val="_5**"/>
-  <p:tag name="KSO_WM_UNIT_LAYERLEVEL" val="1"/>
-  <p:tag name="KSO_WM_TAG_VERSION" val="1.0"/>
-  <p:tag name="KSO_WM_BEAUTIFY_FLAG" val="#wm#"/>
-</p:tagLst>
-</file>
-
-<file path=ppt/tags/tag44.xml><?xml version="1.0" encoding="utf-8"?>
-<p:tagLst xmlns:a="http://schemas.openxmlformats.org/drawingml/2006/main" xmlns:r="http://schemas.openxmlformats.org/officeDocument/2006/relationships" xmlns:p="http://schemas.openxmlformats.org/presentationml/2006/main">
-  <p:tag name="KSO_WM_UNIT_HIGHLIGHT" val="0"/>
-  <p:tag name="KSO_WM_UNIT_COMPATIBLE" val="0"/>
-  <p:tag name="KSO_WM_UNIT_DIAGRAM_ISNUMVISUAL" val="0"/>
-  <p:tag name="KSO_WM_UNIT_DIAGRAM_ISREFERUNIT" val="0"/>
-  <p:tag name="KSO_WM_UNIT_ID" val="_5**"/>
-  <p:tag name="KSO_WM_UNIT_LAYERLEVEL" val="1"/>
-  <p:tag name="KSO_WM_TAG_VERSION" val="1.0"/>
-  <p:tag name="KSO_WM_BEAUTIFY_FLAG" val="#wm#"/>
-</p:tagLst>
-</file>
-
-<file path=ppt/tags/tag45.xml><?xml version="1.0" encoding="utf-8"?>
-<p:tagLst xmlns:a="http://schemas.openxmlformats.org/drawingml/2006/main" xmlns:r="http://schemas.openxmlformats.org/officeDocument/2006/relationships" xmlns:p="http://schemas.openxmlformats.org/presentationml/2006/main">
-  <p:tag name="KSO_WM_UNIT_HIGHLIGHT" val="0"/>
-  <p:tag name="KSO_WM_UNIT_COMPATIBLE" val="0"/>
-  <p:tag name="KSO_WM_UNIT_DIAGRAM_ISNUMVISUAL" val="0"/>
-  <p:tag name="KSO_WM_UNIT_DIAGRAM_ISREFERUNIT" val="0"/>
-  <p:tag name="KSO_WM_UNIT_ID" val="_5**"/>
-  <p:tag name="KSO_WM_UNIT_LAYERLEVEL" val="1"/>
-  <p:tag name="KSO_WM_TAG_VERSION" val="1.0"/>
-  <p:tag name="KSO_WM_BEAUTIFY_FLAG" val="#wm#"/>
-</p:tagLst>
-</file>
-
-<file path=ppt/tags/tag46.xml><?xml version="1.0" encoding="utf-8"?>
-<p:tagLst xmlns:a="http://schemas.openxmlformats.org/drawingml/2006/main" xmlns:r="http://schemas.openxmlformats.org/officeDocument/2006/relationships" xmlns:p="http://schemas.openxmlformats.org/presentationml/2006/main">
-  <p:tag name="KSO_WM_UNIT_HIGHLIGHT" val="0"/>
-  <p:tag name="KSO_WM_UNIT_COMPATIBLE" val="0"/>
-  <p:tag name="KSO_WM_UNIT_DIAGRAM_ISNUMVISUAL" val="0"/>
-  <p:tag name="KSO_WM_UNIT_DIAGRAM_ISREFERUNIT" val="0"/>
-  <p:tag name="KSO_WM_UNIT_ID" val="_5**"/>
-  <p:tag name="KSO_WM_UNIT_LAYERLEVEL" val="1"/>
-  <p:tag name="KSO_WM_TAG_VERSION" val="1.0"/>
-  <p:tag name="KSO_WM_BEAUTIFY_FLAG" val="#wm#"/>
-</p:tagLst>
-</file>
-
-<file path=ppt/tags/tag47.xml><?xml version="1.0" encoding="utf-8"?>
-<p:tagLst xmlns:a="http://schemas.openxmlformats.org/drawingml/2006/main" xmlns:r="http://schemas.openxmlformats.org/officeDocument/2006/relationships" xmlns:p="http://schemas.openxmlformats.org/presentationml/2006/main">
-  <p:tag name="KSO_WM_UNIT_HIGHLIGHT" val="0"/>
-  <p:tag name="KSO_WM_UNIT_COMPATIBLE" val="0"/>
-  <p:tag name="KSO_WM_UNIT_DIAGRAM_ISNUMVISUAL" val="0"/>
-  <p:tag name="KSO_WM_UNIT_DIAGRAM_ISREFERUNIT" val="0"/>
-  <p:tag name="KSO_WM_UNIT_ID" val="_5**"/>
-  <p:tag name="KSO_WM_UNIT_LAYERLEVEL" val="1"/>
-  <p:tag name="KSO_WM_TAG_VERSION" val="1.0"/>
-  <p:tag name="KSO_WM_BEAUTIFY_FLAG" val="#wm#"/>
-</p:tagLst>
-</file>
-
-<file path=ppt/tags/tag48.xml><?xml version="1.0" encoding="utf-8"?>
-<p:tagLst xmlns:a="http://schemas.openxmlformats.org/drawingml/2006/main" xmlns:r="http://schemas.openxmlformats.org/officeDocument/2006/relationships" xmlns:p="http://schemas.openxmlformats.org/presentationml/2006/main">
-  <p:tag name="KSO_WM_UNIT_HIGHLIGHT" val="0"/>
-  <p:tag name="KSO_WM_UNIT_COMPATIBLE" val="0"/>
-  <p:tag name="KSO_WM_UNIT_DIAGRAM_ISNUMVISUAL" val="0"/>
-  <p:tag name="KSO_WM_UNIT_DIAGRAM_ISREFERUNIT" val="0"/>
-  <p:tag name="KSO_WM_UNIT_ID" val="_5**"/>
-  <p:tag name="KSO_WM_UNIT_LAYERLEVEL" val="1"/>
-  <p:tag name="KSO_WM_TAG_VERSION" val="1.0"/>
-  <p:tag name="KSO_WM_BEAUTIFY_FLAG" val="#wm#"/>
-</p:tagLst>
-</file>
-
-<file path=ppt/tags/tag49.xml><?xml version="1.0" encoding="utf-8"?>
-<p:tagLst xmlns:a="http://schemas.openxmlformats.org/drawingml/2006/main" xmlns:r="http://schemas.openxmlformats.org/officeDocument/2006/relationships" xmlns:p="http://schemas.openxmlformats.org/presentationml/2006/main">
-  <p:tag name="KSO_WM_UNIT_HIGHLIGHT" val="0"/>
-  <p:tag name="KSO_WM_UNIT_COMPATIBLE" val="0"/>
-  <p:tag name="KSO_WM_UNIT_DIAGRAM_ISNUMVISUAL" val="0"/>
-  <p:tag name="KSO_WM_UNIT_DIAGRAM_ISREFERUNIT" val="0"/>
-  <p:tag name="KSO_WM_UNIT_ID" val="_6**"/>
-  <p:tag name="KSO_WM_UNIT_LAYERLEVEL" val="1"/>
-  <p:tag name="KSO_WM_TAG_VERSION" val="1.0"/>
-  <p:tag name="KSO_WM_BEAUTIFY_FLAG" val="#wm#"/>
-</p:tagLst>
-</file>
-
-<file path=ppt/tags/tag5.xml><?xml version="1.0" encoding="utf-8"?>
-<p:tagLst xmlns:a="http://schemas.openxmlformats.org/drawingml/2006/main" xmlns:r="http://schemas.openxmlformats.org/officeDocument/2006/relationships" xmlns:p="http://schemas.openxmlformats.org/presentationml/2006/main">
-  <p:tag name="KSO_WM_UNIT_HIGHLIGHT" val="0"/>
-  <p:tag name="KSO_WM_UNIT_COMPATIBLE" val="0"/>
-  <p:tag name="KSO_WM_UNIT_DIAGRAM_ISNUMVISUAL" val="0"/>
-  <p:tag name="KSO_WM_UNIT_DIAGRAM_ISREFERUNIT" val="0"/>
-  <p:tag name="KSO_WM_UNIT_ID" val="_0**"/>
-  <p:tag name="KSO_WM_UNIT_LAYERLEVEL" val="1"/>
-  <p:tag name="KSO_WM_TAG_VERSION" val="1.0"/>
-  <p:tag name="KSO_WM_BEAUTIFY_FLAG" val="#wm#"/>
-</p:tagLst>
-</file>
-
-<file path=ppt/tags/tag50.xml><?xml version="1.0" encoding="utf-8"?>
-<p:tagLst xmlns:a="http://schemas.openxmlformats.org/drawingml/2006/main" xmlns:r="http://schemas.openxmlformats.org/officeDocument/2006/relationships" xmlns:p="http://schemas.openxmlformats.org/presentationml/2006/main">
-  <p:tag name="KSO_WM_UNIT_HIGHLIGHT" val="0"/>
-  <p:tag name="KSO_WM_UNIT_COMPATIBLE" val="0"/>
-  <p:tag name="KSO_WM_UNIT_DIAGRAM_ISNUMVISUAL" val="0"/>
-  <p:tag name="KSO_WM_UNIT_DIAGRAM_ISREFERUNIT" val="0"/>
-  <p:tag name="KSO_WM_UNIT_ID" val="_6**"/>
-  <p:tag name="KSO_WM_UNIT_LAYERLEVEL" val="1"/>
-  <p:tag name="KSO_WM_TAG_VERSION" val="1.0"/>
-  <p:tag name="KSO_WM_BEAUTIFY_FLAG" val="#wm#"/>
-</p:tagLst>
-</file>
-
-<file path=ppt/tags/tag51.xml><?xml version="1.0" encoding="utf-8"?>
-<p:tagLst xmlns:a="http://schemas.openxmlformats.org/drawingml/2006/main" xmlns:r="http://schemas.openxmlformats.org/officeDocument/2006/relationships" xmlns:p="http://schemas.openxmlformats.org/presentationml/2006/main">
-  <p:tag name="KSO_WM_UNIT_HIGHLIGHT" val="0"/>
-  <p:tag name="KSO_WM_UNIT_COMPATIBLE" val="0"/>
-  <p:tag name="KSO_WM_UNIT_DIAGRAM_ISNUMVISUAL" val="0"/>
-  <p:tag name="KSO_WM_UNIT_DIAGRAM_ISREFERUNIT" val="0"/>
-  <p:tag name="KSO_WM_UNIT_ID" val="_6**"/>
-  <p:tag name="KSO_WM_UNIT_LAYERLEVEL" val="1"/>
-  <p:tag name="KSO_WM_TAG_VERSION" val="1.0"/>
-  <p:tag name="KSO_WM_BEAUTIFY_FLAG" val="#wm#"/>
-</p:tagLst>
-</file>
-
-<file path=ppt/tags/tag52.xml><?xml version="1.0" encoding="utf-8"?>
-<p:tagLst xmlns:a="http://schemas.openxmlformats.org/drawingml/2006/main" xmlns:r="http://schemas.openxmlformats.org/officeDocument/2006/relationships" xmlns:p="http://schemas.openxmlformats.org/presentationml/2006/main">
-  <p:tag name="KSO_WM_UNIT_HIGHLIGHT" val="0"/>
-  <p:tag name="KSO_WM_UNIT_COMPATIBLE" val="0"/>
-  <p:tag name="KSO_WM_UNIT_DIAGRAM_ISNUMVISUAL" val="0"/>
-  <p:tag name="KSO_WM_UNIT_DIAGRAM_ISREFERUNIT" val="0"/>
-  <p:tag name="KSO_WM_UNIT_ID" val="_6**"/>
-  <p:tag name="KSO_WM_UNIT_LAYERLEVEL" val="1"/>
-  <p:tag name="KSO_WM_TAG_VERSION" val="1.0"/>
-  <p:tag name="KSO_WM_BEAUTIFY_FLAG" val="#wm#"/>
-</p:tagLst>
-</file>
-
-<file path=ppt/tags/tag53.xml><?xml version="1.0" encoding="utf-8"?>
-<p:tagLst xmlns:a="http://schemas.openxmlformats.org/drawingml/2006/main" xmlns:r="http://schemas.openxmlformats.org/officeDocument/2006/relationships" xmlns:p="http://schemas.openxmlformats.org/presentationml/2006/main">
-  <p:tag name="KSO_WM_UNIT_HIGHLIGHT" val="0"/>
-  <p:tag name="KSO_WM_UNIT_COMPATIBLE" val="0"/>
-  <p:tag name="KSO_WM_UNIT_DIAGRAM_ISNUMVISUAL" val="0"/>
-  <p:tag name="KSO_WM_UNIT_DIAGRAM_ISREFERUNIT" val="0"/>
-  <p:tag name="KSO_WM_UNIT_ID" val="_7**"/>
-  <p:tag name="KSO_WM_UNIT_LAYERLEVEL" val="1"/>
-  <p:tag name="KSO_WM_TAG_VERSION" val="1.0"/>
-  <p:tag name="KSO_WM_BEAUTIFY_FLAG" val="#wm#"/>
-</p:tagLst>
-</file>
-
-<file path=ppt/tags/tag54.xml><?xml version="1.0" encoding="utf-8"?>
-<p:tagLst xmlns:a="http://schemas.openxmlformats.org/drawingml/2006/main" xmlns:r="http://schemas.openxmlformats.org/officeDocument/2006/relationships" xmlns:p="http://schemas.openxmlformats.org/presentationml/2006/main">
-  <p:tag name="KSO_WM_UNIT_HIGHLIGHT" val="0"/>
-  <p:tag name="KSO_WM_UNIT_COMPATIBLE" val="0"/>
-  <p:tag name="KSO_WM_UNIT_DIAGRAM_ISNUMVISUAL" val="0"/>
-  <p:tag name="KSO_WM_UNIT_DIAGRAM_ISREFERUNIT" val="0"/>
-  <p:tag name="KSO_WM_UNIT_ID" val="_7**"/>
-  <p:tag name="KSO_WM_UNIT_LAYERLEVEL" val="1"/>
-  <p:tag name="KSO_WM_TAG_VERSION" val="1.0"/>
-  <p:tag name="KSO_WM_BEAUTIFY_FLAG" val="#wm#"/>
-</p:tagLst>
-</file>
-
-<file path=ppt/tags/tag55.xml><?xml version="1.0" encoding="utf-8"?>
-<p:tagLst xmlns:a="http://schemas.openxmlformats.org/drawingml/2006/main" xmlns:r="http://schemas.openxmlformats.org/officeDocument/2006/relationships" xmlns:p="http://schemas.openxmlformats.org/presentationml/2006/main">
-  <p:tag name="KSO_WM_UNIT_HIGHLIGHT" val="0"/>
-  <p:tag name="KSO_WM_UNIT_COMPATIBLE" val="0"/>
-  <p:tag name="KSO_WM_UNIT_DIAGRAM_ISNUMVISUAL" val="0"/>
-  <p:tag name="KSO_WM_UNIT_DIAGRAM_ISREFERUNIT" val="0"/>
-  <p:tag name="KSO_WM_UNIT_ID" val="_7**"/>
-  <p:tag name="KSO_WM_UNIT_LAYERLEVEL" val="1"/>
-  <p:tag name="KSO_WM_TAG_VERSION" val="1.0"/>
-  <p:tag name="KSO_WM_BEAUTIFY_FLAG" val="#wm#"/>
-</p:tagLst>
-</file>
-
-<file path=ppt/tags/tag56.xml><?xml version="1.0" encoding="utf-8"?>
-<p:tagLst xmlns:a="http://schemas.openxmlformats.org/drawingml/2006/main" xmlns:r="http://schemas.openxmlformats.org/officeDocument/2006/relationships" xmlns:p="http://schemas.openxmlformats.org/presentationml/2006/main">
-  <p:tag name="KSO_WM_UNIT_HIGHLIGHT" val="0"/>
-  <p:tag name="KSO_WM_UNIT_COMPATIBLE" val="0"/>
-  <p:tag name="KSO_WM_UNIT_DIAGRAM_ISNUMVISUAL" val="0"/>
-  <p:tag name="KSO_WM_UNIT_DIAGRAM_ISREFERUNIT" val="0"/>
-  <p:tag name="KSO_WM_UNIT_ID" val="_8**"/>
-  <p:tag name="KSO_WM_UNIT_LAYERLEVEL" val="1"/>
-  <p:tag name="KSO_WM_TAG_VERSION" val="1.0"/>
-  <p:tag name="KSO_WM_BEAUTIFY_FLAG" val="#wm#"/>
-</p:tagLst>
-</file>
-
-<file path=ppt/tags/tag57.xml><?xml version="1.0" encoding="utf-8"?>
-<p:tagLst xmlns:a="http://schemas.openxmlformats.org/drawingml/2006/main" xmlns:r="http://schemas.openxmlformats.org/officeDocument/2006/relationships" xmlns:p="http://schemas.openxmlformats.org/presentationml/2006/main">
-  <p:tag name="KSO_WM_UNIT_HIGHLIGHT" val="0"/>
-  <p:tag name="KSO_WM_UNIT_COMPATIBLE" val="0"/>
-  <p:tag name="KSO_WM_UNIT_DIAGRAM_ISNUMVISUAL" val="0"/>
-  <p:tag name="KSO_WM_UNIT_DIAGRAM_ISREFERUNIT" val="0"/>
-  <p:tag name="KSO_WM_UNIT_ID" val="_8**"/>
-  <p:tag name="KSO_WM_UNIT_LAYERLEVEL" val="1"/>
-  <p:tag name="KSO_WM_TAG_VERSION" val="1.0"/>
-  <p:tag name="KSO_WM_BEAUTIFY_FLAG" val="#wm#"/>
-</p:tagLst>
-</file>
-
-<file path=ppt/tags/tag58.xml><?xml version="1.0" encoding="utf-8"?>
-<p:tagLst xmlns:a="http://schemas.openxmlformats.org/drawingml/2006/main" xmlns:r="http://schemas.openxmlformats.org/officeDocument/2006/relationships" xmlns:p="http://schemas.openxmlformats.org/presentationml/2006/main">
-  <p:tag name="KSO_WM_UNIT_HIGHLIGHT" val="0"/>
-  <p:tag name="KSO_WM_UNIT_COMPATIBLE" val="0"/>
-  <p:tag name="KSO_WM_UNIT_DIAGRAM_ISNUMVISUAL" val="0"/>
-  <p:tag name="KSO_WM_UNIT_DIAGRAM_ISREFERUNIT" val="0"/>
-  <p:tag name="KSO_WM_UNIT_ID" val="_8**"/>
-  <p:tag name="KSO_WM_UNIT_LAYERLEVEL" val="1"/>
-  <p:tag name="KSO_WM_TAG_VERSION" val="1.0"/>
-  <p:tag name="KSO_WM_BEAUTIFY_FLAG" val="#wm#"/>
-</p:tagLst>
-</file>
-
-<file path=ppt/tags/tag59.xml><?xml version="1.0" encoding="utf-8"?>
-<p:tagLst xmlns:a="http://schemas.openxmlformats.org/drawingml/2006/main" xmlns:r="http://schemas.openxmlformats.org/officeDocument/2006/relationships" xmlns:p="http://schemas.openxmlformats.org/presentationml/2006/main">
-  <p:tag name="KSO_WM_UNIT_HIGHLIGHT" val="0"/>
-  <p:tag name="KSO_WM_UNIT_COMPATIBLE" val="0"/>
-  <p:tag name="KSO_WM_UNIT_DIAGRAM_ISNUMVISUAL" val="0"/>
-  <p:tag name="KSO_WM_UNIT_DIAGRAM_ISREFERUNIT" val="0"/>
-  <p:tag name="KSO_WM_UNIT_ID" val="_8**"/>
-  <p:tag name="KSO_WM_UNIT_LAYERLEVEL" val="1"/>
-  <p:tag name="KSO_WM_TAG_VERSION" val="1.0"/>
-  <p:tag name="KSO_WM_BEAUTIFY_FLAG" val="#wm#"/>
-</p:tagLst>
-</file>
-
-<file path=ppt/tags/tag6.xml><?xml version="1.0" encoding="utf-8"?>
-<p:tagLst xmlns:a="http://schemas.openxmlformats.org/drawingml/2006/main" xmlns:r="http://schemas.openxmlformats.org/officeDocument/2006/relationships" xmlns:p="http://schemas.openxmlformats.org/presentationml/2006/main">
-  <p:tag name="KSO_WM_UNIT_HIGHLIGHT" val="0"/>
-  <p:tag name="KSO_WM_UNIT_COMPATIBLE" val="0"/>
-  <p:tag name="KSO_WM_UNIT_DIAGRAM_ISNUMVISUAL" val="0"/>
-  <p:tag name="KSO_WM_UNIT_DIAGRAM_ISREFERUNIT" val="0"/>
-  <p:tag name="KSO_WM_UNIT_ID" val="_0**"/>
-  <p:tag name="KSO_WM_UNIT_LAYERLEVEL" val="1"/>
-  <p:tag name="KSO_WM_TAG_VERSION" val="1.0"/>
-  <p:tag name="KSO_WM_BEAUTIFY_FLAG" val="#wm#"/>
-</p:tagLst>
-</file>
-
-<file path=ppt/tags/tag60.xml><?xml version="1.0" encoding="utf-8"?>
-<p:tagLst xmlns:a="http://schemas.openxmlformats.org/drawingml/2006/main" xmlns:r="http://schemas.openxmlformats.org/officeDocument/2006/relationships" xmlns:p="http://schemas.openxmlformats.org/presentationml/2006/main">
-  <p:tag name="KSO_WM_UNIT_HIGHLIGHT" val="0"/>
-  <p:tag name="KSO_WM_UNIT_COMPATIBLE" val="0"/>
-  <p:tag name="KSO_WM_UNIT_DIAGRAM_ISNUMVISUAL" val="0"/>
-  <p:tag name="KSO_WM_UNIT_DIAGRAM_ISREFERUNIT" val="0"/>
-  <p:tag name="KSO_WM_UNIT_ID" val="_8**"/>
-  <p:tag name="KSO_WM_UNIT_LAYERLEVEL" val="1"/>
-  <p:tag name="KSO_WM_TAG_VERSION" val="1.0"/>
-  <p:tag name="KSO_WM_BEAUTIFY_FLAG" val="#wm#"/>
-</p:tagLst>
-</file>
-
-<file path=ppt/tags/tag61.xml><?xml version="1.0" encoding="utf-8"?>
-<p:tagLst xmlns:a="http://schemas.openxmlformats.org/drawingml/2006/main" xmlns:r="http://schemas.openxmlformats.org/officeDocument/2006/relationships" xmlns:p="http://schemas.openxmlformats.org/presentationml/2006/main">
-  <p:tag name="KSO_WM_UNIT_HIGHLIGHT" val="0"/>
-  <p:tag name="KSO_WM_UNIT_COMPATIBLE" val="0"/>
-  <p:tag name="KSO_WM_UNIT_DIAGRAM_ISNUMVISUAL" val="0"/>
-  <p:tag name="KSO_WM_UNIT_DIAGRAM_ISREFERUNIT" val="0"/>
-  <p:tag name="KSO_WM_UNIT_ID" val="_8**"/>
-  <p:tag name="KSO_WM_UNIT_LAYERLEVEL" val="1"/>
-  <p:tag name="KSO_WM_TAG_VERSION" val="1.0"/>
-  <p:tag name="KSO_WM_BEAUTIFY_FLAG" val="#wm#"/>
-</p:tagLst>
-</file>
-
-<file path=ppt/tags/tag62.xml><?xml version="1.0" encoding="utf-8"?>
-<p:tagLst xmlns:a="http://schemas.openxmlformats.org/drawingml/2006/main" xmlns:r="http://schemas.openxmlformats.org/officeDocument/2006/relationships" xmlns:p="http://schemas.openxmlformats.org/presentationml/2006/main">
-  <p:tag name="KSO_WM_UNIT_HIGHLIGHT" val="0"/>
-  <p:tag name="KSO_WM_UNIT_COMPATIBLE" val="0"/>
-  <p:tag name="KSO_WM_UNIT_DIAGRAM_ISNUMVISUAL" val="0"/>
-  <p:tag name="KSO_WM_UNIT_DIAGRAM_ISREFERUNIT" val="0"/>
-  <p:tag name="KSO_WM_UNIT_ID" val="_9**"/>
-  <p:tag name="KSO_WM_UNIT_LAYERLEVEL" val="1"/>
-  <p:tag name="KSO_WM_TAG_VERSION" val="1.0"/>
-  <p:tag name="KSO_WM_BEAUTIFY_FLAG" val="#wm#"/>
-</p:tagLst>
-</file>
-
-<file path=ppt/tags/tag63.xml><?xml version="1.0" encoding="utf-8"?>
-<p:tagLst xmlns:a="http://schemas.openxmlformats.org/drawingml/2006/main" xmlns:r="http://schemas.openxmlformats.org/officeDocument/2006/relationships" xmlns:p="http://schemas.openxmlformats.org/presentationml/2006/main">
-  <p:tag name="KSO_WM_UNIT_HIGHLIGHT" val="0"/>
-  <p:tag name="KSO_WM_UNIT_COMPATIBLE" val="0"/>
-  <p:tag name="KSO_WM_UNIT_DIAGRAM_ISNUMVISUAL" val="0"/>
-  <p:tag name="KSO_WM_UNIT_DIAGRAM_ISREFERUNIT" val="0"/>
-  <p:tag name="KSO_WM_UNIT_ID" val="_9**"/>
-  <p:tag name="KSO_WM_UNIT_LAYERLEVEL" val="1"/>
-  <p:tag name="KSO_WM_TAG_VERSION" val="1.0"/>
-  <p:tag name="KSO_WM_BEAUTIFY_FLAG" val="#wm#"/>
-</p:tagLst>
-</file>
-
-<file path=ppt/tags/tag64.xml><?xml version="1.0" encoding="utf-8"?>
-<p:tagLst xmlns:a="http://schemas.openxmlformats.org/drawingml/2006/main" xmlns:r="http://schemas.openxmlformats.org/officeDocument/2006/relationships" xmlns:p="http://schemas.openxmlformats.org/presentationml/2006/main">
-  <p:tag name="KSO_WM_UNIT_HIGHLIGHT" val="0"/>
-  <p:tag name="KSO_WM_UNIT_COMPATIBLE" val="0"/>
-  <p:tag name="KSO_WM_UNIT_DIAGRAM_ISNUMVISUAL" val="0"/>
-  <p:tag name="KSO_WM_UNIT_DIAGRAM_ISREFERUNIT" val="0"/>
-  <p:tag name="KSO_WM_UNIT_ID" val="_9**"/>
-  <p:tag name="KSO_WM_UNIT_LAYERLEVEL" val="1"/>
-  <p:tag name="KSO_WM_TAG_VERSION" val="1.0"/>
-  <p:tag name="KSO_WM_BEAUTIFY_FLAG" val="#wm#"/>
-</p:tagLst>
-</file>
-
-<file path=ppt/tags/tag65.xml><?xml version="1.0" encoding="utf-8"?>
-<p:tagLst xmlns:a="http://schemas.openxmlformats.org/drawingml/2006/main" xmlns:r="http://schemas.openxmlformats.org/officeDocument/2006/relationships" xmlns:p="http://schemas.openxmlformats.org/presentationml/2006/main">
-  <p:tag name="KSO_WM_UNIT_HIGHLIGHT" val="0"/>
-  <p:tag name="KSO_WM_UNIT_COMPATIBLE" val="0"/>
-  <p:tag name="KSO_WM_UNIT_DIAGRAM_ISNUMVISUAL" val="0"/>
-  <p:tag name="KSO_WM_UNIT_DIAGRAM_ISREFERUNIT" val="0"/>
-  <p:tag name="KSO_WM_UNIT_ID" val="_9**"/>
-  <p:tag name="KSO_WM_UNIT_LAYERLEVEL" val="1"/>
-  <p:tag name="KSO_WM_TAG_VERSION" val="1.0"/>
-  <p:tag name="KSO_WM_BEAUTIFY_FLAG" val="#wm#"/>
-</p:tagLst>
-</file>
-
-<file path=ppt/tags/tag66.xml><?xml version="1.0" encoding="utf-8"?>
-<p:tagLst xmlns:a="http://schemas.openxmlformats.org/drawingml/2006/main" xmlns:r="http://schemas.openxmlformats.org/officeDocument/2006/relationships" xmlns:p="http://schemas.openxmlformats.org/presentationml/2006/main">
-  <p:tag name="KSO_WM_UNIT_HIGHLIGHT" val="0"/>
-  <p:tag name="KSO_WM_UNIT_COMPATIBLE" val="0"/>
-  <p:tag name="KSO_WM_UNIT_DIAGRAM_ISNUMVISUAL" val="0"/>
-  <p:tag name="KSO_WM_UNIT_DIAGRAM_ISREFERUNIT" val="0"/>
-  <p:tag name="KSO_WM_UNIT_ID" val="_9**"/>
-  <p:tag name="KSO_WM_UNIT_LAYERLEVEL" val="1"/>
-  <p:tag name="KSO_WM_TAG_VERSION" val="1.0"/>
-  <p:tag name="KSO_WM_BEAUTIFY_FLAG" val="#wm#"/>
-</p:tagLst>
-</file>
-
-<file path=ppt/tags/tag67.xml><?xml version="1.0" encoding="utf-8"?>
-<p:tagLst xmlns:a="http://schemas.openxmlformats.org/drawingml/2006/main" xmlns:r="http://schemas.openxmlformats.org/officeDocument/2006/relationships" xmlns:p="http://schemas.openxmlformats.org/presentationml/2006/main">
-  <p:tag name="KSO_WM_UNIT_HIGHLIGHT" val="0"/>
-  <p:tag name="KSO_WM_UNIT_COMPATIBLE" val="0"/>
-  <p:tag name="KSO_WM_UNIT_DIAGRAM_ISNUMVISUAL" val="0"/>
-  <p:tag name="KSO_WM_UNIT_DIAGRAM_ISREFERUNIT" val="0"/>
-  <p:tag name="KSO_WM_UNIT_ID" val="_10**"/>
-  <p:tag name="KSO_WM_UNIT_LAYERLEVEL" val="1"/>
-  <p:tag name="KSO_WM_TAG_VERSION" val="1.0"/>
-  <p:tag name="KSO_WM_BEAUTIFY_FLAG" val="#wm#"/>
-</p:tagLst>
-</file>
-
-<file path=ppt/tags/tag68.xml><?xml version="1.0" encoding="utf-8"?>
-<p:tagLst xmlns:a="http://schemas.openxmlformats.org/drawingml/2006/main" xmlns:r="http://schemas.openxmlformats.org/officeDocument/2006/relationships" xmlns:p="http://schemas.openxmlformats.org/presentationml/2006/main">
-  <p:tag name="KSO_WM_UNIT_HIGHLIGHT" val="0"/>
-  <p:tag name="KSO_WM_UNIT_COMPATIBLE" val="0"/>
-  <p:tag name="KSO_WM_UNIT_DIAGRAM_ISNUMVISUAL" val="0"/>
-  <p:tag name="KSO_WM_UNIT_DIAGRAM_ISREFERUNIT" val="0"/>
-  <p:tag name="KSO_WM_UNIT_ID" val="_10**"/>
-  <p:tag name="KSO_WM_UNIT_LAYERLEVEL" val="1"/>
-  <p:tag name="KSO_WM_TAG_VERSION" val="1.0"/>
-  <p:tag name="KSO_WM_BEAUTIFY_FLAG" val="#wm#"/>
-</p:tagLst>
-</file>
-
-<file path=ppt/tags/tag69.xml><?xml version="1.0" encoding="utf-8"?>
-<p:tagLst xmlns:a="http://schemas.openxmlformats.org/drawingml/2006/main" xmlns:r="http://schemas.openxmlformats.org/officeDocument/2006/relationships" xmlns:p="http://schemas.openxmlformats.org/presentationml/2006/main">
-  <p:tag name="KSO_WM_UNIT_HIGHLIGHT" val="0"/>
-  <p:tag name="KSO_WM_UNIT_COMPATIBLE" val="0"/>
-  <p:tag name="KSO_WM_UNIT_DIAGRAM_ISNUMVISUAL" val="0"/>
-  <p:tag name="KSO_WM_UNIT_DIAGRAM_ISREFERUNIT" val="0"/>
-  <p:tag name="KSO_WM_UNIT_ID" val="_10**"/>
-  <p:tag name="KSO_WM_UNIT_LAYERLEVEL" val="1"/>
-  <p:tag name="KSO_WM_TAG_VERSION" val="1.0"/>
-  <p:tag name="KSO_WM_BEAUTIFY_FLAG" val="#wm#"/>
-</p:tagLst>
-</file>
-
-<file path=ppt/tags/tag7.xml><?xml version="1.0" encoding="utf-8"?>
-<p:tagLst xmlns:a="http://schemas.openxmlformats.org/drawingml/2006/main" xmlns:r="http://schemas.openxmlformats.org/officeDocument/2006/relationships" xmlns:p="http://schemas.openxmlformats.org/presentationml/2006/main">
-  <p:tag name="KSO_WM_TAG_VERSION" val="1.0"/>
-  <p:tag name="KSO_WM_BEAUTIFY_FLAG" val="#wm#"/>
-  <p:tag name="KSO_WM_TEMPLATE_CATEGORY" val="background"/>
-  <p:tag name="KSO_WM_TEMPLATE_INDEX" val="20191704"/>
-  <p:tag name="KSO_WM_TEMPLATE_THUMBS_INDEX" val="1、4"/>
-</p:tagLst>
-</file>
-
-<file path=ppt/tags/tag70.xml><?xml version="1.0" encoding="utf-8"?>
-<p:tagLst xmlns:a="http://schemas.openxmlformats.org/drawingml/2006/main" xmlns:r="http://schemas.openxmlformats.org/officeDocument/2006/relationships" xmlns:p="http://schemas.openxmlformats.org/presentationml/2006/main">
-  <p:tag name="KSO_WM_UNIT_HIGHLIGHT" val="0"/>
-  <p:tag name="KSO_WM_UNIT_COMPATIBLE" val="0"/>
-  <p:tag name="KSO_WM_UNIT_DIAGRAM_ISNUMVISUAL" val="0"/>
-  <p:tag name="KSO_WM_UNIT_DIAGRAM_ISREFERUNIT" val="0"/>
-  <p:tag name="KSO_WM_UNIT_ID" val="_10**"/>
-  <p:tag name="KSO_WM_UNIT_LAYERLEVEL" val="1"/>
-  <p:tag name="KSO_WM_TAG_VERSION" val="1.0"/>
-  <p:tag name="KSO_WM_BEAUTIFY_FLAG" val="#wm#"/>
-</p:tagLst>
-</file>
-
-<file path=ppt/tags/tag71.xml><?xml version="1.0" encoding="utf-8"?>
-<p:tagLst xmlns:a="http://schemas.openxmlformats.org/drawingml/2006/main" xmlns:r="http://schemas.openxmlformats.org/officeDocument/2006/relationships" xmlns:p="http://schemas.openxmlformats.org/presentationml/2006/main">
-  <p:tag name="KSO_WM_UNIT_HIGHLIGHT" val="0"/>
-  <p:tag name="KSO_WM_UNIT_COMPATIBLE" val="0"/>
-  <p:tag name="KSO_WM_UNIT_DIAGRAM_ISNUMVISUAL" val="0"/>
-  <p:tag name="KSO_WM_UNIT_DIAGRAM_ISREFERUNIT" val="0"/>
-  <p:tag name="KSO_WM_UNIT_ID" val="_11**"/>
-  <p:tag name="KSO_WM_UNIT_LAYERLEVEL" val="1"/>
-  <p:tag name="KSO_WM_TAG_VERSION" val="1.0"/>
-  <p:tag name="KSO_WM_BEAUTIFY_FLAG" val="#wm#"/>
-</p:tagLst>
-</file>
-
-<file path=ppt/tags/tag72.xml><?xml version="1.0" encoding="utf-8"?>
-<p:tagLst xmlns:a="http://schemas.openxmlformats.org/drawingml/2006/main" xmlns:r="http://schemas.openxmlformats.org/officeDocument/2006/relationships" xmlns:p="http://schemas.openxmlformats.org/presentationml/2006/main">
-  <p:tag name="KSO_WM_UNIT_HIGHLIGHT" val="0"/>
-  <p:tag name="KSO_WM_UNIT_COMPATIBLE" val="0"/>
-  <p:tag name="KSO_WM_UNIT_DIAGRAM_ISNUMVISUAL" val="0"/>
-  <p:tag name="KSO_WM_UNIT_DIAGRAM_ISREFERUNIT" val="0"/>
-  <p:tag name="KSO_WM_UNIT_ID" val="_11**"/>
-  <p:tag name="KSO_WM_UNIT_LAYERLEVEL" val="1"/>
-  <p:tag name="KSO_WM_TAG_VERSION" val="1.0"/>
-  <p:tag name="KSO_WM_BEAUTIFY_FLAG" val="#wm#"/>
-</p:tagLst>
-</file>
-
-<file path=ppt/tags/tag73.xml><?xml version="1.0" encoding="utf-8"?>
-<p:tagLst xmlns:a="http://schemas.openxmlformats.org/drawingml/2006/main" xmlns:r="http://schemas.openxmlformats.org/officeDocument/2006/relationships" xmlns:p="http://schemas.openxmlformats.org/presentationml/2006/main">
-  <p:tag name="KSO_WM_UNIT_HIGHLIGHT" val="0"/>
-  <p:tag name="KSO_WM_UNIT_COMPATIBLE" val="0"/>
-  <p:tag name="KSO_WM_UNIT_DIAGRAM_ISNUMVISUAL" val="0"/>
-  <p:tag name="KSO_WM_UNIT_DIAGRAM_ISREFERUNIT" val="0"/>
-  <p:tag name="KSO_WM_UNIT_ID" val="_11**"/>
-  <p:tag name="KSO_WM_UNIT_LAYERLEVEL" val="1"/>
-  <p:tag name="KSO_WM_TAG_VERSION" val="1.0"/>
-  <p:tag name="KSO_WM_BEAUTIFY_FLAG" val="#wm#"/>
-</p:tagLst>
-</file>
-
-<file path=ppt/tags/tag74.xml><?xml version="1.0" encoding="utf-8"?>
-<p:tagLst xmlns:a="http://schemas.openxmlformats.org/drawingml/2006/main" xmlns:r="http://schemas.openxmlformats.org/officeDocument/2006/relationships" xmlns:p="http://schemas.openxmlformats.org/presentationml/2006/main">
-  <p:tag name="KSO_WM_UNIT_HIGHLIGHT" val="0"/>
-  <p:tag name="KSO_WM_UNIT_COMPATIBLE" val="0"/>
-  <p:tag name="KSO_WM_UNIT_DIAGRAM_ISNUMVISUAL" val="0"/>
-  <p:tag name="KSO_WM_UNIT_DIAGRAM_ISREFERUNIT" val="0"/>
-  <p:tag name="KSO_WM_UNIT_ID" val="_11**"/>
-  <p:tag name="KSO_WM_UNIT_LAYERLEVEL" val="1"/>
-  <p:tag name="KSO_WM_TAG_VERSION" val="1.0"/>
-  <p:tag name="KSO_WM_BEAUTIFY_FLAG" val="#wm#"/>
-</p:tagLst>
-</file>
-
-<file path=ppt/tags/tag75.xml><?xml version="1.0" encoding="utf-8"?>
-<p:tagLst xmlns:a="http://schemas.openxmlformats.org/drawingml/2006/main" xmlns:r="http://schemas.openxmlformats.org/officeDocument/2006/relationships" xmlns:p="http://schemas.openxmlformats.org/presentationml/2006/main">
-  <p:tag name="KSO_WM_UNIT_HIGHLIGHT" val="0"/>
-  <p:tag name="KSO_WM_UNIT_COMPATIBLE" val="0"/>
-  <p:tag name="KSO_WM_UNIT_DIAGRAM_ISNUMVISUAL" val="0"/>
-  <p:tag name="KSO_WM_UNIT_DIAGRAM_ISREFERUNIT" val="0"/>
-  <p:tag name="KSO_WM_UNIT_ID" val="_11**"/>
-  <p:tag name="KSO_WM_UNIT_LAYERLEVEL" val="1"/>
-  <p:tag name="KSO_WM_TAG_VERSION" val="1.0"/>
-  <p:tag name="KSO_WM_BEAUTIFY_FLAG" val="#wm#"/>
-</p:tagLst>
-</file>
-
-<file path=ppt/tags/tag76.xml><?xml version="1.0" encoding="utf-8"?>
-<p:tagLst xmlns:a="http://schemas.openxmlformats.org/drawingml/2006/main" xmlns:r="http://schemas.openxmlformats.org/officeDocument/2006/relationships" xmlns:p="http://schemas.openxmlformats.org/presentationml/2006/main">
-  <p:tag name="KSO_WM_UNIT_HIGHLIGHT" val="0"/>
-  <p:tag name="KSO_WM_UNIT_COMPATIBLE" val="0"/>
-  <p:tag name="KSO_WM_UNIT_DIAGRAM_ISNUMVISUAL" val="0"/>
-  <p:tag name="KSO_WM_UNIT_DIAGRAM_ISREFERUNIT" val="0"/>
-  <p:tag name="KSO_WM_UNIT_ID" val="_11**"/>
-  <p:tag name="KSO_WM_UNIT_LAYERLEVEL" val="1"/>
-  <p:tag name="KSO_WM_TAG_VERSION" val="1.0"/>
-  <p:tag name="KSO_WM_BEAUTIFY_FLAG" val="#wm#"/>
-</p:tagLst>
-</file>
-
-<file path=ppt/tags/tag77.xml><?xml version="1.0" encoding="utf-8"?>
-<p:tagLst xmlns:a="http://schemas.openxmlformats.org/drawingml/2006/main" xmlns:r="http://schemas.openxmlformats.org/officeDocument/2006/relationships" xmlns:p="http://schemas.openxmlformats.org/presentationml/2006/main">
-  <p:tag name="KSO_WM_UNIT_HIGHLIGHT" val="0"/>
-  <p:tag name="KSO_WM_UNIT_COMPATIBLE" val="0"/>
-  <p:tag name="KSO_WM_UNIT_DIAGRAM_ISNUMVISUAL" val="0"/>
-  <p:tag name="KSO_WM_UNIT_DIAGRAM_ISREFERUNIT" val="0"/>
-  <p:tag name="KSO_WM_UNIT_ID" val="_11**"/>
-  <p:tag name="KSO_WM_UNIT_LAYERLEVEL" val="1"/>
-  <p:tag name="KSO_WM_TAG_VERSION" val="1.0"/>
-  <p:tag name="KSO_WM_BEAUTIFY_FLAG" val="#wm#"/>
-</p:tagLst>
-</file>
-
-<file path=ppt/tags/tag78.xml><?xml version="1.0" encoding="utf-8"?>
-<p:tagLst xmlns:a="http://schemas.openxmlformats.org/drawingml/2006/main" xmlns:r="http://schemas.openxmlformats.org/officeDocument/2006/relationships" xmlns:p="http://schemas.openxmlformats.org/presentationml/2006/main">
-  <p:tag name="KSO_WM_UNIT_HIGHLIGHT" val="0"/>
-  <p:tag name="KSO_WM_UNIT_COMPATIBLE" val="0"/>
-  <p:tag name="KSO_WM_UNIT_DIAGRAM_ISNUMVISUAL" val="0"/>
-  <p:tag name="KSO_WM_UNIT_DIAGRAM_ISREFERUNIT" val="0"/>
-  <p:tag name="KSO_WM_UNIT_ID" val="_11**"/>
-  <p:tag name="KSO_WM_UNIT_LAYERLEVEL" val="1"/>
-  <p:tag name="KSO_WM_TAG_VERSION" val="1.0"/>
-  <p:tag name="KSO_WM_BEAUTIFY_FLAG" val="#wm#"/>
-</p:tagLst>
-</file>
-
-<file path=ppt/tags/tag79.xml><?xml version="1.0" encoding="utf-8"?>
-<p:tagLst xmlns:a="http://schemas.openxmlformats.org/drawingml/2006/main" xmlns:r="http://schemas.openxmlformats.org/officeDocument/2006/relationships" xmlns:p="http://schemas.openxmlformats.org/presentationml/2006/main">
-  <p:tag name="KSO_WM_UNIT_HIGHLIGHT" val="0"/>
-  <p:tag name="KSO_WM_UNIT_COMPATIBLE" val="0"/>
-  <p:tag name="KSO_WM_UNIT_DIAGRAM_ISNUMVISUAL" val="0"/>
-  <p:tag name="KSO_WM_UNIT_DIAGRAM_ISREFERUNIT" val="0"/>
-  <p:tag name="KSO_WM_UNIT_ID" val="_11**"/>
-  <p:tag name="KSO_WM_UNIT_LAYERLEVEL" val="1"/>
-  <p:tag name="KSO_WM_TAG_VERSION" val="1.0"/>
-  <p:tag name="KSO_WM_BEAUTIFY_FLAG" val="#wm#"/>
-</p:tagLst>
-</file>
-
-<file path=ppt/tags/tag8.xml><?xml version="1.0" encoding="utf-8"?>
-<p:tagLst xmlns:a="http://schemas.openxmlformats.org/drawingml/2006/main" xmlns:r="http://schemas.openxmlformats.org/officeDocument/2006/relationships" xmlns:p="http://schemas.openxmlformats.org/presentationml/2006/main">
-  <p:tag name="KSO_WM_UNIT_HIGHLIGHT" val="0"/>
-  <p:tag name="KSO_WM_UNIT_COMPATIBLE" val="0"/>
-  <p:tag name="KSO_WM_UNIT_DIAGRAM_ISNUMVISUAL" val="0"/>
-  <p:tag name="KSO_WM_UNIT_DIAGRAM_ISREFERUNIT" val="0"/>
-  <p:tag name="KSO_WM_UNIT_ID" val="_1**"/>
-  <p:tag name="KSO_WM_UNIT_LAYERLEVEL" val="1"/>
-  <p:tag name="KSO_WM_TAG_VERSION" val="1.0"/>
-  <p:tag name="KSO_WM_BEAUTIFY_FLAG" val="#wm#"/>
-</p:tagLst>
-</file>
-
-<file path=ppt/tags/tag80.xml><?xml version="1.0" encoding="utf-8"?>
-<p:tagLst xmlns:a="http://schemas.openxmlformats.org/drawingml/2006/main" xmlns:r="http://schemas.openxmlformats.org/officeDocument/2006/relationships" xmlns:p="http://schemas.openxmlformats.org/presentationml/2006/main">
-  <p:tag name="KSO_WM_TAG_VERSION" val="1.0"/>
-  <p:tag name="KSO_WM_UNIT_HIGHLIGHT" val="0"/>
-  <p:tag name="KSO_WM_UNIT_COMPATIBLE" val="0"/>
-  <p:tag name="KSO_WM_UNIT_DIAGRAM_ISNUMVISUAL" val="0"/>
-  <p:tag name="KSO_WM_UNIT_DIAGRAM_ISREFERUNIT" val="0"/>
-  <p:tag name="KSO_WM_UNIT_ID" val="_0**"/>
-  <p:tag name="KSO_WM_UNIT_LAYERLEVEL" val="1"/>
-  <p:tag name="KSO_WM_BEAUTIFY_FLAG" val="#wm#"/>
-  <p:tag name="KSO_WM_TEMPLATE_CATEGORY" val="custom"/>
-  <p:tag name="KSO_WM_TEMPLATE_INDEX" val="20189051"/>
-</p:tagLst>
-</file>
-
-<file path=ppt/tags/tag81.xml><?xml version="1.0" encoding="utf-8"?>
-<p:tagLst xmlns:a="http://schemas.openxmlformats.org/drawingml/2006/main" xmlns:r="http://schemas.openxmlformats.org/officeDocument/2006/relationships" xmlns:p="http://schemas.openxmlformats.org/presentationml/2006/main">
-  <p:tag name="KSO_WM_TAG_VERSION" val="1.0"/>
-  <p:tag name="KSO_WM_UNIT_HIGHLIGHT" val="0"/>
-  <p:tag name="KSO_WM_UNIT_COMPATIBLE" val="0"/>
-  <p:tag name="KSO_WM_UNIT_DIAGRAM_ISNUMVISUAL" val="0"/>
-  <p:tag name="KSO_WM_UNIT_DIAGRAM_ISREFERUNIT" val="0"/>
-  <p:tag name="KSO_WM_UNIT_ID" val="_0**"/>
-  <p:tag name="KSO_WM_UNIT_LAYERLEVEL" val="1"/>
-  <p:tag name="KSO_WM_BEAUTIFY_FLAG" val="#wm#"/>
-  <p:tag name="KSO_WM_TEMPLATE_CATEGORY" val="custom"/>
-  <p:tag name="KSO_WM_TEMPLATE_INDEX" val="20189051"/>
-</p:tagLst>
-</file>
-
-<file path=ppt/tags/tag82.xml><?xml version="1.0" encoding="utf-8"?>
-<p:tagLst xmlns:a="http://schemas.openxmlformats.org/drawingml/2006/main" xmlns:r="http://schemas.openxmlformats.org/officeDocument/2006/relationships" xmlns:p="http://schemas.openxmlformats.org/presentationml/2006/main">
-  <p:tag name="KSO_WM_UNIT_HIGHLIGHT" val="0"/>
-  <p:tag name="KSO_WM_UNIT_COMPATIBLE" val="0"/>
-  <p:tag name="KSO_WM_UNIT_DIAGRAM_ISNUMVISUAL" val="0"/>
-  <p:tag name="KSO_WM_UNIT_DIAGRAM_ISREFERUNIT" val="0"/>
-  <p:tag name="KSO_WM_UNIT_ID" val="_0**"/>
-  <p:tag name="KSO_WM_UNIT_LAYERLEVEL" val="1"/>
-  <p:tag name="KSO_WM_TAG_VERSION" val="1.0"/>
-  <p:tag name="KSO_WM_BEAUTIFY_FLAG" val="#wm#"/>
-</p:tagLst>
-</file>
-
-<file path=ppt/tags/tag83.xml><?xml version="1.0" encoding="utf-8"?>
-<p:tagLst xmlns:a="http://schemas.openxmlformats.org/drawingml/2006/main" xmlns:r="http://schemas.openxmlformats.org/officeDocument/2006/relationships" xmlns:p="http://schemas.openxmlformats.org/presentationml/2006/main">
-  <p:tag name="KSO_WM_UNIT_HIGHLIGHT" val="0"/>
-  <p:tag name="KSO_WM_UNIT_COMPATIBLE" val="0"/>
-  <p:tag name="KSO_WM_UNIT_DIAGRAM_ISNUMVISUAL" val="0"/>
-  <p:tag name="KSO_WM_UNIT_DIAGRAM_ISREFERUNIT" val="0"/>
-  <p:tag name="KSO_WM_UNIT_ID" val="_0**"/>
-  <p:tag name="KSO_WM_UNIT_LAYERLEVEL" val="1"/>
-  <p:tag name="KSO_WM_TAG_VERSION" val="1.0"/>
-  <p:tag name="KSO_WM_BEAUTIFY_FLAG" val="#wm#"/>
-</p:tagLst>
-</file>
-
-<file path=ppt/tags/tag84.xml><?xml version="1.0" encoding="utf-8"?>
-<p:tagLst xmlns:a="http://schemas.openxmlformats.org/drawingml/2006/main" xmlns:r="http://schemas.openxmlformats.org/officeDocument/2006/relationships" xmlns:p="http://schemas.openxmlformats.org/presentationml/2006/main">
-  <p:tag name="KSO_WM_UNIT_HIGHLIGHT" val="0"/>
-  <p:tag name="KSO_WM_UNIT_COMPATIBLE" val="0"/>
-  <p:tag name="KSO_WM_UNIT_DIAGRAM_ISNUMVISUAL" val="0"/>
-  <p:tag name="KSO_WM_UNIT_DIAGRAM_ISREFERUNIT" val="0"/>
-  <p:tag name="KSO_WM_UNIT_ID" val="_0**"/>
-  <p:tag name="KSO_WM_UNIT_LAYERLEVEL" val="1"/>
-  <p:tag name="KSO_WM_TAG_VERSION" val="1.0"/>
-  <p:tag name="KSO_WM_BEAUTIFY_FLAG" val="#wm#"/>
-</p:tagLst>
-</file>
-
-<file path=ppt/tags/tag85.xml><?xml version="1.0" encoding="utf-8"?>
-<p:tagLst xmlns:a="http://schemas.openxmlformats.org/drawingml/2006/main" xmlns:r="http://schemas.openxmlformats.org/officeDocument/2006/relationships" xmlns:p="http://schemas.openxmlformats.org/presentationml/2006/main">
-  <p:tag name="KSO_WM_TAG_VERSION" val="1.0"/>
-  <p:tag name="KSO_WM_BEAUTIFY_FLAG" val="#wm#"/>
-  <p:tag name="KSO_WM_TEMPLATE_TOPIC_ID" val="2869567"/>
-  <p:tag name="KSO_WM_TEMPLATE_OUTLINE_ID" val="15"/>
-  <p:tag name="KSO_WM_TEMPLATE_SCENE_ID" val="1"/>
-  <p:tag name="KSO_WM_TEMPLATE_JOB_ID" val="2"/>
-  <p:tag name="KSO_WM_TEMPLATE_TOPIC_DEFAULT" val="1"/>
-  <p:tag name="KSO_WM_COMBINE_RELATE_SLIDE_ID" val="background20185112_1"/>
-  <p:tag name="KSO_WM_TEMPLATE_CATEGORY" val="custom"/>
-  <p:tag name="KSO_WM_TEMPLATE_INDEX" val="20189051"/>
-  <p:tag name="KSO_WM_TEMPLATE_SUBCATEGORY" val="0"/>
-  <p:tag name="KSO_WM_TEMPLATE_THUMBS_INDEX" val="1、5、6、7、8、9、11、12"/>
-</p:tagLst>
-</file>
-
-<file path=ppt/tags/tag86.xml><?xml version="1.0" encoding="utf-8"?>
-<p:tagLst xmlns:a="http://schemas.openxmlformats.org/drawingml/2006/main" xmlns:r="http://schemas.openxmlformats.org/officeDocument/2006/relationships" xmlns:p="http://schemas.openxmlformats.org/presentationml/2006/main">
-  <p:tag name="KSO_WM_UNIT_HIGHLIGHT" val="0"/>
-  <p:tag name="KSO_WM_UNIT_COMPATIBLE" val="0"/>
-  <p:tag name="KSO_WM_UNIT_DIAGRAM_ISNUMVISUAL" val="0"/>
-  <p:tag name="KSO_WM_UNIT_DIAGRAM_ISREFERUNIT" val="0"/>
-  <p:tag name="KSO_WM_UNIT_ID" val="_1**"/>
-  <p:tag name="KSO_WM_UNIT_LAYERLEVEL" val="1"/>
-  <p:tag name="KSO_WM_TAG_VERSION" val="1.0"/>
-  <p:tag name="KSO_WM_BEAUTIFY_FLAG" val="#wm#"/>
-</p:tagLst>
-</file>
-
-<file path=ppt/tags/tag87.xml><?xml version="1.0" encoding="utf-8"?>
-<p:tagLst xmlns:a="http://schemas.openxmlformats.org/drawingml/2006/main" xmlns:r="http://schemas.openxmlformats.org/officeDocument/2006/relationships" xmlns:p="http://schemas.openxmlformats.org/presentationml/2006/main">
-  <p:tag name="KSO_WM_UNIT_HIGHLIGHT" val="0"/>
-  <p:tag name="KSO_WM_UNIT_COMPATIBLE" val="0"/>
-  <p:tag name="KSO_WM_UNIT_DIAGRAM_ISNUMVISUAL" val="0"/>
-  <p:tag name="KSO_WM_UNIT_DIAGRAM_ISREFERUNIT" val="0"/>
-  <p:tag name="KSO_WM_UNIT_ID" val="_1**"/>
-  <p:tag name="KSO_WM_UNIT_LAYERLEVEL" val="1"/>
-  <p:tag name="KSO_WM_TAG_VERSION" val="1.0"/>
-  <p:tag name="KSO_WM_BEAUTIFY_FLAG" val="#wm#"/>
-</p:tagLst>
-</file>
-
-<file path=ppt/tags/tag88.xml><?xml version="1.0" encoding="utf-8"?>
-<p:tagLst xmlns:a="http://schemas.openxmlformats.org/drawingml/2006/main" xmlns:r="http://schemas.openxmlformats.org/officeDocument/2006/relationships" xmlns:p="http://schemas.openxmlformats.org/presentationml/2006/main">
-  <p:tag name="KSO_WM_UNIT_HIGHLIGHT" val="0"/>
-  <p:tag name="KSO_WM_UNIT_COMPATIBLE" val="0"/>
-  <p:tag name="KSO_WM_UNIT_DIAGRAM_ISNUMVISUAL" val="0"/>
-  <p:tag name="KSO_WM_UNIT_DIAGRAM_ISREFERUNIT" val="0"/>
-  <p:tag name="KSO_WM_UNIT_ID" val="_1**"/>
-  <p:tag name="KSO_WM_UNIT_LAYERLEVEL" val="1"/>
-  <p:tag name="KSO_WM_TAG_VERSION" val="1.0"/>
-  <p:tag name="KSO_WM_BEAUTIFY_FLAG" val="#wm#"/>
-</p:tagLst>
-</file>
-
-<file path=ppt/tags/tag89.xml><?xml version="1.0" encoding="utf-8"?>
-<p:tagLst xmlns:a="http://schemas.openxmlformats.org/drawingml/2006/main" xmlns:r="http://schemas.openxmlformats.org/officeDocument/2006/relationships" xmlns:p="http://schemas.openxmlformats.org/presentationml/2006/main">
-  <p:tag name="KSO_WM_UNIT_HIGHLIGHT" val="0"/>
-  <p:tag name="KSO_WM_UNIT_COMPATIBLE" val="0"/>
-  <p:tag name="KSO_WM_UNIT_DIAGRAM_ISNUMVISUAL" val="0"/>
-  <p:tag name="KSO_WM_UNIT_DIAGRAM_ISREFERUNIT" val="0"/>
-  <p:tag name="KSO_WM_UNIT_ID" val="_1**"/>
-  <p:tag name="KSO_WM_UNIT_LAYERLEVEL" val="1"/>
-  <p:tag name="KSO_WM_TAG_VERSION" val="1.0"/>
-  <p:tag name="KSO_WM_BEAUTIFY_FLAG" val="#wm#"/>
-</p:tagLst>
-</file>
-
-<file path=ppt/tags/tag9.xml><?xml version="1.0" encoding="utf-8"?>
-<p:tagLst xmlns:a="http://schemas.openxmlformats.org/drawingml/2006/main" xmlns:r="http://schemas.openxmlformats.org/officeDocument/2006/relationships" xmlns:p="http://schemas.openxmlformats.org/presentationml/2006/main">
-  <p:tag name="KSO_WM_UNIT_HIGHLIGHT" val="0"/>
-  <p:tag name="KSO_WM_UNIT_COMPATIBLE" val="0"/>
-  <p:tag name="KSO_WM_UNIT_DIAGRAM_ISNUMVISUAL" val="0"/>
-  <p:tag name="KSO_WM_UNIT_DIAGRAM_ISREFERUNIT" val="0"/>
-  <p:tag name="KSO_WM_UNIT_ID" val="_1**"/>
-  <p:tag name="KSO_WM_UNIT_LAYERLEVEL" val="1"/>
-  <p:tag name="KSO_WM_TAG_VERSION" val="1.0"/>
-  <p:tag name="KSO_WM_BEAUTIFY_FLAG" val="#wm#"/>
-</p:tagLst>
-</file>
-
-<file path=ppt/tags/tag90.xml><?xml version="1.0" encoding="utf-8"?>
-<p:tagLst xmlns:a="http://schemas.openxmlformats.org/drawingml/2006/main" xmlns:r="http://schemas.openxmlformats.org/officeDocument/2006/relationships" xmlns:p="http://schemas.openxmlformats.org/presentationml/2006/main">
-  <p:tag name="KSO_WM_UNIT_HIGHLIGHT" val="0"/>
-  <p:tag name="KSO_WM_UNIT_COMPATIBLE" val="0"/>
-  <p:tag name="KSO_WM_UNIT_DIAGRAM_ISNUMVISUAL" val="0"/>
-  <p:tag name="KSO_WM_UNIT_DIAGRAM_ISREFERUNIT" val="0"/>
-  <p:tag name="KSO_WM_UNIT_ID" val="_1**"/>
-  <p:tag name="KSO_WM_UNIT_LAYERLEVEL" val="1"/>
-  <p:tag name="KSO_WM_TAG_VERSION" val="1.0"/>
-  <p:tag name="KSO_WM_BEAUTIFY_FLAG" val="#wm#"/>
-</p:tagLst>
-</file>
-
-<file path=ppt/tags/tag91.xml><?xml version="1.0" encoding="utf-8"?>
-<p:tagLst xmlns:a="http://schemas.openxmlformats.org/drawingml/2006/main" xmlns:r="http://schemas.openxmlformats.org/officeDocument/2006/relationships" xmlns:p="http://schemas.openxmlformats.org/presentationml/2006/main">
-  <p:tag name="KSO_WM_UNIT_HIGHLIGHT" val="0"/>
-  <p:tag name="KSO_WM_UNIT_COMPATIBLE" val="0"/>
-  <p:tag name="KSO_WM_UNIT_DIAGRAM_ISNUMVISUAL" val="0"/>
-  <p:tag name="KSO_WM_UNIT_DIAGRAM_ISREFERUNIT" val="0"/>
-  <p:tag name="KSO_WM_UNIT_ID" val="_1**"/>
-  <p:tag name="KSO_WM_UNIT_LAYERLEVEL" val="1"/>
-  <p:tag name="KSO_WM_TAG_VERSION" val="1.0"/>
-  <p:tag name="KSO_WM_BEAUTIFY_FLAG" val="#wm#"/>
-</p:tagLst>
-</file>
-
-<file path=ppt/tags/tag92.xml><?xml version="1.0" encoding="utf-8"?>
-<p:tagLst xmlns:a="http://schemas.openxmlformats.org/drawingml/2006/main" xmlns:r="http://schemas.openxmlformats.org/officeDocument/2006/relationships" xmlns:p="http://schemas.openxmlformats.org/presentationml/2006/main">
-  <p:tag name="KSO_WM_UNIT_HIGHLIGHT" val="0"/>
-  <p:tag name="KSO_WM_UNIT_COMPATIBLE" val="0"/>
-  <p:tag name="KSO_WM_UNIT_DIAGRAM_ISNUMVISUAL" val="0"/>
-  <p:tag name="KSO_WM_UNIT_DIAGRAM_ISREFERUNIT" val="0"/>
-  <p:tag name="KSO_WM_UNIT_ID" val="_2**"/>
-  <p:tag name="KSO_WM_UNIT_LAYERLEVEL" val="1"/>
-  <p:tag name="KSO_WM_TAG_VERSION" val="1.0"/>
-  <p:tag name="KSO_WM_BEAUTIFY_FLAG" val="#wm#"/>
-</p:tagLst>
-</file>
-
-<file path=ppt/tags/tag93.xml><?xml version="1.0" encoding="utf-8"?>
-<p:tagLst xmlns:a="http://schemas.openxmlformats.org/drawingml/2006/main" xmlns:r="http://schemas.openxmlformats.org/officeDocument/2006/relationships" xmlns:p="http://schemas.openxmlformats.org/presentationml/2006/main">
-  <p:tag name="KSO_WM_UNIT_HIGHLIGHT" val="0"/>
-  <p:tag name="KSO_WM_UNIT_COMPATIBLE" val="0"/>
-  <p:tag name="KSO_WM_UNIT_DIAGRAM_ISNUMVISUAL" val="0"/>
-  <p:tag name="KSO_WM_UNIT_DIAGRAM_ISREFERUNIT" val="0"/>
-  <p:tag name="KSO_WM_UNIT_ID" val="_2**"/>
-  <p:tag name="KSO_WM_UNIT_LAYERLEVEL" val="1"/>
-  <p:tag name="KSO_WM_TAG_VERSION" val="1.0"/>
-  <p:tag name="KSO_WM_BEAUTIFY_FLAG" val="#wm#"/>
-</p:tagLst>
-</file>
-
-<file path=ppt/tags/tag94.xml><?xml version="1.0" encoding="utf-8"?>
-<p:tagLst xmlns:a="http://schemas.openxmlformats.org/drawingml/2006/main" xmlns:r="http://schemas.openxmlformats.org/officeDocument/2006/relationships" xmlns:p="http://schemas.openxmlformats.org/presentationml/2006/main">
-  <p:tag name="KSO_WM_UNIT_HIGHLIGHT" val="0"/>
-  <p:tag name="KSO_WM_UNIT_COMPATIBLE" val="0"/>
-  <p:tag name="KSO_WM_UNIT_DIAGRAM_ISNUMVISUAL" val="0"/>
-  <p:tag name="KSO_WM_UNIT_DIAGRAM_ISREFERUNIT" val="0"/>
-  <p:tag name="KSO_WM_UNIT_ID" val="_2**"/>
-  <p:tag name="KSO_WM_UNIT_LAYERLEVEL" val="1"/>
-  <p:tag name="KSO_WM_TAG_VERSION" val="1.0"/>
-  <p:tag name="KSO_WM_BEAUTIFY_FLAG" val="#wm#"/>
-</p:tagLst>
-</file>
-
-<file path=ppt/tags/tag95.xml><?xml version="1.0" encoding="utf-8"?>
-<p:tagLst xmlns:a="http://schemas.openxmlformats.org/drawingml/2006/main" xmlns:r="http://schemas.openxmlformats.org/officeDocument/2006/relationships" xmlns:p="http://schemas.openxmlformats.org/presentationml/2006/main">
-  <p:tag name="KSO_WM_UNIT_HIGHLIGHT" val="0"/>
-  <p:tag name="KSO_WM_UNIT_COMPATIBLE" val="0"/>
-  <p:tag name="KSO_WM_UNIT_DIAGRAM_ISNUMVISUAL" val="0"/>
-  <p:tag name="KSO_WM_UNIT_DIAGRAM_ISREFERUNIT" val="0"/>
-  <p:tag name="KSO_WM_UNIT_ID" val="_2**"/>
-  <p:tag name="KSO_WM_UNIT_LAYERLEVEL" val="1"/>
-  <p:tag name="KSO_WM_TAG_VERSION" val="1.0"/>
-  <p:tag name="KSO_WM_BEAUTIFY_FLAG" val="#wm#"/>
-</p:tagLst>
-</file>
-
-<file path=ppt/tags/tag96.xml><?xml version="1.0" encoding="utf-8"?>
-<p:tagLst xmlns:a="http://schemas.openxmlformats.org/drawingml/2006/main" xmlns:r="http://schemas.openxmlformats.org/officeDocument/2006/relationships" xmlns:p="http://schemas.openxmlformats.org/presentationml/2006/main">
-  <p:tag name="KSO_WM_UNIT_HIGHLIGHT" val="0"/>
-  <p:tag name="KSO_WM_UNIT_COMPATIBLE" val="0"/>
-  <p:tag name="KSO_WM_UNIT_DIAGRAM_ISNUMVISUAL" val="0"/>
-  <p:tag name="KSO_WM_UNIT_DIAGRAM_ISREFERUNIT" val="0"/>
-  <p:tag name="KSO_WM_UNIT_ID" val="_2**"/>
-  <p:tag name="KSO_WM_UNIT_LAYERLEVEL" val="1"/>
-  <p:tag name="KSO_WM_TAG_VERSION" val="1.0"/>
-  <p:tag name="KSO_WM_BEAUTIFY_FLAG" val="#wm#"/>
-</p:tagLst>
-</file>
-
-<file path=ppt/tags/tag97.xml><?xml version="1.0" encoding="utf-8"?>
-<p:tagLst xmlns:a="http://schemas.openxmlformats.org/drawingml/2006/main" xmlns:r="http://schemas.openxmlformats.org/officeDocument/2006/relationships" xmlns:p="http://schemas.openxmlformats.org/presentationml/2006/main">
-  <p:tag name="KSO_WM_UNIT_HIGHLIGHT" val="0"/>
-  <p:tag name="KSO_WM_UNIT_COMPATIBLE" val="0"/>
-  <p:tag name="KSO_WM_UNIT_DIAGRAM_ISNUMVISUAL" val="0"/>
-  <p:tag name="KSO_WM_UNIT_DIAGRAM_ISREFERUNIT" val="0"/>
-  <p:tag name="KSO_WM_UNIT_ID" val="_3**"/>
-  <p:tag name="KSO_WM_UNIT_LAYERLEVEL" val="1"/>
-  <p:tag name="KSO_WM_TAG_VERSION" val="1.0"/>
-  <p:tag name="KSO_WM_BEAUTIFY_FLAG" val="#wm#"/>
-</p:tagLst>
-</file>
-
-<file path=ppt/tags/tag98.xml><?xml version="1.0" encoding="utf-8"?>
-<p:tagLst xmlns:a="http://schemas.openxmlformats.org/drawingml/2006/main" xmlns:r="http://schemas.openxmlformats.org/officeDocument/2006/relationships" xmlns:p="http://schemas.openxmlformats.org/presentationml/2006/main">
-  <p:tag name="KSO_WM_UNIT_HIGHLIGHT" val="0"/>
-  <p:tag name="KSO_WM_UNIT_COMPATIBLE" val="0"/>
-  <p:tag name="KSO_WM_UNIT_DIAGRAM_ISNUMVISUAL" val="0"/>
-  <p:tag name="KSO_WM_UNIT_DIAGRAM_ISREFERUNIT" val="0"/>
-  <p:tag name="KSO_WM_UNIT_ID" val="_3**"/>
-  <p:tag name="KSO_WM_UNIT_LAYERLEVEL" val="1"/>
-  <p:tag name="KSO_WM_TAG_VERSION" val="1.0"/>
-  <p:tag name="KSO_WM_BEAUTIFY_FLAG" val="#wm#"/>
-</p:tagLst>
-</file>
-
-<file path=ppt/tags/tag99.xml><?xml version="1.0" encoding="utf-8"?>
-<p:tagLst xmlns:a="http://schemas.openxmlformats.org/drawingml/2006/main" xmlns:r="http://schemas.openxmlformats.org/officeDocument/2006/relationships" xmlns:p="http://schemas.openxmlformats.org/presentationml/2006/main">
-  <p:tag name="KSO_WM_UNIT_HIGHLIGHT" val="0"/>
-  <p:tag name="KSO_WM_UNIT_COMPATIBLE" val="0"/>
-  <p:tag name="KSO_WM_UNIT_DIAGRAM_ISNUMVISUAL" val="0"/>
-  <p:tag name="KSO_WM_UNIT_DIAGRAM_ISREFERUNIT" val="0"/>
-  <p:tag name="KSO_WM_UNIT_ID" val="_3**"/>
   <p:tag name="KSO_WM_UNIT_LAYERLEVEL" val="1"/>
   <p:tag name="KSO_WM_TAG_VERSION" val="1.0"/>
   <p:tag name="KSO_WM_BEAUTIFY_FLAG" val="#wm#"/>
@@ -20671,8 +20818,6 @@
       </a:bgFillStyleLst>
     </a:fmtScheme>
   </a:themeElements>
-  <a:objectDefaults/>
-  <a:extraClrSchemeLst/>
   <a:extLst>
     <a:ext uri="{05A4C25C-085E-4340-85A3-A5531E510DB2}">
       <thm15:themeFamily xmlns:thm15="http://schemas.microsoft.com/office/thememl/2012/main" name="Office Theme" id="{62F939B6-93AF-4DB8-9C6B-D6C7DFDC589F}" vid="{4A3C46E8-61CC-4603-A589-7422A47A8E4A}"/>
@@ -20872,7 +21017,6 @@
       </a:bgFillStyleLst>
     </a:fmtScheme>
   </a:themeElements>
-  <a:objectDefaults/>
   <a:extraClrSchemeLst>
     <a:extraClrScheme>
       <a:clrScheme name="">
@@ -21566,8 +21710,6 @@
       </a:bgFillStyleLst>
     </a:fmtScheme>
   </a:themeElements>
-  <a:objectDefaults/>
-  <a:extraClrSchemeLst/>
   <a:extLst>
     <a:ext uri="{05A4C25C-085E-4340-85A3-A5531E510DB2}">
       <thm15:themeFamily xmlns:thm15="http://schemas.microsoft.com/office/thememl/2012/main" name="Office Theme" id="{62F939B6-93AF-4DB8-9C6B-D6C7DFDC589F}" vid="{4A3C46E8-61CC-4603-A589-7422A47A8E4A}"/>
@@ -21827,8 +21969,6 @@
       </a:bgFillStyleLst>
     </a:fmtScheme>
   </a:themeElements>
-  <a:objectDefaults/>
-  <a:extraClrSchemeLst/>
   <a:extLst>
     <a:ext uri="{05A4C25C-085E-4340-85A3-A5531E510DB2}">
       <thm15:themeFamily xmlns:thm15="http://schemas.microsoft.com/office/thememl/2012/main" name="Office Theme" id="{62F939B6-93AF-4DB8-9C6B-D6C7DFDC589F}" vid="{4A3C46E8-61CC-4603-A589-7422A47A8E4A}"/>
